--- a/ApplicationDeveloperGuide/images/virtual-device.pptx
+++ b/ApplicationDeveloperGuide/images/virtual-device.pptx
@@ -11,7 +11,7 @@
     <p:handoutMasterId r:id="rId4"/>
   </p:handoutMasterIdLst>
   <p:sldIdLst>
-    <p:sldId id="334" r:id="rId2"/>
+    <p:sldId id="308" r:id="rId2"/>
   </p:sldIdLst>
   <p:sldSz cx="12192000" cy="6858000"/>
   <p:notesSz cx="6858000" cy="9144000"/>
@@ -239,7 +239,7 @@
               <a:rPr lang="fr-FR" smtClean="0">
                 <a:latin typeface="Calibri Regular" charset="0"/>
               </a:rPr>
-              <a:t>April 20</a:t>
+              <a:t>janvier 21</a:t>
             </a:fld>
             <a:endParaRPr lang="en-US" dirty="0">
               <a:latin typeface="Calibri Regular" charset="0"/>
@@ -418,7 +418,7 @@
             <a:fld id="{79958FA1-9FE8-F149-AB4B-7DC9950B39E9}" type="datetime6">
               <a:rPr lang="fr-FR" smtClean="0"/>
               <a:pPr/>
-              <a:t>April 20</a:t>
+              <a:t>janvier 21</a:t>
             </a:fld>
             <a:endParaRPr lang="en-US" dirty="0"/>
           </a:p>
@@ -482,38 +482,37 @@
           <a:p>
             <a:pPr lvl="0"/>
             <a:r>
-              <a:rPr lang="en-US" dirty="0" smtClean="0"/>
+              <a:rPr lang="en-US" dirty="0"/>
               <a:t>Click to edit Master text styles</a:t>
             </a:r>
           </a:p>
           <a:p>
             <a:pPr lvl="1"/>
             <a:r>
-              <a:rPr lang="en-US" dirty="0" smtClean="0"/>
+              <a:rPr lang="en-US" dirty="0"/>
               <a:t>Second level</a:t>
             </a:r>
           </a:p>
           <a:p>
             <a:pPr lvl="2"/>
             <a:r>
-              <a:rPr lang="en-US" dirty="0" smtClean="0"/>
+              <a:rPr lang="en-US" dirty="0"/>
               <a:t>Third level</a:t>
             </a:r>
           </a:p>
           <a:p>
             <a:pPr lvl="3"/>
             <a:r>
-              <a:rPr lang="en-US" dirty="0" smtClean="0"/>
+              <a:rPr lang="en-US" dirty="0"/>
               <a:t>Fourth level</a:t>
             </a:r>
           </a:p>
           <a:p>
             <a:pPr lvl="4"/>
             <a:r>
-              <a:rPr lang="en-US" dirty="0" smtClean="0"/>
+              <a:rPr lang="en-US" dirty="0"/>
               <a:t>Fifth level</a:t>
             </a:r>
-            <a:endParaRPr lang="en-US" dirty="0"/>
           </a:p>
         </p:txBody>
       </p:sp>
@@ -893,10 +892,9 @@
           </a:lstStyle>
           <a:p>
             <a:r>
-              <a:rPr lang="en-US" dirty="0" smtClean="0"/>
+              <a:rPr lang="en-US" dirty="0"/>
               <a:t>Click to edit master title style</a:t>
             </a:r>
-            <a:endParaRPr lang="en-US" dirty="0"/>
           </a:p>
         </p:txBody>
       </p:sp>
@@ -964,7 +962,7 @@
           <a:p>
             <a:pPr lvl="0"/>
             <a:r>
-              <a:rPr lang="en-US" dirty="0" smtClean="0"/>
+              <a:rPr lang="en-US" dirty="0"/>
               <a:t>Click to edit Intro text styles</a:t>
             </a:r>
           </a:p>
@@ -1008,18 +1006,10 @@
         </p:style>
       </p:cxnSp>
     </p:spTree>
-    <p:extLst/>
   </p:cSld>
   <p:clrMapOvr>
     <a:masterClrMapping/>
   </p:clrMapOvr>
-  <p:timing>
-    <p:tnLst>
-      <p:par>
-        <p:cTn id="1" dur="indefinite" restart="never" nodeType="tmRoot"/>
-      </p:par>
-    </p:tnLst>
-  </p:timing>
   <p:hf hdr="0" ftr="0"/>
 </p:sldLayout>
 </file>
@@ -1115,7 +1105,7 @@
           <a:p>
             <a:pPr lvl="0"/>
             <a:r>
-              <a:rPr lang="en-US" noProof="0" dirty="0" smtClean="0"/>
+              <a:rPr lang="en-US" noProof="0" dirty="0"/>
               <a:t>Click to edit title style</a:t>
             </a:r>
           </a:p>
@@ -1192,35 +1182,35 @@
           <a:p>
             <a:pPr lvl="0"/>
             <a:r>
-              <a:rPr lang="en-US" noProof="0" dirty="0" smtClean="0"/>
+              <a:rPr lang="en-US" noProof="0" dirty="0"/>
               <a:t>Click to edit content</a:t>
             </a:r>
           </a:p>
           <a:p>
             <a:pPr lvl="1"/>
             <a:r>
-              <a:rPr lang="en-US" noProof="0" dirty="0" smtClean="0"/>
+              <a:rPr lang="en-US" noProof="0" dirty="0"/>
               <a:t>Second level</a:t>
             </a:r>
           </a:p>
           <a:p>
             <a:pPr lvl="2"/>
             <a:r>
-              <a:rPr lang="en-US" noProof="0" dirty="0" smtClean="0"/>
+              <a:rPr lang="en-US" noProof="0" dirty="0"/>
               <a:t>Third level</a:t>
             </a:r>
           </a:p>
           <a:p>
             <a:pPr lvl="3"/>
             <a:r>
-              <a:rPr lang="en-US" noProof="0" dirty="0" smtClean="0"/>
+              <a:rPr lang="en-US" noProof="0" dirty="0"/>
               <a:t>Fourth level</a:t>
             </a:r>
           </a:p>
           <a:p>
             <a:pPr lvl="3"/>
             <a:r>
-              <a:rPr lang="en-US" noProof="0" dirty="0" smtClean="0"/>
+              <a:rPr lang="en-US" noProof="0" dirty="0"/>
               <a:t>	Fifth level</a:t>
             </a:r>
           </a:p>
@@ -1259,7 +1249,7 @@
           </a:lstStyle>
           <a:p>
             <a:r>
-              <a:rPr lang="en-US" dirty="0" smtClean="0"/>
+              <a:rPr lang="en-US" dirty="0"/>
               <a:t>click to edit title</a:t>
             </a:r>
             <a:endParaRPr lang="en-US" noProof="0" dirty="0"/>
@@ -1302,18 +1292,10 @@
         </p:style>
       </p:cxnSp>
     </p:spTree>
-    <p:extLst/>
   </p:cSld>
   <p:clrMapOvr>
     <a:masterClrMapping/>
   </p:clrMapOvr>
-  <p:timing>
-    <p:tnLst>
-      <p:par>
-        <p:cTn id="1" dur="indefinite" restart="never" nodeType="tmRoot"/>
-      </p:par>
-    </p:tnLst>
-  </p:timing>
   <p:hf hdr="0" ftr="0"/>
 </p:sldLayout>
 </file>
@@ -1409,7 +1391,7 @@
           <a:p>
             <a:pPr lvl="0"/>
             <a:r>
-              <a:rPr lang="en-US" noProof="0" dirty="0" smtClean="0"/>
+              <a:rPr lang="en-US" noProof="0" dirty="0"/>
               <a:t>Click to edit title style</a:t>
             </a:r>
           </a:p>
@@ -1486,35 +1468,35 @@
           <a:p>
             <a:pPr lvl="0"/>
             <a:r>
-              <a:rPr lang="en-US" noProof="0" dirty="0" smtClean="0"/>
+              <a:rPr lang="en-US" noProof="0" dirty="0"/>
               <a:t>Click to edit content</a:t>
             </a:r>
           </a:p>
           <a:p>
             <a:pPr lvl="1"/>
             <a:r>
-              <a:rPr lang="en-US" noProof="0" dirty="0" smtClean="0"/>
+              <a:rPr lang="en-US" noProof="0" dirty="0"/>
               <a:t>Second level</a:t>
             </a:r>
           </a:p>
           <a:p>
             <a:pPr lvl="2"/>
             <a:r>
-              <a:rPr lang="en-US" noProof="0" dirty="0" smtClean="0"/>
+              <a:rPr lang="en-US" noProof="0" dirty="0"/>
               <a:t>Third level</a:t>
             </a:r>
           </a:p>
           <a:p>
             <a:pPr lvl="3"/>
             <a:r>
-              <a:rPr lang="en-US" noProof="0" dirty="0" smtClean="0"/>
+              <a:rPr lang="en-US" noProof="0" dirty="0"/>
               <a:t>Fourth level</a:t>
             </a:r>
           </a:p>
           <a:p>
             <a:pPr lvl="3"/>
             <a:r>
-              <a:rPr lang="en-US" noProof="0" dirty="0" smtClean="0"/>
+              <a:rPr lang="en-US" noProof="0" dirty="0"/>
               <a:t>	Fifth level</a:t>
             </a:r>
           </a:p>
@@ -1594,7 +1576,7 @@
           <a:p>
             <a:pPr lvl="0"/>
             <a:r>
-              <a:rPr lang="en-US" noProof="0" dirty="0" smtClean="0"/>
+              <a:rPr lang="en-US" noProof="0" dirty="0"/>
               <a:t>Click to edit title style</a:t>
             </a:r>
           </a:p>
@@ -1671,35 +1653,35 @@
           <a:p>
             <a:pPr lvl="0"/>
             <a:r>
-              <a:rPr lang="en-US" noProof="0" dirty="0" smtClean="0"/>
+              <a:rPr lang="en-US" noProof="0" dirty="0"/>
               <a:t>Click to edit content</a:t>
             </a:r>
           </a:p>
           <a:p>
             <a:pPr lvl="1"/>
             <a:r>
-              <a:rPr lang="en-US" noProof="0" dirty="0" smtClean="0"/>
+              <a:rPr lang="en-US" noProof="0" dirty="0"/>
               <a:t>Second level</a:t>
             </a:r>
           </a:p>
           <a:p>
             <a:pPr lvl="2"/>
             <a:r>
-              <a:rPr lang="en-US" noProof="0" dirty="0" smtClean="0"/>
+              <a:rPr lang="en-US" noProof="0" dirty="0"/>
               <a:t>Third level</a:t>
             </a:r>
           </a:p>
           <a:p>
             <a:pPr lvl="3"/>
             <a:r>
-              <a:rPr lang="en-US" noProof="0" dirty="0" smtClean="0"/>
+              <a:rPr lang="en-US" noProof="0" dirty="0"/>
               <a:t>Fourth level</a:t>
             </a:r>
           </a:p>
           <a:p>
             <a:pPr lvl="3"/>
             <a:r>
-              <a:rPr lang="en-US" noProof="0" dirty="0" smtClean="0"/>
+              <a:rPr lang="en-US" noProof="0" dirty="0"/>
               <a:t>	Fifth level</a:t>
             </a:r>
           </a:p>
@@ -1738,7 +1720,7 @@
           </a:lstStyle>
           <a:p>
             <a:r>
-              <a:rPr lang="en-US" dirty="0" smtClean="0"/>
+              <a:rPr lang="en-US" dirty="0"/>
               <a:t>click to edit title</a:t>
             </a:r>
             <a:endParaRPr lang="en-US" noProof="0" dirty="0"/>
@@ -1781,18 +1763,10 @@
         </p:style>
       </p:cxnSp>
     </p:spTree>
-    <p:extLst/>
   </p:cSld>
   <p:clrMapOvr>
     <a:masterClrMapping/>
   </p:clrMapOvr>
-  <p:timing>
-    <p:tnLst>
-      <p:par>
-        <p:cTn id="1" dur="indefinite" restart="never" nodeType="tmRoot"/>
-      </p:par>
-    </p:tnLst>
-  </p:timing>
   <p:hf hdr="0" ftr="0"/>
 </p:sldLayout>
 </file>
@@ -1885,35 +1859,35 @@
           <a:p>
             <a:pPr lvl="0"/>
             <a:r>
-              <a:rPr lang="en-US" noProof="0" dirty="0" smtClean="0"/>
+              <a:rPr lang="en-US" noProof="0" dirty="0"/>
               <a:t>Click to edit content</a:t>
             </a:r>
           </a:p>
           <a:p>
             <a:pPr lvl="1"/>
             <a:r>
-              <a:rPr lang="en-US" noProof="0" dirty="0" smtClean="0"/>
+              <a:rPr lang="en-US" noProof="0" dirty="0"/>
               <a:t>Second level</a:t>
             </a:r>
           </a:p>
           <a:p>
             <a:pPr lvl="2"/>
             <a:r>
-              <a:rPr lang="en-US" noProof="0" dirty="0" smtClean="0"/>
+              <a:rPr lang="en-US" noProof="0" dirty="0"/>
               <a:t>Third level</a:t>
             </a:r>
           </a:p>
           <a:p>
             <a:pPr lvl="3"/>
             <a:r>
-              <a:rPr lang="en-US" noProof="0" dirty="0" smtClean="0"/>
+              <a:rPr lang="en-US" noProof="0" dirty="0"/>
               <a:t>Fourth level</a:t>
             </a:r>
           </a:p>
           <a:p>
             <a:pPr lvl="3"/>
             <a:r>
-              <a:rPr lang="en-US" noProof="0" dirty="0" smtClean="0"/>
+              <a:rPr lang="en-US" noProof="0" dirty="0"/>
               <a:t>	Fifth level</a:t>
             </a:r>
           </a:p>
@@ -1950,14 +1924,14 @@
               </a:spcAft>
             </a:pPr>
             <a:r>
-              <a:rPr lang="en-US" sz="1400" b="0" i="0" dirty="0" err="1" smtClean="0">
+              <a:rPr lang="en-US" sz="1400" b="0" i="0" dirty="0" err="1">
                 <a:latin typeface="Source Sans Pro" charset="0"/>
                 <a:ea typeface="Source Sans Pro" charset="0"/>
                 <a:cs typeface="Source Sans Pro" charset="0"/>
               </a:rPr>
               <a:t>zfegrhtjyufgrtntcvb</a:t>
             </a:r>
-            <a:endParaRPr lang="en-US" sz="1400" b="0" i="0" dirty="0" smtClean="0">
+            <a:endParaRPr lang="en-US" sz="1400" b="0" i="0" dirty="0">
               <a:latin typeface="Source Sans Pro" charset="0"/>
               <a:ea typeface="Source Sans Pro" charset="0"/>
               <a:cs typeface="Source Sans Pro" charset="0"/>
@@ -1998,7 +1972,7 @@
           </a:lstStyle>
           <a:p>
             <a:r>
-              <a:rPr lang="en-US" dirty="0" smtClean="0"/>
+              <a:rPr lang="en-US" dirty="0"/>
               <a:t>click to edit title</a:t>
             </a:r>
             <a:endParaRPr lang="en-US" noProof="0" dirty="0"/>
@@ -2041,18 +2015,10 @@
         </p:style>
       </p:cxnSp>
     </p:spTree>
-    <p:extLst/>
   </p:cSld>
   <p:clrMapOvr>
     <a:masterClrMapping/>
   </p:clrMapOvr>
-  <p:timing>
-    <p:tnLst>
-      <p:par>
-        <p:cTn id="1" dur="indefinite" restart="never" nodeType="tmRoot"/>
-      </p:par>
-    </p:tnLst>
-  </p:timing>
   <p:hf hdr="0" ftr="0"/>
 </p:sldLayout>
 </file>
@@ -2148,7 +2114,7 @@
           <a:p>
             <a:pPr lvl="0"/>
             <a:r>
-              <a:rPr lang="en-US" noProof="0" dirty="0" smtClean="0"/>
+              <a:rPr lang="en-US" noProof="0" dirty="0"/>
               <a:t>Click to edit title style</a:t>
             </a:r>
           </a:p>
@@ -2225,35 +2191,35 @@
           <a:p>
             <a:pPr lvl="0"/>
             <a:r>
-              <a:rPr lang="en-US" noProof="0" dirty="0" smtClean="0"/>
+              <a:rPr lang="en-US" noProof="0" dirty="0"/>
               <a:t>Click to edit content</a:t>
             </a:r>
           </a:p>
           <a:p>
             <a:pPr lvl="1"/>
             <a:r>
-              <a:rPr lang="en-US" noProof="0" dirty="0" smtClean="0"/>
+              <a:rPr lang="en-US" noProof="0" dirty="0"/>
               <a:t>Second level</a:t>
             </a:r>
           </a:p>
           <a:p>
             <a:pPr lvl="2"/>
             <a:r>
-              <a:rPr lang="en-US" noProof="0" dirty="0" smtClean="0"/>
+              <a:rPr lang="en-US" noProof="0" dirty="0"/>
               <a:t>Third level</a:t>
             </a:r>
           </a:p>
           <a:p>
             <a:pPr lvl="3"/>
             <a:r>
-              <a:rPr lang="en-US" noProof="0" dirty="0" smtClean="0"/>
+              <a:rPr lang="en-US" noProof="0" dirty="0"/>
               <a:t>Fourth level</a:t>
             </a:r>
           </a:p>
           <a:p>
             <a:pPr lvl="3"/>
             <a:r>
-              <a:rPr lang="en-US" noProof="0" dirty="0" smtClean="0"/>
+              <a:rPr lang="en-US" noProof="0" dirty="0"/>
               <a:t>	Fifth level</a:t>
             </a:r>
           </a:p>
@@ -2292,7 +2258,7 @@
           </a:lstStyle>
           <a:p>
             <a:r>
-              <a:rPr lang="en-US" dirty="0" smtClean="0"/>
+              <a:rPr lang="en-US" dirty="0"/>
               <a:t>click to edit title</a:t>
             </a:r>
             <a:endParaRPr lang="en-US" noProof="0" dirty="0"/>
@@ -2335,18 +2301,10 @@
         </p:style>
       </p:cxnSp>
     </p:spTree>
-    <p:extLst/>
   </p:cSld>
   <p:clrMapOvr>
     <a:masterClrMapping/>
   </p:clrMapOvr>
-  <p:timing>
-    <p:tnLst>
-      <p:par>
-        <p:cTn id="1" dur="indefinite" restart="never" nodeType="tmRoot"/>
-      </p:par>
-    </p:tnLst>
-  </p:timing>
   <p:hf hdr="0" ftr="0"/>
 </p:sldLayout>
 </file>
@@ -2442,7 +2400,7 @@
           <a:p>
             <a:pPr lvl="0"/>
             <a:r>
-              <a:rPr lang="en-US" noProof="0" dirty="0" smtClean="0"/>
+              <a:rPr lang="en-US" noProof="0" dirty="0"/>
               <a:t>Click to edit title style</a:t>
             </a:r>
           </a:p>
@@ -2519,35 +2477,35 @@
           <a:p>
             <a:pPr lvl="0"/>
             <a:r>
-              <a:rPr lang="en-US" noProof="0" dirty="0" smtClean="0"/>
+              <a:rPr lang="en-US" noProof="0" dirty="0"/>
               <a:t>Click to edit content</a:t>
             </a:r>
           </a:p>
           <a:p>
             <a:pPr lvl="1"/>
             <a:r>
-              <a:rPr lang="en-US" noProof="0" dirty="0" smtClean="0"/>
+              <a:rPr lang="en-US" noProof="0" dirty="0"/>
               <a:t>Second level</a:t>
             </a:r>
           </a:p>
           <a:p>
             <a:pPr lvl="2"/>
             <a:r>
-              <a:rPr lang="en-US" noProof="0" dirty="0" smtClean="0"/>
+              <a:rPr lang="en-US" noProof="0" dirty="0"/>
               <a:t>Third level</a:t>
             </a:r>
           </a:p>
           <a:p>
             <a:pPr lvl="3"/>
             <a:r>
-              <a:rPr lang="en-US" noProof="0" dirty="0" smtClean="0"/>
+              <a:rPr lang="en-US" noProof="0" dirty="0"/>
               <a:t>Fourth level</a:t>
             </a:r>
           </a:p>
           <a:p>
             <a:pPr lvl="3"/>
             <a:r>
-              <a:rPr lang="en-US" noProof="0" dirty="0" smtClean="0"/>
+              <a:rPr lang="en-US" noProof="0" dirty="0"/>
               <a:t>	Fifth level</a:t>
             </a:r>
           </a:p>
@@ -2624,35 +2582,35 @@
           <a:p>
             <a:pPr lvl="0"/>
             <a:r>
-              <a:rPr lang="en-US" noProof="0" dirty="0" smtClean="0"/>
+              <a:rPr lang="en-US" noProof="0" dirty="0"/>
               <a:t>Click to edit content</a:t>
             </a:r>
           </a:p>
           <a:p>
             <a:pPr lvl="1"/>
             <a:r>
-              <a:rPr lang="en-US" noProof="0" dirty="0" smtClean="0"/>
+              <a:rPr lang="en-US" noProof="0" dirty="0"/>
               <a:t>Second level</a:t>
             </a:r>
           </a:p>
           <a:p>
             <a:pPr lvl="2"/>
             <a:r>
-              <a:rPr lang="en-US" noProof="0" dirty="0" smtClean="0"/>
+              <a:rPr lang="en-US" noProof="0" dirty="0"/>
               <a:t>Third level</a:t>
             </a:r>
           </a:p>
           <a:p>
             <a:pPr lvl="3"/>
             <a:r>
-              <a:rPr lang="en-US" noProof="0" dirty="0" smtClean="0"/>
+              <a:rPr lang="en-US" noProof="0" dirty="0"/>
               <a:t>Fourth level</a:t>
             </a:r>
           </a:p>
           <a:p>
             <a:pPr lvl="3"/>
             <a:r>
-              <a:rPr lang="en-US" noProof="0" dirty="0" smtClean="0"/>
+              <a:rPr lang="en-US" noProof="0" dirty="0"/>
               <a:t>	Fifth level</a:t>
             </a:r>
           </a:p>
@@ -2732,7 +2690,7 @@
           <a:p>
             <a:pPr lvl="0"/>
             <a:r>
-              <a:rPr lang="en-US" noProof="0" dirty="0" smtClean="0"/>
+              <a:rPr lang="en-US" noProof="0" dirty="0"/>
               <a:t>Click to edit title style</a:t>
             </a:r>
           </a:p>
@@ -2809,35 +2767,35 @@
           <a:p>
             <a:pPr lvl="0"/>
             <a:r>
-              <a:rPr lang="en-US" noProof="0" dirty="0" smtClean="0"/>
+              <a:rPr lang="en-US" noProof="0" dirty="0"/>
               <a:t>Click to edit content</a:t>
             </a:r>
           </a:p>
           <a:p>
             <a:pPr lvl="1"/>
             <a:r>
-              <a:rPr lang="en-US" noProof="0" dirty="0" smtClean="0"/>
+              <a:rPr lang="en-US" noProof="0" dirty="0"/>
               <a:t>Second level</a:t>
             </a:r>
           </a:p>
           <a:p>
             <a:pPr lvl="2"/>
             <a:r>
-              <a:rPr lang="en-US" noProof="0" dirty="0" smtClean="0"/>
+              <a:rPr lang="en-US" noProof="0" dirty="0"/>
               <a:t>Third level</a:t>
             </a:r>
           </a:p>
           <a:p>
             <a:pPr lvl="3"/>
             <a:r>
-              <a:rPr lang="en-US" noProof="0" dirty="0" smtClean="0"/>
+              <a:rPr lang="en-US" noProof="0" dirty="0"/>
               <a:t>Fourth level</a:t>
             </a:r>
           </a:p>
           <a:p>
             <a:pPr lvl="3"/>
             <a:r>
-              <a:rPr lang="en-US" noProof="0" dirty="0" smtClean="0"/>
+              <a:rPr lang="en-US" noProof="0" dirty="0"/>
               <a:t>	Fifth level</a:t>
             </a:r>
           </a:p>
@@ -2917,7 +2875,7 @@
           <a:p>
             <a:pPr lvl="0"/>
             <a:r>
-              <a:rPr lang="en-US" noProof="0" dirty="0" smtClean="0"/>
+              <a:rPr lang="en-US" noProof="0" dirty="0"/>
               <a:t>Click to edit title style</a:t>
             </a:r>
           </a:p>
@@ -2991,7 +2949,7 @@
           </a:lstStyle>
           <a:p>
             <a:r>
-              <a:rPr lang="en-US" dirty="0" smtClean="0"/>
+              <a:rPr lang="en-US" dirty="0"/>
               <a:t>click to edit title</a:t>
             </a:r>
             <a:endParaRPr lang="en-US" noProof="0" dirty="0"/>
@@ -2999,18 +2957,10 @@
         </p:txBody>
       </p:sp>
     </p:spTree>
-    <p:extLst/>
   </p:cSld>
   <p:clrMapOvr>
     <a:masterClrMapping/>
   </p:clrMapOvr>
-  <p:timing>
-    <p:tnLst>
-      <p:par>
-        <p:cTn id="1" dur="indefinite" restart="never" nodeType="tmRoot"/>
-      </p:par>
-    </p:tnLst>
-  </p:timing>
   <p:hf hdr="0" ftr="0"/>
 </p:sldLayout>
 </file>
@@ -3033,18 +2983,10 @@
         </a:xfrm>
       </p:grpSpPr>
     </p:spTree>
-    <p:extLst/>
   </p:cSld>
   <p:clrMapOvr>
     <a:masterClrMapping/>
   </p:clrMapOvr>
-  <p:timing>
-    <p:tnLst>
-      <p:par>
-        <p:cTn id="1" dur="indefinite" restart="never" nodeType="tmRoot"/>
-      </p:par>
-    </p:tnLst>
-  </p:timing>
   <p:hf hdr="0" ftr="0"/>
 </p:sldLayout>
 </file>
@@ -3139,10 +3081,9 @@
           <a:p>
             <a:pPr algn="ctr"/>
             <a:r>
-              <a:rPr lang="en-US" dirty="0" smtClean="0"/>
+              <a:rPr lang="en-US" dirty="0"/>
               <a:t>click to edit title</a:t>
             </a:r>
-            <a:endParaRPr lang="en-US" dirty="0"/>
           </a:p>
         </p:txBody>
       </p:sp>
@@ -3217,53 +3158,45 @@
           <a:p>
             <a:pPr lvl="0"/>
             <a:r>
-              <a:rPr lang="en-US" noProof="0" dirty="0" smtClean="0"/>
+              <a:rPr lang="en-US" noProof="0" dirty="0"/>
               <a:t>Click to edit content</a:t>
             </a:r>
           </a:p>
           <a:p>
             <a:pPr lvl="1"/>
             <a:r>
-              <a:rPr lang="en-US" noProof="0" dirty="0" smtClean="0"/>
+              <a:rPr lang="en-US" noProof="0" dirty="0"/>
               <a:t>Second level</a:t>
             </a:r>
           </a:p>
           <a:p>
             <a:pPr lvl="2"/>
             <a:r>
-              <a:rPr lang="en-US" noProof="0" dirty="0" smtClean="0"/>
+              <a:rPr lang="en-US" noProof="0" dirty="0"/>
               <a:t>Third level</a:t>
             </a:r>
           </a:p>
           <a:p>
             <a:pPr lvl="3"/>
             <a:r>
-              <a:rPr lang="en-US" noProof="0" dirty="0" smtClean="0"/>
+              <a:rPr lang="en-US" noProof="0" dirty="0"/>
               <a:t>Fourth level</a:t>
             </a:r>
           </a:p>
           <a:p>
             <a:pPr lvl="3"/>
             <a:r>
-              <a:rPr lang="en-US" noProof="0" dirty="0" smtClean="0"/>
+              <a:rPr lang="en-US" noProof="0" dirty="0"/>
               <a:t>	Fifth level</a:t>
             </a:r>
           </a:p>
         </p:txBody>
       </p:sp>
     </p:spTree>
-    <p:extLst/>
   </p:cSld>
   <p:clrMapOvr>
     <a:masterClrMapping/>
   </p:clrMapOvr>
-  <p:timing>
-    <p:tnLst>
-      <p:par>
-        <p:cTn id="1" dur="indefinite" restart="never" nodeType="tmRoot"/>
-      </p:par>
-    </p:tnLst>
-  </p:timing>
   <p:hf hdr="0" ftr="0"/>
 </p:sldLayout>
 </file>
@@ -3308,10 +3241,9 @@
           <a:p>
             <a:pPr algn="ctr"/>
             <a:r>
-              <a:rPr lang="en-US" sz="2400" dirty="0" smtClean="0"/>
+              <a:rPr lang="en-US" sz="2400" dirty="0"/>
               <a:t>DISCLAIMER</a:t>
             </a:r>
-            <a:endParaRPr lang="en-US" sz="2400" dirty="0"/>
           </a:p>
         </p:txBody>
       </p:sp>
@@ -3346,7 +3278,7 @@
               </a:spcAft>
             </a:pPr>
             <a:r>
-              <a:rPr lang="en-US" sz="1400" b="0" i="0" spc="0" dirty="0" smtClean="0">
+              <a:rPr lang="en-US" sz="1400" b="0" i="0" spc="0" dirty="0">
                 <a:ln>
                   <a:noFill/>
                 </a:ln>
@@ -3360,7 +3292,7 @@
               <a:t>All rights reserved. Information, technical data and tutorials contained in this document are proprietary under copyright Law of Industrial Smart Software Technology (IS2T S.A.) operating under the brand name </a:t>
             </a:r>
             <a:r>
-              <a:rPr lang="en-US" sz="1400" b="0" i="0" spc="0" dirty="0" err="1" smtClean="0">
+              <a:rPr lang="en-US" sz="1400" b="0" i="0" spc="0" dirty="0" err="1">
                 <a:ln>
                   <a:noFill/>
                 </a:ln>
@@ -3374,7 +3306,7 @@
               <a:t>MicroEJ</a:t>
             </a:r>
             <a:r>
-              <a:rPr lang="en-US" sz="1400" b="0" i="0" spc="0" dirty="0" smtClean="0">
+              <a:rPr lang="en-US" sz="1400" b="0" i="0" spc="0" dirty="0">
                 <a:ln>
                   <a:noFill/>
                 </a:ln>
@@ -3398,7 +3330,7 @@
               </a:spcAft>
             </a:pPr>
             <a:r>
-              <a:rPr lang="en-US" sz="1400" b="0" i="0" spc="0" dirty="0" smtClean="0">
+              <a:rPr lang="en-US" sz="1400" b="0" i="0" spc="0" dirty="0">
                 <a:ln>
                   <a:noFill/>
                 </a:ln>
@@ -3422,7 +3354,7 @@
               </a:spcAft>
             </a:pPr>
             <a:r>
-              <a:rPr lang="en-US" sz="1400" b="0" i="0" spc="0" dirty="0" smtClean="0">
+              <a:rPr lang="en-US" sz="1400" b="0" i="0" spc="0" dirty="0">
                 <a:ln>
                   <a:noFill/>
                 </a:ln>
@@ -3436,7 +3368,7 @@
               <a:t>IS2T® and </a:t>
             </a:r>
             <a:r>
-              <a:rPr lang="en-US" sz="1400" b="0" i="0" spc="0" dirty="0" err="1" smtClean="0">
+              <a:rPr lang="en-US" sz="1400" b="0" i="0" spc="0" dirty="0" err="1">
                 <a:ln>
                   <a:noFill/>
                 </a:ln>
@@ -3450,7 +3382,7 @@
               <a:t>MicroEJ</a:t>
             </a:r>
             <a:r>
-              <a:rPr lang="en-US" sz="1400" b="0" i="0" spc="0" dirty="0" smtClean="0">
+              <a:rPr lang="en-US" sz="1400" b="0" i="0" spc="0" dirty="0">
                 <a:ln>
                   <a:noFill/>
                 </a:ln>
@@ -3474,7 +3406,7 @@
               </a:spcAft>
             </a:pPr>
             <a:r>
-              <a:rPr lang="en-US" sz="1400" b="0" i="0" spc="0" dirty="0" smtClean="0">
+              <a:rPr lang="en-US" sz="1400" b="0" i="0" spc="0" dirty="0">
                 <a:ln>
                   <a:noFill/>
                 </a:ln>
@@ -3488,7 +3420,7 @@
               <a:t>Java™ is Sun Microsystems’ trademark for a technology for developing application software and deploying it in cross-platform, networked environments. When it is used in this site without adding the “™” symbol, it includes implementations of the technology by companies other than Sun. Java™, all Java-based marks and all related logos are trademarks or registered trademarks of Sun Microsystems </a:t>
             </a:r>
             <a:r>
-              <a:rPr lang="en-US" sz="1400" b="0" i="0" spc="0" dirty="0" err="1" smtClean="0">
+              <a:rPr lang="en-US" sz="1400" b="0" i="0" spc="0" dirty="0" err="1">
                 <a:ln>
                   <a:noFill/>
                 </a:ln>
@@ -3502,7 +3434,7 @@
               <a:t>Inc</a:t>
             </a:r>
             <a:r>
-              <a:rPr lang="en-US" sz="1400" b="0" i="0" spc="0" dirty="0" smtClean="0">
+              <a:rPr lang="en-US" sz="1400" b="0" i="0" spc="0" dirty="0">
                 <a:ln>
                   <a:noFill/>
                 </a:ln>
@@ -3526,7 +3458,7 @@
               </a:spcAft>
             </a:pPr>
             <a:r>
-              <a:rPr lang="en-US" sz="1400" b="0" i="0" spc="0" dirty="0" smtClean="0">
+              <a:rPr lang="en-US" sz="1400" b="0" i="0" spc="0" dirty="0">
                 <a:ln>
                   <a:noFill/>
                 </a:ln>
@@ -3573,18 +3505,10 @@
         </p:style>
       </p:cxnSp>
     </p:spTree>
-    <p:extLst/>
   </p:cSld>
   <p:clrMapOvr>
     <a:masterClrMapping/>
   </p:clrMapOvr>
-  <p:timing>
-    <p:tnLst>
-      <p:par>
-        <p:cTn id="1" dur="indefinite" restart="never" nodeType="tmRoot"/>
-      </p:par>
-    </p:tnLst>
-  </p:timing>
   <p:hf hdr="0" ftr="0"/>
 </p:sldLayout>
 </file>
@@ -3629,7 +3553,7 @@
           <a:p>
             <a:pPr algn="ctr"/>
             <a:r>
-              <a:rPr lang="fr-FR" sz="2400" dirty="0" smtClean="0"/>
+              <a:rPr lang="fr-FR" sz="2400" dirty="0"/>
               <a:t>DISCLAIMER &amp; CONFIDENTIALITY</a:t>
             </a:r>
             <a:endParaRPr lang="en-US" sz="2400" dirty="0"/>
@@ -3667,7 +3591,7 @@
               </a:spcAft>
             </a:pPr>
             <a:r>
-              <a:rPr lang="en-US" sz="1400" b="0" i="0" kern="1200" spc="0" dirty="0" smtClean="0">
+              <a:rPr lang="en-US" sz="1400" b="0" i="0" kern="1200" spc="0" dirty="0">
                 <a:ln>
                   <a:noFill/>
                 </a:ln>
@@ -3681,7 +3605,7 @@
               <a:t>All rights reserved. Information, technical data and tutorials contained in this document are confidential and proprietary under copyright Law of Industrial Smart Software Technology (IS2T S.A.) operating under the brand name </a:t>
             </a:r>
             <a:r>
-              <a:rPr lang="en-US" sz="1400" b="0" i="0" kern="1200" spc="0" dirty="0" err="1" smtClean="0">
+              <a:rPr lang="en-US" sz="1400" b="0" i="0" kern="1200" spc="0" dirty="0" err="1">
                 <a:ln>
                   <a:noFill/>
                 </a:ln>
@@ -3695,7 +3619,7 @@
               <a:t>MicroEJ</a:t>
             </a:r>
             <a:r>
-              <a:rPr lang="en-US" sz="1400" b="0" i="0" kern="1200" spc="0" dirty="0" smtClean="0">
+              <a:rPr lang="en-US" sz="1400" b="0" i="0" kern="1200" spc="0" dirty="0">
                 <a:ln>
                   <a:noFill/>
                 </a:ln>
@@ -3719,7 +3643,7 @@
               </a:spcAft>
             </a:pPr>
             <a:r>
-              <a:rPr lang="en-US" sz="1400" b="0" i="0" kern="1200" spc="0" dirty="0" smtClean="0">
+              <a:rPr lang="en-US" sz="1400" b="0" i="0" kern="1200" spc="0" dirty="0">
                 <a:ln>
                   <a:noFill/>
                 </a:ln>
@@ -3743,7 +3667,7 @@
               </a:spcAft>
             </a:pPr>
             <a:r>
-              <a:rPr lang="en-US" sz="1400" b="0" i="0" kern="1200" spc="0" dirty="0" smtClean="0">
+              <a:rPr lang="en-US" sz="1400" b="0" i="0" kern="1200" spc="0" dirty="0">
                 <a:ln>
                   <a:noFill/>
                 </a:ln>
@@ -3757,7 +3681,7 @@
               <a:t>IS2T® and </a:t>
             </a:r>
             <a:r>
-              <a:rPr lang="en-US" sz="1400" b="0" i="0" kern="1200" spc="0" dirty="0" err="1" smtClean="0">
+              <a:rPr lang="en-US" sz="1400" b="0" i="0" kern="1200" spc="0" dirty="0" err="1">
                 <a:ln>
                   <a:noFill/>
                 </a:ln>
@@ -3771,7 +3695,7 @@
               <a:t>MicroEJ</a:t>
             </a:r>
             <a:r>
-              <a:rPr lang="en-US" sz="1400" b="0" i="0" kern="1200" spc="0" dirty="0" smtClean="0">
+              <a:rPr lang="en-US" sz="1400" b="0" i="0" kern="1200" spc="0" dirty="0">
                 <a:ln>
                   <a:noFill/>
                 </a:ln>
@@ -3795,7 +3719,7 @@
               </a:spcAft>
             </a:pPr>
             <a:r>
-              <a:rPr lang="en-US" sz="1400" b="0" i="0" kern="1200" spc="0" dirty="0" smtClean="0">
+              <a:rPr lang="en-US" sz="1400" b="0" i="0" kern="1200" spc="0" dirty="0">
                 <a:ln>
                   <a:noFill/>
                 </a:ln>
@@ -3809,7 +3733,7 @@
               <a:t>Java™ is Sun Microsystems’ trademark for a technology for developing application software and deploying it in cross-platform, networked environments. When it is used in this site without adding the “™” symbol, it includes implementations of the technology by companies other than Sun. Java™, all Java-based marks and all related logos are trademarks or registered trademarks of Sun Microsystems </a:t>
             </a:r>
             <a:r>
-              <a:rPr lang="en-US" sz="1400" b="0" i="0" kern="1200" spc="0" dirty="0" err="1" smtClean="0">
+              <a:rPr lang="en-US" sz="1400" b="0" i="0" kern="1200" spc="0" dirty="0" err="1">
                 <a:ln>
                   <a:noFill/>
                 </a:ln>
@@ -3823,7 +3747,7 @@
               <a:t>Inc</a:t>
             </a:r>
             <a:r>
-              <a:rPr lang="en-US" sz="1400" b="0" i="0" kern="1200" spc="0" dirty="0" smtClean="0">
+              <a:rPr lang="en-US" sz="1400" b="0" i="0" kern="1200" spc="0" dirty="0">
                 <a:ln>
                   <a:noFill/>
                 </a:ln>
@@ -3847,7 +3771,7 @@
               </a:spcAft>
             </a:pPr>
             <a:r>
-              <a:rPr lang="en-US" sz="1400" b="0" i="0" kern="1200" spc="0" dirty="0" smtClean="0">
+              <a:rPr lang="en-US" sz="1400" b="0" i="0" kern="1200" spc="0" dirty="0">
                 <a:ln>
                   <a:noFill/>
                 </a:ln>
@@ -3860,17 +3784,6 @@
               </a:rPr>
               <a:t>Other trademarks are proprietary of their respective owners.</a:t>
             </a:r>
-            <a:endParaRPr lang="en-US" sz="1400" b="0" i="0" kern="1200" spc="0" dirty="0">
-              <a:ln>
-                <a:noFill/>
-              </a:ln>
-              <a:solidFill>
-                <a:schemeClr val="tx2"/>
-              </a:solidFill>
-              <a:latin typeface="Source Sans Pro Light" charset="0"/>
-              <a:ea typeface="Source Sans Pro Light" charset="0"/>
-              <a:cs typeface="Source Sans Pro Light" charset="0"/>
-            </a:endParaRPr>
           </a:p>
         </p:txBody>
       </p:sp>
@@ -3909,13 +3822,6 @@
   <p:clrMapOvr>
     <a:masterClrMapping/>
   </p:clrMapOvr>
-  <p:timing>
-    <p:tnLst>
-      <p:par>
-        <p:cTn id="1" dur="indefinite" restart="never" nodeType="tmRoot"/>
-      </p:par>
-    </p:tnLst>
-  </p:timing>
   <p:hf hdr="0" ftr="0"/>
 </p:sldLayout>
 </file>
@@ -4157,7 +4063,7 @@
           <p:nvPr/>
         </p:nvPicPr>
         <p:blipFill>
-          <a:blip r:embed="rId2">
+          <a:blip r:embed="rId2" cstate="print">
             <a:extLst>
               <a:ext uri="{28A0092B-C50C-407E-A947-70E740481C1C}">
                 <a14:useLocalDpi xmlns:a14="http://schemas.microsoft.com/office/drawing/2010/main" val="0"/>
@@ -4245,18 +4151,13 @@
           </a:lstStyle>
           <a:p>
             <a:r>
-              <a:rPr lang="en-US" sz="8000" b="0" i="1" spc="600" dirty="0" smtClean="0">
+              <a:rPr lang="en-US" sz="8000" b="0" i="1" spc="600" dirty="0">
                 <a:latin typeface="Source Sans Pro ExtraLight" charset="0"/>
                 <a:ea typeface="Source Sans Pro ExtraLight" charset="0"/>
                 <a:cs typeface="Source Sans Pro ExtraLight" charset="0"/>
               </a:rPr>
               <a:t>Thank you </a:t>
             </a:r>
-            <a:endParaRPr lang="en-US" sz="8000" b="0" i="1" spc="600" dirty="0">
-              <a:latin typeface="Source Sans Pro ExtraLight" charset="0"/>
-              <a:ea typeface="Source Sans Pro ExtraLight" charset="0"/>
-              <a:cs typeface="Source Sans Pro ExtraLight" charset="0"/>
-            </a:endParaRPr>
           </a:p>
         </p:txBody>
       </p:sp>
@@ -4287,37 +4188,16 @@
                 <a:ea typeface="Source Sans Pro Light" charset="0"/>
                 <a:cs typeface="Source Sans Pro Light" charset="0"/>
               </a:rPr>
-              <a:t>for </a:t>
-            </a:r>
-            <a:r>
-              <a:rPr lang="en-US" b="0" i="1" spc="300" dirty="0" smtClean="0">
-                <a:latin typeface="Source Sans Pro Light" charset="0"/>
-                <a:ea typeface="Source Sans Pro Light" charset="0"/>
-                <a:cs typeface="Source Sans Pro Light" charset="0"/>
-              </a:rPr>
-              <a:t>your attention !</a:t>
-            </a:r>
-            <a:endParaRPr lang="en-US" b="0" i="1" spc="300" dirty="0">
-              <a:latin typeface="Source Sans Pro Light" charset="0"/>
-              <a:ea typeface="Source Sans Pro Light" charset="0"/>
-              <a:cs typeface="Source Sans Pro Light" charset="0"/>
-            </a:endParaRPr>
+              <a:t>for your attention !</a:t>
+            </a:r>
           </a:p>
         </p:txBody>
       </p:sp>
     </p:spTree>
-    <p:extLst/>
   </p:cSld>
   <p:clrMapOvr>
     <a:masterClrMapping/>
   </p:clrMapOvr>
-  <p:timing>
-    <p:tnLst>
-      <p:par>
-        <p:cTn id="1" dur="indefinite" restart="never" nodeType="tmRoot"/>
-      </p:par>
-    </p:tnLst>
-  </p:timing>
   <p:hf hdr="0" ftr="0"/>
 </p:sldLayout>
 </file>
@@ -4411,10 +4291,9 @@
           </a:lstStyle>
           <a:p>
             <a:r>
-              <a:rPr lang="en-US" dirty="0" smtClean="0"/>
+              <a:rPr lang="en-US" dirty="0"/>
               <a:t>Click to edit master title style</a:t>
             </a:r>
-            <a:endParaRPr lang="en-US" dirty="0"/>
           </a:p>
         </p:txBody>
       </p:sp>
@@ -4447,7 +4326,7 @@
           <a:p>
             <a:pPr lvl="0"/>
             <a:r>
-              <a:rPr lang="en-US" dirty="0" smtClean="0"/>
+              <a:rPr lang="en-US" dirty="0"/>
               <a:t>Click to edit Intro text styles</a:t>
             </a:r>
           </a:p>
@@ -4608,26 +4487,17 @@
           <a:lstStyle/>
           <a:p>
             <a:r>
-              <a:rPr lang="en-US" smtClean="0"/>
+              <a:rPr lang="en-US"/>
               <a:t>Drag picture to placeholder or click icon to add</a:t>
             </a:r>
-            <a:endParaRPr lang="en-US"/>
           </a:p>
         </p:txBody>
       </p:sp>
     </p:spTree>
-    <p:extLst/>
   </p:cSld>
   <p:clrMapOvr>
     <a:masterClrMapping/>
   </p:clrMapOvr>
-  <p:timing>
-    <p:tnLst>
-      <p:par>
-        <p:cTn id="1" dur="indefinite" restart="never" nodeType="tmRoot"/>
-      </p:par>
-    </p:tnLst>
-  </p:timing>
   <p:hf hdr="0" ftr="0"/>
 </p:sldLayout>
 </file>
@@ -4659,13 +4529,6 @@
   <p:clrMapOvr>
     <a:masterClrMapping/>
   </p:clrMapOvr>
-  <p:timing>
-    <p:tnLst>
-      <p:par>
-        <p:cTn id="1" dur="indefinite" restart="never" nodeType="tmRoot"/>
-      </p:par>
-    </p:tnLst>
-  </p:timing>
 </p:sldLayout>
 </file>
 
@@ -4704,13 +4567,6 @@
   <p:clrMapOvr>
     <a:overrideClrMapping bg1="lt1" tx1="dk1" bg2="lt2" tx2="dk2" accent1="accent1" accent2="accent2" accent3="accent3" accent4="accent4" accent5="accent5" accent6="accent6" hlink="hlink" folHlink="folHlink"/>
   </p:clrMapOvr>
-  <p:timing>
-    <p:tnLst>
-      <p:par>
-        <p:cTn id="1" dur="indefinite" restart="never" nodeType="tmRoot"/>
-      </p:par>
-    </p:tnLst>
-  </p:timing>
 </p:sldLayout>
 </file>
 
@@ -4849,10 +4705,9 @@
           <a:lstStyle/>
           <a:p>
             <a:r>
-              <a:rPr lang="en-US" smtClean="0"/>
+              <a:rPr lang="en-US"/>
               <a:t>Drag picture to placeholder or click icon to add</a:t>
             </a:r>
-            <a:endParaRPr lang="en-US"/>
           </a:p>
         </p:txBody>
       </p:sp>
@@ -4938,10 +4793,9 @@
           <a:p>
             <a:pPr lvl="0"/>
             <a:r>
-              <a:rPr lang="en-US" dirty="0" smtClean="0"/>
+              <a:rPr lang="en-US" dirty="0"/>
               <a:t>N°</a:t>
             </a:r>
-            <a:endParaRPr lang="en-US" dirty="0"/>
           </a:p>
         </p:txBody>
       </p:sp>
@@ -4982,10 +4836,9 @@
           </a:lstStyle>
           <a:p>
             <a:r>
-              <a:rPr lang="en-US" dirty="0" smtClean="0"/>
+              <a:rPr lang="en-US" dirty="0"/>
               <a:t>Click to edit master title style</a:t>
             </a:r>
-            <a:endParaRPr lang="en-US" dirty="0"/>
           </a:p>
         </p:txBody>
       </p:sp>
@@ -5018,7 +4871,7 @@
           <a:p>
             <a:pPr lvl="0"/>
             <a:r>
-              <a:rPr lang="en-US" dirty="0" smtClean="0"/>
+              <a:rPr lang="en-US" dirty="0"/>
               <a:t>Click to edit Intro text styles</a:t>
             </a:r>
           </a:p>
@@ -5062,18 +4915,10 @@
         </p:style>
       </p:cxnSp>
     </p:spTree>
-    <p:extLst/>
   </p:cSld>
   <p:clrMapOvr>
     <a:masterClrMapping/>
   </p:clrMapOvr>
-  <p:timing>
-    <p:tnLst>
-      <p:par>
-        <p:cTn id="1" dur="indefinite" restart="never" nodeType="tmRoot"/>
-      </p:par>
-    </p:tnLst>
-  </p:timing>
   <p:hf hdr="0" ftr="0"/>
 </p:sldLayout>
 </file>
@@ -5255,26 +5100,17 @@
           </a:lstStyle>
           <a:p>
             <a:r>
-              <a:rPr lang="en-US" dirty="0" smtClean="0"/>
+              <a:rPr lang="en-US" dirty="0"/>
               <a:t>Click to edit master title style</a:t>
             </a:r>
-            <a:endParaRPr lang="en-US" dirty="0"/>
           </a:p>
         </p:txBody>
       </p:sp>
     </p:spTree>
-    <p:extLst/>
   </p:cSld>
   <p:clrMapOvr>
     <a:masterClrMapping/>
   </p:clrMapOvr>
-  <p:timing>
-    <p:tnLst>
-      <p:par>
-        <p:cTn id="1" dur="indefinite" restart="never" nodeType="tmRoot"/>
-      </p:par>
-    </p:tnLst>
-  </p:timing>
   <p:hf hdr="0" ftr="0"/>
 </p:sldLayout>
 </file>
@@ -5364,7 +5200,7 @@
           </a:lstStyle>
           <a:p>
             <a:r>
-              <a:rPr lang="en-US" dirty="0" smtClean="0"/>
+              <a:rPr lang="en-US" dirty="0"/>
               <a:t>click to edit title</a:t>
             </a:r>
             <a:endParaRPr lang="en-US" noProof="0" dirty="0"/>
@@ -5372,20 +5208,12 @@
         </p:txBody>
       </p:sp>
     </p:spTree>
-    <p:extLst/>
   </p:cSld>
   <p:clrMapOvr>
     <a:masterClrMapping/>
   </p:clrMapOvr>
-  <p:timing>
-    <p:tnLst>
-      <p:par>
-        <p:cTn id="1" dur="indefinite" restart="never" nodeType="tmRoot"/>
-      </p:par>
-    </p:tnLst>
-  </p:timing>
   <p:hf hdr="0" ftr="0"/>
-  <p:extLst mod="1">
+  <p:extLst>
     <p:ext uri="{DCECCB84-F9BA-43D5-87BE-67443E8EF086}">
       <p15:sldGuideLst xmlns:p15="http://schemas.microsoft.com/office/powerpoint/2012/main"/>
     </p:ext>
@@ -5443,7 +5271,7 @@
           </a:lstStyle>
           <a:p>
             <a:r>
-              <a:rPr lang="en-US" dirty="0" smtClean="0"/>
+              <a:rPr lang="en-US" dirty="0"/>
               <a:t>click to edit title</a:t>
             </a:r>
             <a:endParaRPr lang="en-US" noProof="0" dirty="0"/>
@@ -5521,35 +5349,35 @@
           <a:p>
             <a:pPr lvl="0"/>
             <a:r>
-              <a:rPr lang="en-US" noProof="0" dirty="0" smtClean="0"/>
+              <a:rPr lang="en-US" noProof="0" dirty="0"/>
               <a:t>Click to edit content</a:t>
             </a:r>
           </a:p>
           <a:p>
             <a:pPr lvl="1"/>
             <a:r>
-              <a:rPr lang="en-US" noProof="0" dirty="0" smtClean="0"/>
+              <a:rPr lang="en-US" noProof="0" dirty="0"/>
               <a:t>Second level</a:t>
             </a:r>
           </a:p>
           <a:p>
             <a:pPr lvl="2"/>
             <a:r>
-              <a:rPr lang="en-US" noProof="0" dirty="0" smtClean="0"/>
+              <a:rPr lang="en-US" noProof="0" dirty="0"/>
               <a:t>Third level</a:t>
             </a:r>
           </a:p>
           <a:p>
             <a:pPr lvl="3"/>
             <a:r>
-              <a:rPr lang="en-US" noProof="0" dirty="0" smtClean="0"/>
+              <a:rPr lang="en-US" noProof="0" dirty="0"/>
               <a:t>Fourth level</a:t>
             </a:r>
           </a:p>
           <a:p>
             <a:pPr lvl="3"/>
             <a:r>
-              <a:rPr lang="en-US" noProof="0" dirty="0" smtClean="0"/>
+              <a:rPr lang="en-US" noProof="0" dirty="0"/>
               <a:t>	Fifth level</a:t>
             </a:r>
           </a:p>
@@ -5591,18 +5419,10 @@
         </p:style>
       </p:cxnSp>
     </p:spTree>
-    <p:extLst/>
   </p:cSld>
   <p:clrMapOvr>
     <a:masterClrMapping/>
   </p:clrMapOvr>
-  <p:timing>
-    <p:tnLst>
-      <p:par>
-        <p:cTn id="1" dur="indefinite" restart="never" nodeType="tmRoot"/>
-      </p:par>
-    </p:tnLst>
-  </p:timing>
   <p:hf hdr="0" ftr="0"/>
 </p:sldLayout>
 </file>
@@ -5698,7 +5518,7 @@
           <a:p>
             <a:pPr lvl="0"/>
             <a:r>
-              <a:rPr lang="en-US" noProof="0" dirty="0" smtClean="0"/>
+              <a:rPr lang="en-US" noProof="0" dirty="0"/>
               <a:t>Click to edit title style</a:t>
             </a:r>
           </a:p>
@@ -5775,35 +5595,35 @@
           <a:p>
             <a:pPr lvl="0"/>
             <a:r>
-              <a:rPr lang="en-US" noProof="0" dirty="0" smtClean="0"/>
+              <a:rPr lang="en-US" noProof="0" dirty="0"/>
               <a:t>Click to edit content</a:t>
             </a:r>
           </a:p>
           <a:p>
             <a:pPr lvl="1"/>
             <a:r>
-              <a:rPr lang="en-US" noProof="0" dirty="0" smtClean="0"/>
+              <a:rPr lang="en-US" noProof="0" dirty="0"/>
               <a:t>Second level</a:t>
             </a:r>
           </a:p>
           <a:p>
             <a:pPr lvl="2"/>
             <a:r>
-              <a:rPr lang="en-US" noProof="0" dirty="0" smtClean="0"/>
+              <a:rPr lang="en-US" noProof="0" dirty="0"/>
               <a:t>Third level</a:t>
             </a:r>
           </a:p>
           <a:p>
             <a:pPr lvl="3"/>
             <a:r>
-              <a:rPr lang="en-US" noProof="0" dirty="0" smtClean="0"/>
+              <a:rPr lang="en-US" noProof="0" dirty="0"/>
               <a:t>Fourth level</a:t>
             </a:r>
           </a:p>
           <a:p>
             <a:pPr lvl="3"/>
             <a:r>
-              <a:rPr lang="en-US" noProof="0" dirty="0" smtClean="0"/>
+              <a:rPr lang="en-US" noProof="0" dirty="0"/>
               <a:t>	Fifth level</a:t>
             </a:r>
           </a:p>
@@ -5842,7 +5662,7 @@
           </a:lstStyle>
           <a:p>
             <a:r>
-              <a:rPr lang="en-US" dirty="0" smtClean="0"/>
+              <a:rPr lang="en-US" dirty="0"/>
               <a:t>click to edit title</a:t>
             </a:r>
             <a:endParaRPr lang="en-US" noProof="0" dirty="0"/>
@@ -5885,18 +5705,10 @@
         </p:style>
       </p:cxnSp>
     </p:spTree>
-    <p:extLst/>
   </p:cSld>
   <p:clrMapOvr>
     <a:masterClrMapping/>
   </p:clrMapOvr>
-  <p:timing>
-    <p:tnLst>
-      <p:par>
-        <p:cTn id="1" dur="indefinite" restart="never" nodeType="tmRoot"/>
-      </p:par>
-    </p:tnLst>
-  </p:timing>
   <p:hf hdr="0" ftr="0"/>
 </p:sldLayout>
 </file>
@@ -5989,35 +5801,35 @@
           <a:p>
             <a:pPr lvl="0"/>
             <a:r>
-              <a:rPr lang="en-US" noProof="0" dirty="0" smtClean="0"/>
+              <a:rPr lang="en-US" noProof="0" dirty="0"/>
               <a:t>Click to edit content</a:t>
             </a:r>
           </a:p>
           <a:p>
             <a:pPr lvl="1"/>
             <a:r>
-              <a:rPr lang="en-US" noProof="0" dirty="0" smtClean="0"/>
+              <a:rPr lang="en-US" noProof="0" dirty="0"/>
               <a:t>Second level</a:t>
             </a:r>
           </a:p>
           <a:p>
             <a:pPr lvl="2"/>
             <a:r>
-              <a:rPr lang="en-US" noProof="0" dirty="0" smtClean="0"/>
+              <a:rPr lang="en-US" noProof="0" dirty="0"/>
               <a:t>Third level</a:t>
             </a:r>
           </a:p>
           <a:p>
             <a:pPr lvl="3"/>
             <a:r>
-              <a:rPr lang="en-US" noProof="0" dirty="0" smtClean="0"/>
+              <a:rPr lang="en-US" noProof="0" dirty="0"/>
               <a:t>Fourth level</a:t>
             </a:r>
           </a:p>
           <a:p>
             <a:pPr lvl="3"/>
             <a:r>
-              <a:rPr lang="en-US" noProof="0" dirty="0" smtClean="0"/>
+              <a:rPr lang="en-US" noProof="0" dirty="0"/>
               <a:t>	Fifth level</a:t>
             </a:r>
           </a:p>
@@ -6094,35 +5906,35 @@
           <a:p>
             <a:pPr lvl="0"/>
             <a:r>
-              <a:rPr lang="en-US" noProof="0" dirty="0" smtClean="0"/>
+              <a:rPr lang="en-US" noProof="0" dirty="0"/>
               <a:t>Click to edit content</a:t>
             </a:r>
           </a:p>
           <a:p>
             <a:pPr lvl="1"/>
             <a:r>
-              <a:rPr lang="en-US" noProof="0" dirty="0" smtClean="0"/>
+              <a:rPr lang="en-US" noProof="0" dirty="0"/>
               <a:t>Second level</a:t>
             </a:r>
           </a:p>
           <a:p>
             <a:pPr lvl="2"/>
             <a:r>
-              <a:rPr lang="en-US" noProof="0" dirty="0" smtClean="0"/>
+              <a:rPr lang="en-US" noProof="0" dirty="0"/>
               <a:t>Third level</a:t>
             </a:r>
           </a:p>
           <a:p>
             <a:pPr lvl="3"/>
             <a:r>
-              <a:rPr lang="en-US" noProof="0" dirty="0" smtClean="0"/>
+              <a:rPr lang="en-US" noProof="0" dirty="0"/>
               <a:t>Fourth level</a:t>
             </a:r>
           </a:p>
           <a:p>
             <a:pPr lvl="3"/>
             <a:r>
-              <a:rPr lang="en-US" noProof="0" dirty="0" smtClean="0"/>
+              <a:rPr lang="en-US" noProof="0" dirty="0"/>
               <a:t>	Fifth level</a:t>
             </a:r>
           </a:p>
@@ -6161,7 +5973,7 @@
           </a:lstStyle>
           <a:p>
             <a:r>
-              <a:rPr lang="en-US" dirty="0" smtClean="0"/>
+              <a:rPr lang="en-US" dirty="0"/>
               <a:t>click to edit title</a:t>
             </a:r>
             <a:endParaRPr lang="en-US" noProof="0" dirty="0"/>
@@ -6204,18 +6016,10 @@
         </p:style>
       </p:cxnSp>
     </p:spTree>
-    <p:extLst/>
   </p:cSld>
   <p:clrMapOvr>
     <a:masterClrMapping/>
   </p:clrMapOvr>
-  <p:timing>
-    <p:tnLst>
-      <p:par>
-        <p:cTn id="1" dur="indefinite" restart="never" nodeType="tmRoot"/>
-      </p:par>
-    </p:tnLst>
-  </p:timing>
   <p:hf hdr="0" ftr="0"/>
 </p:sldLayout>
 </file>
@@ -6308,35 +6112,35 @@
           <a:p>
             <a:pPr lvl="0"/>
             <a:r>
-              <a:rPr lang="en-US" noProof="0" dirty="0" smtClean="0"/>
+              <a:rPr lang="en-US" noProof="0" dirty="0"/>
               <a:t>Click to edit content</a:t>
             </a:r>
           </a:p>
           <a:p>
             <a:pPr lvl="1"/>
             <a:r>
-              <a:rPr lang="en-US" noProof="0" dirty="0" smtClean="0"/>
+              <a:rPr lang="en-US" noProof="0" dirty="0"/>
               <a:t>Second level</a:t>
             </a:r>
           </a:p>
           <a:p>
             <a:pPr lvl="2"/>
             <a:r>
-              <a:rPr lang="en-US" noProof="0" dirty="0" smtClean="0"/>
+              <a:rPr lang="en-US" noProof="0" dirty="0"/>
               <a:t>Third level</a:t>
             </a:r>
           </a:p>
           <a:p>
             <a:pPr lvl="3"/>
             <a:r>
-              <a:rPr lang="en-US" noProof="0" dirty="0" smtClean="0"/>
+              <a:rPr lang="en-US" noProof="0" dirty="0"/>
               <a:t>Fourth level</a:t>
             </a:r>
           </a:p>
           <a:p>
             <a:pPr lvl="3"/>
             <a:r>
-              <a:rPr lang="en-US" noProof="0" dirty="0" smtClean="0"/>
+              <a:rPr lang="en-US" noProof="0" dirty="0"/>
               <a:t>	Fifth level</a:t>
             </a:r>
           </a:p>
@@ -6375,7 +6179,7 @@
           </a:lstStyle>
           <a:p>
             <a:r>
-              <a:rPr lang="en-US" dirty="0" smtClean="0"/>
+              <a:rPr lang="en-US" dirty="0"/>
               <a:t>click to edit title</a:t>
             </a:r>
             <a:endParaRPr lang="en-US" noProof="0" dirty="0"/>
@@ -6418,18 +6222,10 @@
         </p:style>
       </p:cxnSp>
     </p:spTree>
-    <p:extLst/>
   </p:cSld>
   <p:clrMapOvr>
     <a:masterClrMapping/>
   </p:clrMapOvr>
-  <p:timing>
-    <p:tnLst>
-      <p:par>
-        <p:cTn id="1" dur="indefinite" restart="never" nodeType="tmRoot"/>
-      </p:par>
-    </p:tnLst>
-  </p:timing>
   <p:hf hdr="0" ftr="0"/>
 </p:sldLayout>
 </file>
@@ -6461,7 +6257,7 @@
           <p:cNvPr id="14" name="Slide Number Placeholder 5">
             <a:extLst>
               <a:ext uri="{FF2B5EF4-FFF2-40B4-BE49-F238E27FC236}">
-                <a16:creationId xmlns="" xmlns:a16="http://schemas.microsoft.com/office/drawing/2014/main" id="{D6A5EA0A-9DA9-564F-8F7D-CF263DB84C39}"/>
+                <a16:creationId xmlns:a16="http://schemas.microsoft.com/office/drawing/2014/main" id="{D6A5EA0A-9DA9-564F-8F7D-CF263DB84C39}"/>
               </a:ext>
             </a:extLst>
           </p:cNvPr>
@@ -6603,7 +6399,7 @@
           <p:nvPr/>
         </p:nvPicPr>
         <p:blipFill>
-          <a:blip r:embed="rId23">
+          <a:blip r:embed="rId23" cstate="print">
             <a:extLst>
               <a:ext uri="{28A0092B-C50C-407E-A947-70E740481C1C}">
                 <a14:useLocalDpi xmlns:a14="http://schemas.microsoft.com/office/drawing/2010/main" val="0"/>
@@ -6629,7 +6425,7 @@
           <p:cNvPr id="21" name="Straight Connector 20">
             <a:extLst>
               <a:ext uri="{FF2B5EF4-FFF2-40B4-BE49-F238E27FC236}">
-                <a16:creationId xmlns="" xmlns:a16="http://schemas.microsoft.com/office/drawing/2014/main" id="{F4443C96-B82D-F449-A71B-02134B6BB207}"/>
+                <a16:creationId xmlns:a16="http://schemas.microsoft.com/office/drawing/2014/main" id="{F4443C96-B82D-F449-A71B-02134B6BB207}"/>
               </a:ext>
             </a:extLst>
           </p:cNvPr>
@@ -6741,13 +6537,6 @@
     <p:sldLayoutId id="2147483728" r:id="rId20"/>
     <p:sldLayoutId id="2147483730" r:id="rId21"/>
   </p:sldLayoutIdLst>
-  <p:timing>
-    <p:tnLst>
-      <p:par>
-        <p:cTn id="1" dur="indefinite" restart="never" nodeType="tmRoot"/>
-      </p:par>
-    </p:tnLst>
-  </p:timing>
   <p:hf hdr="0" ftr="0"/>
   <p:txStyles>
     <p:titleStyle>
@@ -7021,7 +6810,7 @@
       </a:lvl9pPr>
     </p:otherStyle>
   </p:txStyles>
-  <p:extLst mod="1">
+  <p:extLst>
     <p:ext uri="{27BBF7A9-308A-43DC-89C8-2F10F3537804}">
       <p15:sldGuideLst xmlns:p15="http://schemas.microsoft.com/office/powerpoint/2012/main">
         <p15:guide id="1" orient="horz" pos="3807">
@@ -7142,9 +6931,618 @@
           <a:chExt cx="0" cy="0"/>
         </a:xfrm>
       </p:grpSpPr>
+      <p:sp>
+        <p:nvSpPr>
+          <p:cNvPr id="96" name="Rounded Rectangle 95">
+            <a:extLst>
+              <a:ext uri="{FF2B5EF4-FFF2-40B4-BE49-F238E27FC236}">
+                <a16:creationId xmlns:a16="http://schemas.microsoft.com/office/drawing/2014/main" id="{A7952307-4452-4449-94EE-FC3FB427863E}"/>
+              </a:ext>
+            </a:extLst>
+          </p:cNvPr>
+          <p:cNvSpPr/>
+          <p:nvPr/>
+        </p:nvSpPr>
+        <p:spPr>
+          <a:xfrm>
+            <a:off x="3726687" y="1609344"/>
+            <a:ext cx="7435852" cy="2229042"/>
+          </a:xfrm>
+          <a:prstGeom prst="roundRect">
+            <a:avLst>
+              <a:gd name="adj" fmla="val 5753"/>
+            </a:avLst>
+          </a:prstGeom>
+          <a:solidFill>
+            <a:schemeClr val="accent1"/>
+          </a:solidFill>
+          <a:ln w="12700">
+            <a:solidFill>
+              <a:schemeClr val="accent1"/>
+            </a:solidFill>
+          </a:ln>
+          <a:effectLst/>
+        </p:spPr>
+        <p:style>
+          <a:lnRef idx="2">
+            <a:schemeClr val="dk1"/>
+          </a:lnRef>
+          <a:fillRef idx="1">
+            <a:schemeClr val="lt1"/>
+          </a:fillRef>
+          <a:effectRef idx="0">
+            <a:schemeClr val="dk1"/>
+          </a:effectRef>
+          <a:fontRef idx="minor">
+            <a:schemeClr val="dk1"/>
+          </a:fontRef>
+        </p:style>
+        <p:txBody>
+          <a:bodyPr rtlCol="0" anchor="ctr"/>
+          <a:lstStyle/>
+          <a:p>
+            <a:pPr algn="ctr">
+              <a:lnSpc>
+                <a:spcPts val="1600"/>
+              </a:lnSpc>
+              <a:spcBef>
+                <a:spcPts val="100"/>
+              </a:spcBef>
+              <a:spcAft>
+                <a:spcPts val="100"/>
+              </a:spcAft>
+            </a:pPr>
+            <a:endParaRPr lang="en-US" sz="1600" dirty="0">
+              <a:solidFill>
+                <a:schemeClr val="bg1"/>
+              </a:solidFill>
+              <a:effectLst>
+                <a:outerShdw blurRad="50800" dist="38100" dir="5400000" algn="t" rotWithShape="0">
+                  <a:prstClr val="black">
+                    <a:alpha val="40000"/>
+                  </a:prstClr>
+                </a:outerShdw>
+              </a:effectLst>
+              <a:latin typeface="Source Sans Pro" charset="0"/>
+              <a:ea typeface="Source Sans Pro" charset="0"/>
+            </a:endParaRPr>
+          </a:p>
+        </p:txBody>
+      </p:sp>
+      <p:sp>
+        <p:nvSpPr>
+          <p:cNvPr id="97" name="Round Same Side Corner Rectangle 96">
+            <a:extLst>
+              <a:ext uri="{FF2B5EF4-FFF2-40B4-BE49-F238E27FC236}">
+                <a16:creationId xmlns:a16="http://schemas.microsoft.com/office/drawing/2014/main" id="{2AAF8AC0-1B04-0243-836B-D958C7C288C0}"/>
+              </a:ext>
+            </a:extLst>
+          </p:cNvPr>
+          <p:cNvSpPr/>
+          <p:nvPr/>
+        </p:nvSpPr>
+        <p:spPr>
+          <a:xfrm rot="10800000">
+            <a:off x="3877257" y="1605452"/>
+            <a:ext cx="7152452" cy="325226"/>
+          </a:xfrm>
+          <a:prstGeom prst="round2SameRect">
+            <a:avLst>
+              <a:gd name="adj1" fmla="val 24382"/>
+              <a:gd name="adj2" fmla="val 0"/>
+            </a:avLst>
+          </a:prstGeom>
+          <a:solidFill>
+            <a:schemeClr val="tx2">
+              <a:lumMod val="20000"/>
+              <a:lumOff val="80000"/>
+            </a:schemeClr>
+          </a:solidFill>
+          <a:ln w="12700">
+            <a:noFill/>
+            <a:round/>
+          </a:ln>
+        </p:spPr>
+        <p:style>
+          <a:lnRef idx="2">
+            <a:schemeClr val="accent1">
+              <a:shade val="50000"/>
+            </a:schemeClr>
+          </a:lnRef>
+          <a:fillRef idx="1">
+            <a:schemeClr val="accent1"/>
+          </a:fillRef>
+          <a:effectRef idx="0">
+            <a:schemeClr val="accent1"/>
+          </a:effectRef>
+          <a:fontRef idx="minor">
+            <a:schemeClr val="lt1"/>
+          </a:fontRef>
+        </p:style>
+        <p:txBody>
+          <a:bodyPr rtlCol="0" anchor="ctr"/>
+          <a:lstStyle/>
+          <a:p>
+            <a:pPr algn="ctr"/>
+            <a:endParaRPr lang="en-US"/>
+          </a:p>
+        </p:txBody>
+      </p:sp>
+      <p:sp>
+        <p:nvSpPr>
+          <p:cNvPr id="98" name="Rounded Rectangle 97">
+            <a:extLst>
+              <a:ext uri="{FF2B5EF4-FFF2-40B4-BE49-F238E27FC236}">
+                <a16:creationId xmlns:a16="http://schemas.microsoft.com/office/drawing/2014/main" id="{444130B7-825A-2744-9EC3-10E531F4CCB4}"/>
+              </a:ext>
+            </a:extLst>
+          </p:cNvPr>
+          <p:cNvSpPr/>
+          <p:nvPr/>
+        </p:nvSpPr>
+        <p:spPr>
+          <a:xfrm>
+            <a:off x="5723060" y="1529428"/>
+            <a:ext cx="3459097" cy="306000"/>
+          </a:xfrm>
+          <a:prstGeom prst="roundRect">
+            <a:avLst>
+              <a:gd name="adj" fmla="val 12311"/>
+            </a:avLst>
+          </a:prstGeom>
+          <a:solidFill>
+            <a:schemeClr val="bg1"/>
+          </a:solidFill>
+          <a:ln w="12700">
+            <a:solidFill>
+              <a:schemeClr val="bg2"/>
+            </a:solidFill>
+          </a:ln>
+        </p:spPr>
+        <p:style>
+          <a:lnRef idx="2">
+            <a:schemeClr val="dk1"/>
+          </a:lnRef>
+          <a:fillRef idx="1">
+            <a:schemeClr val="lt1"/>
+          </a:fillRef>
+          <a:effectRef idx="0">
+            <a:schemeClr val="dk1"/>
+          </a:effectRef>
+          <a:fontRef idx="minor">
+            <a:schemeClr val="dk1"/>
+          </a:fontRef>
+        </p:style>
+        <p:txBody>
+          <a:bodyPr tIns="36000" bIns="0" rtlCol="0" anchor="ctr"/>
+          <a:lstStyle/>
+          <a:p>
+            <a:pPr algn="ctr">
+              <a:lnSpc>
+                <a:spcPts val="1600"/>
+              </a:lnSpc>
+              <a:spcBef>
+                <a:spcPts val="100"/>
+              </a:spcBef>
+              <a:spcAft>
+                <a:spcPts val="100"/>
+              </a:spcAft>
+            </a:pPr>
+            <a:r>
+              <a:rPr lang="en-US" sz="1600" b="1" dirty="0">
+                <a:solidFill>
+                  <a:schemeClr val="tx1"/>
+                </a:solidFill>
+                <a:latin typeface="Source Sans Pro" charset="0"/>
+                <a:ea typeface="Source Sans Pro" charset="0"/>
+                <a:cs typeface="Source Sans Pro" charset="0"/>
+              </a:rPr>
+              <a:t>YOUR APPLICATIONS</a:t>
+            </a:r>
+            <a:endParaRPr lang="en-US" sz="1200" dirty="0">
+              <a:solidFill>
+                <a:schemeClr val="tx1"/>
+              </a:solidFill>
+              <a:latin typeface="Source Sans Pro" charset="0"/>
+              <a:ea typeface="Source Sans Pro" charset="0"/>
+              <a:cs typeface="Source Sans Pro" charset="0"/>
+            </a:endParaRPr>
+          </a:p>
+        </p:txBody>
+      </p:sp>
+      <p:sp>
+        <p:nvSpPr>
+          <p:cNvPr id="99" name="Rounded Rectangle 98">
+            <a:extLst>
+              <a:ext uri="{FF2B5EF4-FFF2-40B4-BE49-F238E27FC236}">
+                <a16:creationId xmlns:a16="http://schemas.microsoft.com/office/drawing/2014/main" id="{31006EDF-7960-0144-8A85-7655558B82C6}"/>
+              </a:ext>
+            </a:extLst>
+          </p:cNvPr>
+          <p:cNvSpPr/>
+          <p:nvPr/>
+        </p:nvSpPr>
+        <p:spPr>
+          <a:xfrm>
+            <a:off x="3833866" y="2006995"/>
+            <a:ext cx="7240441" cy="709939"/>
+          </a:xfrm>
+          <a:prstGeom prst="roundRect">
+            <a:avLst>
+              <a:gd name="adj" fmla="val 10601"/>
+            </a:avLst>
+          </a:prstGeom>
+          <a:solidFill>
+            <a:schemeClr val="accent1">
+              <a:lumMod val="75000"/>
+            </a:schemeClr>
+          </a:solidFill>
+          <a:ln w="12700">
+            <a:noFill/>
+          </a:ln>
+          <a:effectLst>
+            <a:innerShdw blurRad="114300">
+              <a:prstClr val="black">
+                <a:alpha val="49000"/>
+              </a:prstClr>
+            </a:innerShdw>
+          </a:effectLst>
+        </p:spPr>
+        <p:style>
+          <a:lnRef idx="2">
+            <a:schemeClr val="dk1"/>
+          </a:lnRef>
+          <a:fillRef idx="1">
+            <a:schemeClr val="lt1"/>
+          </a:fillRef>
+          <a:effectRef idx="0">
+            <a:schemeClr val="dk1"/>
+          </a:effectRef>
+          <a:fontRef idx="minor">
+            <a:schemeClr val="dk1"/>
+          </a:fontRef>
+        </p:style>
+        <p:txBody>
+          <a:bodyPr wrap="square" lIns="108000" tIns="0" bIns="0" rtlCol="0" anchor="ctr">
+            <a:noAutofit/>
+          </a:bodyPr>
+          <a:lstStyle/>
+          <a:p>
+            <a:pPr lvl="0" algn="ctr"/>
+            <a:r>
+              <a:rPr lang="en-US" sz="1600" b="1" dirty="0">
+                <a:solidFill>
+                  <a:schemeClr val="bg1"/>
+                </a:solidFill>
+                <a:latin typeface="Source Sans Pro" charset="0"/>
+                <a:ea typeface="Source Sans Pro" charset="0"/>
+                <a:cs typeface="Source Sans Pro" charset="0"/>
+              </a:rPr>
+              <a:t>ADD-ON LIBRARIES </a:t>
+            </a:r>
+          </a:p>
+          <a:p>
+            <a:pPr lvl="0" algn="ctr"/>
+            <a:endParaRPr lang="en-US" sz="2400" kern="0" dirty="0">
+              <a:solidFill>
+                <a:schemeClr val="bg1"/>
+              </a:solidFill>
+              <a:latin typeface="Source Sans Pro" charset="0"/>
+              <a:ea typeface="Source Sans Pro" charset="0"/>
+              <a:cs typeface="Source Sans Pro" charset="0"/>
+            </a:endParaRPr>
+          </a:p>
+        </p:txBody>
+      </p:sp>
+      <p:sp>
+        <p:nvSpPr>
+          <p:cNvPr id="100" name="Rounded Rectangle 99">
+            <a:extLst>
+              <a:ext uri="{FF2B5EF4-FFF2-40B4-BE49-F238E27FC236}">
+                <a16:creationId xmlns:a16="http://schemas.microsoft.com/office/drawing/2014/main" id="{FABF4D24-8B3F-1243-AFFB-8DE13B2B50F8}"/>
+              </a:ext>
+            </a:extLst>
+          </p:cNvPr>
+          <p:cNvSpPr/>
+          <p:nvPr/>
+        </p:nvSpPr>
+        <p:spPr>
+          <a:xfrm>
+            <a:off x="3945794" y="2349022"/>
+            <a:ext cx="6994673" cy="289728"/>
+          </a:xfrm>
+          <a:prstGeom prst="roundRect">
+            <a:avLst>
+              <a:gd name="adj" fmla="val 22093"/>
+            </a:avLst>
+          </a:prstGeom>
+          <a:gradFill>
+            <a:gsLst>
+              <a:gs pos="91000">
+                <a:schemeClr val="bg1"/>
+              </a:gs>
+              <a:gs pos="98000">
+                <a:schemeClr val="bg1">
+                  <a:alpha val="0"/>
+                </a:schemeClr>
+              </a:gs>
+            </a:gsLst>
+            <a:lin ang="0" scaled="1"/>
+          </a:gradFill>
+          <a:ln w="12700">
+            <a:noFill/>
+          </a:ln>
+          <a:effectLst/>
+        </p:spPr>
+        <p:style>
+          <a:lnRef idx="2">
+            <a:schemeClr val="dk1"/>
+          </a:lnRef>
+          <a:fillRef idx="1">
+            <a:schemeClr val="lt1"/>
+          </a:fillRef>
+          <a:effectRef idx="0">
+            <a:schemeClr val="dk1"/>
+          </a:effectRef>
+          <a:fontRef idx="minor">
+            <a:schemeClr val="dk1"/>
+          </a:fontRef>
+        </p:style>
+        <p:txBody>
+          <a:bodyPr wrap="square" tIns="36000" bIns="36000" rtlCol="0" anchor="ctr">
+            <a:noAutofit/>
+          </a:bodyPr>
+          <a:lstStyle/>
+          <a:p>
+            <a:r>
+              <a:rPr lang="en-US" sz="1100" i="1" kern="0" dirty="0">
+                <a:solidFill>
+                  <a:schemeClr val="accent1">
+                    <a:lumMod val="75000"/>
+                  </a:schemeClr>
+                </a:solidFill>
+                <a:latin typeface="Source Sans Pro" charset="0"/>
+                <a:ea typeface="Source Sans Pro" charset="0"/>
+                <a:cs typeface="Source Sans Pro" charset="0"/>
+              </a:rPr>
+              <a:t> Web / REST servers  </a:t>
+            </a:r>
+            <a:r>
+              <a:rPr lang="en-US" sz="1100" kern="0" dirty="0">
+                <a:solidFill>
+                  <a:schemeClr val="accent1">
+                    <a:lumMod val="75000"/>
+                  </a:schemeClr>
+                </a:solidFill>
+                <a:latin typeface="Source Sans Pro ExtraLight" panose="020B0303030403020204" pitchFamily="34" charset="77"/>
+                <a:ea typeface="Source Sans Pro" charset="0"/>
+              </a:rPr>
+              <a:t>|</a:t>
+            </a:r>
+            <a:r>
+              <a:rPr lang="en-US" sz="1100" i="1" kern="0" dirty="0">
+                <a:solidFill>
+                  <a:schemeClr val="accent1">
+                    <a:lumMod val="75000"/>
+                  </a:schemeClr>
+                </a:solidFill>
+                <a:latin typeface="Source Sans Pro" charset="0"/>
+                <a:ea typeface="Source Sans Pro" charset="0"/>
+                <a:cs typeface="Source Sans Pro" charset="0"/>
+              </a:rPr>
+              <a:t>  MQTT / LWM2M clients  |  JSON  </a:t>
+            </a:r>
+            <a:r>
+              <a:rPr lang="en-US" sz="1100" kern="0" dirty="0">
+                <a:solidFill>
+                  <a:schemeClr val="accent1">
+                    <a:lumMod val="75000"/>
+                  </a:schemeClr>
+                </a:solidFill>
+                <a:latin typeface="Source Sans Pro ExtraLight" panose="020B0303030403020204" pitchFamily="34" charset="77"/>
+                <a:ea typeface="Source Sans Pro" charset="0"/>
+              </a:rPr>
+              <a:t>|</a:t>
+            </a:r>
+            <a:r>
+              <a:rPr lang="en-US" sz="1100" i="1" kern="0" dirty="0">
+                <a:solidFill>
+                  <a:schemeClr val="accent1">
+                    <a:lumMod val="75000"/>
+                  </a:schemeClr>
+                </a:solidFill>
+                <a:latin typeface="Source Sans Pro" charset="0"/>
+                <a:ea typeface="Source Sans Pro" charset="0"/>
+                <a:cs typeface="Source Sans Pro" charset="0"/>
+              </a:rPr>
+              <a:t>  CBOR   </a:t>
+            </a:r>
+            <a:r>
+              <a:rPr lang="en-US" sz="1100" kern="0" dirty="0">
+                <a:solidFill>
+                  <a:schemeClr val="accent1">
+                    <a:lumMod val="75000"/>
+                  </a:schemeClr>
+                </a:solidFill>
+                <a:latin typeface="Source Sans Pro ExtraLight" panose="020B0303030403020204" pitchFamily="34" charset="77"/>
+                <a:ea typeface="Source Sans Pro" charset="0"/>
+              </a:rPr>
+              <a:t>|</a:t>
+            </a:r>
+            <a:r>
+              <a:rPr lang="en-US" sz="1100" i="1" kern="0" dirty="0">
+                <a:solidFill>
+                  <a:schemeClr val="accent1">
+                    <a:lumMod val="75000"/>
+                  </a:schemeClr>
+                </a:solidFill>
+                <a:latin typeface="Source Sans Pro" charset="0"/>
+                <a:ea typeface="Source Sans Pro" charset="0"/>
+                <a:cs typeface="Source Sans Pro" charset="0"/>
+              </a:rPr>
+              <a:t>  Crypto  </a:t>
+            </a:r>
+            <a:r>
+              <a:rPr lang="en-US" sz="1100" kern="0" dirty="0">
+                <a:solidFill>
+                  <a:schemeClr val="accent1">
+                    <a:lumMod val="75000"/>
+                  </a:schemeClr>
+                </a:solidFill>
+                <a:latin typeface="Source Sans Pro ExtraLight" panose="020B0303030403020204" pitchFamily="34" charset="77"/>
+                <a:ea typeface="Source Sans Pro" charset="0"/>
+                <a:cs typeface="Source Sans Pro" charset="0"/>
+              </a:rPr>
+              <a:t>| </a:t>
+            </a:r>
+            <a:r>
+              <a:rPr lang="en-US" sz="1100" i="1" kern="0" dirty="0">
+                <a:solidFill>
+                  <a:schemeClr val="accent1">
+                    <a:lumMod val="75000"/>
+                  </a:schemeClr>
+                </a:solidFill>
+                <a:latin typeface="Source Sans Pro" charset="0"/>
+                <a:ea typeface="Source Sans Pro" charset="0"/>
+                <a:cs typeface="Source Sans Pro" charset="0"/>
+              </a:rPr>
+              <a:t> Widgets  |  Components  </a:t>
+            </a:r>
+            <a:r>
+              <a:rPr lang="en-US" sz="1100" kern="0" dirty="0">
+                <a:solidFill>
+                  <a:schemeClr val="accent1">
+                    <a:lumMod val="75000"/>
+                  </a:schemeClr>
+                </a:solidFill>
+                <a:latin typeface="Source Sans Pro ExtraLight" panose="020B0303030403020204" pitchFamily="34" charset="77"/>
+                <a:ea typeface="Source Sans Pro" charset="0"/>
+                <a:cs typeface="Source Sans Pro" charset="0"/>
+              </a:rPr>
+              <a:t>|</a:t>
+            </a:r>
+            <a:r>
+              <a:rPr lang="en-US" sz="1100" i="1" kern="0" dirty="0">
+                <a:solidFill>
+                  <a:schemeClr val="accent1">
+                    <a:lumMod val="75000"/>
+                  </a:schemeClr>
+                </a:solidFill>
+                <a:latin typeface="Source Sans Pro" charset="0"/>
+                <a:ea typeface="Source Sans Pro" charset="0"/>
+                <a:cs typeface="Source Sans Pro" charset="0"/>
+              </a:rPr>
+              <a:t>  </a:t>
+            </a:r>
+            <a:r>
+              <a:rPr lang="en-US" sz="1100" i="1" kern="0" dirty="0" err="1">
+                <a:solidFill>
+                  <a:schemeClr val="accent1">
+                    <a:lumMod val="75000"/>
+                  </a:schemeClr>
+                </a:solidFill>
+                <a:latin typeface="Source Sans Pro" charset="0"/>
+                <a:ea typeface="Source Sans Pro" charset="0"/>
+                <a:cs typeface="Source Sans Pro" charset="0"/>
+              </a:rPr>
+              <a:t>Eclasspath</a:t>
+            </a:r>
+            <a:r>
+              <a:rPr lang="en-US" sz="1100" i="1" kern="0" dirty="0">
+                <a:solidFill>
+                  <a:schemeClr val="accent1">
+                    <a:lumMod val="75000"/>
+                  </a:schemeClr>
+                </a:solidFill>
+                <a:latin typeface="Source Sans Pro" charset="0"/>
+                <a:ea typeface="Source Sans Pro" charset="0"/>
+                <a:cs typeface="Source Sans Pro" charset="0"/>
+              </a:rPr>
+              <a:t>  </a:t>
+            </a:r>
+            <a:r>
+              <a:rPr lang="en-US" sz="1100" kern="0" dirty="0">
+                <a:solidFill>
+                  <a:schemeClr val="accent1">
+                    <a:lumMod val="75000"/>
+                  </a:schemeClr>
+                </a:solidFill>
+                <a:latin typeface="Source Sans Pro ExtraLight" panose="020B0303030403020204" pitchFamily="34" charset="77"/>
+                <a:ea typeface="Source Sans Pro" charset="0"/>
+                <a:cs typeface="Source Sans Pro" charset="0"/>
+              </a:rPr>
+              <a:t>| </a:t>
+            </a:r>
+            <a:r>
+              <a:rPr lang="en-US" sz="1100" i="1" dirty="0">
+                <a:solidFill>
+                  <a:schemeClr val="accent1">
+                    <a:lumMod val="75000"/>
+                  </a:schemeClr>
+                </a:solidFill>
+                <a:latin typeface="Source Sans Pro Light" charset="0"/>
+                <a:ea typeface="Source Sans Pro Light" charset="0"/>
+                <a:cs typeface="Source Sans Pro Light" charset="0"/>
+              </a:rPr>
+              <a:t>…</a:t>
+            </a:r>
+            <a:endParaRPr lang="en-US" sz="1100" dirty="0">
+              <a:noFill/>
+              <a:latin typeface="Source Sans Pro Light" charset="0"/>
+              <a:ea typeface="Source Sans Pro Light" charset="0"/>
+              <a:cs typeface="Source Sans Pro Light" charset="0"/>
+            </a:endParaRPr>
+          </a:p>
+        </p:txBody>
+      </p:sp>
+      <p:sp>
+        <p:nvSpPr>
+          <p:cNvPr id="190" name="TextBox 189">
+            <a:extLst>
+              <a:ext uri="{FF2B5EF4-FFF2-40B4-BE49-F238E27FC236}">
+                <a16:creationId xmlns:a16="http://schemas.microsoft.com/office/drawing/2014/main" id="{3D7A7A4B-B39A-E54C-9309-C0A1DDBB2921}"/>
+              </a:ext>
+            </a:extLst>
+          </p:cNvPr>
+          <p:cNvSpPr txBox="1"/>
+          <p:nvPr/>
+        </p:nvSpPr>
+        <p:spPr>
+          <a:xfrm>
+            <a:off x="839416" y="339648"/>
+            <a:ext cx="10893877" cy="523220"/>
+          </a:xfrm>
+          <a:prstGeom prst="rect">
+            <a:avLst/>
+          </a:prstGeom>
+          <a:noFill/>
+        </p:spPr>
+        <p:txBody>
+          <a:bodyPr wrap="square" rtlCol="0">
+            <a:spAutoFit/>
+          </a:bodyPr>
+          <a:lstStyle/>
+          <a:p>
+            <a:r>
+              <a:rPr lang="en-US" sz="2800" dirty="0">
+                <a:latin typeface="Source Sans Pro Light" charset="0"/>
+                <a:ea typeface="Source Sans Pro Light" charset="0"/>
+                <a:cs typeface="Source Sans Pro Light" charset="0"/>
+              </a:rPr>
+              <a:t>Implementation for Virtual Devices for Docs website</a:t>
+            </a:r>
+          </a:p>
+        </p:txBody>
+      </p:sp>
       <p:cxnSp>
         <p:nvCxnSpPr>
-          <p:cNvPr id="6" name="Straight Connector 5"/>
+          <p:cNvPr id="191" name="Straight Connector 190">
+            <a:extLst>
+              <a:ext uri="{FF2B5EF4-FFF2-40B4-BE49-F238E27FC236}">
+                <a16:creationId xmlns:a16="http://schemas.microsoft.com/office/drawing/2014/main" id="{9E8A6D0D-0127-0146-9D76-D650F1A94134}"/>
+              </a:ext>
+            </a:extLst>
+          </p:cNvPr>
           <p:cNvCxnSpPr/>
           <p:nvPr/>
         </p:nvCxnSpPr>
@@ -7179,546 +7577,1457 @@
       </p:cxnSp>
       <p:sp>
         <p:nvSpPr>
-          <p:cNvPr id="64" name="TextBox 63"/>
-          <p:cNvSpPr txBox="1"/>
+          <p:cNvPr id="132" name="Arc 131">
+            <a:extLst>
+              <a:ext uri="{FF2B5EF4-FFF2-40B4-BE49-F238E27FC236}">
+                <a16:creationId xmlns:a16="http://schemas.microsoft.com/office/drawing/2014/main" id="{737A227C-6C1D-DA41-BDAD-EA25F40A7820}"/>
+              </a:ext>
+            </a:extLst>
+          </p:cNvPr>
+          <p:cNvSpPr/>
           <p:nvPr/>
         </p:nvSpPr>
         <p:spPr>
-          <a:xfrm>
-            <a:off x="746942" y="339648"/>
-            <a:ext cx="10893877" cy="553998"/>
-          </a:xfrm>
-          <a:prstGeom prst="rect">
-            <a:avLst/>
-          </a:prstGeom>
-          <a:noFill/>
-        </p:spPr>
+          <a:xfrm rot="16200000">
+            <a:off x="3625743" y="6249405"/>
+            <a:ext cx="229393" cy="209087"/>
+          </a:xfrm>
+          <a:prstGeom prst="arc">
+            <a:avLst>
+              <a:gd name="adj1" fmla="val 16200000"/>
+              <a:gd name="adj2" fmla="val 1286025"/>
+            </a:avLst>
+          </a:prstGeom>
+          <a:ln w="38100">
+            <a:solidFill>
+              <a:schemeClr val="bg2">
+                <a:lumMod val="25000"/>
+              </a:schemeClr>
+            </a:solidFill>
+          </a:ln>
+        </p:spPr>
+        <p:style>
+          <a:lnRef idx="1">
+            <a:schemeClr val="accent1"/>
+          </a:lnRef>
+          <a:fillRef idx="0">
+            <a:schemeClr val="accent1"/>
+          </a:fillRef>
+          <a:effectRef idx="0">
+            <a:schemeClr val="accent1"/>
+          </a:effectRef>
+          <a:fontRef idx="minor">
+            <a:schemeClr val="tx1"/>
+          </a:fontRef>
+        </p:style>
         <p:txBody>
-          <a:bodyPr wrap="square" rtlCol="0">
-            <a:spAutoFit/>
+          <a:bodyPr rtlCol="0" anchor="ctr"/>
+          <a:lstStyle/>
+          <a:p>
+            <a:pPr algn="ctr"/>
+            <a:endParaRPr lang="en-US" dirty="0"/>
+          </a:p>
+        </p:txBody>
+      </p:sp>
+      <p:sp>
+        <p:nvSpPr>
+          <p:cNvPr id="135" name="Arc 134">
+            <a:extLst>
+              <a:ext uri="{FF2B5EF4-FFF2-40B4-BE49-F238E27FC236}">
+                <a16:creationId xmlns:a16="http://schemas.microsoft.com/office/drawing/2014/main" id="{DA3E51D5-35AE-B142-847B-4B50D1123F89}"/>
+              </a:ext>
+            </a:extLst>
+          </p:cNvPr>
+          <p:cNvSpPr/>
+          <p:nvPr/>
+        </p:nvSpPr>
+        <p:spPr>
+          <a:xfrm>
+            <a:off x="11038946" y="6254977"/>
+            <a:ext cx="224156" cy="213972"/>
+          </a:xfrm>
+          <a:prstGeom prst="arc">
+            <a:avLst>
+              <a:gd name="adj1" fmla="val 15188349"/>
+              <a:gd name="adj2" fmla="val 21512081"/>
+            </a:avLst>
+          </a:prstGeom>
+          <a:ln w="38100">
+            <a:solidFill>
+              <a:schemeClr val="bg2">
+                <a:lumMod val="25000"/>
+              </a:schemeClr>
+            </a:solidFill>
+          </a:ln>
+        </p:spPr>
+        <p:style>
+          <a:lnRef idx="1">
+            <a:schemeClr val="accent1"/>
+          </a:lnRef>
+          <a:fillRef idx="0">
+            <a:schemeClr val="accent1"/>
+          </a:fillRef>
+          <a:effectRef idx="0">
+            <a:schemeClr val="accent1"/>
+          </a:effectRef>
+          <a:fontRef idx="minor">
+            <a:schemeClr val="tx1"/>
+          </a:fontRef>
+        </p:style>
+        <p:txBody>
+          <a:bodyPr rtlCol="0" anchor="ctr"/>
+          <a:lstStyle/>
+          <a:p>
+            <a:pPr algn="ctr"/>
+            <a:endParaRPr lang="en-US" dirty="0"/>
+          </a:p>
+        </p:txBody>
+      </p:sp>
+      <p:sp>
+        <p:nvSpPr>
+          <p:cNvPr id="136" name="Snip Same Side Corner Rectangle 135">
+            <a:extLst>
+              <a:ext uri="{FF2B5EF4-FFF2-40B4-BE49-F238E27FC236}">
+                <a16:creationId xmlns:a16="http://schemas.microsoft.com/office/drawing/2014/main" id="{D2ADBBB0-CE32-AA44-A94B-7412BE686F50}"/>
+              </a:ext>
+            </a:extLst>
+          </p:cNvPr>
+          <p:cNvSpPr/>
+          <p:nvPr/>
+        </p:nvSpPr>
+        <p:spPr>
+          <a:xfrm>
+            <a:off x="3726687" y="5787200"/>
+            <a:ext cx="7435852" cy="573319"/>
+          </a:xfrm>
+          <a:prstGeom prst="snip2SameRect">
+            <a:avLst>
+              <a:gd name="adj1" fmla="val 12416"/>
+              <a:gd name="adj2" fmla="val 0"/>
+            </a:avLst>
+          </a:prstGeom>
+          <a:solidFill>
+            <a:schemeClr val="tx1">
+              <a:lumMod val="50000"/>
+            </a:schemeClr>
+          </a:solidFill>
+          <a:ln>
+            <a:noFill/>
+          </a:ln>
+        </p:spPr>
+        <p:style>
+          <a:lnRef idx="2">
+            <a:schemeClr val="accent1">
+              <a:shade val="50000"/>
+            </a:schemeClr>
+          </a:lnRef>
+          <a:fillRef idx="1">
+            <a:schemeClr val="accent1"/>
+          </a:fillRef>
+          <a:effectRef idx="0">
+            <a:schemeClr val="accent1"/>
+          </a:effectRef>
+          <a:fontRef idx="minor">
+            <a:schemeClr val="lt1"/>
+          </a:fontRef>
+        </p:style>
+        <p:txBody>
+          <a:bodyPr wrap="square" tIns="72000" bIns="36000" rtlCol="0" anchor="t">
+            <a:noAutofit/>
           </a:bodyPr>
           <a:lstStyle/>
           <a:p>
-            <a:r>
-              <a:rPr lang="en-US" sz="3000" b="1" dirty="0" smtClean="0">
-                <a:latin typeface="Source Sans Pro Black" charset="0"/>
-                <a:ea typeface="Source Sans Pro Black" charset="0"/>
-                <a:cs typeface="Source Sans Pro Black" charset="0"/>
-              </a:rPr>
-              <a:t>SCHEMATIC </a:t>
-            </a:r>
-            <a:r>
-              <a:rPr lang="en-US" sz="3000" dirty="0" smtClean="0">
+            <a:pPr algn="ctr">
+              <a:lnSpc>
+                <a:spcPts val="1500"/>
+              </a:lnSpc>
+            </a:pPr>
+            <a:endParaRPr lang="en-US" sz="1400" i="1" dirty="0">
+              <a:solidFill>
+                <a:schemeClr val="bg1"/>
+              </a:solidFill>
+              <a:latin typeface="Source Sans Pro Light" charset="0"/>
+              <a:ea typeface="Source Sans Pro Light" charset="0"/>
+              <a:cs typeface="Source Sans Pro Light" charset="0"/>
+            </a:endParaRPr>
+          </a:p>
+        </p:txBody>
+      </p:sp>
+      <p:sp>
+        <p:nvSpPr>
+          <p:cNvPr id="152" name="Rounded Rectangle 151">
+            <a:extLst>
+              <a:ext uri="{FF2B5EF4-FFF2-40B4-BE49-F238E27FC236}">
+                <a16:creationId xmlns:a16="http://schemas.microsoft.com/office/drawing/2014/main" id="{8B28DFB6-F8F1-7348-A453-58A5B406A326}"/>
+              </a:ext>
+            </a:extLst>
+          </p:cNvPr>
+          <p:cNvSpPr/>
+          <p:nvPr/>
+        </p:nvSpPr>
+        <p:spPr>
+          <a:xfrm>
+            <a:off x="8407762" y="5932909"/>
+            <a:ext cx="900000" cy="306000"/>
+          </a:xfrm>
+          <a:prstGeom prst="roundRect">
+            <a:avLst>
+              <a:gd name="adj" fmla="val 19644"/>
+            </a:avLst>
+          </a:prstGeom>
+          <a:solidFill>
+            <a:schemeClr val="tx2"/>
+          </a:solidFill>
+          <a:ln w="12700">
+            <a:noFill/>
+          </a:ln>
+          <a:effectLst/>
+        </p:spPr>
+        <p:style>
+          <a:lnRef idx="2">
+            <a:schemeClr val="dk1"/>
+          </a:lnRef>
+          <a:fillRef idx="1">
+            <a:schemeClr val="lt1"/>
+          </a:fillRef>
+          <a:effectRef idx="0">
+            <a:schemeClr val="dk1"/>
+          </a:effectRef>
+          <a:fontRef idx="minor">
+            <a:schemeClr val="dk1"/>
+          </a:fontRef>
+        </p:style>
+        <p:txBody>
+          <a:bodyPr wrap="square" tIns="72000" bIns="36000" rtlCol="0" anchor="ctr">
+            <a:noAutofit/>
+          </a:bodyPr>
+          <a:lstStyle/>
+          <a:p>
+            <a:pPr lvl="0" algn="ctr" defTabSz="914400">
+              <a:lnSpc>
+                <a:spcPts val="1180"/>
+              </a:lnSpc>
+              <a:defRPr/>
+            </a:pPr>
+            <a:r>
+              <a:rPr lang="en-US" sz="1200" kern="0" dirty="0">
+                <a:solidFill>
+                  <a:schemeClr val="bg1"/>
+                </a:solidFill>
                 <a:latin typeface="Source Sans Pro Light" charset="0"/>
                 <a:ea typeface="Source Sans Pro Light" charset="0"/>
                 <a:cs typeface="Source Sans Pro Light" charset="0"/>
               </a:rPr>
-              <a:t>/ </a:t>
-            </a:r>
-            <a:r>
-              <a:rPr lang="en-US" sz="2800" dirty="0"/>
-              <a:t>virtual-device</a:t>
-            </a:r>
-            <a:endParaRPr lang="en-US" sz="2800" dirty="0">
-              <a:latin typeface="Source Sans Pro Light" charset="0"/>
-              <a:ea typeface="Source Sans Pro Light" charset="0"/>
-              <a:cs typeface="Source Sans Pro Light" charset="0"/>
+              <a:t>Serial</a:t>
+            </a:r>
+          </a:p>
+        </p:txBody>
+      </p:sp>
+      <p:sp>
+        <p:nvSpPr>
+          <p:cNvPr id="156" name="Rounded Rectangle 155">
+            <a:extLst>
+              <a:ext uri="{FF2B5EF4-FFF2-40B4-BE49-F238E27FC236}">
+                <a16:creationId xmlns:a16="http://schemas.microsoft.com/office/drawing/2014/main" id="{02C02E3B-2D72-AD4D-8A84-945A5A11ABF4}"/>
+              </a:ext>
+            </a:extLst>
+          </p:cNvPr>
+          <p:cNvSpPr/>
+          <p:nvPr/>
+        </p:nvSpPr>
+        <p:spPr>
+          <a:xfrm>
+            <a:off x="4941422" y="5932909"/>
+            <a:ext cx="900000" cy="306000"/>
+          </a:xfrm>
+          <a:prstGeom prst="roundRect">
+            <a:avLst>
+              <a:gd name="adj" fmla="val 19644"/>
+            </a:avLst>
+          </a:prstGeom>
+          <a:solidFill>
+            <a:schemeClr val="tx2"/>
+          </a:solidFill>
+          <a:ln w="12700">
+            <a:noFill/>
+          </a:ln>
+          <a:effectLst/>
+        </p:spPr>
+        <p:style>
+          <a:lnRef idx="2">
+            <a:schemeClr val="dk1"/>
+          </a:lnRef>
+          <a:fillRef idx="1">
+            <a:schemeClr val="lt1"/>
+          </a:fillRef>
+          <a:effectRef idx="0">
+            <a:schemeClr val="dk1"/>
+          </a:effectRef>
+          <a:fontRef idx="minor">
+            <a:schemeClr val="dk1"/>
+          </a:fontRef>
+        </p:style>
+        <p:txBody>
+          <a:bodyPr wrap="square" tIns="72000" bIns="36000" rtlCol="0" anchor="ctr">
+            <a:noAutofit/>
+          </a:bodyPr>
+          <a:lstStyle/>
+          <a:p>
+            <a:pPr algn="ctr" defTabSz="914400">
+              <a:lnSpc>
+                <a:spcPts val="1000"/>
+              </a:lnSpc>
+              <a:defRPr/>
+            </a:pPr>
+            <a:r>
+              <a:rPr lang="en-US" sz="1100" kern="0" dirty="0">
+                <a:solidFill>
+                  <a:schemeClr val="bg1"/>
+                </a:solidFill>
+                <a:latin typeface="Source Sans Pro Light" charset="0"/>
+                <a:ea typeface="Source Sans Pro Light" charset="0"/>
+                <a:cs typeface="Source Sans Pro Light" charset="0"/>
+              </a:rPr>
+              <a:t>Ethernet</a:t>
+            </a:r>
+            <a:br>
+              <a:rPr lang="en-US" sz="1100" kern="0" dirty="0">
+                <a:solidFill>
+                  <a:schemeClr val="bg1"/>
+                </a:solidFill>
+                <a:latin typeface="Source Sans Pro Light" charset="0"/>
+                <a:ea typeface="Source Sans Pro Light" charset="0"/>
+                <a:cs typeface="Source Sans Pro Light" charset="0"/>
+              </a:rPr>
+            </a:br>
+            <a:r>
+              <a:rPr lang="en-US" sz="1100" kern="0" dirty="0">
+                <a:solidFill>
+                  <a:schemeClr val="bg1"/>
+                </a:solidFill>
+                <a:latin typeface="Source Sans Pro Light" charset="0"/>
+                <a:ea typeface="Source Sans Pro Light" charset="0"/>
+                <a:cs typeface="Source Sans Pro Light" charset="0"/>
+              </a:rPr>
+              <a:t>Wi-Fi / LTE</a:t>
+            </a:r>
+          </a:p>
+        </p:txBody>
+      </p:sp>
+      <p:sp>
+        <p:nvSpPr>
+          <p:cNvPr id="192" name="Rounded Rectangle 191">
+            <a:extLst>
+              <a:ext uri="{FF2B5EF4-FFF2-40B4-BE49-F238E27FC236}">
+                <a16:creationId xmlns:a16="http://schemas.microsoft.com/office/drawing/2014/main" id="{C1147576-AA1F-404A-9559-0DBBF7EDEFF0}"/>
+              </a:ext>
+            </a:extLst>
+          </p:cNvPr>
+          <p:cNvSpPr/>
+          <p:nvPr/>
+        </p:nvSpPr>
+        <p:spPr>
+          <a:xfrm>
+            <a:off x="10399015" y="5930870"/>
+            <a:ext cx="595578" cy="308039"/>
+          </a:xfrm>
+          <a:prstGeom prst="roundRect">
+            <a:avLst>
+              <a:gd name="adj" fmla="val 19644"/>
+            </a:avLst>
+          </a:prstGeom>
+          <a:gradFill>
+            <a:gsLst>
+              <a:gs pos="0">
+                <a:schemeClr val="tx2"/>
+              </a:gs>
+              <a:gs pos="100000">
+                <a:schemeClr val="bg2">
+                  <a:lumMod val="50000"/>
+                  <a:alpha val="0"/>
+                </a:schemeClr>
+              </a:gs>
+            </a:gsLst>
+            <a:lin ang="0" scaled="1"/>
+          </a:gradFill>
+          <a:ln w="12700">
+            <a:noFill/>
+          </a:ln>
+          <a:effectLst/>
+        </p:spPr>
+        <p:style>
+          <a:lnRef idx="2">
+            <a:schemeClr val="dk1"/>
+          </a:lnRef>
+          <a:fillRef idx="1">
+            <a:schemeClr val="lt1"/>
+          </a:fillRef>
+          <a:effectRef idx="0">
+            <a:schemeClr val="dk1"/>
+          </a:effectRef>
+          <a:fontRef idx="minor">
+            <a:schemeClr val="dk1"/>
+          </a:fontRef>
+        </p:style>
+        <p:txBody>
+          <a:bodyPr wrap="square" lIns="36000" tIns="72000" rIns="36000" bIns="36000" rtlCol="0" anchor="ctr">
+            <a:noAutofit/>
+          </a:bodyPr>
+          <a:lstStyle/>
+          <a:p>
+            <a:pPr defTabSz="914400">
+              <a:lnSpc>
+                <a:spcPts val="1180"/>
+              </a:lnSpc>
+              <a:defRPr/>
+            </a:pPr>
+            <a:r>
+              <a:rPr lang="en-US" sz="1200" kern="0" dirty="0">
+                <a:solidFill>
+                  <a:schemeClr val="bg1"/>
+                </a:solidFill>
+                <a:latin typeface="Source Sans Pro Light" charset="0"/>
+                <a:ea typeface="Source Sans Pro Light" charset="0"/>
+                <a:cs typeface="Source Sans Pro Light" charset="0"/>
+              </a:rPr>
+              <a:t> …</a:t>
+            </a:r>
+          </a:p>
+        </p:txBody>
+      </p:sp>
+      <p:sp>
+        <p:nvSpPr>
+          <p:cNvPr id="193" name="Rounded Rectangle 192">
+            <a:extLst>
+              <a:ext uri="{FF2B5EF4-FFF2-40B4-BE49-F238E27FC236}">
+                <a16:creationId xmlns:a16="http://schemas.microsoft.com/office/drawing/2014/main" id="{87BAA2E4-D69F-EF40-A62A-57B56DBC29C1}"/>
+              </a:ext>
+            </a:extLst>
+          </p:cNvPr>
+          <p:cNvSpPr/>
+          <p:nvPr/>
+        </p:nvSpPr>
+        <p:spPr>
+          <a:xfrm>
+            <a:off x="5937050" y="5932909"/>
+            <a:ext cx="900000" cy="306000"/>
+          </a:xfrm>
+          <a:prstGeom prst="roundRect">
+            <a:avLst>
+              <a:gd name="adj" fmla="val 19644"/>
+            </a:avLst>
+          </a:prstGeom>
+          <a:solidFill>
+            <a:schemeClr val="tx2"/>
+          </a:solidFill>
+          <a:ln w="12700">
+            <a:noFill/>
+          </a:ln>
+          <a:effectLst/>
+        </p:spPr>
+        <p:style>
+          <a:lnRef idx="2">
+            <a:schemeClr val="dk1"/>
+          </a:lnRef>
+          <a:fillRef idx="1">
+            <a:schemeClr val="lt1"/>
+          </a:fillRef>
+          <a:effectRef idx="0">
+            <a:schemeClr val="dk1"/>
+          </a:effectRef>
+          <a:fontRef idx="minor">
+            <a:schemeClr val="dk1"/>
+          </a:fontRef>
+        </p:style>
+        <p:txBody>
+          <a:bodyPr wrap="square" tIns="72000" bIns="36000" rtlCol="0" anchor="ctr">
+            <a:noAutofit/>
+          </a:bodyPr>
+          <a:lstStyle/>
+          <a:p>
+            <a:pPr algn="ctr" defTabSz="914400">
+              <a:lnSpc>
+                <a:spcPts val="1180"/>
+              </a:lnSpc>
+              <a:defRPr/>
+            </a:pPr>
+            <a:r>
+              <a:rPr lang="en-US" sz="1200" kern="0" dirty="0">
+                <a:solidFill>
+                  <a:schemeClr val="bg1"/>
+                </a:solidFill>
+                <a:latin typeface="Source Sans Pro Light" charset="0"/>
+                <a:ea typeface="Source Sans Pro Light" charset="0"/>
+                <a:cs typeface="Source Sans Pro Light" charset="0"/>
+              </a:rPr>
+              <a:t>Display</a:t>
+            </a:r>
+          </a:p>
+        </p:txBody>
+      </p:sp>
+      <p:sp>
+        <p:nvSpPr>
+          <p:cNvPr id="194" name="Rounded Rectangle 370">
+            <a:extLst>
+              <a:ext uri="{FF2B5EF4-FFF2-40B4-BE49-F238E27FC236}">
+                <a16:creationId xmlns:a16="http://schemas.microsoft.com/office/drawing/2014/main" id="{287F5DF7-BF6F-D94B-8397-E71CF1C8B8FE}"/>
+              </a:ext>
+            </a:extLst>
+          </p:cNvPr>
+          <p:cNvSpPr/>
+          <p:nvPr/>
+        </p:nvSpPr>
+        <p:spPr>
+          <a:xfrm>
+            <a:off x="6714689" y="5527673"/>
+            <a:ext cx="1856244" cy="721545"/>
+          </a:xfrm>
+          <a:custGeom>
+            <a:avLst/>
+            <a:gdLst>
+              <a:gd name="connsiteX0" fmla="*/ 0 w 1377675"/>
+              <a:gd name="connsiteY0" fmla="*/ 66568 h 1084694"/>
+              <a:gd name="connsiteX1" fmla="*/ 66568 w 1377675"/>
+              <a:gd name="connsiteY1" fmla="*/ 0 h 1084694"/>
+              <a:gd name="connsiteX2" fmla="*/ 1311107 w 1377675"/>
+              <a:gd name="connsiteY2" fmla="*/ 0 h 1084694"/>
+              <a:gd name="connsiteX3" fmla="*/ 1377675 w 1377675"/>
+              <a:gd name="connsiteY3" fmla="*/ 66568 h 1084694"/>
+              <a:gd name="connsiteX4" fmla="*/ 1377675 w 1377675"/>
+              <a:gd name="connsiteY4" fmla="*/ 1018126 h 1084694"/>
+              <a:gd name="connsiteX5" fmla="*/ 1311107 w 1377675"/>
+              <a:gd name="connsiteY5" fmla="*/ 1084694 h 1084694"/>
+              <a:gd name="connsiteX6" fmla="*/ 66568 w 1377675"/>
+              <a:gd name="connsiteY6" fmla="*/ 1084694 h 1084694"/>
+              <a:gd name="connsiteX7" fmla="*/ 0 w 1377675"/>
+              <a:gd name="connsiteY7" fmla="*/ 1018126 h 1084694"/>
+              <a:gd name="connsiteX8" fmla="*/ 0 w 1377675"/>
+              <a:gd name="connsiteY8" fmla="*/ 66568 h 1084694"/>
+              <a:gd name="connsiteX0" fmla="*/ 0 w 1377675"/>
+              <a:gd name="connsiteY0" fmla="*/ 66568 h 1084694"/>
+              <a:gd name="connsiteX1" fmla="*/ 66568 w 1377675"/>
+              <a:gd name="connsiteY1" fmla="*/ 0 h 1084694"/>
+              <a:gd name="connsiteX2" fmla="*/ 1311107 w 1377675"/>
+              <a:gd name="connsiteY2" fmla="*/ 0 h 1084694"/>
+              <a:gd name="connsiteX3" fmla="*/ 1377675 w 1377675"/>
+              <a:gd name="connsiteY3" fmla="*/ 409468 h 1084694"/>
+              <a:gd name="connsiteX4" fmla="*/ 1377675 w 1377675"/>
+              <a:gd name="connsiteY4" fmla="*/ 1018126 h 1084694"/>
+              <a:gd name="connsiteX5" fmla="*/ 1311107 w 1377675"/>
+              <a:gd name="connsiteY5" fmla="*/ 1084694 h 1084694"/>
+              <a:gd name="connsiteX6" fmla="*/ 66568 w 1377675"/>
+              <a:gd name="connsiteY6" fmla="*/ 1084694 h 1084694"/>
+              <a:gd name="connsiteX7" fmla="*/ 0 w 1377675"/>
+              <a:gd name="connsiteY7" fmla="*/ 1018126 h 1084694"/>
+              <a:gd name="connsiteX8" fmla="*/ 0 w 1377675"/>
+              <a:gd name="connsiteY8" fmla="*/ 66568 h 1084694"/>
+              <a:gd name="connsiteX0" fmla="*/ 0 w 1381139"/>
+              <a:gd name="connsiteY0" fmla="*/ 388686 h 1084694"/>
+              <a:gd name="connsiteX1" fmla="*/ 70032 w 1381139"/>
+              <a:gd name="connsiteY1" fmla="*/ 0 h 1084694"/>
+              <a:gd name="connsiteX2" fmla="*/ 1314571 w 1381139"/>
+              <a:gd name="connsiteY2" fmla="*/ 0 h 1084694"/>
+              <a:gd name="connsiteX3" fmla="*/ 1381139 w 1381139"/>
+              <a:gd name="connsiteY3" fmla="*/ 409468 h 1084694"/>
+              <a:gd name="connsiteX4" fmla="*/ 1381139 w 1381139"/>
+              <a:gd name="connsiteY4" fmla="*/ 1018126 h 1084694"/>
+              <a:gd name="connsiteX5" fmla="*/ 1314571 w 1381139"/>
+              <a:gd name="connsiteY5" fmla="*/ 1084694 h 1084694"/>
+              <a:gd name="connsiteX6" fmla="*/ 70032 w 1381139"/>
+              <a:gd name="connsiteY6" fmla="*/ 1084694 h 1084694"/>
+              <a:gd name="connsiteX7" fmla="*/ 3464 w 1381139"/>
+              <a:gd name="connsiteY7" fmla="*/ 1018126 h 1084694"/>
+              <a:gd name="connsiteX8" fmla="*/ 0 w 1381139"/>
+              <a:gd name="connsiteY8" fmla="*/ 388686 h 1084694"/>
+              <a:gd name="connsiteX0" fmla="*/ 0 w 3085063"/>
+              <a:gd name="connsiteY0" fmla="*/ 388686 h 1084694"/>
+              <a:gd name="connsiteX1" fmla="*/ 70032 w 3085063"/>
+              <a:gd name="connsiteY1" fmla="*/ 0 h 1084694"/>
+              <a:gd name="connsiteX2" fmla="*/ 3084489 w 3085063"/>
+              <a:gd name="connsiteY2" fmla="*/ 256309 h 1084694"/>
+              <a:gd name="connsiteX3" fmla="*/ 1381139 w 3085063"/>
+              <a:gd name="connsiteY3" fmla="*/ 409468 h 1084694"/>
+              <a:gd name="connsiteX4" fmla="*/ 1381139 w 3085063"/>
+              <a:gd name="connsiteY4" fmla="*/ 1018126 h 1084694"/>
+              <a:gd name="connsiteX5" fmla="*/ 1314571 w 3085063"/>
+              <a:gd name="connsiteY5" fmla="*/ 1084694 h 1084694"/>
+              <a:gd name="connsiteX6" fmla="*/ 70032 w 3085063"/>
+              <a:gd name="connsiteY6" fmla="*/ 1084694 h 1084694"/>
+              <a:gd name="connsiteX7" fmla="*/ 3464 w 3085063"/>
+              <a:gd name="connsiteY7" fmla="*/ 1018126 h 1084694"/>
+              <a:gd name="connsiteX8" fmla="*/ 0 w 3085063"/>
+              <a:gd name="connsiteY8" fmla="*/ 388686 h 1084694"/>
+              <a:gd name="connsiteX0" fmla="*/ 1150005 w 4235068"/>
+              <a:gd name="connsiteY0" fmla="*/ 132377 h 828385"/>
+              <a:gd name="connsiteX1" fmla="*/ 837 w 4235068"/>
+              <a:gd name="connsiteY1" fmla="*/ 3463 h 828385"/>
+              <a:gd name="connsiteX2" fmla="*/ 4234494 w 4235068"/>
+              <a:gd name="connsiteY2" fmla="*/ 0 h 828385"/>
+              <a:gd name="connsiteX3" fmla="*/ 2531144 w 4235068"/>
+              <a:gd name="connsiteY3" fmla="*/ 153159 h 828385"/>
+              <a:gd name="connsiteX4" fmla="*/ 2531144 w 4235068"/>
+              <a:gd name="connsiteY4" fmla="*/ 761817 h 828385"/>
+              <a:gd name="connsiteX5" fmla="*/ 2464576 w 4235068"/>
+              <a:gd name="connsiteY5" fmla="*/ 828385 h 828385"/>
+              <a:gd name="connsiteX6" fmla="*/ 1220037 w 4235068"/>
+              <a:gd name="connsiteY6" fmla="*/ 828385 h 828385"/>
+              <a:gd name="connsiteX7" fmla="*/ 1153469 w 4235068"/>
+              <a:gd name="connsiteY7" fmla="*/ 761817 h 828385"/>
+              <a:gd name="connsiteX8" fmla="*/ 1150005 w 4235068"/>
+              <a:gd name="connsiteY8" fmla="*/ 132377 h 828385"/>
+              <a:gd name="connsiteX0" fmla="*/ 1150005 w 2930911"/>
+              <a:gd name="connsiteY0" fmla="*/ 128914 h 824922"/>
+              <a:gd name="connsiteX1" fmla="*/ 837 w 2930911"/>
+              <a:gd name="connsiteY1" fmla="*/ 0 h 824922"/>
+              <a:gd name="connsiteX2" fmla="*/ 2928703 w 2930911"/>
+              <a:gd name="connsiteY2" fmla="*/ 1 h 824922"/>
+              <a:gd name="connsiteX3" fmla="*/ 2531144 w 2930911"/>
+              <a:gd name="connsiteY3" fmla="*/ 149696 h 824922"/>
+              <a:gd name="connsiteX4" fmla="*/ 2531144 w 2930911"/>
+              <a:gd name="connsiteY4" fmla="*/ 758354 h 824922"/>
+              <a:gd name="connsiteX5" fmla="*/ 2464576 w 2930911"/>
+              <a:gd name="connsiteY5" fmla="*/ 824922 h 824922"/>
+              <a:gd name="connsiteX6" fmla="*/ 1220037 w 2930911"/>
+              <a:gd name="connsiteY6" fmla="*/ 824922 h 824922"/>
+              <a:gd name="connsiteX7" fmla="*/ 1153469 w 2930911"/>
+              <a:gd name="connsiteY7" fmla="*/ 758354 h 824922"/>
+              <a:gd name="connsiteX8" fmla="*/ 1150005 w 2930911"/>
+              <a:gd name="connsiteY8" fmla="*/ 128914 h 824922"/>
+              <a:gd name="connsiteX0" fmla="*/ 1150005 w 2930911"/>
+              <a:gd name="connsiteY0" fmla="*/ 128914 h 824922"/>
+              <a:gd name="connsiteX1" fmla="*/ 837 w 2930911"/>
+              <a:gd name="connsiteY1" fmla="*/ 0 h 824922"/>
+              <a:gd name="connsiteX2" fmla="*/ 2928703 w 2930911"/>
+              <a:gd name="connsiteY2" fmla="*/ 1 h 824922"/>
+              <a:gd name="connsiteX3" fmla="*/ 2531144 w 2930911"/>
+              <a:gd name="connsiteY3" fmla="*/ 149696 h 824922"/>
+              <a:gd name="connsiteX4" fmla="*/ 2531144 w 2930911"/>
+              <a:gd name="connsiteY4" fmla="*/ 758354 h 824922"/>
+              <a:gd name="connsiteX5" fmla="*/ 2464576 w 2930911"/>
+              <a:gd name="connsiteY5" fmla="*/ 824922 h 824922"/>
+              <a:gd name="connsiteX6" fmla="*/ 1220037 w 2930911"/>
+              <a:gd name="connsiteY6" fmla="*/ 824922 h 824922"/>
+              <a:gd name="connsiteX7" fmla="*/ 1153469 w 2930911"/>
+              <a:gd name="connsiteY7" fmla="*/ 758354 h 824922"/>
+              <a:gd name="connsiteX8" fmla="*/ 1150005 w 2930911"/>
+              <a:gd name="connsiteY8" fmla="*/ 128914 h 824922"/>
+              <a:gd name="connsiteX0" fmla="*/ 1150004 w 2930910"/>
+              <a:gd name="connsiteY0" fmla="*/ 128914 h 824922"/>
+              <a:gd name="connsiteX1" fmla="*/ 836 w 2930910"/>
+              <a:gd name="connsiteY1" fmla="*/ 0 h 824922"/>
+              <a:gd name="connsiteX2" fmla="*/ 2928702 w 2930910"/>
+              <a:gd name="connsiteY2" fmla="*/ 1 h 824922"/>
+              <a:gd name="connsiteX3" fmla="*/ 2531143 w 2930910"/>
+              <a:gd name="connsiteY3" fmla="*/ 149696 h 824922"/>
+              <a:gd name="connsiteX4" fmla="*/ 2531143 w 2930910"/>
+              <a:gd name="connsiteY4" fmla="*/ 758354 h 824922"/>
+              <a:gd name="connsiteX5" fmla="*/ 2464575 w 2930910"/>
+              <a:gd name="connsiteY5" fmla="*/ 824922 h 824922"/>
+              <a:gd name="connsiteX6" fmla="*/ 1220036 w 2930910"/>
+              <a:gd name="connsiteY6" fmla="*/ 824922 h 824922"/>
+              <a:gd name="connsiteX7" fmla="*/ 1153468 w 2930910"/>
+              <a:gd name="connsiteY7" fmla="*/ 758354 h 824922"/>
+              <a:gd name="connsiteX8" fmla="*/ 1150004 w 2930910"/>
+              <a:gd name="connsiteY8" fmla="*/ 128914 h 824922"/>
+              <a:gd name="connsiteX0" fmla="*/ 375627 w 2156533"/>
+              <a:gd name="connsiteY0" fmla="*/ 128913 h 824921"/>
+              <a:gd name="connsiteX1" fmla="*/ 2314 w 2156533"/>
+              <a:gd name="connsiteY1" fmla="*/ 6926 h 824921"/>
+              <a:gd name="connsiteX2" fmla="*/ 2154325 w 2156533"/>
+              <a:gd name="connsiteY2" fmla="*/ 0 h 824921"/>
+              <a:gd name="connsiteX3" fmla="*/ 1756766 w 2156533"/>
+              <a:gd name="connsiteY3" fmla="*/ 149695 h 824921"/>
+              <a:gd name="connsiteX4" fmla="*/ 1756766 w 2156533"/>
+              <a:gd name="connsiteY4" fmla="*/ 758353 h 824921"/>
+              <a:gd name="connsiteX5" fmla="*/ 1690198 w 2156533"/>
+              <a:gd name="connsiteY5" fmla="*/ 824921 h 824921"/>
+              <a:gd name="connsiteX6" fmla="*/ 445659 w 2156533"/>
+              <a:gd name="connsiteY6" fmla="*/ 824921 h 824921"/>
+              <a:gd name="connsiteX7" fmla="*/ 379091 w 2156533"/>
+              <a:gd name="connsiteY7" fmla="*/ 758353 h 824921"/>
+              <a:gd name="connsiteX8" fmla="*/ 375627 w 2156533"/>
+              <a:gd name="connsiteY8" fmla="*/ 128913 h 824921"/>
+              <a:gd name="connsiteX0" fmla="*/ 418185 w 2199091"/>
+              <a:gd name="connsiteY0" fmla="*/ 128913 h 824921"/>
+              <a:gd name="connsiteX1" fmla="*/ 44872 w 2199091"/>
+              <a:gd name="connsiteY1" fmla="*/ 6926 h 824921"/>
+              <a:gd name="connsiteX2" fmla="*/ 2196883 w 2199091"/>
+              <a:gd name="connsiteY2" fmla="*/ 0 h 824921"/>
+              <a:gd name="connsiteX3" fmla="*/ 1799324 w 2199091"/>
+              <a:gd name="connsiteY3" fmla="*/ 149695 h 824921"/>
+              <a:gd name="connsiteX4" fmla="*/ 1799324 w 2199091"/>
+              <a:gd name="connsiteY4" fmla="*/ 758353 h 824921"/>
+              <a:gd name="connsiteX5" fmla="*/ 1732756 w 2199091"/>
+              <a:gd name="connsiteY5" fmla="*/ 824921 h 824921"/>
+              <a:gd name="connsiteX6" fmla="*/ 488217 w 2199091"/>
+              <a:gd name="connsiteY6" fmla="*/ 824921 h 824921"/>
+              <a:gd name="connsiteX7" fmla="*/ 421649 w 2199091"/>
+              <a:gd name="connsiteY7" fmla="*/ 758353 h 824921"/>
+              <a:gd name="connsiteX8" fmla="*/ 418185 w 2199091"/>
+              <a:gd name="connsiteY8" fmla="*/ 128913 h 824921"/>
+              <a:gd name="connsiteX0" fmla="*/ 404178 w 2197426"/>
+              <a:gd name="connsiteY0" fmla="*/ 129381 h 825389"/>
+              <a:gd name="connsiteX1" fmla="*/ 30865 w 2197426"/>
+              <a:gd name="connsiteY1" fmla="*/ 7394 h 825389"/>
+              <a:gd name="connsiteX2" fmla="*/ 2182876 w 2197426"/>
+              <a:gd name="connsiteY2" fmla="*/ 468 h 825389"/>
+              <a:gd name="connsiteX3" fmla="*/ 1785317 w 2197426"/>
+              <a:gd name="connsiteY3" fmla="*/ 150163 h 825389"/>
+              <a:gd name="connsiteX4" fmla="*/ 1785317 w 2197426"/>
+              <a:gd name="connsiteY4" fmla="*/ 758821 h 825389"/>
+              <a:gd name="connsiteX5" fmla="*/ 1718749 w 2197426"/>
+              <a:gd name="connsiteY5" fmla="*/ 825389 h 825389"/>
+              <a:gd name="connsiteX6" fmla="*/ 474210 w 2197426"/>
+              <a:gd name="connsiteY6" fmla="*/ 825389 h 825389"/>
+              <a:gd name="connsiteX7" fmla="*/ 407642 w 2197426"/>
+              <a:gd name="connsiteY7" fmla="*/ 758821 h 825389"/>
+              <a:gd name="connsiteX8" fmla="*/ 404178 w 2197426"/>
+              <a:gd name="connsiteY8" fmla="*/ 129381 h 825389"/>
+              <a:gd name="connsiteX0" fmla="*/ 373313 w 2152011"/>
+              <a:gd name="connsiteY0" fmla="*/ 129381 h 825389"/>
+              <a:gd name="connsiteX1" fmla="*/ 0 w 2152011"/>
+              <a:gd name="connsiteY1" fmla="*/ 7394 h 825389"/>
+              <a:gd name="connsiteX2" fmla="*/ 2152011 w 2152011"/>
+              <a:gd name="connsiteY2" fmla="*/ 468 h 825389"/>
+              <a:gd name="connsiteX3" fmla="*/ 1754452 w 2152011"/>
+              <a:gd name="connsiteY3" fmla="*/ 150163 h 825389"/>
+              <a:gd name="connsiteX4" fmla="*/ 1754452 w 2152011"/>
+              <a:gd name="connsiteY4" fmla="*/ 758821 h 825389"/>
+              <a:gd name="connsiteX5" fmla="*/ 1687884 w 2152011"/>
+              <a:gd name="connsiteY5" fmla="*/ 825389 h 825389"/>
+              <a:gd name="connsiteX6" fmla="*/ 443345 w 2152011"/>
+              <a:gd name="connsiteY6" fmla="*/ 825389 h 825389"/>
+              <a:gd name="connsiteX7" fmla="*/ 376777 w 2152011"/>
+              <a:gd name="connsiteY7" fmla="*/ 758821 h 825389"/>
+              <a:gd name="connsiteX8" fmla="*/ 373313 w 2152011"/>
+              <a:gd name="connsiteY8" fmla="*/ 129381 h 825389"/>
+              <a:gd name="connsiteX0" fmla="*/ 436994 w 2018842"/>
+              <a:gd name="connsiteY0" fmla="*/ 132057 h 828065"/>
+              <a:gd name="connsiteX1" fmla="*/ 63681 w 2018842"/>
+              <a:gd name="connsiteY1" fmla="*/ 10070 h 828065"/>
+              <a:gd name="connsiteX2" fmla="*/ 2018842 w 2018842"/>
+              <a:gd name="connsiteY2" fmla="*/ 6319 h 828065"/>
+              <a:gd name="connsiteX3" fmla="*/ 1818133 w 2018842"/>
+              <a:gd name="connsiteY3" fmla="*/ 152839 h 828065"/>
+              <a:gd name="connsiteX4" fmla="*/ 1818133 w 2018842"/>
+              <a:gd name="connsiteY4" fmla="*/ 761497 h 828065"/>
+              <a:gd name="connsiteX5" fmla="*/ 1751565 w 2018842"/>
+              <a:gd name="connsiteY5" fmla="*/ 828065 h 828065"/>
+              <a:gd name="connsiteX6" fmla="*/ 507026 w 2018842"/>
+              <a:gd name="connsiteY6" fmla="*/ 828065 h 828065"/>
+              <a:gd name="connsiteX7" fmla="*/ 440458 w 2018842"/>
+              <a:gd name="connsiteY7" fmla="*/ 761497 h 828065"/>
+              <a:gd name="connsiteX8" fmla="*/ 436994 w 2018842"/>
+              <a:gd name="connsiteY8" fmla="*/ 132057 h 828065"/>
+              <a:gd name="connsiteX0" fmla="*/ 436994 w 2023402"/>
+              <a:gd name="connsiteY0" fmla="*/ 131514 h 827522"/>
+              <a:gd name="connsiteX1" fmla="*/ 63681 w 2023402"/>
+              <a:gd name="connsiteY1" fmla="*/ 9527 h 827522"/>
+              <a:gd name="connsiteX2" fmla="*/ 2018842 w 2023402"/>
+              <a:gd name="connsiteY2" fmla="*/ 5776 h 827522"/>
+              <a:gd name="connsiteX3" fmla="*/ 1818133 w 2023402"/>
+              <a:gd name="connsiteY3" fmla="*/ 152296 h 827522"/>
+              <a:gd name="connsiteX4" fmla="*/ 1818133 w 2023402"/>
+              <a:gd name="connsiteY4" fmla="*/ 760954 h 827522"/>
+              <a:gd name="connsiteX5" fmla="*/ 1751565 w 2023402"/>
+              <a:gd name="connsiteY5" fmla="*/ 827522 h 827522"/>
+              <a:gd name="connsiteX6" fmla="*/ 507026 w 2023402"/>
+              <a:gd name="connsiteY6" fmla="*/ 827522 h 827522"/>
+              <a:gd name="connsiteX7" fmla="*/ 440458 w 2023402"/>
+              <a:gd name="connsiteY7" fmla="*/ 760954 h 827522"/>
+              <a:gd name="connsiteX8" fmla="*/ 436994 w 2023402"/>
+              <a:gd name="connsiteY8" fmla="*/ 131514 h 827522"/>
+              <a:gd name="connsiteX0" fmla="*/ 260186 w 1921406"/>
+              <a:gd name="connsiteY0" fmla="*/ 144219 h 840227"/>
+              <a:gd name="connsiteX1" fmla="*/ 83723 w 1921406"/>
+              <a:gd name="connsiteY1" fmla="*/ 15882 h 840227"/>
+              <a:gd name="connsiteX2" fmla="*/ 1842034 w 1921406"/>
+              <a:gd name="connsiteY2" fmla="*/ 18481 h 840227"/>
+              <a:gd name="connsiteX3" fmla="*/ 1641325 w 1921406"/>
+              <a:gd name="connsiteY3" fmla="*/ 165001 h 840227"/>
+              <a:gd name="connsiteX4" fmla="*/ 1641325 w 1921406"/>
+              <a:gd name="connsiteY4" fmla="*/ 773659 h 840227"/>
+              <a:gd name="connsiteX5" fmla="*/ 1574757 w 1921406"/>
+              <a:gd name="connsiteY5" fmla="*/ 840227 h 840227"/>
+              <a:gd name="connsiteX6" fmla="*/ 330218 w 1921406"/>
+              <a:gd name="connsiteY6" fmla="*/ 840227 h 840227"/>
+              <a:gd name="connsiteX7" fmla="*/ 263650 w 1921406"/>
+              <a:gd name="connsiteY7" fmla="*/ 773659 h 840227"/>
+              <a:gd name="connsiteX8" fmla="*/ 260186 w 1921406"/>
+              <a:gd name="connsiteY8" fmla="*/ 144219 h 840227"/>
+              <a:gd name="connsiteX0" fmla="*/ 184184 w 1845404"/>
+              <a:gd name="connsiteY0" fmla="*/ 137193 h 833201"/>
+              <a:gd name="connsiteX1" fmla="*/ 7721 w 1845404"/>
+              <a:gd name="connsiteY1" fmla="*/ 8856 h 833201"/>
+              <a:gd name="connsiteX2" fmla="*/ 1766032 w 1845404"/>
+              <a:gd name="connsiteY2" fmla="*/ 11455 h 833201"/>
+              <a:gd name="connsiteX3" fmla="*/ 1565323 w 1845404"/>
+              <a:gd name="connsiteY3" fmla="*/ 157975 h 833201"/>
+              <a:gd name="connsiteX4" fmla="*/ 1565323 w 1845404"/>
+              <a:gd name="connsiteY4" fmla="*/ 766633 h 833201"/>
+              <a:gd name="connsiteX5" fmla="*/ 1498755 w 1845404"/>
+              <a:gd name="connsiteY5" fmla="*/ 833201 h 833201"/>
+              <a:gd name="connsiteX6" fmla="*/ 254216 w 1845404"/>
+              <a:gd name="connsiteY6" fmla="*/ 833201 h 833201"/>
+              <a:gd name="connsiteX7" fmla="*/ 187648 w 1845404"/>
+              <a:gd name="connsiteY7" fmla="*/ 766633 h 833201"/>
+              <a:gd name="connsiteX8" fmla="*/ 184184 w 1845404"/>
+              <a:gd name="connsiteY8" fmla="*/ 137193 h 833201"/>
+              <a:gd name="connsiteX0" fmla="*/ 254154 w 1839241"/>
+              <a:gd name="connsiteY0" fmla="*/ 147999 h 844007"/>
+              <a:gd name="connsiteX1" fmla="*/ 77691 w 1839241"/>
+              <a:gd name="connsiteY1" fmla="*/ 19662 h 844007"/>
+              <a:gd name="connsiteX2" fmla="*/ 1747102 w 1839241"/>
+              <a:gd name="connsiteY2" fmla="*/ 15911 h 844007"/>
+              <a:gd name="connsiteX3" fmla="*/ 1635293 w 1839241"/>
+              <a:gd name="connsiteY3" fmla="*/ 168781 h 844007"/>
+              <a:gd name="connsiteX4" fmla="*/ 1635293 w 1839241"/>
+              <a:gd name="connsiteY4" fmla="*/ 777439 h 844007"/>
+              <a:gd name="connsiteX5" fmla="*/ 1568725 w 1839241"/>
+              <a:gd name="connsiteY5" fmla="*/ 844007 h 844007"/>
+              <a:gd name="connsiteX6" fmla="*/ 324186 w 1839241"/>
+              <a:gd name="connsiteY6" fmla="*/ 844007 h 844007"/>
+              <a:gd name="connsiteX7" fmla="*/ 257618 w 1839241"/>
+              <a:gd name="connsiteY7" fmla="*/ 777439 h 844007"/>
+              <a:gd name="connsiteX8" fmla="*/ 254154 w 1839241"/>
+              <a:gd name="connsiteY8" fmla="*/ 147999 h 844007"/>
+              <a:gd name="connsiteX0" fmla="*/ 254154 w 1752323"/>
+              <a:gd name="connsiteY0" fmla="*/ 139925 h 835933"/>
+              <a:gd name="connsiteX1" fmla="*/ 77691 w 1752323"/>
+              <a:gd name="connsiteY1" fmla="*/ 11588 h 835933"/>
+              <a:gd name="connsiteX2" fmla="*/ 1747102 w 1752323"/>
+              <a:gd name="connsiteY2" fmla="*/ 7837 h 835933"/>
+              <a:gd name="connsiteX3" fmla="*/ 1635293 w 1752323"/>
+              <a:gd name="connsiteY3" fmla="*/ 160707 h 835933"/>
+              <a:gd name="connsiteX4" fmla="*/ 1635293 w 1752323"/>
+              <a:gd name="connsiteY4" fmla="*/ 769365 h 835933"/>
+              <a:gd name="connsiteX5" fmla="*/ 1568725 w 1752323"/>
+              <a:gd name="connsiteY5" fmla="*/ 835933 h 835933"/>
+              <a:gd name="connsiteX6" fmla="*/ 324186 w 1752323"/>
+              <a:gd name="connsiteY6" fmla="*/ 835933 h 835933"/>
+              <a:gd name="connsiteX7" fmla="*/ 257618 w 1752323"/>
+              <a:gd name="connsiteY7" fmla="*/ 769365 h 835933"/>
+              <a:gd name="connsiteX8" fmla="*/ 254154 w 1752323"/>
+              <a:gd name="connsiteY8" fmla="*/ 139925 h 835933"/>
+              <a:gd name="connsiteX0" fmla="*/ 256302 w 1786136"/>
+              <a:gd name="connsiteY0" fmla="*/ 138666 h 834674"/>
+              <a:gd name="connsiteX1" fmla="*/ 79839 w 1786136"/>
+              <a:gd name="connsiteY1" fmla="*/ 10329 h 834674"/>
+              <a:gd name="connsiteX2" fmla="*/ 1781000 w 1786136"/>
+              <a:gd name="connsiteY2" fmla="*/ 9753 h 834674"/>
+              <a:gd name="connsiteX3" fmla="*/ 1637441 w 1786136"/>
+              <a:gd name="connsiteY3" fmla="*/ 159448 h 834674"/>
+              <a:gd name="connsiteX4" fmla="*/ 1637441 w 1786136"/>
+              <a:gd name="connsiteY4" fmla="*/ 768106 h 834674"/>
+              <a:gd name="connsiteX5" fmla="*/ 1570873 w 1786136"/>
+              <a:gd name="connsiteY5" fmla="*/ 834674 h 834674"/>
+              <a:gd name="connsiteX6" fmla="*/ 326334 w 1786136"/>
+              <a:gd name="connsiteY6" fmla="*/ 834674 h 834674"/>
+              <a:gd name="connsiteX7" fmla="*/ 259766 w 1786136"/>
+              <a:gd name="connsiteY7" fmla="*/ 768106 h 834674"/>
+              <a:gd name="connsiteX8" fmla="*/ 256302 w 1786136"/>
+              <a:gd name="connsiteY8" fmla="*/ 138666 h 834674"/>
+              <a:gd name="connsiteX0" fmla="*/ 181625 w 1710512"/>
+              <a:gd name="connsiteY0" fmla="*/ 130557 h 826565"/>
+              <a:gd name="connsiteX1" fmla="*/ 5162 w 1710512"/>
+              <a:gd name="connsiteY1" fmla="*/ 2220 h 826565"/>
+              <a:gd name="connsiteX2" fmla="*/ 1706323 w 1710512"/>
+              <a:gd name="connsiteY2" fmla="*/ 1644 h 826565"/>
+              <a:gd name="connsiteX3" fmla="*/ 1562764 w 1710512"/>
+              <a:gd name="connsiteY3" fmla="*/ 151339 h 826565"/>
+              <a:gd name="connsiteX4" fmla="*/ 1562764 w 1710512"/>
+              <a:gd name="connsiteY4" fmla="*/ 759997 h 826565"/>
+              <a:gd name="connsiteX5" fmla="*/ 1496196 w 1710512"/>
+              <a:gd name="connsiteY5" fmla="*/ 826565 h 826565"/>
+              <a:gd name="connsiteX6" fmla="*/ 251657 w 1710512"/>
+              <a:gd name="connsiteY6" fmla="*/ 826565 h 826565"/>
+              <a:gd name="connsiteX7" fmla="*/ 185089 w 1710512"/>
+              <a:gd name="connsiteY7" fmla="*/ 759997 h 826565"/>
+              <a:gd name="connsiteX8" fmla="*/ 181625 w 1710512"/>
+              <a:gd name="connsiteY8" fmla="*/ 130557 h 826565"/>
+              <a:gd name="connsiteX0" fmla="*/ 157442 w 1767509"/>
+              <a:gd name="connsiteY0" fmla="*/ 139313 h 835321"/>
+              <a:gd name="connsiteX1" fmla="*/ 6379 w 1767509"/>
+              <a:gd name="connsiteY1" fmla="*/ 14151 h 835321"/>
+              <a:gd name="connsiteX2" fmla="*/ 1682140 w 1767509"/>
+              <a:gd name="connsiteY2" fmla="*/ 10400 h 835321"/>
+              <a:gd name="connsiteX3" fmla="*/ 1538581 w 1767509"/>
+              <a:gd name="connsiteY3" fmla="*/ 160095 h 835321"/>
+              <a:gd name="connsiteX4" fmla="*/ 1538581 w 1767509"/>
+              <a:gd name="connsiteY4" fmla="*/ 768753 h 835321"/>
+              <a:gd name="connsiteX5" fmla="*/ 1472013 w 1767509"/>
+              <a:gd name="connsiteY5" fmla="*/ 835321 h 835321"/>
+              <a:gd name="connsiteX6" fmla="*/ 227474 w 1767509"/>
+              <a:gd name="connsiteY6" fmla="*/ 835321 h 835321"/>
+              <a:gd name="connsiteX7" fmla="*/ 160906 w 1767509"/>
+              <a:gd name="connsiteY7" fmla="*/ 768753 h 835321"/>
+              <a:gd name="connsiteX8" fmla="*/ 157442 w 1767509"/>
+              <a:gd name="connsiteY8" fmla="*/ 139313 h 835321"/>
+              <a:gd name="connsiteX0" fmla="*/ 155631 w 1765698"/>
+              <a:gd name="connsiteY0" fmla="*/ 139999 h 836007"/>
+              <a:gd name="connsiteX1" fmla="*/ 4568 w 1765698"/>
+              <a:gd name="connsiteY1" fmla="*/ 14837 h 836007"/>
+              <a:gd name="connsiteX2" fmla="*/ 1680329 w 1765698"/>
+              <a:gd name="connsiteY2" fmla="*/ 11086 h 836007"/>
+              <a:gd name="connsiteX3" fmla="*/ 1536770 w 1765698"/>
+              <a:gd name="connsiteY3" fmla="*/ 160781 h 836007"/>
+              <a:gd name="connsiteX4" fmla="*/ 1536770 w 1765698"/>
+              <a:gd name="connsiteY4" fmla="*/ 769439 h 836007"/>
+              <a:gd name="connsiteX5" fmla="*/ 1470202 w 1765698"/>
+              <a:gd name="connsiteY5" fmla="*/ 836007 h 836007"/>
+              <a:gd name="connsiteX6" fmla="*/ 225663 w 1765698"/>
+              <a:gd name="connsiteY6" fmla="*/ 836007 h 836007"/>
+              <a:gd name="connsiteX7" fmla="*/ 159095 w 1765698"/>
+              <a:gd name="connsiteY7" fmla="*/ 769439 h 836007"/>
+              <a:gd name="connsiteX8" fmla="*/ 155631 w 1765698"/>
+              <a:gd name="connsiteY8" fmla="*/ 139999 h 836007"/>
+              <a:gd name="connsiteX0" fmla="*/ 155631 w 1765698"/>
+              <a:gd name="connsiteY0" fmla="*/ 139999 h 836007"/>
+              <a:gd name="connsiteX1" fmla="*/ 4568 w 1765698"/>
+              <a:gd name="connsiteY1" fmla="*/ 14837 h 836007"/>
+              <a:gd name="connsiteX2" fmla="*/ 1680329 w 1765698"/>
+              <a:gd name="connsiteY2" fmla="*/ 11086 h 836007"/>
+              <a:gd name="connsiteX3" fmla="*/ 1536770 w 1765698"/>
+              <a:gd name="connsiteY3" fmla="*/ 160781 h 836007"/>
+              <a:gd name="connsiteX4" fmla="*/ 1536770 w 1765698"/>
+              <a:gd name="connsiteY4" fmla="*/ 769439 h 836007"/>
+              <a:gd name="connsiteX5" fmla="*/ 1470202 w 1765698"/>
+              <a:gd name="connsiteY5" fmla="*/ 836007 h 836007"/>
+              <a:gd name="connsiteX6" fmla="*/ 225663 w 1765698"/>
+              <a:gd name="connsiteY6" fmla="*/ 836007 h 836007"/>
+              <a:gd name="connsiteX7" fmla="*/ 159095 w 1765698"/>
+              <a:gd name="connsiteY7" fmla="*/ 769439 h 836007"/>
+              <a:gd name="connsiteX8" fmla="*/ 155631 w 1765698"/>
+              <a:gd name="connsiteY8" fmla="*/ 139999 h 836007"/>
+              <a:gd name="connsiteX0" fmla="*/ 154777 w 1684351"/>
+              <a:gd name="connsiteY0" fmla="*/ 131536 h 827544"/>
+              <a:gd name="connsiteX1" fmla="*/ 3714 w 1684351"/>
+              <a:gd name="connsiteY1" fmla="*/ 6374 h 827544"/>
+              <a:gd name="connsiteX2" fmla="*/ 1679475 w 1684351"/>
+              <a:gd name="connsiteY2" fmla="*/ 2623 h 827544"/>
+              <a:gd name="connsiteX3" fmla="*/ 1535916 w 1684351"/>
+              <a:gd name="connsiteY3" fmla="*/ 152318 h 827544"/>
+              <a:gd name="connsiteX4" fmla="*/ 1535916 w 1684351"/>
+              <a:gd name="connsiteY4" fmla="*/ 760976 h 827544"/>
+              <a:gd name="connsiteX5" fmla="*/ 1469348 w 1684351"/>
+              <a:gd name="connsiteY5" fmla="*/ 827544 h 827544"/>
+              <a:gd name="connsiteX6" fmla="*/ 224809 w 1684351"/>
+              <a:gd name="connsiteY6" fmla="*/ 827544 h 827544"/>
+              <a:gd name="connsiteX7" fmla="*/ 158241 w 1684351"/>
+              <a:gd name="connsiteY7" fmla="*/ 760976 h 827544"/>
+              <a:gd name="connsiteX8" fmla="*/ 154777 w 1684351"/>
+              <a:gd name="connsiteY8" fmla="*/ 131536 h 827544"/>
+              <a:gd name="connsiteX0" fmla="*/ 236936 w 1786555"/>
+              <a:gd name="connsiteY0" fmla="*/ 135949 h 831957"/>
+              <a:gd name="connsiteX1" fmla="*/ 85873 w 1786555"/>
+              <a:gd name="connsiteY1" fmla="*/ 10787 h 831957"/>
+              <a:gd name="connsiteX2" fmla="*/ 1780684 w 1786555"/>
+              <a:gd name="connsiteY2" fmla="*/ 10211 h 831957"/>
+              <a:gd name="connsiteX3" fmla="*/ 1618075 w 1786555"/>
+              <a:gd name="connsiteY3" fmla="*/ 156731 h 831957"/>
+              <a:gd name="connsiteX4" fmla="*/ 1618075 w 1786555"/>
+              <a:gd name="connsiteY4" fmla="*/ 765389 h 831957"/>
+              <a:gd name="connsiteX5" fmla="*/ 1551507 w 1786555"/>
+              <a:gd name="connsiteY5" fmla="*/ 831957 h 831957"/>
+              <a:gd name="connsiteX6" fmla="*/ 306968 w 1786555"/>
+              <a:gd name="connsiteY6" fmla="*/ 831957 h 831957"/>
+              <a:gd name="connsiteX7" fmla="*/ 240400 w 1786555"/>
+              <a:gd name="connsiteY7" fmla="*/ 765389 h 831957"/>
+              <a:gd name="connsiteX8" fmla="*/ 236936 w 1786555"/>
+              <a:gd name="connsiteY8" fmla="*/ 135949 h 831957"/>
+              <a:gd name="connsiteX0" fmla="*/ 157046 w 1705555"/>
+              <a:gd name="connsiteY0" fmla="*/ 128377 h 824385"/>
+              <a:gd name="connsiteX1" fmla="*/ 5983 w 1705555"/>
+              <a:gd name="connsiteY1" fmla="*/ 3215 h 824385"/>
+              <a:gd name="connsiteX2" fmla="*/ 1700794 w 1705555"/>
+              <a:gd name="connsiteY2" fmla="*/ 2639 h 824385"/>
+              <a:gd name="connsiteX3" fmla="*/ 1538185 w 1705555"/>
+              <a:gd name="connsiteY3" fmla="*/ 149159 h 824385"/>
+              <a:gd name="connsiteX4" fmla="*/ 1538185 w 1705555"/>
+              <a:gd name="connsiteY4" fmla="*/ 757817 h 824385"/>
+              <a:gd name="connsiteX5" fmla="*/ 1471617 w 1705555"/>
+              <a:gd name="connsiteY5" fmla="*/ 824385 h 824385"/>
+              <a:gd name="connsiteX6" fmla="*/ 227078 w 1705555"/>
+              <a:gd name="connsiteY6" fmla="*/ 824385 h 824385"/>
+              <a:gd name="connsiteX7" fmla="*/ 160510 w 1705555"/>
+              <a:gd name="connsiteY7" fmla="*/ 757817 h 824385"/>
+              <a:gd name="connsiteX8" fmla="*/ 157046 w 1705555"/>
+              <a:gd name="connsiteY8" fmla="*/ 128377 h 824385"/>
+              <a:gd name="connsiteX0" fmla="*/ 158360 w 1784749"/>
+              <a:gd name="connsiteY0" fmla="*/ 140824 h 836832"/>
+              <a:gd name="connsiteX1" fmla="*/ 7297 w 1784749"/>
+              <a:gd name="connsiteY1" fmla="*/ 15662 h 836832"/>
+              <a:gd name="connsiteX2" fmla="*/ 1702108 w 1784749"/>
+              <a:gd name="connsiteY2" fmla="*/ 15086 h 836832"/>
+              <a:gd name="connsiteX3" fmla="*/ 1539499 w 1784749"/>
+              <a:gd name="connsiteY3" fmla="*/ 215581 h 836832"/>
+              <a:gd name="connsiteX4" fmla="*/ 1539499 w 1784749"/>
+              <a:gd name="connsiteY4" fmla="*/ 770264 h 836832"/>
+              <a:gd name="connsiteX5" fmla="*/ 1472931 w 1784749"/>
+              <a:gd name="connsiteY5" fmla="*/ 836832 h 836832"/>
+              <a:gd name="connsiteX6" fmla="*/ 228392 w 1784749"/>
+              <a:gd name="connsiteY6" fmla="*/ 836832 h 836832"/>
+              <a:gd name="connsiteX7" fmla="*/ 161824 w 1784749"/>
+              <a:gd name="connsiteY7" fmla="*/ 770264 h 836832"/>
+              <a:gd name="connsiteX8" fmla="*/ 158360 w 1784749"/>
+              <a:gd name="connsiteY8" fmla="*/ 140824 h 836832"/>
+              <a:gd name="connsiteX0" fmla="*/ 239426 w 1862640"/>
+              <a:gd name="connsiteY0" fmla="*/ 233513 h 846971"/>
+              <a:gd name="connsiteX1" fmla="*/ 85188 w 1862640"/>
+              <a:gd name="connsiteY1" fmla="*/ 25801 h 846971"/>
+              <a:gd name="connsiteX2" fmla="*/ 1779999 w 1862640"/>
+              <a:gd name="connsiteY2" fmla="*/ 25225 h 846971"/>
+              <a:gd name="connsiteX3" fmla="*/ 1617390 w 1862640"/>
+              <a:gd name="connsiteY3" fmla="*/ 225720 h 846971"/>
+              <a:gd name="connsiteX4" fmla="*/ 1617390 w 1862640"/>
+              <a:gd name="connsiteY4" fmla="*/ 780403 h 846971"/>
+              <a:gd name="connsiteX5" fmla="*/ 1550822 w 1862640"/>
+              <a:gd name="connsiteY5" fmla="*/ 846971 h 846971"/>
+              <a:gd name="connsiteX6" fmla="*/ 306283 w 1862640"/>
+              <a:gd name="connsiteY6" fmla="*/ 846971 h 846971"/>
+              <a:gd name="connsiteX7" fmla="*/ 239715 w 1862640"/>
+              <a:gd name="connsiteY7" fmla="*/ 780403 h 846971"/>
+              <a:gd name="connsiteX8" fmla="*/ 239426 w 1862640"/>
+              <a:gd name="connsiteY8" fmla="*/ 233513 h 846971"/>
+              <a:gd name="connsiteX0" fmla="*/ 238598 w 1861812"/>
+              <a:gd name="connsiteY0" fmla="*/ 233513 h 846971"/>
+              <a:gd name="connsiteX1" fmla="*/ 84360 w 1861812"/>
+              <a:gd name="connsiteY1" fmla="*/ 25801 h 846971"/>
+              <a:gd name="connsiteX2" fmla="*/ 1779171 w 1861812"/>
+              <a:gd name="connsiteY2" fmla="*/ 25225 h 846971"/>
+              <a:gd name="connsiteX3" fmla="*/ 1616562 w 1861812"/>
+              <a:gd name="connsiteY3" fmla="*/ 225720 h 846971"/>
+              <a:gd name="connsiteX4" fmla="*/ 1616562 w 1861812"/>
+              <a:gd name="connsiteY4" fmla="*/ 780403 h 846971"/>
+              <a:gd name="connsiteX5" fmla="*/ 1549994 w 1861812"/>
+              <a:gd name="connsiteY5" fmla="*/ 846971 h 846971"/>
+              <a:gd name="connsiteX6" fmla="*/ 305455 w 1861812"/>
+              <a:gd name="connsiteY6" fmla="*/ 846971 h 846971"/>
+              <a:gd name="connsiteX7" fmla="*/ 238887 w 1861812"/>
+              <a:gd name="connsiteY7" fmla="*/ 780403 h 846971"/>
+              <a:gd name="connsiteX8" fmla="*/ 238598 w 1861812"/>
+              <a:gd name="connsiteY8" fmla="*/ 233513 h 846971"/>
+              <a:gd name="connsiteX0" fmla="*/ 238598 w 1862214"/>
+              <a:gd name="connsiteY0" fmla="*/ 233513 h 846971"/>
+              <a:gd name="connsiteX1" fmla="*/ 84360 w 1862214"/>
+              <a:gd name="connsiteY1" fmla="*/ 25801 h 846971"/>
+              <a:gd name="connsiteX2" fmla="*/ 1779171 w 1862214"/>
+              <a:gd name="connsiteY2" fmla="*/ 25225 h 846971"/>
+              <a:gd name="connsiteX3" fmla="*/ 1616562 w 1862214"/>
+              <a:gd name="connsiteY3" fmla="*/ 225720 h 846971"/>
+              <a:gd name="connsiteX4" fmla="*/ 1616562 w 1862214"/>
+              <a:gd name="connsiteY4" fmla="*/ 780403 h 846971"/>
+              <a:gd name="connsiteX5" fmla="*/ 1549994 w 1862214"/>
+              <a:gd name="connsiteY5" fmla="*/ 846971 h 846971"/>
+              <a:gd name="connsiteX6" fmla="*/ 305455 w 1862214"/>
+              <a:gd name="connsiteY6" fmla="*/ 846971 h 846971"/>
+              <a:gd name="connsiteX7" fmla="*/ 238887 w 1862214"/>
+              <a:gd name="connsiteY7" fmla="*/ 780403 h 846971"/>
+              <a:gd name="connsiteX8" fmla="*/ 238598 w 1862214"/>
+              <a:gd name="connsiteY8" fmla="*/ 233513 h 846971"/>
+              <a:gd name="connsiteX0" fmla="*/ 238160 w 1856323"/>
+              <a:gd name="connsiteY0" fmla="*/ 248080 h 861538"/>
+              <a:gd name="connsiteX1" fmla="*/ 83922 w 1856323"/>
+              <a:gd name="connsiteY1" fmla="*/ 40368 h 861538"/>
+              <a:gd name="connsiteX2" fmla="*/ 1772383 w 1856323"/>
+              <a:gd name="connsiteY2" fmla="*/ 17567 h 861538"/>
+              <a:gd name="connsiteX3" fmla="*/ 1616124 w 1856323"/>
+              <a:gd name="connsiteY3" fmla="*/ 240287 h 861538"/>
+              <a:gd name="connsiteX4" fmla="*/ 1616124 w 1856323"/>
+              <a:gd name="connsiteY4" fmla="*/ 794970 h 861538"/>
+              <a:gd name="connsiteX5" fmla="*/ 1549556 w 1856323"/>
+              <a:gd name="connsiteY5" fmla="*/ 861538 h 861538"/>
+              <a:gd name="connsiteX6" fmla="*/ 305017 w 1856323"/>
+              <a:gd name="connsiteY6" fmla="*/ 861538 h 861538"/>
+              <a:gd name="connsiteX7" fmla="*/ 238449 w 1856323"/>
+              <a:gd name="connsiteY7" fmla="*/ 794970 h 861538"/>
+              <a:gd name="connsiteX8" fmla="*/ 238160 w 1856323"/>
+              <a:gd name="connsiteY8" fmla="*/ 248080 h 861538"/>
+              <a:gd name="connsiteX0" fmla="*/ 238160 w 1785863"/>
+              <a:gd name="connsiteY0" fmla="*/ 242493 h 855951"/>
+              <a:gd name="connsiteX1" fmla="*/ 83922 w 1785863"/>
+              <a:gd name="connsiteY1" fmla="*/ 34781 h 855951"/>
+              <a:gd name="connsiteX2" fmla="*/ 1772383 w 1785863"/>
+              <a:gd name="connsiteY2" fmla="*/ 11980 h 855951"/>
+              <a:gd name="connsiteX3" fmla="*/ 1616124 w 1785863"/>
+              <a:gd name="connsiteY3" fmla="*/ 234700 h 855951"/>
+              <a:gd name="connsiteX4" fmla="*/ 1616124 w 1785863"/>
+              <a:gd name="connsiteY4" fmla="*/ 789383 h 855951"/>
+              <a:gd name="connsiteX5" fmla="*/ 1549556 w 1785863"/>
+              <a:gd name="connsiteY5" fmla="*/ 855951 h 855951"/>
+              <a:gd name="connsiteX6" fmla="*/ 305017 w 1785863"/>
+              <a:gd name="connsiteY6" fmla="*/ 855951 h 855951"/>
+              <a:gd name="connsiteX7" fmla="*/ 238449 w 1785863"/>
+              <a:gd name="connsiteY7" fmla="*/ 789383 h 855951"/>
+              <a:gd name="connsiteX8" fmla="*/ 238160 w 1785863"/>
+              <a:gd name="connsiteY8" fmla="*/ 242493 h 855951"/>
+              <a:gd name="connsiteX0" fmla="*/ 239914 w 1812854"/>
+              <a:gd name="connsiteY0" fmla="*/ 232326 h 845784"/>
+              <a:gd name="connsiteX1" fmla="*/ 85676 w 1812854"/>
+              <a:gd name="connsiteY1" fmla="*/ 24614 h 845784"/>
+              <a:gd name="connsiteX2" fmla="*/ 1799537 w 1812854"/>
+              <a:gd name="connsiteY2" fmla="*/ 17688 h 845784"/>
+              <a:gd name="connsiteX3" fmla="*/ 1617878 w 1812854"/>
+              <a:gd name="connsiteY3" fmla="*/ 224533 h 845784"/>
+              <a:gd name="connsiteX4" fmla="*/ 1617878 w 1812854"/>
+              <a:gd name="connsiteY4" fmla="*/ 779216 h 845784"/>
+              <a:gd name="connsiteX5" fmla="*/ 1551310 w 1812854"/>
+              <a:gd name="connsiteY5" fmla="*/ 845784 h 845784"/>
+              <a:gd name="connsiteX6" fmla="*/ 306771 w 1812854"/>
+              <a:gd name="connsiteY6" fmla="*/ 845784 h 845784"/>
+              <a:gd name="connsiteX7" fmla="*/ 240203 w 1812854"/>
+              <a:gd name="connsiteY7" fmla="*/ 779216 h 845784"/>
+              <a:gd name="connsiteX8" fmla="*/ 239914 w 1812854"/>
+              <a:gd name="connsiteY8" fmla="*/ 232326 h 845784"/>
+              <a:gd name="connsiteX0" fmla="*/ 241013 w 1829728"/>
+              <a:gd name="connsiteY0" fmla="*/ 230621 h 844079"/>
+              <a:gd name="connsiteX1" fmla="*/ 86775 w 1829728"/>
+              <a:gd name="connsiteY1" fmla="*/ 22909 h 844079"/>
+              <a:gd name="connsiteX2" fmla="*/ 1816511 w 1829728"/>
+              <a:gd name="connsiteY2" fmla="*/ 19158 h 844079"/>
+              <a:gd name="connsiteX3" fmla="*/ 1618977 w 1829728"/>
+              <a:gd name="connsiteY3" fmla="*/ 222828 h 844079"/>
+              <a:gd name="connsiteX4" fmla="*/ 1618977 w 1829728"/>
+              <a:gd name="connsiteY4" fmla="*/ 777511 h 844079"/>
+              <a:gd name="connsiteX5" fmla="*/ 1552409 w 1829728"/>
+              <a:gd name="connsiteY5" fmla="*/ 844079 h 844079"/>
+              <a:gd name="connsiteX6" fmla="*/ 307870 w 1829728"/>
+              <a:gd name="connsiteY6" fmla="*/ 844079 h 844079"/>
+              <a:gd name="connsiteX7" fmla="*/ 241302 w 1829728"/>
+              <a:gd name="connsiteY7" fmla="*/ 777511 h 844079"/>
+              <a:gd name="connsiteX8" fmla="*/ 241013 w 1829728"/>
+              <a:gd name="connsiteY8" fmla="*/ 230621 h 844079"/>
+              <a:gd name="connsiteX0" fmla="*/ 241013 w 1829728"/>
+              <a:gd name="connsiteY0" fmla="*/ 224021 h 837479"/>
+              <a:gd name="connsiteX1" fmla="*/ 86775 w 1829728"/>
+              <a:gd name="connsiteY1" fmla="*/ 16309 h 837479"/>
+              <a:gd name="connsiteX2" fmla="*/ 1816511 w 1829728"/>
+              <a:gd name="connsiteY2" fmla="*/ 12558 h 837479"/>
+              <a:gd name="connsiteX3" fmla="*/ 1618977 w 1829728"/>
+              <a:gd name="connsiteY3" fmla="*/ 216228 h 837479"/>
+              <a:gd name="connsiteX4" fmla="*/ 1618977 w 1829728"/>
+              <a:gd name="connsiteY4" fmla="*/ 770911 h 837479"/>
+              <a:gd name="connsiteX5" fmla="*/ 1552409 w 1829728"/>
+              <a:gd name="connsiteY5" fmla="*/ 837479 h 837479"/>
+              <a:gd name="connsiteX6" fmla="*/ 307870 w 1829728"/>
+              <a:gd name="connsiteY6" fmla="*/ 837479 h 837479"/>
+              <a:gd name="connsiteX7" fmla="*/ 241302 w 1829728"/>
+              <a:gd name="connsiteY7" fmla="*/ 770911 h 837479"/>
+              <a:gd name="connsiteX8" fmla="*/ 241013 w 1829728"/>
+              <a:gd name="connsiteY8" fmla="*/ 224021 h 837479"/>
+              <a:gd name="connsiteX0" fmla="*/ 241013 w 1829728"/>
+              <a:gd name="connsiteY0" fmla="*/ 224021 h 837479"/>
+              <a:gd name="connsiteX1" fmla="*/ 86775 w 1829728"/>
+              <a:gd name="connsiteY1" fmla="*/ 16309 h 837479"/>
+              <a:gd name="connsiteX2" fmla="*/ 1816511 w 1829728"/>
+              <a:gd name="connsiteY2" fmla="*/ 12558 h 837479"/>
+              <a:gd name="connsiteX3" fmla="*/ 1618977 w 1829728"/>
+              <a:gd name="connsiteY3" fmla="*/ 216228 h 837479"/>
+              <a:gd name="connsiteX4" fmla="*/ 1618977 w 1829728"/>
+              <a:gd name="connsiteY4" fmla="*/ 770911 h 837479"/>
+              <a:gd name="connsiteX5" fmla="*/ 1552409 w 1829728"/>
+              <a:gd name="connsiteY5" fmla="*/ 837479 h 837479"/>
+              <a:gd name="connsiteX6" fmla="*/ 307870 w 1829728"/>
+              <a:gd name="connsiteY6" fmla="*/ 837479 h 837479"/>
+              <a:gd name="connsiteX7" fmla="*/ 241302 w 1829728"/>
+              <a:gd name="connsiteY7" fmla="*/ 770911 h 837479"/>
+              <a:gd name="connsiteX8" fmla="*/ 241013 w 1829728"/>
+              <a:gd name="connsiteY8" fmla="*/ 224021 h 837479"/>
+              <a:gd name="connsiteX0" fmla="*/ 216773 w 1868784"/>
+              <a:gd name="connsiteY0" fmla="*/ 251658 h 865116"/>
+              <a:gd name="connsiteX1" fmla="*/ 91110 w 1868784"/>
+              <a:gd name="connsiteY1" fmla="*/ 18546 h 865116"/>
+              <a:gd name="connsiteX2" fmla="*/ 1792271 w 1868784"/>
+              <a:gd name="connsiteY2" fmla="*/ 40195 h 865116"/>
+              <a:gd name="connsiteX3" fmla="*/ 1594737 w 1868784"/>
+              <a:gd name="connsiteY3" fmla="*/ 243865 h 865116"/>
+              <a:gd name="connsiteX4" fmla="*/ 1594737 w 1868784"/>
+              <a:gd name="connsiteY4" fmla="*/ 798548 h 865116"/>
+              <a:gd name="connsiteX5" fmla="*/ 1528169 w 1868784"/>
+              <a:gd name="connsiteY5" fmla="*/ 865116 h 865116"/>
+              <a:gd name="connsiteX6" fmla="*/ 283630 w 1868784"/>
+              <a:gd name="connsiteY6" fmla="*/ 865116 h 865116"/>
+              <a:gd name="connsiteX7" fmla="*/ 217062 w 1868784"/>
+              <a:gd name="connsiteY7" fmla="*/ 798548 h 865116"/>
+              <a:gd name="connsiteX8" fmla="*/ 216773 w 1868784"/>
+              <a:gd name="connsiteY8" fmla="*/ 251658 h 865116"/>
+              <a:gd name="connsiteX0" fmla="*/ 216773 w 1868784"/>
+              <a:gd name="connsiteY0" fmla="*/ 274671 h 888129"/>
+              <a:gd name="connsiteX1" fmla="*/ 91110 w 1868784"/>
+              <a:gd name="connsiteY1" fmla="*/ 12984 h 888129"/>
+              <a:gd name="connsiteX2" fmla="*/ 1792271 w 1868784"/>
+              <a:gd name="connsiteY2" fmla="*/ 63208 h 888129"/>
+              <a:gd name="connsiteX3" fmla="*/ 1594737 w 1868784"/>
+              <a:gd name="connsiteY3" fmla="*/ 266878 h 888129"/>
+              <a:gd name="connsiteX4" fmla="*/ 1594737 w 1868784"/>
+              <a:gd name="connsiteY4" fmla="*/ 821561 h 888129"/>
+              <a:gd name="connsiteX5" fmla="*/ 1528169 w 1868784"/>
+              <a:gd name="connsiteY5" fmla="*/ 888129 h 888129"/>
+              <a:gd name="connsiteX6" fmla="*/ 283630 w 1868784"/>
+              <a:gd name="connsiteY6" fmla="*/ 888129 h 888129"/>
+              <a:gd name="connsiteX7" fmla="*/ 217062 w 1868784"/>
+              <a:gd name="connsiteY7" fmla="*/ 821561 h 888129"/>
+              <a:gd name="connsiteX8" fmla="*/ 216773 w 1868784"/>
+              <a:gd name="connsiteY8" fmla="*/ 274671 h 888129"/>
+              <a:gd name="connsiteX0" fmla="*/ 216325 w 1862778"/>
+              <a:gd name="connsiteY0" fmla="*/ 289222 h 902680"/>
+              <a:gd name="connsiteX1" fmla="*/ 90662 w 1862778"/>
+              <a:gd name="connsiteY1" fmla="*/ 27535 h 902680"/>
+              <a:gd name="connsiteX2" fmla="*/ 1785473 w 1862778"/>
+              <a:gd name="connsiteY2" fmla="*/ 36484 h 902680"/>
+              <a:gd name="connsiteX3" fmla="*/ 1594289 w 1862778"/>
+              <a:gd name="connsiteY3" fmla="*/ 281429 h 902680"/>
+              <a:gd name="connsiteX4" fmla="*/ 1594289 w 1862778"/>
+              <a:gd name="connsiteY4" fmla="*/ 836112 h 902680"/>
+              <a:gd name="connsiteX5" fmla="*/ 1527721 w 1862778"/>
+              <a:gd name="connsiteY5" fmla="*/ 902680 h 902680"/>
+              <a:gd name="connsiteX6" fmla="*/ 283182 w 1862778"/>
+              <a:gd name="connsiteY6" fmla="*/ 902680 h 902680"/>
+              <a:gd name="connsiteX7" fmla="*/ 216614 w 1862778"/>
+              <a:gd name="connsiteY7" fmla="*/ 836112 h 902680"/>
+              <a:gd name="connsiteX8" fmla="*/ 216325 w 1862778"/>
+              <a:gd name="connsiteY8" fmla="*/ 289222 h 902680"/>
+              <a:gd name="connsiteX0" fmla="*/ 216325 w 1862778"/>
+              <a:gd name="connsiteY0" fmla="*/ 289222 h 902680"/>
+              <a:gd name="connsiteX1" fmla="*/ 90662 w 1862778"/>
+              <a:gd name="connsiteY1" fmla="*/ 27535 h 902680"/>
+              <a:gd name="connsiteX2" fmla="*/ 1785473 w 1862778"/>
+              <a:gd name="connsiteY2" fmla="*/ 36484 h 902680"/>
+              <a:gd name="connsiteX3" fmla="*/ 1594289 w 1862778"/>
+              <a:gd name="connsiteY3" fmla="*/ 281429 h 902680"/>
+              <a:gd name="connsiteX4" fmla="*/ 1594289 w 1862778"/>
+              <a:gd name="connsiteY4" fmla="*/ 836112 h 902680"/>
+              <a:gd name="connsiteX5" fmla="*/ 1527721 w 1862778"/>
+              <a:gd name="connsiteY5" fmla="*/ 902680 h 902680"/>
+              <a:gd name="connsiteX6" fmla="*/ 283182 w 1862778"/>
+              <a:gd name="connsiteY6" fmla="*/ 902680 h 902680"/>
+              <a:gd name="connsiteX7" fmla="*/ 216614 w 1862778"/>
+              <a:gd name="connsiteY7" fmla="*/ 836112 h 902680"/>
+              <a:gd name="connsiteX8" fmla="*/ 216325 w 1862778"/>
+              <a:gd name="connsiteY8" fmla="*/ 289222 h 902680"/>
+              <a:gd name="connsiteX0" fmla="*/ 215874 w 1862327"/>
+              <a:gd name="connsiteY0" fmla="*/ 289222 h 902680"/>
+              <a:gd name="connsiteX1" fmla="*/ 90211 w 1862327"/>
+              <a:gd name="connsiteY1" fmla="*/ 27535 h 902680"/>
+              <a:gd name="connsiteX2" fmla="*/ 1785022 w 1862327"/>
+              <a:gd name="connsiteY2" fmla="*/ 36484 h 902680"/>
+              <a:gd name="connsiteX3" fmla="*/ 1593838 w 1862327"/>
+              <a:gd name="connsiteY3" fmla="*/ 281429 h 902680"/>
+              <a:gd name="connsiteX4" fmla="*/ 1593838 w 1862327"/>
+              <a:gd name="connsiteY4" fmla="*/ 836112 h 902680"/>
+              <a:gd name="connsiteX5" fmla="*/ 1527270 w 1862327"/>
+              <a:gd name="connsiteY5" fmla="*/ 902680 h 902680"/>
+              <a:gd name="connsiteX6" fmla="*/ 282731 w 1862327"/>
+              <a:gd name="connsiteY6" fmla="*/ 902680 h 902680"/>
+              <a:gd name="connsiteX7" fmla="*/ 216163 w 1862327"/>
+              <a:gd name="connsiteY7" fmla="*/ 836112 h 902680"/>
+              <a:gd name="connsiteX8" fmla="*/ 215874 w 1862327"/>
+              <a:gd name="connsiteY8" fmla="*/ 289222 h 902680"/>
+              <a:gd name="connsiteX0" fmla="*/ 218551 w 1865217"/>
+              <a:gd name="connsiteY0" fmla="*/ 271689 h 885147"/>
+              <a:gd name="connsiteX1" fmla="*/ 89713 w 1865217"/>
+              <a:gd name="connsiteY1" fmla="*/ 44927 h 885147"/>
+              <a:gd name="connsiteX2" fmla="*/ 1787699 w 1865217"/>
+              <a:gd name="connsiteY2" fmla="*/ 18951 h 885147"/>
+              <a:gd name="connsiteX3" fmla="*/ 1596515 w 1865217"/>
+              <a:gd name="connsiteY3" fmla="*/ 263896 h 885147"/>
+              <a:gd name="connsiteX4" fmla="*/ 1596515 w 1865217"/>
+              <a:gd name="connsiteY4" fmla="*/ 818579 h 885147"/>
+              <a:gd name="connsiteX5" fmla="*/ 1529947 w 1865217"/>
+              <a:gd name="connsiteY5" fmla="*/ 885147 h 885147"/>
+              <a:gd name="connsiteX6" fmla="*/ 285408 w 1865217"/>
+              <a:gd name="connsiteY6" fmla="*/ 885147 h 885147"/>
+              <a:gd name="connsiteX7" fmla="*/ 218840 w 1865217"/>
+              <a:gd name="connsiteY7" fmla="*/ 818579 h 885147"/>
+              <a:gd name="connsiteX8" fmla="*/ 218551 w 1865217"/>
+              <a:gd name="connsiteY8" fmla="*/ 271689 h 885147"/>
+              <a:gd name="connsiteX0" fmla="*/ 217882 w 1856244"/>
+              <a:gd name="connsiteY0" fmla="*/ 253205 h 866663"/>
+              <a:gd name="connsiteX1" fmla="*/ 89044 w 1856244"/>
+              <a:gd name="connsiteY1" fmla="*/ 26443 h 866663"/>
+              <a:gd name="connsiteX2" fmla="*/ 1777505 w 1856244"/>
+              <a:gd name="connsiteY2" fmla="*/ 29042 h 866663"/>
+              <a:gd name="connsiteX3" fmla="*/ 1595846 w 1856244"/>
+              <a:gd name="connsiteY3" fmla="*/ 245412 h 866663"/>
+              <a:gd name="connsiteX4" fmla="*/ 1595846 w 1856244"/>
+              <a:gd name="connsiteY4" fmla="*/ 800095 h 866663"/>
+              <a:gd name="connsiteX5" fmla="*/ 1529278 w 1856244"/>
+              <a:gd name="connsiteY5" fmla="*/ 866663 h 866663"/>
+              <a:gd name="connsiteX6" fmla="*/ 284739 w 1856244"/>
+              <a:gd name="connsiteY6" fmla="*/ 866663 h 866663"/>
+              <a:gd name="connsiteX7" fmla="*/ 218171 w 1856244"/>
+              <a:gd name="connsiteY7" fmla="*/ 800095 h 866663"/>
+              <a:gd name="connsiteX8" fmla="*/ 217882 w 1856244"/>
+              <a:gd name="connsiteY8" fmla="*/ 253205 h 866663"/>
+            </a:gdLst>
+            <a:ahLst/>
+            <a:cxnLst>
+              <a:cxn ang="0">
+                <a:pos x="connsiteX0" y="connsiteY0"/>
+              </a:cxn>
+              <a:cxn ang="0">
+                <a:pos x="connsiteX1" y="connsiteY1"/>
+              </a:cxn>
+              <a:cxn ang="0">
+                <a:pos x="connsiteX2" y="connsiteY2"/>
+              </a:cxn>
+              <a:cxn ang="0">
+                <a:pos x="connsiteX3" y="connsiteY3"/>
+              </a:cxn>
+              <a:cxn ang="0">
+                <a:pos x="connsiteX4" y="connsiteY4"/>
+              </a:cxn>
+              <a:cxn ang="0">
+                <a:pos x="connsiteX5" y="connsiteY5"/>
+              </a:cxn>
+              <a:cxn ang="0">
+                <a:pos x="connsiteX6" y="connsiteY6"/>
+              </a:cxn>
+              <a:cxn ang="0">
+                <a:pos x="connsiteX7" y="connsiteY7"/>
+              </a:cxn>
+              <a:cxn ang="0">
+                <a:pos x="connsiteX8" y="connsiteY8"/>
+              </a:cxn>
+            </a:cxnLst>
+            <a:rect l="l" t="t" r="r" b="b"/>
+            <a:pathLst>
+              <a:path w="1856244" h="866663">
+                <a:moveTo>
+                  <a:pt x="217882" y="253205"/>
+                </a:moveTo>
+                <a:cubicBezTo>
+                  <a:pt x="221345" y="-31786"/>
+                  <a:pt x="-170893" y="63803"/>
+                  <a:pt x="89044" y="26443"/>
+                </a:cubicBezTo>
+                <a:cubicBezTo>
+                  <a:pt x="348981" y="-10917"/>
+                  <a:pt x="1526371" y="-7453"/>
+                  <a:pt x="1777505" y="29042"/>
+                </a:cubicBezTo>
+                <a:cubicBezTo>
+                  <a:pt x="2028639" y="65537"/>
+                  <a:pt x="1599021" y="-34961"/>
+                  <a:pt x="1595846" y="245412"/>
+                </a:cubicBezTo>
+                <a:lnTo>
+                  <a:pt x="1595846" y="800095"/>
+                </a:lnTo>
+                <a:cubicBezTo>
+                  <a:pt x="1595846" y="836859"/>
+                  <a:pt x="1566042" y="866663"/>
+                  <a:pt x="1529278" y="866663"/>
+                </a:cubicBezTo>
+                <a:lnTo>
+                  <a:pt x="284739" y="866663"/>
+                </a:lnTo>
+                <a:cubicBezTo>
+                  <a:pt x="247975" y="866663"/>
+                  <a:pt x="218171" y="836859"/>
+                  <a:pt x="218171" y="800095"/>
+                </a:cubicBezTo>
+                <a:cubicBezTo>
+                  <a:pt x="217016" y="590282"/>
+                  <a:pt x="219037" y="463018"/>
+                  <a:pt x="217882" y="253205"/>
+                </a:cubicBezTo>
+                <a:close/>
+              </a:path>
+            </a:pathLst>
+          </a:custGeom>
+          <a:gradFill>
+            <a:gsLst>
+              <a:gs pos="8000">
+                <a:schemeClr val="bg2"/>
+              </a:gs>
+              <a:gs pos="31000">
+                <a:schemeClr val="tx2"/>
+              </a:gs>
+            </a:gsLst>
+            <a:lin ang="5400000" scaled="0"/>
+          </a:gradFill>
+          <a:ln w="12700">
+            <a:noFill/>
+          </a:ln>
+          <a:effectLst/>
+        </p:spPr>
+        <p:style>
+          <a:lnRef idx="2">
+            <a:schemeClr val="dk1"/>
+          </a:lnRef>
+          <a:fillRef idx="1">
+            <a:schemeClr val="lt1"/>
+          </a:fillRef>
+          <a:effectRef idx="0">
+            <a:schemeClr val="dk1"/>
+          </a:effectRef>
+          <a:fontRef idx="minor">
+            <a:schemeClr val="dk1"/>
+          </a:fontRef>
+        </p:style>
+        <p:txBody>
+          <a:bodyPr rtlCol="0" anchor="ctr"/>
+          <a:lstStyle/>
+          <a:p>
+            <a:pPr algn="ctr"/>
+            <a:endParaRPr lang="en-US" sz="1600" dirty="0">
+              <a:ln w="0">
+                <a:solidFill>
+                  <a:sysClr val="windowText" lastClr="000000"/>
+                </a:solidFill>
+              </a:ln>
+              <a:solidFill>
+                <a:schemeClr val="tx1"/>
+              </a:solidFill>
             </a:endParaRPr>
           </a:p>
         </p:txBody>
       </p:sp>
       <p:grpSp>
         <p:nvGrpSpPr>
-          <p:cNvPr id="4" name="Group 3"/>
+          <p:cNvPr id="195" name="Group 194">
+            <a:extLst>
+              <a:ext uri="{FF2B5EF4-FFF2-40B4-BE49-F238E27FC236}">
+                <a16:creationId xmlns:a16="http://schemas.microsoft.com/office/drawing/2014/main" id="{EA2CF401-0E03-EC4C-95E3-87D16A55B99C}"/>
+              </a:ext>
+            </a:extLst>
+          </p:cNvPr>
           <p:cNvGrpSpPr/>
           <p:nvPr/>
         </p:nvGrpSpPr>
         <p:grpSpPr>
           <a:xfrm>
-            <a:off x="1676041" y="1209909"/>
-            <a:ext cx="8923963" cy="5177385"/>
-            <a:chOff x="1676041" y="1209909"/>
-            <a:chExt cx="8923963" cy="5177385"/>
+            <a:off x="6998455" y="5787721"/>
+            <a:ext cx="1283487" cy="383162"/>
+            <a:chOff x="6421785" y="5373193"/>
+            <a:chExt cx="1283487" cy="383162"/>
           </a:xfrm>
         </p:grpSpPr>
         <p:sp>
           <p:nvSpPr>
-            <p:cNvPr id="19" name="Rounded Rectangle 18"/>
+            <p:cNvPr id="196" name="Rounded Rectangle 195">
+              <a:extLst>
+                <a:ext uri="{FF2B5EF4-FFF2-40B4-BE49-F238E27FC236}">
+                  <a16:creationId xmlns:a16="http://schemas.microsoft.com/office/drawing/2014/main" id="{28EAF046-E1BE-7A45-A1EF-B68D532E5249}"/>
+                </a:ext>
+              </a:extLst>
+            </p:cNvPr>
             <p:cNvSpPr/>
             <p:nvPr/>
           </p:nvSpPr>
           <p:spPr>
             <a:xfrm>
-              <a:off x="2102258" y="1209909"/>
-              <a:ext cx="8440884" cy="1719806"/>
+              <a:off x="6421785" y="5373193"/>
+              <a:ext cx="1240161" cy="383162"/>
             </a:xfrm>
             <a:prstGeom prst="roundRect">
               <a:avLst>
-                <a:gd name="adj" fmla="val 6137"/>
+                <a:gd name="adj" fmla="val 12736"/>
               </a:avLst>
             </a:prstGeom>
             <a:solidFill>
-              <a:schemeClr val="bg1"/>
-            </a:solidFill>
-            <a:ln w="12700">
-              <a:noFill/>
-            </a:ln>
-            <a:effectLst>
-              <a:outerShdw blurRad="50800" algn="ctr" rotWithShape="0">
-                <a:schemeClr val="bg2">
-                  <a:lumMod val="50000"/>
-                  <a:alpha val="40000"/>
-                </a:schemeClr>
-              </a:outerShdw>
-            </a:effectLst>
-          </p:spPr>
-          <p:style>
-            <a:lnRef idx="2">
-              <a:schemeClr val="dk1"/>
-            </a:lnRef>
-            <a:fillRef idx="1">
-              <a:schemeClr val="lt1"/>
-            </a:fillRef>
-            <a:effectRef idx="0">
-              <a:schemeClr val="dk1"/>
-            </a:effectRef>
-            <a:fontRef idx="minor">
-              <a:schemeClr val="dk1"/>
-            </a:fontRef>
-          </p:style>
-          <p:txBody>
-            <a:bodyPr rtlCol="0" anchor="ctr"/>
-            <a:lstStyle/>
-            <a:p>
-              <a:pPr algn="ctr"/>
-              <a:endParaRPr lang="en-US" sz="1600" dirty="0">
-                <a:ln w="0">
-                  <a:solidFill>
-                    <a:sysClr val="windowText" lastClr="000000"/>
-                  </a:solidFill>
-                </a:ln>
-                <a:solidFill>
-                  <a:schemeClr val="tx1"/>
-                </a:solidFill>
-                <a:effectLst>
-                  <a:outerShdw blurRad="63500" sx="102000" sy="102000" algn="ctr" rotWithShape="0">
-                    <a:schemeClr val="accent1">
-                      <a:lumMod val="60000"/>
-                      <a:lumOff val="40000"/>
-                      <a:alpha val="40000"/>
-                    </a:schemeClr>
-                  </a:outerShdw>
-                </a:effectLst>
-              </a:endParaRPr>
-            </a:p>
-          </p:txBody>
-        </p:sp>
-        <p:sp>
-          <p:nvSpPr>
-            <p:cNvPr id="91" name="Rounded Rectangle 90"/>
-            <p:cNvSpPr/>
-            <p:nvPr/>
-          </p:nvSpPr>
-          <p:spPr>
-            <a:xfrm>
-              <a:off x="2209485" y="1641633"/>
-              <a:ext cx="6128783" cy="362106"/>
-            </a:xfrm>
-            <a:prstGeom prst="roundRect">
-              <a:avLst>
-                <a:gd name="adj" fmla="val 21024"/>
-              </a:avLst>
-            </a:prstGeom>
-            <a:solidFill>
-              <a:schemeClr val="accent1">
-                <a:lumMod val="60000"/>
-                <a:lumOff val="40000"/>
-              </a:schemeClr>
-            </a:solidFill>
-            <a:ln w="12700">
-              <a:noFill/>
-            </a:ln>
-            <a:effectLst/>
-          </p:spPr>
-          <p:style>
-            <a:lnRef idx="2">
-              <a:schemeClr val="dk1"/>
-            </a:lnRef>
-            <a:fillRef idx="1">
-              <a:schemeClr val="lt1"/>
-            </a:fillRef>
-            <a:effectRef idx="0">
-              <a:schemeClr val="dk1"/>
-            </a:effectRef>
-            <a:fontRef idx="minor">
-              <a:schemeClr val="dk1"/>
-            </a:fontRef>
-          </p:style>
-          <p:txBody>
-            <a:bodyPr wrap="square" tIns="36000" bIns="36000" rtlCol="0" anchor="ctr">
-              <a:spAutoFit/>
-            </a:bodyPr>
-            <a:lstStyle/>
-            <a:p>
-              <a:pPr lvl="0" algn="ctr"/>
-              <a:r>
-                <a:rPr lang="en-US" sz="1600" b="1" dirty="0" smtClean="0">
-                  <a:solidFill>
-                    <a:schemeClr val="bg1"/>
-                  </a:solidFill>
-                  <a:effectLst>
-                    <a:outerShdw blurRad="127000" dist="38100" dir="5400000" algn="t" rotWithShape="0">
-                      <a:schemeClr val="accent1"/>
-                    </a:outerShdw>
-                  </a:effectLst>
-                  <a:latin typeface="Source Sans Pro" charset="0"/>
-                  <a:ea typeface="Source Sans Pro" charset="0"/>
-                  <a:cs typeface="Source Sans Pro" charset="0"/>
-                </a:rPr>
-                <a:t>                                             ADD-ON LIBRARIES</a:t>
-              </a:r>
-              <a:endParaRPr lang="en-US" sz="2400" b="1" dirty="0">
-                <a:solidFill>
-                  <a:schemeClr val="bg1"/>
-                </a:solidFill>
-                <a:effectLst>
-                  <a:outerShdw blurRad="127000" dist="38100" dir="5400000" algn="t" rotWithShape="0">
-                    <a:schemeClr val="accent1"/>
-                  </a:outerShdw>
-                </a:effectLst>
-                <a:latin typeface="Source Sans Pro" charset="0"/>
-                <a:ea typeface="Source Sans Pro" charset="0"/>
-                <a:cs typeface="Source Sans Pro" charset="0"/>
-              </a:endParaRPr>
-            </a:p>
-          </p:txBody>
-        </p:sp>
-        <p:sp>
-          <p:nvSpPr>
-            <p:cNvPr id="92" name="Rounded Rectangle 91"/>
-            <p:cNvSpPr/>
-            <p:nvPr/>
-          </p:nvSpPr>
-          <p:spPr>
-            <a:xfrm>
-              <a:off x="2209486" y="2085647"/>
-              <a:ext cx="7245406" cy="728194"/>
-            </a:xfrm>
-            <a:prstGeom prst="roundRect">
-              <a:avLst>
-                <a:gd name="adj" fmla="val 10443"/>
-              </a:avLst>
-            </a:prstGeom>
-            <a:solidFill>
-              <a:schemeClr val="accent1">
-                <a:lumMod val="60000"/>
-                <a:lumOff val="40000"/>
-              </a:schemeClr>
-            </a:solidFill>
-            <a:ln w="12700">
-              <a:noFill/>
-            </a:ln>
-            <a:effectLst/>
-          </p:spPr>
-          <p:style>
-            <a:lnRef idx="2">
-              <a:schemeClr val="dk1"/>
-            </a:lnRef>
-            <a:fillRef idx="1">
-              <a:schemeClr val="lt1"/>
-            </a:fillRef>
-            <a:effectRef idx="0">
-              <a:schemeClr val="dk1"/>
-            </a:effectRef>
-            <a:fontRef idx="minor">
-              <a:schemeClr val="dk1"/>
-            </a:fontRef>
-          </p:style>
-          <p:txBody>
-            <a:bodyPr wrap="square" tIns="36000" bIns="36000" rtlCol="0" anchor="ctr">
-              <a:spAutoFit/>
-            </a:bodyPr>
-            <a:lstStyle/>
-            <a:p>
-              <a:pPr lvl="0" algn="ctr"/>
-              <a:r>
-                <a:rPr lang="en-US" sz="1600" b="1" dirty="0">
-                  <a:solidFill>
-                    <a:schemeClr val="bg1"/>
-                  </a:solidFill>
-                  <a:effectLst>
-                    <a:outerShdw blurRad="127000" dist="38100" dir="5400000" algn="t" rotWithShape="0">
-                      <a:schemeClr val="accent1"/>
-                    </a:outerShdw>
-                  </a:effectLst>
-                  <a:latin typeface="Source Sans Pro" charset="0"/>
-                  <a:ea typeface="Source Sans Pro" charset="0"/>
-                  <a:cs typeface="Source Sans Pro" charset="0"/>
-                </a:rPr>
-                <a:t> </a:t>
-              </a:r>
-              <a:r>
-                <a:rPr lang="en-US" sz="1600" b="1" dirty="0" smtClean="0">
-                  <a:solidFill>
-                    <a:schemeClr val="bg1"/>
-                  </a:solidFill>
-                  <a:effectLst>
-                    <a:outerShdw blurRad="127000" dist="38100" dir="5400000" algn="t" rotWithShape="0">
-                      <a:schemeClr val="accent1"/>
-                    </a:outerShdw>
-                  </a:effectLst>
-                  <a:latin typeface="Source Sans Pro" charset="0"/>
-                  <a:ea typeface="Source Sans Pro" charset="0"/>
-                  <a:cs typeface="Source Sans Pro" charset="0"/>
-                </a:rPr>
-                <a:t>                   FOUNDATION </a:t>
-              </a:r>
-              <a:r>
-                <a:rPr lang="en-US" sz="1600" b="1" dirty="0">
-                  <a:solidFill>
-                    <a:schemeClr val="bg1"/>
-                  </a:solidFill>
-                  <a:effectLst>
-                    <a:outerShdw blurRad="127000" dist="38100" dir="5400000" algn="t" rotWithShape="0">
-                      <a:schemeClr val="accent1"/>
-                    </a:outerShdw>
-                  </a:effectLst>
-                  <a:latin typeface="Source Sans Pro" charset="0"/>
-                  <a:ea typeface="Source Sans Pro" charset="0"/>
-                  <a:cs typeface="Source Sans Pro" charset="0"/>
-                </a:rPr>
-                <a:t>LIBRARIES</a:t>
-              </a:r>
-            </a:p>
-            <a:p>
-              <a:pPr lvl="0" algn="ctr"/>
-              <a:endParaRPr lang="en-US" sz="1200" kern="0" dirty="0">
-                <a:solidFill>
-                  <a:schemeClr val="bg1"/>
-                </a:solidFill>
-                <a:latin typeface="Source Sans Pro" charset="0"/>
-                <a:ea typeface="Source Sans Pro" charset="0"/>
-                <a:cs typeface="Source Sans Pro" charset="0"/>
-              </a:endParaRPr>
-            </a:p>
-            <a:p>
-              <a:pPr lvl="0" algn="ctr"/>
-              <a:endParaRPr lang="en-US" sz="1200" kern="0" dirty="0" smtClean="0">
-                <a:solidFill>
-                  <a:schemeClr val="bg1"/>
-                </a:solidFill>
-                <a:latin typeface="Source Sans Pro" charset="0"/>
-                <a:ea typeface="Source Sans Pro" charset="0"/>
-                <a:cs typeface="Source Sans Pro" charset="0"/>
-              </a:endParaRPr>
-            </a:p>
-          </p:txBody>
-        </p:sp>
-        <p:grpSp>
-          <p:nvGrpSpPr>
-            <p:cNvPr id="7" name="Group 6"/>
-            <p:cNvGrpSpPr/>
-            <p:nvPr/>
-          </p:nvGrpSpPr>
-          <p:grpSpPr>
-            <a:xfrm>
-              <a:off x="2024883" y="5514193"/>
-              <a:ext cx="8575121" cy="661285"/>
-              <a:chOff x="562793" y="5760230"/>
-              <a:chExt cx="9939365" cy="727414"/>
-            </a:xfrm>
-          </p:grpSpPr>
-          <p:sp>
-            <p:nvSpPr>
-              <p:cNvPr id="8" name="Snip Same Side Corner Rectangle 7"/>
-              <p:cNvSpPr/>
-              <p:nvPr/>
-            </p:nvSpPr>
-            <p:spPr>
-              <a:xfrm>
-                <a:off x="682271" y="5760230"/>
-                <a:ext cx="9682533" cy="595747"/>
-              </a:xfrm>
-              <a:prstGeom prst="snip2SameRect">
-                <a:avLst>
-                  <a:gd name="adj1" fmla="val 12569"/>
-                  <a:gd name="adj2" fmla="val 0"/>
-                </a:avLst>
-              </a:prstGeom>
-              <a:solidFill>
-                <a:schemeClr val="tx1">
-                  <a:lumMod val="50000"/>
-                </a:schemeClr>
-              </a:solidFill>
-              <a:ln>
-                <a:noFill/>
-              </a:ln>
-            </p:spPr>
-            <p:style>
-              <a:lnRef idx="2">
-                <a:schemeClr val="accent1">
-                  <a:shade val="50000"/>
-                </a:schemeClr>
-              </a:lnRef>
-              <a:fillRef idx="1">
-                <a:schemeClr val="accent1"/>
-              </a:fillRef>
-              <a:effectRef idx="0">
-                <a:schemeClr val="accent1"/>
-              </a:effectRef>
-              <a:fontRef idx="minor">
-                <a:schemeClr val="lt1"/>
-              </a:fontRef>
-            </p:style>
-            <p:txBody>
-              <a:bodyPr wrap="square" tIns="0" bIns="36000" rtlCol="0" anchor="t">
-                <a:noAutofit/>
-              </a:bodyPr>
-              <a:lstStyle/>
-              <a:p>
-                <a:pPr indent="-349200">
-                  <a:lnSpc>
-                    <a:spcPts val="1720"/>
-                  </a:lnSpc>
-                </a:pPr>
-                <a:endParaRPr lang="en-US" sz="1400" b="1" i="1" kern="1100" dirty="0" smtClean="0">
-                  <a:solidFill>
-                    <a:schemeClr val="bg1"/>
-                  </a:solidFill>
-                  <a:latin typeface="Source Sans Pro Semibold" charset="0"/>
-                  <a:ea typeface="Source Sans Pro Semibold" charset="0"/>
-                  <a:cs typeface="Source Sans Pro Semibold" charset="0"/>
-                </a:endParaRPr>
-              </a:p>
-            </p:txBody>
-          </p:sp>
-          <p:sp>
-            <p:nvSpPr>
-              <p:cNvPr id="9" name="Arc 8">
-                <a:extLst>
-                  <a:ext uri="{FF2B5EF4-FFF2-40B4-BE49-F238E27FC236}">
-                    <a16:creationId xmlns:a16="http://schemas.microsoft.com/office/drawing/2014/main" xmlns="" id="{FDBFB02F-DAA9-4EC8-B20B-1474AE0A4F3B}"/>
-                  </a:ext>
-                </a:extLst>
-              </p:cNvPr>
-              <p:cNvSpPr/>
-              <p:nvPr/>
-            </p:nvSpPr>
-            <p:spPr>
-              <a:xfrm rot="16200000">
-                <a:off x="560651" y="6237454"/>
-                <a:ext cx="252332" cy="248048"/>
-              </a:xfrm>
-              <a:prstGeom prst="arc">
-                <a:avLst>
-                  <a:gd name="adj1" fmla="val 16200000"/>
-                  <a:gd name="adj2" fmla="val 21512081"/>
-                </a:avLst>
-              </a:prstGeom>
-              <a:ln w="38100">
-                <a:solidFill>
-                  <a:schemeClr val="bg2">
-                    <a:lumMod val="25000"/>
-                  </a:schemeClr>
-                </a:solidFill>
-              </a:ln>
-            </p:spPr>
-            <p:style>
-              <a:lnRef idx="1">
-                <a:schemeClr val="accent1"/>
-              </a:lnRef>
-              <a:fillRef idx="0">
-                <a:schemeClr val="accent1"/>
-              </a:fillRef>
-              <a:effectRef idx="0">
-                <a:schemeClr val="accent1"/>
-              </a:effectRef>
-              <a:fontRef idx="minor">
-                <a:schemeClr val="tx1"/>
-              </a:fontRef>
-            </p:style>
-            <p:txBody>
-              <a:bodyPr rtlCol="0" anchor="ctr"/>
-              <a:lstStyle/>
-              <a:p>
-                <a:pPr algn="ctr"/>
-                <a:endParaRPr lang="en-US" dirty="0"/>
-              </a:p>
-            </p:txBody>
-          </p:sp>
-          <p:sp>
-            <p:nvSpPr>
-              <p:cNvPr id="10" name="Arc 9">
-                <a:extLst>
-                  <a:ext uri="{FF2B5EF4-FFF2-40B4-BE49-F238E27FC236}">
-                    <a16:creationId xmlns:a16="http://schemas.microsoft.com/office/drawing/2014/main" xmlns="" id="{FDBFB02F-DAA9-4EC8-B20B-1474AE0A4F3B}"/>
-                  </a:ext>
-                </a:extLst>
-              </p:cNvPr>
-              <p:cNvSpPr/>
-              <p:nvPr/>
-            </p:nvSpPr>
-            <p:spPr>
-              <a:xfrm>
-                <a:off x="10236233" y="6235312"/>
-                <a:ext cx="265925" cy="235369"/>
-              </a:xfrm>
-              <a:prstGeom prst="arc">
-                <a:avLst>
-                  <a:gd name="adj1" fmla="val 16200000"/>
-                  <a:gd name="adj2" fmla="val 21512081"/>
-                </a:avLst>
-              </a:prstGeom>
-              <a:ln w="38100">
-                <a:solidFill>
-                  <a:schemeClr val="bg2">
-                    <a:lumMod val="25000"/>
-                  </a:schemeClr>
-                </a:solidFill>
-              </a:ln>
-            </p:spPr>
-            <p:style>
-              <a:lnRef idx="1">
-                <a:schemeClr val="accent1"/>
-              </a:lnRef>
-              <a:fillRef idx="0">
-                <a:schemeClr val="accent1"/>
-              </a:fillRef>
-              <a:effectRef idx="0">
-                <a:schemeClr val="accent1"/>
-              </a:effectRef>
-              <a:fontRef idx="minor">
-                <a:schemeClr val="tx1"/>
-              </a:fontRef>
-            </p:style>
-            <p:txBody>
-              <a:bodyPr rtlCol="0" anchor="ctr"/>
-              <a:lstStyle/>
-              <a:p>
-                <a:pPr algn="ctr"/>
-                <a:endParaRPr lang="en-US" dirty="0"/>
-              </a:p>
-            </p:txBody>
-          </p:sp>
-        </p:grpSp>
-        <p:sp>
-          <p:nvSpPr>
-            <p:cNvPr id="11" name="Rounded Rectangle 10"/>
-            <p:cNvSpPr/>
-            <p:nvPr/>
-          </p:nvSpPr>
-          <p:spPr>
-            <a:xfrm>
-              <a:off x="9439649" y="5606995"/>
-              <a:ext cx="948905" cy="340781"/>
-            </a:xfrm>
-            <a:prstGeom prst="roundRect">
-              <a:avLst>
-                <a:gd name="adj" fmla="val 19644"/>
-              </a:avLst>
-            </a:prstGeom>
-            <a:solidFill>
-              <a:schemeClr val="bg2">
+              <a:schemeClr val="tx1">
                 <a:lumMod val="50000"/>
               </a:schemeClr>
             </a:solidFill>
@@ -7747,57 +9056,7 @@
             </a:bodyPr>
             <a:lstStyle/>
             <a:p>
-              <a:pPr lvl="0" algn="ctr" defTabSz="914400">
-                <a:lnSpc>
-                  <a:spcPts val="1180"/>
-                </a:lnSpc>
-                <a:defRPr/>
-              </a:pPr>
-              <a:r>
-                <a:rPr lang="fr-FR" sz="1200" kern="0" dirty="0" err="1">
-                  <a:solidFill>
-                    <a:schemeClr val="bg1"/>
-                  </a:solidFill>
-                  <a:latin typeface="Source Sans Pro Light" charset="0"/>
-                  <a:ea typeface="Source Sans Pro Light" charset="0"/>
-                  <a:cs typeface="Source Sans Pro Light" charset="0"/>
-                </a:rPr>
-                <a:t>Y</a:t>
-              </a:r>
-              <a:r>
-                <a:rPr lang="fr-FR" sz="1200" kern="0" dirty="0" err="1" smtClean="0">
-                  <a:solidFill>
-                    <a:schemeClr val="bg1"/>
-                  </a:solidFill>
-                  <a:latin typeface="Source Sans Pro Light" charset="0"/>
-                  <a:ea typeface="Source Sans Pro Light" charset="0"/>
-                  <a:cs typeface="Source Sans Pro Light" charset="0"/>
-                </a:rPr>
-                <a:t>our</a:t>
-              </a:r>
-              <a:r>
-                <a:rPr lang="fr-FR" sz="1200" kern="0" dirty="0" smtClean="0">
-                  <a:solidFill>
-                    <a:schemeClr val="bg1"/>
-                  </a:solidFill>
-                  <a:latin typeface="Source Sans Pro Light" charset="0"/>
-                  <a:ea typeface="Source Sans Pro Light" charset="0"/>
-                  <a:cs typeface="Source Sans Pro Light" charset="0"/>
-                </a:rPr>
-                <a:t> </a:t>
-              </a:r>
-              <a:r>
-                <a:rPr lang="fr-FR" sz="1200" kern="0" dirty="0" err="1" smtClean="0">
-                  <a:solidFill>
-                    <a:schemeClr val="bg1"/>
-                  </a:solidFill>
-                  <a:latin typeface="Source Sans Pro Light" charset="0"/>
-                  <a:ea typeface="Source Sans Pro Light" charset="0"/>
-                  <a:cs typeface="Source Sans Pro Light" charset="0"/>
-                </a:rPr>
-                <a:t>Mock</a:t>
-              </a:r>
-              <a:endParaRPr lang="en-US" sz="1200" i="1" kern="0" dirty="0">
+              <a:endParaRPr lang="en-US" sz="1200" dirty="0">
                 <a:solidFill>
                   <a:schemeClr val="bg1"/>
                 </a:solidFill>
@@ -7810,24 +9069,2280 @@
         </p:sp>
         <p:sp>
           <p:nvSpPr>
-            <p:cNvPr id="12" name="Rounded Rectangle 11"/>
+            <p:cNvPr id="197" name="Rectangle 196">
+              <a:extLst>
+                <a:ext uri="{FF2B5EF4-FFF2-40B4-BE49-F238E27FC236}">
+                  <a16:creationId xmlns:a16="http://schemas.microsoft.com/office/drawing/2014/main" id="{7C6B18BC-4FB8-D440-8B79-A34D2C16066D}"/>
+                </a:ext>
+              </a:extLst>
+            </p:cNvPr>
             <p:cNvSpPr/>
             <p:nvPr/>
           </p:nvSpPr>
           <p:spPr>
             <a:xfrm>
-              <a:off x="3276109" y="5605132"/>
-              <a:ext cx="872340" cy="344507"/>
+              <a:off x="6756463" y="5425211"/>
+              <a:ext cx="948809" cy="301407"/>
+            </a:xfrm>
+            <a:prstGeom prst="rect">
+              <a:avLst/>
+            </a:prstGeom>
+            <a:effectLst/>
+          </p:spPr>
+          <p:txBody>
+            <a:bodyPr wrap="square" lIns="0" rIns="0">
+              <a:noAutofit/>
+            </a:bodyPr>
+            <a:lstStyle/>
+            <a:p>
+              <a:pPr algn="ctr" defTabSz="914400">
+                <a:lnSpc>
+                  <a:spcPts val="1000"/>
+                </a:lnSpc>
+                <a:defRPr/>
+              </a:pPr>
+              <a:r>
+                <a:rPr lang="fr-FR" sz="1200" kern="0" dirty="0">
+                  <a:solidFill>
+                    <a:schemeClr val="bg1"/>
+                  </a:solidFill>
+                  <a:latin typeface="Source Sans Pro Light" charset="0"/>
+                </a:rPr>
+                <a:t>PROCESSOR </a:t>
+              </a:r>
+              <a:br>
+                <a:rPr lang="fr-FR" sz="1200" kern="0" dirty="0">
+                  <a:solidFill>
+                    <a:schemeClr val="bg1"/>
+                  </a:solidFill>
+                  <a:latin typeface="Source Sans Pro Light" charset="0"/>
+                </a:rPr>
+              </a:br>
+              <a:r>
+                <a:rPr lang="fr-FR" sz="1200" kern="0" dirty="0">
+                  <a:solidFill>
+                    <a:schemeClr val="bg1"/>
+                  </a:solidFill>
+                  <a:latin typeface="Source Sans Pro Light" charset="0"/>
+                </a:rPr>
+                <a:t>CORE</a:t>
+              </a:r>
+              <a:endParaRPr lang="en-US" sz="1200" kern="0" dirty="0">
+                <a:solidFill>
+                  <a:schemeClr val="bg1"/>
+                </a:solidFill>
+                <a:latin typeface="Source Sans Pro Light" charset="0"/>
+              </a:endParaRPr>
+            </a:p>
+          </p:txBody>
+        </p:sp>
+        <p:pic>
+          <p:nvPicPr>
+            <p:cNvPr id="198" name="Picture 197">
+              <a:extLst>
+                <a:ext uri="{FF2B5EF4-FFF2-40B4-BE49-F238E27FC236}">
+                  <a16:creationId xmlns:a16="http://schemas.microsoft.com/office/drawing/2014/main" id="{0CC37D9B-C149-DC42-94C5-E9DD3E2CA448}"/>
+                </a:ext>
+              </a:extLst>
+            </p:cNvPr>
+            <p:cNvPicPr>
+              <a:picLocks noChangeAspect="1"/>
+            </p:cNvPicPr>
+            <p:nvPr/>
+          </p:nvPicPr>
+          <p:blipFill>
+            <a:blip r:embed="rId2" cstate="print">
+              <a:lum bright="10000"/>
+              <a:extLst>
+                <a:ext uri="{28A0092B-C50C-407E-A947-70E740481C1C}">
+                  <a14:useLocalDpi xmlns:a14="http://schemas.microsoft.com/office/drawing/2010/main" val="0"/>
+                </a:ext>
+              </a:extLst>
+            </a:blip>
+            <a:stretch>
+              <a:fillRect/>
+            </a:stretch>
+          </p:blipFill>
+          <p:spPr>
+            <a:xfrm>
+              <a:off x="6482924" y="5411413"/>
+              <a:ext cx="307244" cy="309712"/>
+            </a:xfrm>
+            <a:prstGeom prst="rect">
+              <a:avLst/>
+            </a:prstGeom>
+          </p:spPr>
+        </p:pic>
+      </p:grpSp>
+      <p:sp>
+        <p:nvSpPr>
+          <p:cNvPr id="215" name="Rectangle 214">
+            <a:extLst>
+              <a:ext uri="{FF2B5EF4-FFF2-40B4-BE49-F238E27FC236}">
+                <a16:creationId xmlns:a16="http://schemas.microsoft.com/office/drawing/2014/main" id="{0BB6C079-3407-E64E-A740-CF9C880A40F6}"/>
+              </a:ext>
+            </a:extLst>
+          </p:cNvPr>
+          <p:cNvSpPr/>
+          <p:nvPr/>
+        </p:nvSpPr>
+        <p:spPr>
+          <a:xfrm>
+            <a:off x="9872456" y="6328481"/>
+            <a:ext cx="1263935" cy="213954"/>
+          </a:xfrm>
+          <a:prstGeom prst="rect">
+            <a:avLst/>
+          </a:prstGeom>
+          <a:noFill/>
+          <a:effectLst/>
+        </p:spPr>
+        <p:txBody>
+          <a:bodyPr wrap="square" lIns="0" rIns="0">
+            <a:noAutofit/>
+          </a:bodyPr>
+          <a:lstStyle/>
+          <a:p>
+            <a:pPr algn="r">
+              <a:lnSpc>
+                <a:spcPts val="1300"/>
+              </a:lnSpc>
+            </a:pPr>
+            <a:r>
+              <a:rPr lang="en-US" sz="1100" b="1" dirty="0">
+                <a:ln w="0"/>
+                <a:solidFill>
+                  <a:schemeClr val="tx1">
+                    <a:lumMod val="75000"/>
+                  </a:schemeClr>
+                </a:solidFill>
+                <a:latin typeface="Source Sans Pro" charset="0"/>
+                <a:ea typeface="Source Sans Pro" charset="0"/>
+                <a:cs typeface="Source Sans Pro" charset="0"/>
+              </a:rPr>
+              <a:t>WORKSTATION</a:t>
+            </a:r>
+          </a:p>
+        </p:txBody>
+      </p:sp>
+      <p:sp>
+        <p:nvSpPr>
+          <p:cNvPr id="216" name="Rectangle 215">
+            <a:extLst>
+              <a:ext uri="{FF2B5EF4-FFF2-40B4-BE49-F238E27FC236}">
+                <a16:creationId xmlns:a16="http://schemas.microsoft.com/office/drawing/2014/main" id="{05CC1959-373A-6942-BCFA-317C628B1B3F}"/>
+              </a:ext>
+            </a:extLst>
+          </p:cNvPr>
+          <p:cNvSpPr/>
+          <p:nvPr/>
+        </p:nvSpPr>
+        <p:spPr>
+          <a:xfrm>
+            <a:off x="10192481" y="5542495"/>
+            <a:ext cx="943910" cy="213954"/>
+          </a:xfrm>
+          <a:prstGeom prst="rect">
+            <a:avLst/>
+          </a:prstGeom>
+          <a:noFill/>
+          <a:effectLst/>
+        </p:spPr>
+        <p:txBody>
+          <a:bodyPr wrap="square" lIns="0" rIns="0">
+            <a:noAutofit/>
+          </a:bodyPr>
+          <a:lstStyle/>
+          <a:p>
+            <a:pPr algn="r">
+              <a:lnSpc>
+                <a:spcPts val="1300"/>
+              </a:lnSpc>
+            </a:pPr>
+            <a:r>
+              <a:rPr lang="en-US" sz="1100" b="1" dirty="0">
+                <a:ln w="0"/>
+                <a:solidFill>
+                  <a:schemeClr val="tx1">
+                    <a:lumMod val="60000"/>
+                    <a:lumOff val="40000"/>
+                  </a:schemeClr>
+                </a:solidFill>
+                <a:latin typeface="Source Sans Pro" charset="0"/>
+                <a:ea typeface="Source Sans Pro" charset="0"/>
+                <a:cs typeface="Source Sans Pro" charset="0"/>
+              </a:rPr>
+              <a:t>PLATFORM</a:t>
+            </a:r>
+          </a:p>
+        </p:txBody>
+      </p:sp>
+      <p:sp>
+        <p:nvSpPr>
+          <p:cNvPr id="220" name="Rounded Rectangle 219">
+            <a:extLst>
+              <a:ext uri="{FF2B5EF4-FFF2-40B4-BE49-F238E27FC236}">
+                <a16:creationId xmlns:a16="http://schemas.microsoft.com/office/drawing/2014/main" id="{1DAD25A5-7101-9F4D-B64A-3FA95B0EAA4A}"/>
+              </a:ext>
+            </a:extLst>
+          </p:cNvPr>
+          <p:cNvSpPr/>
+          <p:nvPr/>
+        </p:nvSpPr>
+        <p:spPr>
+          <a:xfrm>
+            <a:off x="3833866" y="2791774"/>
+            <a:ext cx="7239239" cy="656619"/>
+          </a:xfrm>
+          <a:prstGeom prst="roundRect">
+            <a:avLst>
+              <a:gd name="adj" fmla="val 10443"/>
+            </a:avLst>
+          </a:prstGeom>
+          <a:solidFill>
+            <a:schemeClr val="accent1">
+              <a:lumMod val="75000"/>
+            </a:schemeClr>
+          </a:solidFill>
+          <a:ln w="12700">
+            <a:noFill/>
+          </a:ln>
+          <a:effectLst>
+            <a:innerShdw blurRad="114300">
+              <a:prstClr val="black">
+                <a:alpha val="49000"/>
+              </a:prstClr>
+            </a:innerShdw>
+          </a:effectLst>
+        </p:spPr>
+        <p:style>
+          <a:lnRef idx="2">
+            <a:schemeClr val="dk1"/>
+          </a:lnRef>
+          <a:fillRef idx="1">
+            <a:schemeClr val="lt1"/>
+          </a:fillRef>
+          <a:effectRef idx="0">
+            <a:schemeClr val="dk1"/>
+          </a:effectRef>
+          <a:fontRef idx="minor">
+            <a:schemeClr val="dk1"/>
+          </a:fontRef>
+        </p:style>
+        <p:txBody>
+          <a:bodyPr wrap="square" lIns="108000" tIns="0" bIns="0" rtlCol="0" anchor="ctr">
+            <a:noAutofit/>
+          </a:bodyPr>
+          <a:lstStyle/>
+          <a:p>
+            <a:pPr lvl="0" algn="ctr"/>
+            <a:r>
+              <a:rPr lang="en-US" sz="1600" b="1" dirty="0">
+                <a:solidFill>
+                  <a:schemeClr val="bg1"/>
+                </a:solidFill>
+                <a:latin typeface="Source Sans Pro" charset="0"/>
+                <a:ea typeface="Source Sans Pro" charset="0"/>
+                <a:cs typeface="Source Sans Pro" charset="0"/>
+              </a:rPr>
+              <a:t>FOUNDATION LIBRARIES </a:t>
+            </a:r>
+          </a:p>
+          <a:p>
+            <a:pPr lvl="0" algn="ctr"/>
+            <a:endParaRPr lang="en-US" sz="1200" kern="0" dirty="0">
+              <a:solidFill>
+                <a:schemeClr val="bg1"/>
+              </a:solidFill>
+              <a:latin typeface="Source Sans Pro" charset="0"/>
+              <a:ea typeface="Source Sans Pro" charset="0"/>
+              <a:cs typeface="Source Sans Pro" charset="0"/>
+            </a:endParaRPr>
+          </a:p>
+          <a:p>
+            <a:pPr lvl="0" algn="ctr"/>
+            <a:endParaRPr lang="en-US" sz="1200" kern="0" dirty="0">
+              <a:solidFill>
+                <a:schemeClr val="bg1"/>
+              </a:solidFill>
+              <a:latin typeface="Source Sans Pro" charset="0"/>
+              <a:ea typeface="Source Sans Pro" charset="0"/>
+              <a:cs typeface="Source Sans Pro" charset="0"/>
+            </a:endParaRPr>
+          </a:p>
+        </p:txBody>
+      </p:sp>
+      <p:pic>
+        <p:nvPicPr>
+          <p:cNvPr id="232" name="Picture 231">
+            <a:extLst>
+              <a:ext uri="{FF2B5EF4-FFF2-40B4-BE49-F238E27FC236}">
+                <a16:creationId xmlns:a16="http://schemas.microsoft.com/office/drawing/2014/main" id="{C9DBDBDC-4158-FB46-8B03-446E304A3860}"/>
+              </a:ext>
+            </a:extLst>
+          </p:cNvPr>
+          <p:cNvPicPr>
+            <a:picLocks noChangeAspect="1"/>
+          </p:cNvPicPr>
+          <p:nvPr/>
+        </p:nvPicPr>
+        <p:blipFill>
+          <a:blip r:embed="rId3">
+            <a:extLst>
+              <a:ext uri="{28A0092B-C50C-407E-A947-70E740481C1C}">
+                <a14:useLocalDpi xmlns:a14="http://schemas.microsoft.com/office/drawing/2010/main"/>
+              </a:ext>
+            </a:extLst>
+          </a:blip>
+          <a:stretch>
+            <a:fillRect/>
+          </a:stretch>
+        </p:blipFill>
+        <p:spPr>
+          <a:xfrm>
+            <a:off x="6523656" y="3475661"/>
+            <a:ext cx="1982135" cy="334761"/>
+          </a:xfrm>
+          <a:prstGeom prst="rect">
+            <a:avLst/>
+          </a:prstGeom>
+        </p:spPr>
+      </p:pic>
+      <p:sp>
+        <p:nvSpPr>
+          <p:cNvPr id="238" name="Rounded Rectangle 237">
+            <a:extLst>
+              <a:ext uri="{FF2B5EF4-FFF2-40B4-BE49-F238E27FC236}">
+                <a16:creationId xmlns:a16="http://schemas.microsoft.com/office/drawing/2014/main" id="{3B5E0268-E23C-CA46-9333-B31FE4BC110E}"/>
+              </a:ext>
+            </a:extLst>
+          </p:cNvPr>
+          <p:cNvSpPr/>
+          <p:nvPr/>
+        </p:nvSpPr>
+        <p:spPr>
+          <a:xfrm>
+            <a:off x="10399015" y="3092921"/>
+            <a:ext cx="412471" cy="289727"/>
+          </a:xfrm>
+          <a:prstGeom prst="roundRect">
+            <a:avLst>
+              <a:gd name="adj" fmla="val 19644"/>
+            </a:avLst>
+          </a:prstGeom>
+          <a:gradFill>
+            <a:gsLst>
+              <a:gs pos="42000">
+                <a:schemeClr val="bg1"/>
+              </a:gs>
+              <a:gs pos="100000">
+                <a:schemeClr val="bg1">
+                  <a:alpha val="0"/>
+                </a:schemeClr>
+              </a:gs>
+            </a:gsLst>
+            <a:lin ang="21594000" scaled="0"/>
+          </a:gradFill>
+          <a:ln w="12700">
+            <a:noFill/>
+          </a:ln>
+          <a:effectLst/>
+        </p:spPr>
+        <p:style>
+          <a:lnRef idx="2">
+            <a:schemeClr val="dk1"/>
+          </a:lnRef>
+          <a:fillRef idx="1">
+            <a:schemeClr val="lt1"/>
+          </a:fillRef>
+          <a:effectRef idx="0">
+            <a:schemeClr val="dk1"/>
+          </a:effectRef>
+          <a:fontRef idx="minor">
+            <a:schemeClr val="dk1"/>
+          </a:fontRef>
+        </p:style>
+        <p:txBody>
+          <a:bodyPr wrap="square" tIns="36000" bIns="36000" rtlCol="0" anchor="ctr">
+            <a:noAutofit/>
+          </a:bodyPr>
+          <a:lstStyle/>
+          <a:p>
+            <a:r>
+              <a:rPr lang="en-US" sz="1200" i="1" dirty="0">
+                <a:solidFill>
+                  <a:schemeClr val="accent1"/>
+                </a:solidFill>
+                <a:latin typeface="Source Sans Pro Light" charset="0"/>
+                <a:ea typeface="Source Sans Pro Light" charset="0"/>
+                <a:cs typeface="Source Sans Pro Light" charset="0"/>
+              </a:rPr>
+              <a:t>…</a:t>
+            </a:r>
+          </a:p>
+        </p:txBody>
+      </p:sp>
+      <p:sp>
+        <p:nvSpPr>
+          <p:cNvPr id="239" name="Rounded Rectangle 238">
+            <a:extLst>
+              <a:ext uri="{FF2B5EF4-FFF2-40B4-BE49-F238E27FC236}">
+                <a16:creationId xmlns:a16="http://schemas.microsoft.com/office/drawing/2014/main" id="{3B5154AE-D881-2741-8383-A9A089018590}"/>
+              </a:ext>
+            </a:extLst>
+          </p:cNvPr>
+          <p:cNvSpPr/>
+          <p:nvPr/>
+        </p:nvSpPr>
+        <p:spPr>
+          <a:xfrm>
+            <a:off x="8407762" y="3092921"/>
+            <a:ext cx="900000" cy="289728"/>
+          </a:xfrm>
+          <a:prstGeom prst="roundRect">
+            <a:avLst>
+              <a:gd name="adj" fmla="val 19644"/>
+            </a:avLst>
+          </a:prstGeom>
+          <a:solidFill>
+            <a:schemeClr val="bg1"/>
+          </a:solidFill>
+          <a:ln w="12700">
+            <a:noFill/>
+          </a:ln>
+          <a:effectLst/>
+        </p:spPr>
+        <p:style>
+          <a:lnRef idx="2">
+            <a:schemeClr val="dk1"/>
+          </a:lnRef>
+          <a:fillRef idx="1">
+            <a:schemeClr val="lt1"/>
+          </a:fillRef>
+          <a:effectRef idx="0">
+            <a:schemeClr val="dk1"/>
+          </a:effectRef>
+          <a:fontRef idx="minor">
+            <a:schemeClr val="dk1"/>
+          </a:fontRef>
+        </p:style>
+        <p:txBody>
+          <a:bodyPr wrap="square" tIns="36000" bIns="36000" rtlCol="0" anchor="ctr">
+            <a:noAutofit/>
+          </a:bodyPr>
+          <a:lstStyle/>
+          <a:p>
+            <a:pPr algn="ctr"/>
+            <a:r>
+              <a:rPr lang="en-US" sz="1200" dirty="0">
+                <a:solidFill>
+                  <a:schemeClr val="accent1"/>
+                </a:solidFill>
+                <a:latin typeface="Source Sans Pro Light" charset="0"/>
+                <a:ea typeface="Source Sans Pro Light" charset="0"/>
+                <a:cs typeface="Source Sans Pro Light" charset="0"/>
+              </a:rPr>
+              <a:t>ECOM</a:t>
+            </a:r>
+          </a:p>
+        </p:txBody>
+      </p:sp>
+      <p:sp>
+        <p:nvSpPr>
+          <p:cNvPr id="240" name="Rounded Rectangle 239">
+            <a:extLst>
+              <a:ext uri="{FF2B5EF4-FFF2-40B4-BE49-F238E27FC236}">
+                <a16:creationId xmlns:a16="http://schemas.microsoft.com/office/drawing/2014/main" id="{035E2DB4-70E9-CD4F-9C63-86F3488E1165}"/>
+              </a:ext>
+            </a:extLst>
+          </p:cNvPr>
+          <p:cNvSpPr/>
+          <p:nvPr/>
+        </p:nvSpPr>
+        <p:spPr>
+          <a:xfrm>
+            <a:off x="9403390" y="3092921"/>
+            <a:ext cx="900000" cy="289727"/>
+          </a:xfrm>
+          <a:prstGeom prst="roundRect">
+            <a:avLst>
+              <a:gd name="adj" fmla="val 19644"/>
+            </a:avLst>
+          </a:prstGeom>
+          <a:solidFill>
+            <a:schemeClr val="bg1"/>
+          </a:solidFill>
+          <a:ln w="12700">
+            <a:noFill/>
+          </a:ln>
+          <a:effectLst/>
+        </p:spPr>
+        <p:style>
+          <a:lnRef idx="2">
+            <a:schemeClr val="dk1"/>
+          </a:lnRef>
+          <a:fillRef idx="1">
+            <a:schemeClr val="lt1"/>
+          </a:fillRef>
+          <a:effectRef idx="0">
+            <a:schemeClr val="dk1"/>
+          </a:effectRef>
+          <a:fontRef idx="minor">
+            <a:schemeClr val="dk1"/>
+          </a:fontRef>
+        </p:style>
+        <p:txBody>
+          <a:bodyPr wrap="square" tIns="36000" bIns="36000" rtlCol="0" anchor="ctr">
+            <a:noAutofit/>
+          </a:bodyPr>
+          <a:lstStyle/>
+          <a:p>
+            <a:pPr algn="ctr"/>
+            <a:r>
+              <a:rPr lang="en-US" sz="1200" dirty="0">
+                <a:solidFill>
+                  <a:schemeClr val="accent1"/>
+                </a:solidFill>
+                <a:latin typeface="Source Sans Pro Light" charset="0"/>
+                <a:ea typeface="Source Sans Pro Light" charset="0"/>
+                <a:cs typeface="Source Sans Pro Light" charset="0"/>
+              </a:rPr>
+              <a:t>BLE</a:t>
+            </a:r>
+          </a:p>
+        </p:txBody>
+      </p:sp>
+      <p:sp>
+        <p:nvSpPr>
+          <p:cNvPr id="247" name="Rounded Rectangle 246">
+            <a:extLst>
+              <a:ext uri="{FF2B5EF4-FFF2-40B4-BE49-F238E27FC236}">
+                <a16:creationId xmlns:a16="http://schemas.microsoft.com/office/drawing/2014/main" id="{630CF64E-A322-644C-AA31-CAD7C603DB3A}"/>
+              </a:ext>
+            </a:extLst>
+          </p:cNvPr>
+          <p:cNvSpPr/>
+          <p:nvPr/>
+        </p:nvSpPr>
+        <p:spPr>
+          <a:xfrm>
+            <a:off x="6938173" y="3092921"/>
+            <a:ext cx="633600" cy="289728"/>
+          </a:xfrm>
+          <a:prstGeom prst="roundRect">
+            <a:avLst>
+              <a:gd name="adj" fmla="val 19644"/>
+            </a:avLst>
+          </a:prstGeom>
+          <a:solidFill>
+            <a:schemeClr val="bg1"/>
+          </a:solidFill>
+          <a:ln w="12700">
+            <a:noFill/>
+          </a:ln>
+          <a:effectLst/>
+        </p:spPr>
+        <p:style>
+          <a:lnRef idx="2">
+            <a:schemeClr val="dk1"/>
+          </a:lnRef>
+          <a:fillRef idx="1">
+            <a:schemeClr val="lt1"/>
+          </a:fillRef>
+          <a:effectRef idx="0">
+            <a:schemeClr val="dk1"/>
+          </a:effectRef>
+          <a:fontRef idx="minor">
+            <a:schemeClr val="dk1"/>
+          </a:fontRef>
+        </p:style>
+        <p:txBody>
+          <a:bodyPr wrap="square" lIns="0" tIns="36000" rIns="0" bIns="36000" rtlCol="0" anchor="ctr">
+            <a:noAutofit/>
+          </a:bodyPr>
+          <a:lstStyle/>
+          <a:p>
+            <a:pPr algn="ctr"/>
+            <a:r>
+              <a:rPr lang="en-US" sz="1200" spc="-40" dirty="0">
+                <a:solidFill>
+                  <a:schemeClr val="accent1"/>
+                </a:solidFill>
+                <a:latin typeface="Source Sans Pro Light" charset="0"/>
+                <a:ea typeface="Source Sans Pro Light" charset="0"/>
+                <a:cs typeface="Source Sans Pro Light" charset="0"/>
+              </a:rPr>
+              <a:t>EDC</a:t>
+            </a:r>
+          </a:p>
+        </p:txBody>
+      </p:sp>
+      <p:sp>
+        <p:nvSpPr>
+          <p:cNvPr id="248" name="Rounded Rectangle 247">
+            <a:extLst>
+              <a:ext uri="{FF2B5EF4-FFF2-40B4-BE49-F238E27FC236}">
+                <a16:creationId xmlns:a16="http://schemas.microsoft.com/office/drawing/2014/main" id="{9F012DC1-B964-0F4B-8586-38442FC7ADB6}"/>
+              </a:ext>
+            </a:extLst>
+          </p:cNvPr>
+          <p:cNvSpPr/>
+          <p:nvPr/>
+        </p:nvSpPr>
+        <p:spPr>
+          <a:xfrm>
+            <a:off x="4941422" y="3092921"/>
+            <a:ext cx="900000" cy="289727"/>
+          </a:xfrm>
+          <a:prstGeom prst="roundRect">
+            <a:avLst>
+              <a:gd name="adj" fmla="val 19644"/>
+            </a:avLst>
+          </a:prstGeom>
+          <a:solidFill>
+            <a:schemeClr val="bg1"/>
+          </a:solidFill>
+          <a:ln w="12700">
+            <a:noFill/>
+          </a:ln>
+          <a:effectLst/>
+        </p:spPr>
+        <p:style>
+          <a:lnRef idx="2">
+            <a:schemeClr val="dk1"/>
+          </a:lnRef>
+          <a:fillRef idx="1">
+            <a:schemeClr val="lt1"/>
+          </a:fillRef>
+          <a:effectRef idx="0">
+            <a:schemeClr val="dk1"/>
+          </a:effectRef>
+          <a:fontRef idx="minor">
+            <a:schemeClr val="dk1"/>
+          </a:fontRef>
+        </p:style>
+        <p:txBody>
+          <a:bodyPr wrap="square" tIns="36000" bIns="36000" rtlCol="0" anchor="ctr">
+            <a:noAutofit/>
+          </a:bodyPr>
+          <a:lstStyle/>
+          <a:p>
+            <a:pPr algn="ctr"/>
+            <a:r>
+              <a:rPr lang="en-US" sz="1200" dirty="0">
+                <a:solidFill>
+                  <a:schemeClr val="accent1"/>
+                </a:solidFill>
+                <a:latin typeface="Source Sans Pro Light" charset="0"/>
+                <a:ea typeface="Source Sans Pro Light" charset="0"/>
+                <a:cs typeface="Source Sans Pro Light" charset="0"/>
+              </a:rPr>
+              <a:t>NET/SSL</a:t>
+            </a:r>
+          </a:p>
+        </p:txBody>
+      </p:sp>
+      <p:sp>
+        <p:nvSpPr>
+          <p:cNvPr id="249" name="Rounded Rectangle 248">
+            <a:extLst>
+              <a:ext uri="{FF2B5EF4-FFF2-40B4-BE49-F238E27FC236}">
+                <a16:creationId xmlns:a16="http://schemas.microsoft.com/office/drawing/2014/main" id="{EF0E9CA5-CC66-6D46-8C55-6B876E06A250}"/>
+              </a:ext>
+            </a:extLst>
+          </p:cNvPr>
+          <p:cNvSpPr/>
+          <p:nvPr/>
+        </p:nvSpPr>
+        <p:spPr>
+          <a:xfrm>
+            <a:off x="3945794" y="3092921"/>
+            <a:ext cx="900000" cy="289727"/>
+          </a:xfrm>
+          <a:prstGeom prst="roundRect">
+            <a:avLst>
+              <a:gd name="adj" fmla="val 19644"/>
+            </a:avLst>
+          </a:prstGeom>
+          <a:solidFill>
+            <a:schemeClr val="bg1"/>
+          </a:solidFill>
+          <a:ln w="12700">
+            <a:noFill/>
+          </a:ln>
+          <a:effectLst/>
+        </p:spPr>
+        <p:style>
+          <a:lnRef idx="2">
+            <a:schemeClr val="dk1"/>
+          </a:lnRef>
+          <a:fillRef idx="1">
+            <a:schemeClr val="lt1"/>
+          </a:fillRef>
+          <a:effectRef idx="0">
+            <a:schemeClr val="dk1"/>
+          </a:effectRef>
+          <a:fontRef idx="minor">
+            <a:schemeClr val="dk1"/>
+          </a:fontRef>
+        </p:style>
+        <p:txBody>
+          <a:bodyPr wrap="square" tIns="36000" bIns="36000" rtlCol="0" anchor="ctr">
+            <a:noAutofit/>
+          </a:bodyPr>
+          <a:lstStyle/>
+          <a:p>
+            <a:pPr algn="ctr"/>
+            <a:r>
+              <a:rPr lang="en-US" sz="1200" dirty="0">
+                <a:solidFill>
+                  <a:schemeClr val="accent1"/>
+                </a:solidFill>
+                <a:latin typeface="Source Sans Pro Light" charset="0"/>
+                <a:ea typeface="Source Sans Pro Light" charset="0"/>
+                <a:cs typeface="Source Sans Pro Light" charset="0"/>
+              </a:rPr>
+              <a:t>FS</a:t>
+            </a:r>
+          </a:p>
+        </p:txBody>
+      </p:sp>
+      <p:sp>
+        <p:nvSpPr>
+          <p:cNvPr id="250" name="Rounded Rectangle 249">
+            <a:extLst>
+              <a:ext uri="{FF2B5EF4-FFF2-40B4-BE49-F238E27FC236}">
+                <a16:creationId xmlns:a16="http://schemas.microsoft.com/office/drawing/2014/main" id="{9F662613-C933-2240-8227-CB7A650ED8C0}"/>
+              </a:ext>
+            </a:extLst>
+          </p:cNvPr>
+          <p:cNvSpPr/>
+          <p:nvPr/>
+        </p:nvSpPr>
+        <p:spPr>
+          <a:xfrm>
+            <a:off x="5937050" y="3092921"/>
+            <a:ext cx="900000" cy="289728"/>
+          </a:xfrm>
+          <a:prstGeom prst="roundRect">
+            <a:avLst>
+              <a:gd name="adj" fmla="val 19644"/>
+            </a:avLst>
+          </a:prstGeom>
+          <a:solidFill>
+            <a:schemeClr val="bg1"/>
+          </a:solidFill>
+          <a:ln w="12700">
+            <a:noFill/>
+          </a:ln>
+          <a:effectLst/>
+        </p:spPr>
+        <p:style>
+          <a:lnRef idx="2">
+            <a:schemeClr val="dk1"/>
+          </a:lnRef>
+          <a:fillRef idx="1">
+            <a:schemeClr val="lt1"/>
+          </a:fillRef>
+          <a:effectRef idx="0">
+            <a:schemeClr val="dk1"/>
+          </a:effectRef>
+          <a:fontRef idx="minor">
+            <a:schemeClr val="dk1"/>
+          </a:fontRef>
+        </p:style>
+        <p:txBody>
+          <a:bodyPr wrap="square" tIns="36000" bIns="36000" rtlCol="0" anchor="ctr">
+            <a:noAutofit/>
+          </a:bodyPr>
+          <a:lstStyle/>
+          <a:p>
+            <a:pPr algn="ctr"/>
+            <a:r>
+              <a:rPr lang="en-US" sz="1200" dirty="0" err="1">
+                <a:solidFill>
+                  <a:schemeClr val="accent1"/>
+                </a:solidFill>
+                <a:latin typeface="Source Sans Pro Light" panose="020B0403030403020204" pitchFamily="34" charset="77"/>
+                <a:ea typeface="Source Sans Pro Light" charset="0"/>
+                <a:cs typeface="Source Sans Pro Light" charset="0"/>
+              </a:rPr>
+              <a:t>MicroUI</a:t>
+            </a:r>
+            <a:endParaRPr lang="en-US" sz="1200" dirty="0">
+              <a:solidFill>
+                <a:schemeClr val="accent1"/>
+              </a:solidFill>
+              <a:latin typeface="Source Sans Pro Light" panose="020B0403030403020204" pitchFamily="34" charset="77"/>
+              <a:ea typeface="Source Sans Pro Light" charset="0"/>
+              <a:cs typeface="Source Sans Pro Light" charset="0"/>
+            </a:endParaRPr>
+          </a:p>
+        </p:txBody>
+      </p:sp>
+      <p:sp>
+        <p:nvSpPr>
+          <p:cNvPr id="251" name="Rounded Rectangle 250">
+            <a:extLst>
+              <a:ext uri="{FF2B5EF4-FFF2-40B4-BE49-F238E27FC236}">
+                <a16:creationId xmlns:a16="http://schemas.microsoft.com/office/drawing/2014/main" id="{B71AF6EF-3873-224B-A5F3-912A8B5337FD}"/>
+              </a:ext>
+            </a:extLst>
+          </p:cNvPr>
+          <p:cNvSpPr/>
+          <p:nvPr/>
+        </p:nvSpPr>
+        <p:spPr>
+          <a:xfrm>
+            <a:off x="7672896" y="3092921"/>
+            <a:ext cx="633742" cy="289728"/>
+          </a:xfrm>
+          <a:prstGeom prst="roundRect">
+            <a:avLst>
+              <a:gd name="adj" fmla="val 19644"/>
+            </a:avLst>
+          </a:prstGeom>
+          <a:solidFill>
+            <a:schemeClr val="bg1"/>
+          </a:solidFill>
+          <a:ln w="12700">
+            <a:noFill/>
+          </a:ln>
+          <a:effectLst/>
+        </p:spPr>
+        <p:style>
+          <a:lnRef idx="2">
+            <a:schemeClr val="dk1"/>
+          </a:lnRef>
+          <a:fillRef idx="1">
+            <a:schemeClr val="lt1"/>
+          </a:fillRef>
+          <a:effectRef idx="0">
+            <a:schemeClr val="dk1"/>
+          </a:effectRef>
+          <a:fontRef idx="minor">
+            <a:schemeClr val="dk1"/>
+          </a:fontRef>
+        </p:style>
+        <p:txBody>
+          <a:bodyPr wrap="square" lIns="0" tIns="36000" rIns="0" bIns="36000" rtlCol="0" anchor="ctr">
+            <a:noAutofit/>
+          </a:bodyPr>
+          <a:lstStyle/>
+          <a:p>
+            <a:pPr algn="ctr"/>
+            <a:r>
+              <a:rPr lang="en-US" sz="1200" spc="-40" dirty="0">
+                <a:solidFill>
+                  <a:schemeClr val="accent1"/>
+                </a:solidFill>
+                <a:latin typeface="Source Sans Pro Light" charset="0"/>
+                <a:ea typeface="Source Sans Pro Light" charset="0"/>
+                <a:cs typeface="Source Sans Pro Light" charset="0"/>
+              </a:rPr>
+              <a:t>BON</a:t>
+            </a:r>
+          </a:p>
+        </p:txBody>
+      </p:sp>
+      <p:sp>
+        <p:nvSpPr>
+          <p:cNvPr id="252" name="Rectangle 251">
+            <a:extLst>
+              <a:ext uri="{FF2B5EF4-FFF2-40B4-BE49-F238E27FC236}">
+                <a16:creationId xmlns:a16="http://schemas.microsoft.com/office/drawing/2014/main" id="{361934CC-FC23-324D-B732-22155152B458}"/>
+              </a:ext>
+            </a:extLst>
+          </p:cNvPr>
+          <p:cNvSpPr/>
+          <p:nvPr/>
+        </p:nvSpPr>
+        <p:spPr>
+          <a:xfrm>
+            <a:off x="9712130" y="3798913"/>
+            <a:ext cx="1424261" cy="213954"/>
+          </a:xfrm>
+          <a:prstGeom prst="rect">
+            <a:avLst/>
+          </a:prstGeom>
+          <a:noFill/>
+          <a:effectLst/>
+        </p:spPr>
+        <p:txBody>
+          <a:bodyPr wrap="square" lIns="0" rIns="0">
+            <a:noAutofit/>
+          </a:bodyPr>
+          <a:lstStyle/>
+          <a:p>
+            <a:pPr algn="r">
+              <a:lnSpc>
+                <a:spcPts val="1300"/>
+              </a:lnSpc>
+            </a:pPr>
+            <a:r>
+              <a:rPr lang="en-US" sz="1100" b="1" dirty="0">
+                <a:ln w="0"/>
+                <a:solidFill>
+                  <a:schemeClr val="accent1"/>
+                </a:solidFill>
+                <a:latin typeface="Source Sans Pro" charset="0"/>
+                <a:ea typeface="Source Sans Pro" charset="0"/>
+                <a:cs typeface="Source Sans Pro" charset="0"/>
+              </a:rPr>
+              <a:t>VIRTUALIZATION</a:t>
+            </a:r>
+          </a:p>
+        </p:txBody>
+      </p:sp>
+      <p:sp>
+        <p:nvSpPr>
+          <p:cNvPr id="58" name="Rounded Rectangle 57">
+            <a:extLst>
+              <a:ext uri="{FF2B5EF4-FFF2-40B4-BE49-F238E27FC236}">
+                <a16:creationId xmlns:a16="http://schemas.microsoft.com/office/drawing/2014/main" id="{7047AD09-AE30-6D4B-88D5-2C457E0540A2}"/>
+              </a:ext>
+            </a:extLst>
+          </p:cNvPr>
+          <p:cNvSpPr/>
+          <p:nvPr/>
+        </p:nvSpPr>
+        <p:spPr>
+          <a:xfrm>
+            <a:off x="3945794" y="5932909"/>
+            <a:ext cx="900000" cy="306000"/>
+          </a:xfrm>
+          <a:prstGeom prst="roundRect">
+            <a:avLst>
+              <a:gd name="adj" fmla="val 18298"/>
+            </a:avLst>
+          </a:prstGeom>
+          <a:solidFill>
+            <a:schemeClr val="tx2"/>
+          </a:solidFill>
+          <a:ln w="12700">
+            <a:noFill/>
+          </a:ln>
+          <a:effectLst/>
+        </p:spPr>
+        <p:style>
+          <a:lnRef idx="2">
+            <a:schemeClr val="dk1"/>
+          </a:lnRef>
+          <a:fillRef idx="1">
+            <a:schemeClr val="lt1"/>
+          </a:fillRef>
+          <a:effectRef idx="0">
+            <a:schemeClr val="dk1"/>
+          </a:effectRef>
+          <a:fontRef idx="minor">
+            <a:schemeClr val="dk1"/>
+          </a:fontRef>
+        </p:style>
+        <p:txBody>
+          <a:bodyPr wrap="square" tIns="72000" bIns="36000" rtlCol="0" anchor="ctr">
+            <a:noAutofit/>
+          </a:bodyPr>
+          <a:lstStyle/>
+          <a:p>
+            <a:pPr lvl="0" algn="ctr">
+              <a:lnSpc>
+                <a:spcPts val="1000"/>
+              </a:lnSpc>
+              <a:defRPr/>
+            </a:pPr>
+            <a:r>
+              <a:rPr lang="en-US" sz="1200" dirty="0">
+                <a:solidFill>
+                  <a:schemeClr val="bg1"/>
+                </a:solidFill>
+                <a:latin typeface="Source Sans Pro Light" charset="0"/>
+                <a:ea typeface="Source Sans Pro Light" charset="0"/>
+                <a:cs typeface="Source Sans Pro Light" charset="0"/>
+              </a:rPr>
+              <a:t>HDD</a:t>
+            </a:r>
+          </a:p>
+        </p:txBody>
+      </p:sp>
+      <p:sp>
+        <p:nvSpPr>
+          <p:cNvPr id="59" name="Rounded Rectangle 58">
+            <a:extLst>
+              <a:ext uri="{FF2B5EF4-FFF2-40B4-BE49-F238E27FC236}">
+                <a16:creationId xmlns:a16="http://schemas.microsoft.com/office/drawing/2014/main" id="{CC863FCA-A747-5244-A569-6A2767D4D26E}"/>
+              </a:ext>
+            </a:extLst>
+          </p:cNvPr>
+          <p:cNvSpPr/>
+          <p:nvPr/>
+        </p:nvSpPr>
+        <p:spPr>
+          <a:xfrm>
+            <a:off x="9398361" y="5932909"/>
+            <a:ext cx="900000" cy="306000"/>
+          </a:xfrm>
+          <a:prstGeom prst="roundRect">
+            <a:avLst>
+              <a:gd name="adj" fmla="val 19644"/>
+            </a:avLst>
+          </a:prstGeom>
+          <a:solidFill>
+            <a:schemeClr val="tx2"/>
+          </a:solidFill>
+          <a:ln w="12700">
+            <a:noFill/>
+          </a:ln>
+          <a:effectLst/>
+        </p:spPr>
+        <p:style>
+          <a:lnRef idx="2">
+            <a:schemeClr val="dk1"/>
+          </a:lnRef>
+          <a:fillRef idx="1">
+            <a:schemeClr val="lt1"/>
+          </a:fillRef>
+          <a:effectRef idx="0">
+            <a:schemeClr val="dk1"/>
+          </a:effectRef>
+          <a:fontRef idx="minor">
+            <a:schemeClr val="dk1"/>
+          </a:fontRef>
+        </p:style>
+        <p:txBody>
+          <a:bodyPr wrap="square" tIns="72000" bIns="36000" rtlCol="0" anchor="ctr">
+            <a:noAutofit/>
+          </a:bodyPr>
+          <a:lstStyle/>
+          <a:p>
+            <a:pPr lvl="0" algn="ctr" defTabSz="914400">
+              <a:lnSpc>
+                <a:spcPts val="1180"/>
+              </a:lnSpc>
+              <a:defRPr/>
+            </a:pPr>
+            <a:r>
+              <a:rPr lang="en-US" sz="1200" kern="0" dirty="0">
+                <a:solidFill>
+                  <a:schemeClr val="bg1"/>
+                </a:solidFill>
+                <a:latin typeface="Source Sans Pro Light" charset="0"/>
+                <a:ea typeface="Source Sans Pro Light" charset="0"/>
+                <a:cs typeface="Source Sans Pro Light" charset="0"/>
+              </a:rPr>
+              <a:t>Bluetooth</a:t>
+            </a:r>
+          </a:p>
+        </p:txBody>
+      </p:sp>
+      <p:sp>
+        <p:nvSpPr>
+          <p:cNvPr id="63" name="Rounded Rectangle 62">
+            <a:extLst>
+              <a:ext uri="{FF2B5EF4-FFF2-40B4-BE49-F238E27FC236}">
+                <a16:creationId xmlns:a16="http://schemas.microsoft.com/office/drawing/2014/main" id="{2247A310-F2AC-5245-BA70-57114462F4DA}"/>
+              </a:ext>
+            </a:extLst>
+          </p:cNvPr>
+          <p:cNvSpPr/>
+          <p:nvPr/>
+        </p:nvSpPr>
+        <p:spPr>
+          <a:xfrm>
+            <a:off x="3726687" y="4047771"/>
+            <a:ext cx="7435852" cy="1538707"/>
+          </a:xfrm>
+          <a:prstGeom prst="roundRect">
+            <a:avLst>
+              <a:gd name="adj" fmla="val 7139"/>
+            </a:avLst>
+          </a:prstGeom>
+          <a:solidFill>
+            <a:schemeClr val="bg2"/>
+          </a:solidFill>
+          <a:ln w="12700">
+            <a:noFill/>
+          </a:ln>
+          <a:effectLst/>
+        </p:spPr>
+        <p:style>
+          <a:lnRef idx="2">
+            <a:schemeClr val="dk1"/>
+          </a:lnRef>
+          <a:fillRef idx="1">
+            <a:schemeClr val="lt1"/>
+          </a:fillRef>
+          <a:effectRef idx="0">
+            <a:schemeClr val="dk1"/>
+          </a:effectRef>
+          <a:fontRef idx="minor">
+            <a:schemeClr val="dk1"/>
+          </a:fontRef>
+        </p:style>
+        <p:txBody>
+          <a:bodyPr rtlCol="0" anchor="ctr"/>
+          <a:lstStyle/>
+          <a:p>
+            <a:pPr algn="ctr"/>
+            <a:endParaRPr lang="en-US" sz="1600" dirty="0">
+              <a:ln w="0">
+                <a:solidFill>
+                  <a:sysClr val="windowText" lastClr="000000"/>
+                </a:solidFill>
+              </a:ln>
+              <a:solidFill>
+                <a:schemeClr val="tx1"/>
+              </a:solidFill>
+            </a:endParaRPr>
+          </a:p>
+        </p:txBody>
+      </p:sp>
+      <p:sp>
+        <p:nvSpPr>
+          <p:cNvPr id="64" name="Rounded Rectangle 63">
+            <a:extLst>
+              <a:ext uri="{FF2B5EF4-FFF2-40B4-BE49-F238E27FC236}">
+                <a16:creationId xmlns:a16="http://schemas.microsoft.com/office/drawing/2014/main" id="{C402AB18-EFE6-F54F-AF15-A7B17D9A6A78}"/>
+              </a:ext>
+            </a:extLst>
+          </p:cNvPr>
+          <p:cNvSpPr/>
+          <p:nvPr/>
+        </p:nvSpPr>
+        <p:spPr>
+          <a:xfrm>
+            <a:off x="3945794" y="4672519"/>
+            <a:ext cx="7048799" cy="774667"/>
+          </a:xfrm>
+          <a:prstGeom prst="roundRect">
+            <a:avLst>
+              <a:gd name="adj" fmla="val 7716"/>
+            </a:avLst>
+          </a:prstGeom>
+          <a:solidFill>
+            <a:schemeClr val="tx2"/>
+          </a:solidFill>
+          <a:ln w="12700">
+            <a:noFill/>
+          </a:ln>
+          <a:effectLst/>
+        </p:spPr>
+        <p:style>
+          <a:lnRef idx="2">
+            <a:schemeClr val="dk1"/>
+          </a:lnRef>
+          <a:fillRef idx="1">
+            <a:schemeClr val="lt1"/>
+          </a:fillRef>
+          <a:effectRef idx="0">
+            <a:schemeClr val="dk1"/>
+          </a:effectRef>
+          <a:fontRef idx="minor">
+            <a:schemeClr val="dk1"/>
+          </a:fontRef>
+        </p:style>
+        <p:txBody>
+          <a:bodyPr wrap="square" tIns="36000" bIns="36000" rtlCol="0" anchor="ctr">
+            <a:noAutofit/>
+          </a:bodyPr>
+          <a:lstStyle/>
+          <a:p>
+            <a:pPr algn="ctr"/>
+            <a:r>
+              <a:rPr lang="en-US" sz="1600" b="1" dirty="0">
+                <a:solidFill>
+                  <a:schemeClr val="bg1"/>
+                </a:solidFill>
+                <a:effectLst>
+                  <a:outerShdw blurRad="76200" dist="38100" dir="5400000" algn="t" rotWithShape="0">
+                    <a:prstClr val="black">
+                      <a:alpha val="70000"/>
+                    </a:prstClr>
+                  </a:outerShdw>
+                </a:effectLst>
+                <a:latin typeface="Source Sans Pro" charset="0"/>
+                <a:ea typeface="Source Sans Pro" charset="0"/>
+              </a:rPr>
+              <a:t>Linux / Windows / macOS</a:t>
+            </a:r>
+          </a:p>
+        </p:txBody>
+      </p:sp>
+      <p:sp>
+        <p:nvSpPr>
+          <p:cNvPr id="65" name="Rounded Rectangle 64">
+            <a:extLst>
+              <a:ext uri="{FF2B5EF4-FFF2-40B4-BE49-F238E27FC236}">
+                <a16:creationId xmlns:a16="http://schemas.microsoft.com/office/drawing/2014/main" id="{01C48BA3-0D61-B141-AC05-401D3E8EC2AC}"/>
+              </a:ext>
+            </a:extLst>
+          </p:cNvPr>
+          <p:cNvSpPr/>
+          <p:nvPr/>
+        </p:nvSpPr>
+        <p:spPr>
+          <a:xfrm>
+            <a:off x="5842531" y="4323607"/>
+            <a:ext cx="2562946" cy="454604"/>
+          </a:xfrm>
+          <a:prstGeom prst="roundRect">
+            <a:avLst>
+              <a:gd name="adj" fmla="val 13128"/>
+            </a:avLst>
+          </a:prstGeom>
+          <a:solidFill>
+            <a:schemeClr val="bg2"/>
+          </a:solidFill>
+          <a:ln w="12700">
+            <a:noFill/>
+          </a:ln>
+          <a:effectLst/>
+        </p:spPr>
+        <p:style>
+          <a:lnRef idx="2">
+            <a:schemeClr val="dk1"/>
+          </a:lnRef>
+          <a:fillRef idx="1">
+            <a:schemeClr val="lt1"/>
+          </a:fillRef>
+          <a:effectRef idx="0">
+            <a:schemeClr val="dk1"/>
+          </a:effectRef>
+          <a:fontRef idx="minor">
+            <a:schemeClr val="dk1"/>
+          </a:fontRef>
+        </p:style>
+        <p:txBody>
+          <a:bodyPr wrap="square" lIns="0" tIns="0" rIns="0" bIns="0" rtlCol="0" anchor="ctr">
+            <a:noAutofit/>
+          </a:bodyPr>
+          <a:lstStyle/>
+          <a:p>
+            <a:pPr algn="ctr"/>
+            <a:endParaRPr lang="en-US" sz="1200" dirty="0">
+              <a:solidFill>
+                <a:schemeClr val="bg1"/>
+              </a:solidFill>
+              <a:latin typeface="Source Sans Pro Light" charset="0"/>
+              <a:ea typeface="Source Sans Pro Light" charset="0"/>
+              <a:cs typeface="Source Sans Pro Light" charset="0"/>
+            </a:endParaRPr>
+          </a:p>
+        </p:txBody>
+      </p:sp>
+      <p:sp>
+        <p:nvSpPr>
+          <p:cNvPr id="66" name="Rectangle 65">
+            <a:extLst>
+              <a:ext uri="{FF2B5EF4-FFF2-40B4-BE49-F238E27FC236}">
+                <a16:creationId xmlns:a16="http://schemas.microsoft.com/office/drawing/2014/main" id="{7A47B235-4260-8D49-814B-A34531A8DCEB}"/>
+              </a:ext>
+            </a:extLst>
+          </p:cNvPr>
+          <p:cNvSpPr/>
+          <p:nvPr/>
+        </p:nvSpPr>
+        <p:spPr>
+          <a:xfrm>
+            <a:off x="8953090" y="4110765"/>
+            <a:ext cx="1716528" cy="129587"/>
+          </a:xfrm>
+          <a:prstGeom prst="rect">
+            <a:avLst/>
+          </a:prstGeom>
+          <a:noFill/>
+          <a:ln w="31750">
+            <a:noFill/>
+          </a:ln>
+          <a:effectLst/>
+        </p:spPr>
+        <p:txBody>
+          <a:bodyPr wrap="square" lIns="0" tIns="0" rIns="0" bIns="0">
+            <a:spAutoFit/>
+          </a:bodyPr>
+          <a:lstStyle/>
+          <a:p>
+            <a:pPr algn="ctr">
+              <a:lnSpc>
+                <a:spcPts val="1000"/>
+              </a:lnSpc>
+            </a:pPr>
+            <a:r>
+              <a:rPr lang="en-US" sz="1000" b="1" dirty="0">
+                <a:ln w="0"/>
+                <a:solidFill>
+                  <a:schemeClr val="accent1"/>
+                </a:solidFill>
+                <a:latin typeface="Source Sans Pro" panose="020B0503030403020204" pitchFamily="34" charset="0"/>
+                <a:ea typeface="Source Sans Pro" panose="020B0503030403020204" pitchFamily="34" charset="0"/>
+              </a:rPr>
+              <a:t>Mock</a:t>
+            </a:r>
+          </a:p>
+        </p:txBody>
+      </p:sp>
+      <p:sp>
+        <p:nvSpPr>
+          <p:cNvPr id="67" name="Rounded Rectangle 370">
+            <a:extLst>
+              <a:ext uri="{FF2B5EF4-FFF2-40B4-BE49-F238E27FC236}">
+                <a16:creationId xmlns:a16="http://schemas.microsoft.com/office/drawing/2014/main" id="{3A900424-EBBD-4F47-874B-98D03F804F63}"/>
+              </a:ext>
+            </a:extLst>
+          </p:cNvPr>
+          <p:cNvSpPr/>
+          <p:nvPr/>
+        </p:nvSpPr>
+        <p:spPr>
+          <a:xfrm>
+            <a:off x="6714689" y="3798913"/>
+            <a:ext cx="1856244" cy="866663"/>
+          </a:xfrm>
+          <a:custGeom>
+            <a:avLst/>
+            <a:gdLst>
+              <a:gd name="connsiteX0" fmla="*/ 0 w 1377675"/>
+              <a:gd name="connsiteY0" fmla="*/ 66568 h 1084694"/>
+              <a:gd name="connsiteX1" fmla="*/ 66568 w 1377675"/>
+              <a:gd name="connsiteY1" fmla="*/ 0 h 1084694"/>
+              <a:gd name="connsiteX2" fmla="*/ 1311107 w 1377675"/>
+              <a:gd name="connsiteY2" fmla="*/ 0 h 1084694"/>
+              <a:gd name="connsiteX3" fmla="*/ 1377675 w 1377675"/>
+              <a:gd name="connsiteY3" fmla="*/ 66568 h 1084694"/>
+              <a:gd name="connsiteX4" fmla="*/ 1377675 w 1377675"/>
+              <a:gd name="connsiteY4" fmla="*/ 1018126 h 1084694"/>
+              <a:gd name="connsiteX5" fmla="*/ 1311107 w 1377675"/>
+              <a:gd name="connsiteY5" fmla="*/ 1084694 h 1084694"/>
+              <a:gd name="connsiteX6" fmla="*/ 66568 w 1377675"/>
+              <a:gd name="connsiteY6" fmla="*/ 1084694 h 1084694"/>
+              <a:gd name="connsiteX7" fmla="*/ 0 w 1377675"/>
+              <a:gd name="connsiteY7" fmla="*/ 1018126 h 1084694"/>
+              <a:gd name="connsiteX8" fmla="*/ 0 w 1377675"/>
+              <a:gd name="connsiteY8" fmla="*/ 66568 h 1084694"/>
+              <a:gd name="connsiteX0" fmla="*/ 0 w 1377675"/>
+              <a:gd name="connsiteY0" fmla="*/ 66568 h 1084694"/>
+              <a:gd name="connsiteX1" fmla="*/ 66568 w 1377675"/>
+              <a:gd name="connsiteY1" fmla="*/ 0 h 1084694"/>
+              <a:gd name="connsiteX2" fmla="*/ 1311107 w 1377675"/>
+              <a:gd name="connsiteY2" fmla="*/ 0 h 1084694"/>
+              <a:gd name="connsiteX3" fmla="*/ 1377675 w 1377675"/>
+              <a:gd name="connsiteY3" fmla="*/ 409468 h 1084694"/>
+              <a:gd name="connsiteX4" fmla="*/ 1377675 w 1377675"/>
+              <a:gd name="connsiteY4" fmla="*/ 1018126 h 1084694"/>
+              <a:gd name="connsiteX5" fmla="*/ 1311107 w 1377675"/>
+              <a:gd name="connsiteY5" fmla="*/ 1084694 h 1084694"/>
+              <a:gd name="connsiteX6" fmla="*/ 66568 w 1377675"/>
+              <a:gd name="connsiteY6" fmla="*/ 1084694 h 1084694"/>
+              <a:gd name="connsiteX7" fmla="*/ 0 w 1377675"/>
+              <a:gd name="connsiteY7" fmla="*/ 1018126 h 1084694"/>
+              <a:gd name="connsiteX8" fmla="*/ 0 w 1377675"/>
+              <a:gd name="connsiteY8" fmla="*/ 66568 h 1084694"/>
+              <a:gd name="connsiteX0" fmla="*/ 0 w 1381139"/>
+              <a:gd name="connsiteY0" fmla="*/ 388686 h 1084694"/>
+              <a:gd name="connsiteX1" fmla="*/ 70032 w 1381139"/>
+              <a:gd name="connsiteY1" fmla="*/ 0 h 1084694"/>
+              <a:gd name="connsiteX2" fmla="*/ 1314571 w 1381139"/>
+              <a:gd name="connsiteY2" fmla="*/ 0 h 1084694"/>
+              <a:gd name="connsiteX3" fmla="*/ 1381139 w 1381139"/>
+              <a:gd name="connsiteY3" fmla="*/ 409468 h 1084694"/>
+              <a:gd name="connsiteX4" fmla="*/ 1381139 w 1381139"/>
+              <a:gd name="connsiteY4" fmla="*/ 1018126 h 1084694"/>
+              <a:gd name="connsiteX5" fmla="*/ 1314571 w 1381139"/>
+              <a:gd name="connsiteY5" fmla="*/ 1084694 h 1084694"/>
+              <a:gd name="connsiteX6" fmla="*/ 70032 w 1381139"/>
+              <a:gd name="connsiteY6" fmla="*/ 1084694 h 1084694"/>
+              <a:gd name="connsiteX7" fmla="*/ 3464 w 1381139"/>
+              <a:gd name="connsiteY7" fmla="*/ 1018126 h 1084694"/>
+              <a:gd name="connsiteX8" fmla="*/ 0 w 1381139"/>
+              <a:gd name="connsiteY8" fmla="*/ 388686 h 1084694"/>
+              <a:gd name="connsiteX0" fmla="*/ 0 w 3085063"/>
+              <a:gd name="connsiteY0" fmla="*/ 388686 h 1084694"/>
+              <a:gd name="connsiteX1" fmla="*/ 70032 w 3085063"/>
+              <a:gd name="connsiteY1" fmla="*/ 0 h 1084694"/>
+              <a:gd name="connsiteX2" fmla="*/ 3084489 w 3085063"/>
+              <a:gd name="connsiteY2" fmla="*/ 256309 h 1084694"/>
+              <a:gd name="connsiteX3" fmla="*/ 1381139 w 3085063"/>
+              <a:gd name="connsiteY3" fmla="*/ 409468 h 1084694"/>
+              <a:gd name="connsiteX4" fmla="*/ 1381139 w 3085063"/>
+              <a:gd name="connsiteY4" fmla="*/ 1018126 h 1084694"/>
+              <a:gd name="connsiteX5" fmla="*/ 1314571 w 3085063"/>
+              <a:gd name="connsiteY5" fmla="*/ 1084694 h 1084694"/>
+              <a:gd name="connsiteX6" fmla="*/ 70032 w 3085063"/>
+              <a:gd name="connsiteY6" fmla="*/ 1084694 h 1084694"/>
+              <a:gd name="connsiteX7" fmla="*/ 3464 w 3085063"/>
+              <a:gd name="connsiteY7" fmla="*/ 1018126 h 1084694"/>
+              <a:gd name="connsiteX8" fmla="*/ 0 w 3085063"/>
+              <a:gd name="connsiteY8" fmla="*/ 388686 h 1084694"/>
+              <a:gd name="connsiteX0" fmla="*/ 1150005 w 4235068"/>
+              <a:gd name="connsiteY0" fmla="*/ 132377 h 828385"/>
+              <a:gd name="connsiteX1" fmla="*/ 837 w 4235068"/>
+              <a:gd name="connsiteY1" fmla="*/ 3463 h 828385"/>
+              <a:gd name="connsiteX2" fmla="*/ 4234494 w 4235068"/>
+              <a:gd name="connsiteY2" fmla="*/ 0 h 828385"/>
+              <a:gd name="connsiteX3" fmla="*/ 2531144 w 4235068"/>
+              <a:gd name="connsiteY3" fmla="*/ 153159 h 828385"/>
+              <a:gd name="connsiteX4" fmla="*/ 2531144 w 4235068"/>
+              <a:gd name="connsiteY4" fmla="*/ 761817 h 828385"/>
+              <a:gd name="connsiteX5" fmla="*/ 2464576 w 4235068"/>
+              <a:gd name="connsiteY5" fmla="*/ 828385 h 828385"/>
+              <a:gd name="connsiteX6" fmla="*/ 1220037 w 4235068"/>
+              <a:gd name="connsiteY6" fmla="*/ 828385 h 828385"/>
+              <a:gd name="connsiteX7" fmla="*/ 1153469 w 4235068"/>
+              <a:gd name="connsiteY7" fmla="*/ 761817 h 828385"/>
+              <a:gd name="connsiteX8" fmla="*/ 1150005 w 4235068"/>
+              <a:gd name="connsiteY8" fmla="*/ 132377 h 828385"/>
+              <a:gd name="connsiteX0" fmla="*/ 1150005 w 2930911"/>
+              <a:gd name="connsiteY0" fmla="*/ 128914 h 824922"/>
+              <a:gd name="connsiteX1" fmla="*/ 837 w 2930911"/>
+              <a:gd name="connsiteY1" fmla="*/ 0 h 824922"/>
+              <a:gd name="connsiteX2" fmla="*/ 2928703 w 2930911"/>
+              <a:gd name="connsiteY2" fmla="*/ 1 h 824922"/>
+              <a:gd name="connsiteX3" fmla="*/ 2531144 w 2930911"/>
+              <a:gd name="connsiteY3" fmla="*/ 149696 h 824922"/>
+              <a:gd name="connsiteX4" fmla="*/ 2531144 w 2930911"/>
+              <a:gd name="connsiteY4" fmla="*/ 758354 h 824922"/>
+              <a:gd name="connsiteX5" fmla="*/ 2464576 w 2930911"/>
+              <a:gd name="connsiteY5" fmla="*/ 824922 h 824922"/>
+              <a:gd name="connsiteX6" fmla="*/ 1220037 w 2930911"/>
+              <a:gd name="connsiteY6" fmla="*/ 824922 h 824922"/>
+              <a:gd name="connsiteX7" fmla="*/ 1153469 w 2930911"/>
+              <a:gd name="connsiteY7" fmla="*/ 758354 h 824922"/>
+              <a:gd name="connsiteX8" fmla="*/ 1150005 w 2930911"/>
+              <a:gd name="connsiteY8" fmla="*/ 128914 h 824922"/>
+              <a:gd name="connsiteX0" fmla="*/ 1150005 w 2930911"/>
+              <a:gd name="connsiteY0" fmla="*/ 128914 h 824922"/>
+              <a:gd name="connsiteX1" fmla="*/ 837 w 2930911"/>
+              <a:gd name="connsiteY1" fmla="*/ 0 h 824922"/>
+              <a:gd name="connsiteX2" fmla="*/ 2928703 w 2930911"/>
+              <a:gd name="connsiteY2" fmla="*/ 1 h 824922"/>
+              <a:gd name="connsiteX3" fmla="*/ 2531144 w 2930911"/>
+              <a:gd name="connsiteY3" fmla="*/ 149696 h 824922"/>
+              <a:gd name="connsiteX4" fmla="*/ 2531144 w 2930911"/>
+              <a:gd name="connsiteY4" fmla="*/ 758354 h 824922"/>
+              <a:gd name="connsiteX5" fmla="*/ 2464576 w 2930911"/>
+              <a:gd name="connsiteY5" fmla="*/ 824922 h 824922"/>
+              <a:gd name="connsiteX6" fmla="*/ 1220037 w 2930911"/>
+              <a:gd name="connsiteY6" fmla="*/ 824922 h 824922"/>
+              <a:gd name="connsiteX7" fmla="*/ 1153469 w 2930911"/>
+              <a:gd name="connsiteY7" fmla="*/ 758354 h 824922"/>
+              <a:gd name="connsiteX8" fmla="*/ 1150005 w 2930911"/>
+              <a:gd name="connsiteY8" fmla="*/ 128914 h 824922"/>
+              <a:gd name="connsiteX0" fmla="*/ 1150004 w 2930910"/>
+              <a:gd name="connsiteY0" fmla="*/ 128914 h 824922"/>
+              <a:gd name="connsiteX1" fmla="*/ 836 w 2930910"/>
+              <a:gd name="connsiteY1" fmla="*/ 0 h 824922"/>
+              <a:gd name="connsiteX2" fmla="*/ 2928702 w 2930910"/>
+              <a:gd name="connsiteY2" fmla="*/ 1 h 824922"/>
+              <a:gd name="connsiteX3" fmla="*/ 2531143 w 2930910"/>
+              <a:gd name="connsiteY3" fmla="*/ 149696 h 824922"/>
+              <a:gd name="connsiteX4" fmla="*/ 2531143 w 2930910"/>
+              <a:gd name="connsiteY4" fmla="*/ 758354 h 824922"/>
+              <a:gd name="connsiteX5" fmla="*/ 2464575 w 2930910"/>
+              <a:gd name="connsiteY5" fmla="*/ 824922 h 824922"/>
+              <a:gd name="connsiteX6" fmla="*/ 1220036 w 2930910"/>
+              <a:gd name="connsiteY6" fmla="*/ 824922 h 824922"/>
+              <a:gd name="connsiteX7" fmla="*/ 1153468 w 2930910"/>
+              <a:gd name="connsiteY7" fmla="*/ 758354 h 824922"/>
+              <a:gd name="connsiteX8" fmla="*/ 1150004 w 2930910"/>
+              <a:gd name="connsiteY8" fmla="*/ 128914 h 824922"/>
+              <a:gd name="connsiteX0" fmla="*/ 375627 w 2156533"/>
+              <a:gd name="connsiteY0" fmla="*/ 128913 h 824921"/>
+              <a:gd name="connsiteX1" fmla="*/ 2314 w 2156533"/>
+              <a:gd name="connsiteY1" fmla="*/ 6926 h 824921"/>
+              <a:gd name="connsiteX2" fmla="*/ 2154325 w 2156533"/>
+              <a:gd name="connsiteY2" fmla="*/ 0 h 824921"/>
+              <a:gd name="connsiteX3" fmla="*/ 1756766 w 2156533"/>
+              <a:gd name="connsiteY3" fmla="*/ 149695 h 824921"/>
+              <a:gd name="connsiteX4" fmla="*/ 1756766 w 2156533"/>
+              <a:gd name="connsiteY4" fmla="*/ 758353 h 824921"/>
+              <a:gd name="connsiteX5" fmla="*/ 1690198 w 2156533"/>
+              <a:gd name="connsiteY5" fmla="*/ 824921 h 824921"/>
+              <a:gd name="connsiteX6" fmla="*/ 445659 w 2156533"/>
+              <a:gd name="connsiteY6" fmla="*/ 824921 h 824921"/>
+              <a:gd name="connsiteX7" fmla="*/ 379091 w 2156533"/>
+              <a:gd name="connsiteY7" fmla="*/ 758353 h 824921"/>
+              <a:gd name="connsiteX8" fmla="*/ 375627 w 2156533"/>
+              <a:gd name="connsiteY8" fmla="*/ 128913 h 824921"/>
+              <a:gd name="connsiteX0" fmla="*/ 418185 w 2199091"/>
+              <a:gd name="connsiteY0" fmla="*/ 128913 h 824921"/>
+              <a:gd name="connsiteX1" fmla="*/ 44872 w 2199091"/>
+              <a:gd name="connsiteY1" fmla="*/ 6926 h 824921"/>
+              <a:gd name="connsiteX2" fmla="*/ 2196883 w 2199091"/>
+              <a:gd name="connsiteY2" fmla="*/ 0 h 824921"/>
+              <a:gd name="connsiteX3" fmla="*/ 1799324 w 2199091"/>
+              <a:gd name="connsiteY3" fmla="*/ 149695 h 824921"/>
+              <a:gd name="connsiteX4" fmla="*/ 1799324 w 2199091"/>
+              <a:gd name="connsiteY4" fmla="*/ 758353 h 824921"/>
+              <a:gd name="connsiteX5" fmla="*/ 1732756 w 2199091"/>
+              <a:gd name="connsiteY5" fmla="*/ 824921 h 824921"/>
+              <a:gd name="connsiteX6" fmla="*/ 488217 w 2199091"/>
+              <a:gd name="connsiteY6" fmla="*/ 824921 h 824921"/>
+              <a:gd name="connsiteX7" fmla="*/ 421649 w 2199091"/>
+              <a:gd name="connsiteY7" fmla="*/ 758353 h 824921"/>
+              <a:gd name="connsiteX8" fmla="*/ 418185 w 2199091"/>
+              <a:gd name="connsiteY8" fmla="*/ 128913 h 824921"/>
+              <a:gd name="connsiteX0" fmla="*/ 404178 w 2197426"/>
+              <a:gd name="connsiteY0" fmla="*/ 129381 h 825389"/>
+              <a:gd name="connsiteX1" fmla="*/ 30865 w 2197426"/>
+              <a:gd name="connsiteY1" fmla="*/ 7394 h 825389"/>
+              <a:gd name="connsiteX2" fmla="*/ 2182876 w 2197426"/>
+              <a:gd name="connsiteY2" fmla="*/ 468 h 825389"/>
+              <a:gd name="connsiteX3" fmla="*/ 1785317 w 2197426"/>
+              <a:gd name="connsiteY3" fmla="*/ 150163 h 825389"/>
+              <a:gd name="connsiteX4" fmla="*/ 1785317 w 2197426"/>
+              <a:gd name="connsiteY4" fmla="*/ 758821 h 825389"/>
+              <a:gd name="connsiteX5" fmla="*/ 1718749 w 2197426"/>
+              <a:gd name="connsiteY5" fmla="*/ 825389 h 825389"/>
+              <a:gd name="connsiteX6" fmla="*/ 474210 w 2197426"/>
+              <a:gd name="connsiteY6" fmla="*/ 825389 h 825389"/>
+              <a:gd name="connsiteX7" fmla="*/ 407642 w 2197426"/>
+              <a:gd name="connsiteY7" fmla="*/ 758821 h 825389"/>
+              <a:gd name="connsiteX8" fmla="*/ 404178 w 2197426"/>
+              <a:gd name="connsiteY8" fmla="*/ 129381 h 825389"/>
+              <a:gd name="connsiteX0" fmla="*/ 373313 w 2152011"/>
+              <a:gd name="connsiteY0" fmla="*/ 129381 h 825389"/>
+              <a:gd name="connsiteX1" fmla="*/ 0 w 2152011"/>
+              <a:gd name="connsiteY1" fmla="*/ 7394 h 825389"/>
+              <a:gd name="connsiteX2" fmla="*/ 2152011 w 2152011"/>
+              <a:gd name="connsiteY2" fmla="*/ 468 h 825389"/>
+              <a:gd name="connsiteX3" fmla="*/ 1754452 w 2152011"/>
+              <a:gd name="connsiteY3" fmla="*/ 150163 h 825389"/>
+              <a:gd name="connsiteX4" fmla="*/ 1754452 w 2152011"/>
+              <a:gd name="connsiteY4" fmla="*/ 758821 h 825389"/>
+              <a:gd name="connsiteX5" fmla="*/ 1687884 w 2152011"/>
+              <a:gd name="connsiteY5" fmla="*/ 825389 h 825389"/>
+              <a:gd name="connsiteX6" fmla="*/ 443345 w 2152011"/>
+              <a:gd name="connsiteY6" fmla="*/ 825389 h 825389"/>
+              <a:gd name="connsiteX7" fmla="*/ 376777 w 2152011"/>
+              <a:gd name="connsiteY7" fmla="*/ 758821 h 825389"/>
+              <a:gd name="connsiteX8" fmla="*/ 373313 w 2152011"/>
+              <a:gd name="connsiteY8" fmla="*/ 129381 h 825389"/>
+              <a:gd name="connsiteX0" fmla="*/ 436994 w 2018842"/>
+              <a:gd name="connsiteY0" fmla="*/ 132057 h 828065"/>
+              <a:gd name="connsiteX1" fmla="*/ 63681 w 2018842"/>
+              <a:gd name="connsiteY1" fmla="*/ 10070 h 828065"/>
+              <a:gd name="connsiteX2" fmla="*/ 2018842 w 2018842"/>
+              <a:gd name="connsiteY2" fmla="*/ 6319 h 828065"/>
+              <a:gd name="connsiteX3" fmla="*/ 1818133 w 2018842"/>
+              <a:gd name="connsiteY3" fmla="*/ 152839 h 828065"/>
+              <a:gd name="connsiteX4" fmla="*/ 1818133 w 2018842"/>
+              <a:gd name="connsiteY4" fmla="*/ 761497 h 828065"/>
+              <a:gd name="connsiteX5" fmla="*/ 1751565 w 2018842"/>
+              <a:gd name="connsiteY5" fmla="*/ 828065 h 828065"/>
+              <a:gd name="connsiteX6" fmla="*/ 507026 w 2018842"/>
+              <a:gd name="connsiteY6" fmla="*/ 828065 h 828065"/>
+              <a:gd name="connsiteX7" fmla="*/ 440458 w 2018842"/>
+              <a:gd name="connsiteY7" fmla="*/ 761497 h 828065"/>
+              <a:gd name="connsiteX8" fmla="*/ 436994 w 2018842"/>
+              <a:gd name="connsiteY8" fmla="*/ 132057 h 828065"/>
+              <a:gd name="connsiteX0" fmla="*/ 436994 w 2023402"/>
+              <a:gd name="connsiteY0" fmla="*/ 131514 h 827522"/>
+              <a:gd name="connsiteX1" fmla="*/ 63681 w 2023402"/>
+              <a:gd name="connsiteY1" fmla="*/ 9527 h 827522"/>
+              <a:gd name="connsiteX2" fmla="*/ 2018842 w 2023402"/>
+              <a:gd name="connsiteY2" fmla="*/ 5776 h 827522"/>
+              <a:gd name="connsiteX3" fmla="*/ 1818133 w 2023402"/>
+              <a:gd name="connsiteY3" fmla="*/ 152296 h 827522"/>
+              <a:gd name="connsiteX4" fmla="*/ 1818133 w 2023402"/>
+              <a:gd name="connsiteY4" fmla="*/ 760954 h 827522"/>
+              <a:gd name="connsiteX5" fmla="*/ 1751565 w 2023402"/>
+              <a:gd name="connsiteY5" fmla="*/ 827522 h 827522"/>
+              <a:gd name="connsiteX6" fmla="*/ 507026 w 2023402"/>
+              <a:gd name="connsiteY6" fmla="*/ 827522 h 827522"/>
+              <a:gd name="connsiteX7" fmla="*/ 440458 w 2023402"/>
+              <a:gd name="connsiteY7" fmla="*/ 760954 h 827522"/>
+              <a:gd name="connsiteX8" fmla="*/ 436994 w 2023402"/>
+              <a:gd name="connsiteY8" fmla="*/ 131514 h 827522"/>
+              <a:gd name="connsiteX0" fmla="*/ 260186 w 1921406"/>
+              <a:gd name="connsiteY0" fmla="*/ 144219 h 840227"/>
+              <a:gd name="connsiteX1" fmla="*/ 83723 w 1921406"/>
+              <a:gd name="connsiteY1" fmla="*/ 15882 h 840227"/>
+              <a:gd name="connsiteX2" fmla="*/ 1842034 w 1921406"/>
+              <a:gd name="connsiteY2" fmla="*/ 18481 h 840227"/>
+              <a:gd name="connsiteX3" fmla="*/ 1641325 w 1921406"/>
+              <a:gd name="connsiteY3" fmla="*/ 165001 h 840227"/>
+              <a:gd name="connsiteX4" fmla="*/ 1641325 w 1921406"/>
+              <a:gd name="connsiteY4" fmla="*/ 773659 h 840227"/>
+              <a:gd name="connsiteX5" fmla="*/ 1574757 w 1921406"/>
+              <a:gd name="connsiteY5" fmla="*/ 840227 h 840227"/>
+              <a:gd name="connsiteX6" fmla="*/ 330218 w 1921406"/>
+              <a:gd name="connsiteY6" fmla="*/ 840227 h 840227"/>
+              <a:gd name="connsiteX7" fmla="*/ 263650 w 1921406"/>
+              <a:gd name="connsiteY7" fmla="*/ 773659 h 840227"/>
+              <a:gd name="connsiteX8" fmla="*/ 260186 w 1921406"/>
+              <a:gd name="connsiteY8" fmla="*/ 144219 h 840227"/>
+              <a:gd name="connsiteX0" fmla="*/ 184184 w 1845404"/>
+              <a:gd name="connsiteY0" fmla="*/ 137193 h 833201"/>
+              <a:gd name="connsiteX1" fmla="*/ 7721 w 1845404"/>
+              <a:gd name="connsiteY1" fmla="*/ 8856 h 833201"/>
+              <a:gd name="connsiteX2" fmla="*/ 1766032 w 1845404"/>
+              <a:gd name="connsiteY2" fmla="*/ 11455 h 833201"/>
+              <a:gd name="connsiteX3" fmla="*/ 1565323 w 1845404"/>
+              <a:gd name="connsiteY3" fmla="*/ 157975 h 833201"/>
+              <a:gd name="connsiteX4" fmla="*/ 1565323 w 1845404"/>
+              <a:gd name="connsiteY4" fmla="*/ 766633 h 833201"/>
+              <a:gd name="connsiteX5" fmla="*/ 1498755 w 1845404"/>
+              <a:gd name="connsiteY5" fmla="*/ 833201 h 833201"/>
+              <a:gd name="connsiteX6" fmla="*/ 254216 w 1845404"/>
+              <a:gd name="connsiteY6" fmla="*/ 833201 h 833201"/>
+              <a:gd name="connsiteX7" fmla="*/ 187648 w 1845404"/>
+              <a:gd name="connsiteY7" fmla="*/ 766633 h 833201"/>
+              <a:gd name="connsiteX8" fmla="*/ 184184 w 1845404"/>
+              <a:gd name="connsiteY8" fmla="*/ 137193 h 833201"/>
+              <a:gd name="connsiteX0" fmla="*/ 254154 w 1839241"/>
+              <a:gd name="connsiteY0" fmla="*/ 147999 h 844007"/>
+              <a:gd name="connsiteX1" fmla="*/ 77691 w 1839241"/>
+              <a:gd name="connsiteY1" fmla="*/ 19662 h 844007"/>
+              <a:gd name="connsiteX2" fmla="*/ 1747102 w 1839241"/>
+              <a:gd name="connsiteY2" fmla="*/ 15911 h 844007"/>
+              <a:gd name="connsiteX3" fmla="*/ 1635293 w 1839241"/>
+              <a:gd name="connsiteY3" fmla="*/ 168781 h 844007"/>
+              <a:gd name="connsiteX4" fmla="*/ 1635293 w 1839241"/>
+              <a:gd name="connsiteY4" fmla="*/ 777439 h 844007"/>
+              <a:gd name="connsiteX5" fmla="*/ 1568725 w 1839241"/>
+              <a:gd name="connsiteY5" fmla="*/ 844007 h 844007"/>
+              <a:gd name="connsiteX6" fmla="*/ 324186 w 1839241"/>
+              <a:gd name="connsiteY6" fmla="*/ 844007 h 844007"/>
+              <a:gd name="connsiteX7" fmla="*/ 257618 w 1839241"/>
+              <a:gd name="connsiteY7" fmla="*/ 777439 h 844007"/>
+              <a:gd name="connsiteX8" fmla="*/ 254154 w 1839241"/>
+              <a:gd name="connsiteY8" fmla="*/ 147999 h 844007"/>
+              <a:gd name="connsiteX0" fmla="*/ 254154 w 1752323"/>
+              <a:gd name="connsiteY0" fmla="*/ 139925 h 835933"/>
+              <a:gd name="connsiteX1" fmla="*/ 77691 w 1752323"/>
+              <a:gd name="connsiteY1" fmla="*/ 11588 h 835933"/>
+              <a:gd name="connsiteX2" fmla="*/ 1747102 w 1752323"/>
+              <a:gd name="connsiteY2" fmla="*/ 7837 h 835933"/>
+              <a:gd name="connsiteX3" fmla="*/ 1635293 w 1752323"/>
+              <a:gd name="connsiteY3" fmla="*/ 160707 h 835933"/>
+              <a:gd name="connsiteX4" fmla="*/ 1635293 w 1752323"/>
+              <a:gd name="connsiteY4" fmla="*/ 769365 h 835933"/>
+              <a:gd name="connsiteX5" fmla="*/ 1568725 w 1752323"/>
+              <a:gd name="connsiteY5" fmla="*/ 835933 h 835933"/>
+              <a:gd name="connsiteX6" fmla="*/ 324186 w 1752323"/>
+              <a:gd name="connsiteY6" fmla="*/ 835933 h 835933"/>
+              <a:gd name="connsiteX7" fmla="*/ 257618 w 1752323"/>
+              <a:gd name="connsiteY7" fmla="*/ 769365 h 835933"/>
+              <a:gd name="connsiteX8" fmla="*/ 254154 w 1752323"/>
+              <a:gd name="connsiteY8" fmla="*/ 139925 h 835933"/>
+              <a:gd name="connsiteX0" fmla="*/ 256302 w 1786136"/>
+              <a:gd name="connsiteY0" fmla="*/ 138666 h 834674"/>
+              <a:gd name="connsiteX1" fmla="*/ 79839 w 1786136"/>
+              <a:gd name="connsiteY1" fmla="*/ 10329 h 834674"/>
+              <a:gd name="connsiteX2" fmla="*/ 1781000 w 1786136"/>
+              <a:gd name="connsiteY2" fmla="*/ 9753 h 834674"/>
+              <a:gd name="connsiteX3" fmla="*/ 1637441 w 1786136"/>
+              <a:gd name="connsiteY3" fmla="*/ 159448 h 834674"/>
+              <a:gd name="connsiteX4" fmla="*/ 1637441 w 1786136"/>
+              <a:gd name="connsiteY4" fmla="*/ 768106 h 834674"/>
+              <a:gd name="connsiteX5" fmla="*/ 1570873 w 1786136"/>
+              <a:gd name="connsiteY5" fmla="*/ 834674 h 834674"/>
+              <a:gd name="connsiteX6" fmla="*/ 326334 w 1786136"/>
+              <a:gd name="connsiteY6" fmla="*/ 834674 h 834674"/>
+              <a:gd name="connsiteX7" fmla="*/ 259766 w 1786136"/>
+              <a:gd name="connsiteY7" fmla="*/ 768106 h 834674"/>
+              <a:gd name="connsiteX8" fmla="*/ 256302 w 1786136"/>
+              <a:gd name="connsiteY8" fmla="*/ 138666 h 834674"/>
+              <a:gd name="connsiteX0" fmla="*/ 181625 w 1710512"/>
+              <a:gd name="connsiteY0" fmla="*/ 130557 h 826565"/>
+              <a:gd name="connsiteX1" fmla="*/ 5162 w 1710512"/>
+              <a:gd name="connsiteY1" fmla="*/ 2220 h 826565"/>
+              <a:gd name="connsiteX2" fmla="*/ 1706323 w 1710512"/>
+              <a:gd name="connsiteY2" fmla="*/ 1644 h 826565"/>
+              <a:gd name="connsiteX3" fmla="*/ 1562764 w 1710512"/>
+              <a:gd name="connsiteY3" fmla="*/ 151339 h 826565"/>
+              <a:gd name="connsiteX4" fmla="*/ 1562764 w 1710512"/>
+              <a:gd name="connsiteY4" fmla="*/ 759997 h 826565"/>
+              <a:gd name="connsiteX5" fmla="*/ 1496196 w 1710512"/>
+              <a:gd name="connsiteY5" fmla="*/ 826565 h 826565"/>
+              <a:gd name="connsiteX6" fmla="*/ 251657 w 1710512"/>
+              <a:gd name="connsiteY6" fmla="*/ 826565 h 826565"/>
+              <a:gd name="connsiteX7" fmla="*/ 185089 w 1710512"/>
+              <a:gd name="connsiteY7" fmla="*/ 759997 h 826565"/>
+              <a:gd name="connsiteX8" fmla="*/ 181625 w 1710512"/>
+              <a:gd name="connsiteY8" fmla="*/ 130557 h 826565"/>
+              <a:gd name="connsiteX0" fmla="*/ 157442 w 1767509"/>
+              <a:gd name="connsiteY0" fmla="*/ 139313 h 835321"/>
+              <a:gd name="connsiteX1" fmla="*/ 6379 w 1767509"/>
+              <a:gd name="connsiteY1" fmla="*/ 14151 h 835321"/>
+              <a:gd name="connsiteX2" fmla="*/ 1682140 w 1767509"/>
+              <a:gd name="connsiteY2" fmla="*/ 10400 h 835321"/>
+              <a:gd name="connsiteX3" fmla="*/ 1538581 w 1767509"/>
+              <a:gd name="connsiteY3" fmla="*/ 160095 h 835321"/>
+              <a:gd name="connsiteX4" fmla="*/ 1538581 w 1767509"/>
+              <a:gd name="connsiteY4" fmla="*/ 768753 h 835321"/>
+              <a:gd name="connsiteX5" fmla="*/ 1472013 w 1767509"/>
+              <a:gd name="connsiteY5" fmla="*/ 835321 h 835321"/>
+              <a:gd name="connsiteX6" fmla="*/ 227474 w 1767509"/>
+              <a:gd name="connsiteY6" fmla="*/ 835321 h 835321"/>
+              <a:gd name="connsiteX7" fmla="*/ 160906 w 1767509"/>
+              <a:gd name="connsiteY7" fmla="*/ 768753 h 835321"/>
+              <a:gd name="connsiteX8" fmla="*/ 157442 w 1767509"/>
+              <a:gd name="connsiteY8" fmla="*/ 139313 h 835321"/>
+              <a:gd name="connsiteX0" fmla="*/ 155631 w 1765698"/>
+              <a:gd name="connsiteY0" fmla="*/ 139999 h 836007"/>
+              <a:gd name="connsiteX1" fmla="*/ 4568 w 1765698"/>
+              <a:gd name="connsiteY1" fmla="*/ 14837 h 836007"/>
+              <a:gd name="connsiteX2" fmla="*/ 1680329 w 1765698"/>
+              <a:gd name="connsiteY2" fmla="*/ 11086 h 836007"/>
+              <a:gd name="connsiteX3" fmla="*/ 1536770 w 1765698"/>
+              <a:gd name="connsiteY3" fmla="*/ 160781 h 836007"/>
+              <a:gd name="connsiteX4" fmla="*/ 1536770 w 1765698"/>
+              <a:gd name="connsiteY4" fmla="*/ 769439 h 836007"/>
+              <a:gd name="connsiteX5" fmla="*/ 1470202 w 1765698"/>
+              <a:gd name="connsiteY5" fmla="*/ 836007 h 836007"/>
+              <a:gd name="connsiteX6" fmla="*/ 225663 w 1765698"/>
+              <a:gd name="connsiteY6" fmla="*/ 836007 h 836007"/>
+              <a:gd name="connsiteX7" fmla="*/ 159095 w 1765698"/>
+              <a:gd name="connsiteY7" fmla="*/ 769439 h 836007"/>
+              <a:gd name="connsiteX8" fmla="*/ 155631 w 1765698"/>
+              <a:gd name="connsiteY8" fmla="*/ 139999 h 836007"/>
+              <a:gd name="connsiteX0" fmla="*/ 155631 w 1765698"/>
+              <a:gd name="connsiteY0" fmla="*/ 139999 h 836007"/>
+              <a:gd name="connsiteX1" fmla="*/ 4568 w 1765698"/>
+              <a:gd name="connsiteY1" fmla="*/ 14837 h 836007"/>
+              <a:gd name="connsiteX2" fmla="*/ 1680329 w 1765698"/>
+              <a:gd name="connsiteY2" fmla="*/ 11086 h 836007"/>
+              <a:gd name="connsiteX3" fmla="*/ 1536770 w 1765698"/>
+              <a:gd name="connsiteY3" fmla="*/ 160781 h 836007"/>
+              <a:gd name="connsiteX4" fmla="*/ 1536770 w 1765698"/>
+              <a:gd name="connsiteY4" fmla="*/ 769439 h 836007"/>
+              <a:gd name="connsiteX5" fmla="*/ 1470202 w 1765698"/>
+              <a:gd name="connsiteY5" fmla="*/ 836007 h 836007"/>
+              <a:gd name="connsiteX6" fmla="*/ 225663 w 1765698"/>
+              <a:gd name="connsiteY6" fmla="*/ 836007 h 836007"/>
+              <a:gd name="connsiteX7" fmla="*/ 159095 w 1765698"/>
+              <a:gd name="connsiteY7" fmla="*/ 769439 h 836007"/>
+              <a:gd name="connsiteX8" fmla="*/ 155631 w 1765698"/>
+              <a:gd name="connsiteY8" fmla="*/ 139999 h 836007"/>
+              <a:gd name="connsiteX0" fmla="*/ 154777 w 1684351"/>
+              <a:gd name="connsiteY0" fmla="*/ 131536 h 827544"/>
+              <a:gd name="connsiteX1" fmla="*/ 3714 w 1684351"/>
+              <a:gd name="connsiteY1" fmla="*/ 6374 h 827544"/>
+              <a:gd name="connsiteX2" fmla="*/ 1679475 w 1684351"/>
+              <a:gd name="connsiteY2" fmla="*/ 2623 h 827544"/>
+              <a:gd name="connsiteX3" fmla="*/ 1535916 w 1684351"/>
+              <a:gd name="connsiteY3" fmla="*/ 152318 h 827544"/>
+              <a:gd name="connsiteX4" fmla="*/ 1535916 w 1684351"/>
+              <a:gd name="connsiteY4" fmla="*/ 760976 h 827544"/>
+              <a:gd name="connsiteX5" fmla="*/ 1469348 w 1684351"/>
+              <a:gd name="connsiteY5" fmla="*/ 827544 h 827544"/>
+              <a:gd name="connsiteX6" fmla="*/ 224809 w 1684351"/>
+              <a:gd name="connsiteY6" fmla="*/ 827544 h 827544"/>
+              <a:gd name="connsiteX7" fmla="*/ 158241 w 1684351"/>
+              <a:gd name="connsiteY7" fmla="*/ 760976 h 827544"/>
+              <a:gd name="connsiteX8" fmla="*/ 154777 w 1684351"/>
+              <a:gd name="connsiteY8" fmla="*/ 131536 h 827544"/>
+              <a:gd name="connsiteX0" fmla="*/ 236936 w 1786555"/>
+              <a:gd name="connsiteY0" fmla="*/ 135949 h 831957"/>
+              <a:gd name="connsiteX1" fmla="*/ 85873 w 1786555"/>
+              <a:gd name="connsiteY1" fmla="*/ 10787 h 831957"/>
+              <a:gd name="connsiteX2" fmla="*/ 1780684 w 1786555"/>
+              <a:gd name="connsiteY2" fmla="*/ 10211 h 831957"/>
+              <a:gd name="connsiteX3" fmla="*/ 1618075 w 1786555"/>
+              <a:gd name="connsiteY3" fmla="*/ 156731 h 831957"/>
+              <a:gd name="connsiteX4" fmla="*/ 1618075 w 1786555"/>
+              <a:gd name="connsiteY4" fmla="*/ 765389 h 831957"/>
+              <a:gd name="connsiteX5" fmla="*/ 1551507 w 1786555"/>
+              <a:gd name="connsiteY5" fmla="*/ 831957 h 831957"/>
+              <a:gd name="connsiteX6" fmla="*/ 306968 w 1786555"/>
+              <a:gd name="connsiteY6" fmla="*/ 831957 h 831957"/>
+              <a:gd name="connsiteX7" fmla="*/ 240400 w 1786555"/>
+              <a:gd name="connsiteY7" fmla="*/ 765389 h 831957"/>
+              <a:gd name="connsiteX8" fmla="*/ 236936 w 1786555"/>
+              <a:gd name="connsiteY8" fmla="*/ 135949 h 831957"/>
+              <a:gd name="connsiteX0" fmla="*/ 157046 w 1705555"/>
+              <a:gd name="connsiteY0" fmla="*/ 128377 h 824385"/>
+              <a:gd name="connsiteX1" fmla="*/ 5983 w 1705555"/>
+              <a:gd name="connsiteY1" fmla="*/ 3215 h 824385"/>
+              <a:gd name="connsiteX2" fmla="*/ 1700794 w 1705555"/>
+              <a:gd name="connsiteY2" fmla="*/ 2639 h 824385"/>
+              <a:gd name="connsiteX3" fmla="*/ 1538185 w 1705555"/>
+              <a:gd name="connsiteY3" fmla="*/ 149159 h 824385"/>
+              <a:gd name="connsiteX4" fmla="*/ 1538185 w 1705555"/>
+              <a:gd name="connsiteY4" fmla="*/ 757817 h 824385"/>
+              <a:gd name="connsiteX5" fmla="*/ 1471617 w 1705555"/>
+              <a:gd name="connsiteY5" fmla="*/ 824385 h 824385"/>
+              <a:gd name="connsiteX6" fmla="*/ 227078 w 1705555"/>
+              <a:gd name="connsiteY6" fmla="*/ 824385 h 824385"/>
+              <a:gd name="connsiteX7" fmla="*/ 160510 w 1705555"/>
+              <a:gd name="connsiteY7" fmla="*/ 757817 h 824385"/>
+              <a:gd name="connsiteX8" fmla="*/ 157046 w 1705555"/>
+              <a:gd name="connsiteY8" fmla="*/ 128377 h 824385"/>
+              <a:gd name="connsiteX0" fmla="*/ 158360 w 1784749"/>
+              <a:gd name="connsiteY0" fmla="*/ 140824 h 836832"/>
+              <a:gd name="connsiteX1" fmla="*/ 7297 w 1784749"/>
+              <a:gd name="connsiteY1" fmla="*/ 15662 h 836832"/>
+              <a:gd name="connsiteX2" fmla="*/ 1702108 w 1784749"/>
+              <a:gd name="connsiteY2" fmla="*/ 15086 h 836832"/>
+              <a:gd name="connsiteX3" fmla="*/ 1539499 w 1784749"/>
+              <a:gd name="connsiteY3" fmla="*/ 215581 h 836832"/>
+              <a:gd name="connsiteX4" fmla="*/ 1539499 w 1784749"/>
+              <a:gd name="connsiteY4" fmla="*/ 770264 h 836832"/>
+              <a:gd name="connsiteX5" fmla="*/ 1472931 w 1784749"/>
+              <a:gd name="connsiteY5" fmla="*/ 836832 h 836832"/>
+              <a:gd name="connsiteX6" fmla="*/ 228392 w 1784749"/>
+              <a:gd name="connsiteY6" fmla="*/ 836832 h 836832"/>
+              <a:gd name="connsiteX7" fmla="*/ 161824 w 1784749"/>
+              <a:gd name="connsiteY7" fmla="*/ 770264 h 836832"/>
+              <a:gd name="connsiteX8" fmla="*/ 158360 w 1784749"/>
+              <a:gd name="connsiteY8" fmla="*/ 140824 h 836832"/>
+              <a:gd name="connsiteX0" fmla="*/ 239426 w 1862640"/>
+              <a:gd name="connsiteY0" fmla="*/ 233513 h 846971"/>
+              <a:gd name="connsiteX1" fmla="*/ 85188 w 1862640"/>
+              <a:gd name="connsiteY1" fmla="*/ 25801 h 846971"/>
+              <a:gd name="connsiteX2" fmla="*/ 1779999 w 1862640"/>
+              <a:gd name="connsiteY2" fmla="*/ 25225 h 846971"/>
+              <a:gd name="connsiteX3" fmla="*/ 1617390 w 1862640"/>
+              <a:gd name="connsiteY3" fmla="*/ 225720 h 846971"/>
+              <a:gd name="connsiteX4" fmla="*/ 1617390 w 1862640"/>
+              <a:gd name="connsiteY4" fmla="*/ 780403 h 846971"/>
+              <a:gd name="connsiteX5" fmla="*/ 1550822 w 1862640"/>
+              <a:gd name="connsiteY5" fmla="*/ 846971 h 846971"/>
+              <a:gd name="connsiteX6" fmla="*/ 306283 w 1862640"/>
+              <a:gd name="connsiteY6" fmla="*/ 846971 h 846971"/>
+              <a:gd name="connsiteX7" fmla="*/ 239715 w 1862640"/>
+              <a:gd name="connsiteY7" fmla="*/ 780403 h 846971"/>
+              <a:gd name="connsiteX8" fmla="*/ 239426 w 1862640"/>
+              <a:gd name="connsiteY8" fmla="*/ 233513 h 846971"/>
+              <a:gd name="connsiteX0" fmla="*/ 238598 w 1861812"/>
+              <a:gd name="connsiteY0" fmla="*/ 233513 h 846971"/>
+              <a:gd name="connsiteX1" fmla="*/ 84360 w 1861812"/>
+              <a:gd name="connsiteY1" fmla="*/ 25801 h 846971"/>
+              <a:gd name="connsiteX2" fmla="*/ 1779171 w 1861812"/>
+              <a:gd name="connsiteY2" fmla="*/ 25225 h 846971"/>
+              <a:gd name="connsiteX3" fmla="*/ 1616562 w 1861812"/>
+              <a:gd name="connsiteY3" fmla="*/ 225720 h 846971"/>
+              <a:gd name="connsiteX4" fmla="*/ 1616562 w 1861812"/>
+              <a:gd name="connsiteY4" fmla="*/ 780403 h 846971"/>
+              <a:gd name="connsiteX5" fmla="*/ 1549994 w 1861812"/>
+              <a:gd name="connsiteY5" fmla="*/ 846971 h 846971"/>
+              <a:gd name="connsiteX6" fmla="*/ 305455 w 1861812"/>
+              <a:gd name="connsiteY6" fmla="*/ 846971 h 846971"/>
+              <a:gd name="connsiteX7" fmla="*/ 238887 w 1861812"/>
+              <a:gd name="connsiteY7" fmla="*/ 780403 h 846971"/>
+              <a:gd name="connsiteX8" fmla="*/ 238598 w 1861812"/>
+              <a:gd name="connsiteY8" fmla="*/ 233513 h 846971"/>
+              <a:gd name="connsiteX0" fmla="*/ 238598 w 1862214"/>
+              <a:gd name="connsiteY0" fmla="*/ 233513 h 846971"/>
+              <a:gd name="connsiteX1" fmla="*/ 84360 w 1862214"/>
+              <a:gd name="connsiteY1" fmla="*/ 25801 h 846971"/>
+              <a:gd name="connsiteX2" fmla="*/ 1779171 w 1862214"/>
+              <a:gd name="connsiteY2" fmla="*/ 25225 h 846971"/>
+              <a:gd name="connsiteX3" fmla="*/ 1616562 w 1862214"/>
+              <a:gd name="connsiteY3" fmla="*/ 225720 h 846971"/>
+              <a:gd name="connsiteX4" fmla="*/ 1616562 w 1862214"/>
+              <a:gd name="connsiteY4" fmla="*/ 780403 h 846971"/>
+              <a:gd name="connsiteX5" fmla="*/ 1549994 w 1862214"/>
+              <a:gd name="connsiteY5" fmla="*/ 846971 h 846971"/>
+              <a:gd name="connsiteX6" fmla="*/ 305455 w 1862214"/>
+              <a:gd name="connsiteY6" fmla="*/ 846971 h 846971"/>
+              <a:gd name="connsiteX7" fmla="*/ 238887 w 1862214"/>
+              <a:gd name="connsiteY7" fmla="*/ 780403 h 846971"/>
+              <a:gd name="connsiteX8" fmla="*/ 238598 w 1862214"/>
+              <a:gd name="connsiteY8" fmla="*/ 233513 h 846971"/>
+              <a:gd name="connsiteX0" fmla="*/ 238160 w 1856323"/>
+              <a:gd name="connsiteY0" fmla="*/ 248080 h 861538"/>
+              <a:gd name="connsiteX1" fmla="*/ 83922 w 1856323"/>
+              <a:gd name="connsiteY1" fmla="*/ 40368 h 861538"/>
+              <a:gd name="connsiteX2" fmla="*/ 1772383 w 1856323"/>
+              <a:gd name="connsiteY2" fmla="*/ 17567 h 861538"/>
+              <a:gd name="connsiteX3" fmla="*/ 1616124 w 1856323"/>
+              <a:gd name="connsiteY3" fmla="*/ 240287 h 861538"/>
+              <a:gd name="connsiteX4" fmla="*/ 1616124 w 1856323"/>
+              <a:gd name="connsiteY4" fmla="*/ 794970 h 861538"/>
+              <a:gd name="connsiteX5" fmla="*/ 1549556 w 1856323"/>
+              <a:gd name="connsiteY5" fmla="*/ 861538 h 861538"/>
+              <a:gd name="connsiteX6" fmla="*/ 305017 w 1856323"/>
+              <a:gd name="connsiteY6" fmla="*/ 861538 h 861538"/>
+              <a:gd name="connsiteX7" fmla="*/ 238449 w 1856323"/>
+              <a:gd name="connsiteY7" fmla="*/ 794970 h 861538"/>
+              <a:gd name="connsiteX8" fmla="*/ 238160 w 1856323"/>
+              <a:gd name="connsiteY8" fmla="*/ 248080 h 861538"/>
+              <a:gd name="connsiteX0" fmla="*/ 238160 w 1785863"/>
+              <a:gd name="connsiteY0" fmla="*/ 242493 h 855951"/>
+              <a:gd name="connsiteX1" fmla="*/ 83922 w 1785863"/>
+              <a:gd name="connsiteY1" fmla="*/ 34781 h 855951"/>
+              <a:gd name="connsiteX2" fmla="*/ 1772383 w 1785863"/>
+              <a:gd name="connsiteY2" fmla="*/ 11980 h 855951"/>
+              <a:gd name="connsiteX3" fmla="*/ 1616124 w 1785863"/>
+              <a:gd name="connsiteY3" fmla="*/ 234700 h 855951"/>
+              <a:gd name="connsiteX4" fmla="*/ 1616124 w 1785863"/>
+              <a:gd name="connsiteY4" fmla="*/ 789383 h 855951"/>
+              <a:gd name="connsiteX5" fmla="*/ 1549556 w 1785863"/>
+              <a:gd name="connsiteY5" fmla="*/ 855951 h 855951"/>
+              <a:gd name="connsiteX6" fmla="*/ 305017 w 1785863"/>
+              <a:gd name="connsiteY6" fmla="*/ 855951 h 855951"/>
+              <a:gd name="connsiteX7" fmla="*/ 238449 w 1785863"/>
+              <a:gd name="connsiteY7" fmla="*/ 789383 h 855951"/>
+              <a:gd name="connsiteX8" fmla="*/ 238160 w 1785863"/>
+              <a:gd name="connsiteY8" fmla="*/ 242493 h 855951"/>
+              <a:gd name="connsiteX0" fmla="*/ 239914 w 1812854"/>
+              <a:gd name="connsiteY0" fmla="*/ 232326 h 845784"/>
+              <a:gd name="connsiteX1" fmla="*/ 85676 w 1812854"/>
+              <a:gd name="connsiteY1" fmla="*/ 24614 h 845784"/>
+              <a:gd name="connsiteX2" fmla="*/ 1799537 w 1812854"/>
+              <a:gd name="connsiteY2" fmla="*/ 17688 h 845784"/>
+              <a:gd name="connsiteX3" fmla="*/ 1617878 w 1812854"/>
+              <a:gd name="connsiteY3" fmla="*/ 224533 h 845784"/>
+              <a:gd name="connsiteX4" fmla="*/ 1617878 w 1812854"/>
+              <a:gd name="connsiteY4" fmla="*/ 779216 h 845784"/>
+              <a:gd name="connsiteX5" fmla="*/ 1551310 w 1812854"/>
+              <a:gd name="connsiteY5" fmla="*/ 845784 h 845784"/>
+              <a:gd name="connsiteX6" fmla="*/ 306771 w 1812854"/>
+              <a:gd name="connsiteY6" fmla="*/ 845784 h 845784"/>
+              <a:gd name="connsiteX7" fmla="*/ 240203 w 1812854"/>
+              <a:gd name="connsiteY7" fmla="*/ 779216 h 845784"/>
+              <a:gd name="connsiteX8" fmla="*/ 239914 w 1812854"/>
+              <a:gd name="connsiteY8" fmla="*/ 232326 h 845784"/>
+              <a:gd name="connsiteX0" fmla="*/ 241013 w 1829728"/>
+              <a:gd name="connsiteY0" fmla="*/ 230621 h 844079"/>
+              <a:gd name="connsiteX1" fmla="*/ 86775 w 1829728"/>
+              <a:gd name="connsiteY1" fmla="*/ 22909 h 844079"/>
+              <a:gd name="connsiteX2" fmla="*/ 1816511 w 1829728"/>
+              <a:gd name="connsiteY2" fmla="*/ 19158 h 844079"/>
+              <a:gd name="connsiteX3" fmla="*/ 1618977 w 1829728"/>
+              <a:gd name="connsiteY3" fmla="*/ 222828 h 844079"/>
+              <a:gd name="connsiteX4" fmla="*/ 1618977 w 1829728"/>
+              <a:gd name="connsiteY4" fmla="*/ 777511 h 844079"/>
+              <a:gd name="connsiteX5" fmla="*/ 1552409 w 1829728"/>
+              <a:gd name="connsiteY5" fmla="*/ 844079 h 844079"/>
+              <a:gd name="connsiteX6" fmla="*/ 307870 w 1829728"/>
+              <a:gd name="connsiteY6" fmla="*/ 844079 h 844079"/>
+              <a:gd name="connsiteX7" fmla="*/ 241302 w 1829728"/>
+              <a:gd name="connsiteY7" fmla="*/ 777511 h 844079"/>
+              <a:gd name="connsiteX8" fmla="*/ 241013 w 1829728"/>
+              <a:gd name="connsiteY8" fmla="*/ 230621 h 844079"/>
+              <a:gd name="connsiteX0" fmla="*/ 241013 w 1829728"/>
+              <a:gd name="connsiteY0" fmla="*/ 224021 h 837479"/>
+              <a:gd name="connsiteX1" fmla="*/ 86775 w 1829728"/>
+              <a:gd name="connsiteY1" fmla="*/ 16309 h 837479"/>
+              <a:gd name="connsiteX2" fmla="*/ 1816511 w 1829728"/>
+              <a:gd name="connsiteY2" fmla="*/ 12558 h 837479"/>
+              <a:gd name="connsiteX3" fmla="*/ 1618977 w 1829728"/>
+              <a:gd name="connsiteY3" fmla="*/ 216228 h 837479"/>
+              <a:gd name="connsiteX4" fmla="*/ 1618977 w 1829728"/>
+              <a:gd name="connsiteY4" fmla="*/ 770911 h 837479"/>
+              <a:gd name="connsiteX5" fmla="*/ 1552409 w 1829728"/>
+              <a:gd name="connsiteY5" fmla="*/ 837479 h 837479"/>
+              <a:gd name="connsiteX6" fmla="*/ 307870 w 1829728"/>
+              <a:gd name="connsiteY6" fmla="*/ 837479 h 837479"/>
+              <a:gd name="connsiteX7" fmla="*/ 241302 w 1829728"/>
+              <a:gd name="connsiteY7" fmla="*/ 770911 h 837479"/>
+              <a:gd name="connsiteX8" fmla="*/ 241013 w 1829728"/>
+              <a:gd name="connsiteY8" fmla="*/ 224021 h 837479"/>
+              <a:gd name="connsiteX0" fmla="*/ 241013 w 1829728"/>
+              <a:gd name="connsiteY0" fmla="*/ 224021 h 837479"/>
+              <a:gd name="connsiteX1" fmla="*/ 86775 w 1829728"/>
+              <a:gd name="connsiteY1" fmla="*/ 16309 h 837479"/>
+              <a:gd name="connsiteX2" fmla="*/ 1816511 w 1829728"/>
+              <a:gd name="connsiteY2" fmla="*/ 12558 h 837479"/>
+              <a:gd name="connsiteX3" fmla="*/ 1618977 w 1829728"/>
+              <a:gd name="connsiteY3" fmla="*/ 216228 h 837479"/>
+              <a:gd name="connsiteX4" fmla="*/ 1618977 w 1829728"/>
+              <a:gd name="connsiteY4" fmla="*/ 770911 h 837479"/>
+              <a:gd name="connsiteX5" fmla="*/ 1552409 w 1829728"/>
+              <a:gd name="connsiteY5" fmla="*/ 837479 h 837479"/>
+              <a:gd name="connsiteX6" fmla="*/ 307870 w 1829728"/>
+              <a:gd name="connsiteY6" fmla="*/ 837479 h 837479"/>
+              <a:gd name="connsiteX7" fmla="*/ 241302 w 1829728"/>
+              <a:gd name="connsiteY7" fmla="*/ 770911 h 837479"/>
+              <a:gd name="connsiteX8" fmla="*/ 241013 w 1829728"/>
+              <a:gd name="connsiteY8" fmla="*/ 224021 h 837479"/>
+              <a:gd name="connsiteX0" fmla="*/ 216773 w 1868784"/>
+              <a:gd name="connsiteY0" fmla="*/ 251658 h 865116"/>
+              <a:gd name="connsiteX1" fmla="*/ 91110 w 1868784"/>
+              <a:gd name="connsiteY1" fmla="*/ 18546 h 865116"/>
+              <a:gd name="connsiteX2" fmla="*/ 1792271 w 1868784"/>
+              <a:gd name="connsiteY2" fmla="*/ 40195 h 865116"/>
+              <a:gd name="connsiteX3" fmla="*/ 1594737 w 1868784"/>
+              <a:gd name="connsiteY3" fmla="*/ 243865 h 865116"/>
+              <a:gd name="connsiteX4" fmla="*/ 1594737 w 1868784"/>
+              <a:gd name="connsiteY4" fmla="*/ 798548 h 865116"/>
+              <a:gd name="connsiteX5" fmla="*/ 1528169 w 1868784"/>
+              <a:gd name="connsiteY5" fmla="*/ 865116 h 865116"/>
+              <a:gd name="connsiteX6" fmla="*/ 283630 w 1868784"/>
+              <a:gd name="connsiteY6" fmla="*/ 865116 h 865116"/>
+              <a:gd name="connsiteX7" fmla="*/ 217062 w 1868784"/>
+              <a:gd name="connsiteY7" fmla="*/ 798548 h 865116"/>
+              <a:gd name="connsiteX8" fmla="*/ 216773 w 1868784"/>
+              <a:gd name="connsiteY8" fmla="*/ 251658 h 865116"/>
+              <a:gd name="connsiteX0" fmla="*/ 216773 w 1868784"/>
+              <a:gd name="connsiteY0" fmla="*/ 274671 h 888129"/>
+              <a:gd name="connsiteX1" fmla="*/ 91110 w 1868784"/>
+              <a:gd name="connsiteY1" fmla="*/ 12984 h 888129"/>
+              <a:gd name="connsiteX2" fmla="*/ 1792271 w 1868784"/>
+              <a:gd name="connsiteY2" fmla="*/ 63208 h 888129"/>
+              <a:gd name="connsiteX3" fmla="*/ 1594737 w 1868784"/>
+              <a:gd name="connsiteY3" fmla="*/ 266878 h 888129"/>
+              <a:gd name="connsiteX4" fmla="*/ 1594737 w 1868784"/>
+              <a:gd name="connsiteY4" fmla="*/ 821561 h 888129"/>
+              <a:gd name="connsiteX5" fmla="*/ 1528169 w 1868784"/>
+              <a:gd name="connsiteY5" fmla="*/ 888129 h 888129"/>
+              <a:gd name="connsiteX6" fmla="*/ 283630 w 1868784"/>
+              <a:gd name="connsiteY6" fmla="*/ 888129 h 888129"/>
+              <a:gd name="connsiteX7" fmla="*/ 217062 w 1868784"/>
+              <a:gd name="connsiteY7" fmla="*/ 821561 h 888129"/>
+              <a:gd name="connsiteX8" fmla="*/ 216773 w 1868784"/>
+              <a:gd name="connsiteY8" fmla="*/ 274671 h 888129"/>
+              <a:gd name="connsiteX0" fmla="*/ 216325 w 1862778"/>
+              <a:gd name="connsiteY0" fmla="*/ 289222 h 902680"/>
+              <a:gd name="connsiteX1" fmla="*/ 90662 w 1862778"/>
+              <a:gd name="connsiteY1" fmla="*/ 27535 h 902680"/>
+              <a:gd name="connsiteX2" fmla="*/ 1785473 w 1862778"/>
+              <a:gd name="connsiteY2" fmla="*/ 36484 h 902680"/>
+              <a:gd name="connsiteX3" fmla="*/ 1594289 w 1862778"/>
+              <a:gd name="connsiteY3" fmla="*/ 281429 h 902680"/>
+              <a:gd name="connsiteX4" fmla="*/ 1594289 w 1862778"/>
+              <a:gd name="connsiteY4" fmla="*/ 836112 h 902680"/>
+              <a:gd name="connsiteX5" fmla="*/ 1527721 w 1862778"/>
+              <a:gd name="connsiteY5" fmla="*/ 902680 h 902680"/>
+              <a:gd name="connsiteX6" fmla="*/ 283182 w 1862778"/>
+              <a:gd name="connsiteY6" fmla="*/ 902680 h 902680"/>
+              <a:gd name="connsiteX7" fmla="*/ 216614 w 1862778"/>
+              <a:gd name="connsiteY7" fmla="*/ 836112 h 902680"/>
+              <a:gd name="connsiteX8" fmla="*/ 216325 w 1862778"/>
+              <a:gd name="connsiteY8" fmla="*/ 289222 h 902680"/>
+              <a:gd name="connsiteX0" fmla="*/ 216325 w 1862778"/>
+              <a:gd name="connsiteY0" fmla="*/ 289222 h 902680"/>
+              <a:gd name="connsiteX1" fmla="*/ 90662 w 1862778"/>
+              <a:gd name="connsiteY1" fmla="*/ 27535 h 902680"/>
+              <a:gd name="connsiteX2" fmla="*/ 1785473 w 1862778"/>
+              <a:gd name="connsiteY2" fmla="*/ 36484 h 902680"/>
+              <a:gd name="connsiteX3" fmla="*/ 1594289 w 1862778"/>
+              <a:gd name="connsiteY3" fmla="*/ 281429 h 902680"/>
+              <a:gd name="connsiteX4" fmla="*/ 1594289 w 1862778"/>
+              <a:gd name="connsiteY4" fmla="*/ 836112 h 902680"/>
+              <a:gd name="connsiteX5" fmla="*/ 1527721 w 1862778"/>
+              <a:gd name="connsiteY5" fmla="*/ 902680 h 902680"/>
+              <a:gd name="connsiteX6" fmla="*/ 283182 w 1862778"/>
+              <a:gd name="connsiteY6" fmla="*/ 902680 h 902680"/>
+              <a:gd name="connsiteX7" fmla="*/ 216614 w 1862778"/>
+              <a:gd name="connsiteY7" fmla="*/ 836112 h 902680"/>
+              <a:gd name="connsiteX8" fmla="*/ 216325 w 1862778"/>
+              <a:gd name="connsiteY8" fmla="*/ 289222 h 902680"/>
+              <a:gd name="connsiteX0" fmla="*/ 215874 w 1862327"/>
+              <a:gd name="connsiteY0" fmla="*/ 289222 h 902680"/>
+              <a:gd name="connsiteX1" fmla="*/ 90211 w 1862327"/>
+              <a:gd name="connsiteY1" fmla="*/ 27535 h 902680"/>
+              <a:gd name="connsiteX2" fmla="*/ 1785022 w 1862327"/>
+              <a:gd name="connsiteY2" fmla="*/ 36484 h 902680"/>
+              <a:gd name="connsiteX3" fmla="*/ 1593838 w 1862327"/>
+              <a:gd name="connsiteY3" fmla="*/ 281429 h 902680"/>
+              <a:gd name="connsiteX4" fmla="*/ 1593838 w 1862327"/>
+              <a:gd name="connsiteY4" fmla="*/ 836112 h 902680"/>
+              <a:gd name="connsiteX5" fmla="*/ 1527270 w 1862327"/>
+              <a:gd name="connsiteY5" fmla="*/ 902680 h 902680"/>
+              <a:gd name="connsiteX6" fmla="*/ 282731 w 1862327"/>
+              <a:gd name="connsiteY6" fmla="*/ 902680 h 902680"/>
+              <a:gd name="connsiteX7" fmla="*/ 216163 w 1862327"/>
+              <a:gd name="connsiteY7" fmla="*/ 836112 h 902680"/>
+              <a:gd name="connsiteX8" fmla="*/ 215874 w 1862327"/>
+              <a:gd name="connsiteY8" fmla="*/ 289222 h 902680"/>
+              <a:gd name="connsiteX0" fmla="*/ 218551 w 1865217"/>
+              <a:gd name="connsiteY0" fmla="*/ 271689 h 885147"/>
+              <a:gd name="connsiteX1" fmla="*/ 89713 w 1865217"/>
+              <a:gd name="connsiteY1" fmla="*/ 44927 h 885147"/>
+              <a:gd name="connsiteX2" fmla="*/ 1787699 w 1865217"/>
+              <a:gd name="connsiteY2" fmla="*/ 18951 h 885147"/>
+              <a:gd name="connsiteX3" fmla="*/ 1596515 w 1865217"/>
+              <a:gd name="connsiteY3" fmla="*/ 263896 h 885147"/>
+              <a:gd name="connsiteX4" fmla="*/ 1596515 w 1865217"/>
+              <a:gd name="connsiteY4" fmla="*/ 818579 h 885147"/>
+              <a:gd name="connsiteX5" fmla="*/ 1529947 w 1865217"/>
+              <a:gd name="connsiteY5" fmla="*/ 885147 h 885147"/>
+              <a:gd name="connsiteX6" fmla="*/ 285408 w 1865217"/>
+              <a:gd name="connsiteY6" fmla="*/ 885147 h 885147"/>
+              <a:gd name="connsiteX7" fmla="*/ 218840 w 1865217"/>
+              <a:gd name="connsiteY7" fmla="*/ 818579 h 885147"/>
+              <a:gd name="connsiteX8" fmla="*/ 218551 w 1865217"/>
+              <a:gd name="connsiteY8" fmla="*/ 271689 h 885147"/>
+              <a:gd name="connsiteX0" fmla="*/ 217882 w 1856244"/>
+              <a:gd name="connsiteY0" fmla="*/ 253205 h 866663"/>
+              <a:gd name="connsiteX1" fmla="*/ 89044 w 1856244"/>
+              <a:gd name="connsiteY1" fmla="*/ 26443 h 866663"/>
+              <a:gd name="connsiteX2" fmla="*/ 1777505 w 1856244"/>
+              <a:gd name="connsiteY2" fmla="*/ 29042 h 866663"/>
+              <a:gd name="connsiteX3" fmla="*/ 1595846 w 1856244"/>
+              <a:gd name="connsiteY3" fmla="*/ 245412 h 866663"/>
+              <a:gd name="connsiteX4" fmla="*/ 1595846 w 1856244"/>
+              <a:gd name="connsiteY4" fmla="*/ 800095 h 866663"/>
+              <a:gd name="connsiteX5" fmla="*/ 1529278 w 1856244"/>
+              <a:gd name="connsiteY5" fmla="*/ 866663 h 866663"/>
+              <a:gd name="connsiteX6" fmla="*/ 284739 w 1856244"/>
+              <a:gd name="connsiteY6" fmla="*/ 866663 h 866663"/>
+              <a:gd name="connsiteX7" fmla="*/ 218171 w 1856244"/>
+              <a:gd name="connsiteY7" fmla="*/ 800095 h 866663"/>
+              <a:gd name="connsiteX8" fmla="*/ 217882 w 1856244"/>
+              <a:gd name="connsiteY8" fmla="*/ 253205 h 866663"/>
+            </a:gdLst>
+            <a:ahLst/>
+            <a:cxnLst>
+              <a:cxn ang="0">
+                <a:pos x="connsiteX0" y="connsiteY0"/>
+              </a:cxn>
+              <a:cxn ang="0">
+                <a:pos x="connsiteX1" y="connsiteY1"/>
+              </a:cxn>
+              <a:cxn ang="0">
+                <a:pos x="connsiteX2" y="connsiteY2"/>
+              </a:cxn>
+              <a:cxn ang="0">
+                <a:pos x="connsiteX3" y="connsiteY3"/>
+              </a:cxn>
+              <a:cxn ang="0">
+                <a:pos x="connsiteX4" y="connsiteY4"/>
+              </a:cxn>
+              <a:cxn ang="0">
+                <a:pos x="connsiteX5" y="connsiteY5"/>
+              </a:cxn>
+              <a:cxn ang="0">
+                <a:pos x="connsiteX6" y="connsiteY6"/>
+              </a:cxn>
+              <a:cxn ang="0">
+                <a:pos x="connsiteX7" y="connsiteY7"/>
+              </a:cxn>
+              <a:cxn ang="0">
+                <a:pos x="connsiteX8" y="connsiteY8"/>
+              </a:cxn>
+            </a:cxnLst>
+            <a:rect l="l" t="t" r="r" b="b"/>
+            <a:pathLst>
+              <a:path w="1856244" h="866663">
+                <a:moveTo>
+                  <a:pt x="217882" y="253205"/>
+                </a:moveTo>
+                <a:cubicBezTo>
+                  <a:pt x="221345" y="-31786"/>
+                  <a:pt x="-170893" y="63803"/>
+                  <a:pt x="89044" y="26443"/>
+                </a:cubicBezTo>
+                <a:cubicBezTo>
+                  <a:pt x="348981" y="-10917"/>
+                  <a:pt x="1526371" y="-7453"/>
+                  <a:pt x="1777505" y="29042"/>
+                </a:cubicBezTo>
+                <a:cubicBezTo>
+                  <a:pt x="2028639" y="65537"/>
+                  <a:pt x="1599021" y="-34961"/>
+                  <a:pt x="1595846" y="245412"/>
+                </a:cubicBezTo>
+                <a:lnTo>
+                  <a:pt x="1595846" y="800095"/>
+                </a:lnTo>
+                <a:cubicBezTo>
+                  <a:pt x="1595846" y="836859"/>
+                  <a:pt x="1566042" y="866663"/>
+                  <a:pt x="1529278" y="866663"/>
+                </a:cubicBezTo>
+                <a:lnTo>
+                  <a:pt x="284739" y="866663"/>
+                </a:lnTo>
+                <a:cubicBezTo>
+                  <a:pt x="247975" y="866663"/>
+                  <a:pt x="218171" y="836859"/>
+                  <a:pt x="218171" y="800095"/>
+                </a:cubicBezTo>
+                <a:cubicBezTo>
+                  <a:pt x="217016" y="590282"/>
+                  <a:pt x="219037" y="463018"/>
+                  <a:pt x="217882" y="253205"/>
+                </a:cubicBezTo>
+                <a:close/>
+              </a:path>
+            </a:pathLst>
+          </a:custGeom>
+          <a:gradFill>
+            <a:gsLst>
+              <a:gs pos="0">
+                <a:schemeClr val="accent1"/>
+              </a:gs>
+              <a:gs pos="96000">
+                <a:schemeClr val="tx2"/>
+              </a:gs>
+            </a:gsLst>
+            <a:lin ang="5400000" scaled="0"/>
+          </a:gradFill>
+          <a:ln w="12700">
+            <a:noFill/>
+          </a:ln>
+          <a:effectLst/>
+        </p:spPr>
+        <p:style>
+          <a:lnRef idx="2">
+            <a:schemeClr val="dk1"/>
+          </a:lnRef>
+          <a:fillRef idx="1">
+            <a:schemeClr val="lt1"/>
+          </a:fillRef>
+          <a:effectRef idx="0">
+            <a:schemeClr val="dk1"/>
+          </a:effectRef>
+          <a:fontRef idx="minor">
+            <a:schemeClr val="dk1"/>
+          </a:fontRef>
+        </p:style>
+        <p:txBody>
+          <a:bodyPr rtlCol="0" anchor="ctr"/>
+          <a:lstStyle/>
+          <a:p>
+            <a:pPr algn="ctr"/>
+            <a:endParaRPr lang="en-US" sz="1600" dirty="0">
+              <a:ln w="0">
+                <a:solidFill>
+                  <a:sysClr val="windowText" lastClr="000000"/>
+                </a:solidFill>
+              </a:ln>
+              <a:solidFill>
+                <a:schemeClr val="tx1"/>
+              </a:solidFill>
+            </a:endParaRPr>
+          </a:p>
+        </p:txBody>
+      </p:sp>
+      <p:grpSp>
+        <p:nvGrpSpPr>
+          <p:cNvPr id="68" name="Group 67">
+            <a:extLst>
+              <a:ext uri="{FF2B5EF4-FFF2-40B4-BE49-F238E27FC236}">
+                <a16:creationId xmlns:a16="http://schemas.microsoft.com/office/drawing/2014/main" id="{2182212B-BD15-D446-BF4C-56551E0822C9}"/>
+              </a:ext>
+            </a:extLst>
+          </p:cNvPr>
+          <p:cNvGrpSpPr/>
+          <p:nvPr/>
+        </p:nvGrpSpPr>
+        <p:grpSpPr>
+          <a:xfrm>
+            <a:off x="7014455" y="4098876"/>
+            <a:ext cx="1222852" cy="506003"/>
+            <a:chOff x="3671478" y="4032587"/>
+            <a:chExt cx="1376425" cy="569551"/>
+          </a:xfrm>
+        </p:grpSpPr>
+        <p:sp>
+          <p:nvSpPr>
+            <p:cNvPr id="69" name="Rounded Rectangle 68">
+              <a:extLst>
+                <a:ext uri="{FF2B5EF4-FFF2-40B4-BE49-F238E27FC236}">
+                  <a16:creationId xmlns:a16="http://schemas.microsoft.com/office/drawing/2014/main" id="{081D5417-6469-9A4C-AC4F-25DBF54F0025}"/>
+                </a:ext>
+              </a:extLst>
+            </p:cNvPr>
+            <p:cNvSpPr/>
+            <p:nvPr/>
+          </p:nvSpPr>
+          <p:spPr>
+            <a:xfrm>
+              <a:off x="3671478" y="4032587"/>
+              <a:ext cx="1376425" cy="569551"/>
             </a:xfrm>
             <a:prstGeom prst="roundRect">
               <a:avLst>
-                <a:gd name="adj" fmla="val 19644"/>
+                <a:gd name="adj" fmla="val 12736"/>
               </a:avLst>
             </a:prstGeom>
             <a:solidFill>
-              <a:schemeClr val="bg2">
-                <a:lumMod val="50000"/>
-              </a:schemeClr>
+              <a:schemeClr val="bg1"/>
             </a:solidFill>
             <a:ln w="12700">
               <a:noFill/>
@@ -7854,990 +11369,6 @@
             </a:bodyPr>
             <a:lstStyle/>
             <a:p>
-              <a:pPr algn="ctr" defTabSz="914400">
-                <a:lnSpc>
-                  <a:spcPts val="1180"/>
-                </a:lnSpc>
-                <a:defRPr/>
-              </a:pPr>
-              <a:r>
-                <a:rPr lang="en-US" sz="1200" kern="0" dirty="0">
-                  <a:solidFill>
-                    <a:schemeClr val="bg1"/>
-                  </a:solidFill>
-                  <a:latin typeface="Source Sans Pro Light" charset="0"/>
-                  <a:ea typeface="Source Sans Pro Light" charset="0"/>
-                  <a:cs typeface="Source Sans Pro Light" charset="0"/>
-                </a:rPr>
-                <a:t>LCD</a:t>
-              </a:r>
-            </a:p>
-          </p:txBody>
-        </p:sp>
-        <p:sp>
-          <p:nvSpPr>
-            <p:cNvPr id="13" name="Rounded Rectangle 12"/>
-            <p:cNvSpPr/>
-            <p:nvPr/>
-          </p:nvSpPr>
-          <p:spPr>
-            <a:xfrm>
-              <a:off x="5160346" y="5599462"/>
-              <a:ext cx="993077" cy="355846"/>
-            </a:xfrm>
-            <a:prstGeom prst="roundRect">
-              <a:avLst>
-                <a:gd name="adj" fmla="val 19644"/>
-              </a:avLst>
-            </a:prstGeom>
-            <a:solidFill>
-              <a:schemeClr val="bg2">
-                <a:lumMod val="50000"/>
-              </a:schemeClr>
-            </a:solidFill>
-            <a:ln w="12700">
-              <a:noFill/>
-            </a:ln>
-            <a:effectLst/>
-          </p:spPr>
-          <p:style>
-            <a:lnRef idx="2">
-              <a:schemeClr val="dk1"/>
-            </a:lnRef>
-            <a:fillRef idx="1">
-              <a:schemeClr val="lt1"/>
-            </a:fillRef>
-            <a:effectRef idx="0">
-              <a:schemeClr val="dk1"/>
-            </a:effectRef>
-            <a:fontRef idx="minor">
-              <a:schemeClr val="dk1"/>
-            </a:fontRef>
-          </p:style>
-          <p:txBody>
-            <a:bodyPr wrap="square" tIns="36000" bIns="36000" rtlCol="0" anchor="ctr">
-              <a:noAutofit/>
-            </a:bodyPr>
-            <a:lstStyle/>
-            <a:p>
-              <a:pPr algn="ctr" defTabSz="914400">
-                <a:lnSpc>
-                  <a:spcPts val="1100"/>
-                </a:lnSpc>
-                <a:defRPr/>
-              </a:pPr>
-              <a:r>
-                <a:rPr lang="en-US" sz="1120" kern="0" dirty="0" smtClean="0">
-                  <a:solidFill>
-                    <a:schemeClr val="bg1"/>
-                  </a:solidFill>
-                  <a:latin typeface="Source Sans Pro Light" charset="0"/>
-                  <a:ea typeface="Source Sans Pro Light" charset="0"/>
-                  <a:cs typeface="Source Sans Pro Light" charset="0"/>
-                </a:rPr>
-                <a:t>Wi-Fi/BLE/</a:t>
-              </a:r>
-              <a:r>
-                <a:rPr lang="mr-IN" sz="1120" kern="0" dirty="0" smtClean="0">
-                  <a:solidFill>
-                    <a:schemeClr val="bg1"/>
-                  </a:solidFill>
-                  <a:latin typeface="Source Sans Pro Light" charset="0"/>
-                  <a:ea typeface="Source Sans Pro Light" charset="0"/>
-                  <a:cs typeface="Source Sans Pro Light" charset="0"/>
-                </a:rPr>
-                <a:t>…</a:t>
-              </a:r>
-              <a:endParaRPr lang="en-US" sz="1120" kern="0" dirty="0">
-                <a:solidFill>
-                  <a:schemeClr val="bg1"/>
-                </a:solidFill>
-                <a:latin typeface="Source Sans Pro Light" charset="0"/>
-                <a:ea typeface="Source Sans Pro Light" charset="0"/>
-                <a:cs typeface="Source Sans Pro Light" charset="0"/>
-              </a:endParaRPr>
-            </a:p>
-          </p:txBody>
-        </p:sp>
-        <p:sp>
-          <p:nvSpPr>
-            <p:cNvPr id="14" name="Rounded Rectangle 13"/>
-            <p:cNvSpPr/>
-            <p:nvPr/>
-          </p:nvSpPr>
-          <p:spPr>
-            <a:xfrm>
-              <a:off x="6250104" y="5596105"/>
-              <a:ext cx="1138140" cy="362561"/>
-            </a:xfrm>
-            <a:prstGeom prst="roundRect">
-              <a:avLst>
-                <a:gd name="adj" fmla="val 19644"/>
-              </a:avLst>
-            </a:prstGeom>
-            <a:solidFill>
-              <a:schemeClr val="bg2">
-                <a:lumMod val="50000"/>
-              </a:schemeClr>
-            </a:solidFill>
-            <a:ln w="12700">
-              <a:noFill/>
-            </a:ln>
-            <a:effectLst/>
-          </p:spPr>
-          <p:style>
-            <a:lnRef idx="2">
-              <a:schemeClr val="dk1"/>
-            </a:lnRef>
-            <a:fillRef idx="1">
-              <a:schemeClr val="lt1"/>
-            </a:fillRef>
-            <a:effectRef idx="0">
-              <a:schemeClr val="dk1"/>
-            </a:effectRef>
-            <a:fontRef idx="minor">
-              <a:schemeClr val="dk1"/>
-            </a:fontRef>
-          </p:style>
-          <p:txBody>
-            <a:bodyPr wrap="square" tIns="36000" bIns="36000" rtlCol="0" anchor="ctr">
-              <a:noAutofit/>
-            </a:bodyPr>
-            <a:lstStyle/>
-            <a:p>
-              <a:pPr lvl="0" algn="ctr">
-                <a:lnSpc>
-                  <a:spcPts val="1100"/>
-                </a:lnSpc>
-                <a:defRPr/>
-              </a:pPr>
-              <a:r>
-                <a:rPr lang="en-US" sz="1200" dirty="0">
-                  <a:solidFill>
-                    <a:schemeClr val="bg1"/>
-                  </a:solidFill>
-                  <a:latin typeface="Source Sans Pro Light" charset="0"/>
-                  <a:ea typeface="Source Sans Pro Light" charset="0"/>
-                  <a:cs typeface="Source Sans Pro Light" charset="0"/>
-                </a:rPr>
-                <a:t>Mass Storage</a:t>
-              </a:r>
-            </a:p>
-          </p:txBody>
-        </p:sp>
-        <p:sp>
-          <p:nvSpPr>
-            <p:cNvPr id="15" name="Rounded Rectangle 14"/>
-            <p:cNvSpPr/>
-            <p:nvPr/>
-          </p:nvSpPr>
-          <p:spPr>
-            <a:xfrm>
-              <a:off x="7484923" y="5605132"/>
-              <a:ext cx="880682" cy="344507"/>
-            </a:xfrm>
-            <a:prstGeom prst="roundRect">
-              <a:avLst>
-                <a:gd name="adj" fmla="val 19644"/>
-              </a:avLst>
-            </a:prstGeom>
-            <a:solidFill>
-              <a:schemeClr val="bg2">
-                <a:lumMod val="50000"/>
-              </a:schemeClr>
-            </a:solidFill>
-            <a:ln w="12700">
-              <a:noFill/>
-            </a:ln>
-            <a:effectLst/>
-          </p:spPr>
-          <p:style>
-            <a:lnRef idx="2">
-              <a:schemeClr val="dk1"/>
-            </a:lnRef>
-            <a:fillRef idx="1">
-              <a:schemeClr val="lt1"/>
-            </a:fillRef>
-            <a:effectRef idx="0">
-              <a:schemeClr val="dk1"/>
-            </a:effectRef>
-            <a:fontRef idx="minor">
-              <a:schemeClr val="dk1"/>
-            </a:fontRef>
-          </p:style>
-          <p:txBody>
-            <a:bodyPr wrap="square" tIns="36000" bIns="36000" rtlCol="0" anchor="ctr">
-              <a:noAutofit/>
-            </a:bodyPr>
-            <a:lstStyle/>
-            <a:p>
-              <a:pPr lvl="0" algn="ctr" defTabSz="914400">
-                <a:lnSpc>
-                  <a:spcPts val="1180"/>
-                </a:lnSpc>
-                <a:defRPr/>
-              </a:pPr>
-              <a:r>
-                <a:rPr lang="en-US" sz="1200" kern="0" dirty="0">
-                  <a:solidFill>
-                    <a:schemeClr val="bg1"/>
-                  </a:solidFill>
-                  <a:latin typeface="Source Sans Pro Light" charset="0"/>
-                  <a:ea typeface="Source Sans Pro Light" charset="0"/>
-                  <a:cs typeface="Source Sans Pro Light" charset="0"/>
-                </a:rPr>
-                <a:t>Serial</a:t>
-              </a:r>
-            </a:p>
-          </p:txBody>
-        </p:sp>
-        <p:sp>
-          <p:nvSpPr>
-            <p:cNvPr id="16" name="Rounded Rectangle 15"/>
-            <p:cNvSpPr/>
-            <p:nvPr/>
-          </p:nvSpPr>
-          <p:spPr>
-            <a:xfrm>
-              <a:off x="8462285" y="5605132"/>
-              <a:ext cx="880682" cy="344507"/>
-            </a:xfrm>
-            <a:prstGeom prst="roundRect">
-              <a:avLst>
-                <a:gd name="adj" fmla="val 19644"/>
-              </a:avLst>
-            </a:prstGeom>
-            <a:solidFill>
-              <a:schemeClr val="bg2">
-                <a:lumMod val="50000"/>
-              </a:schemeClr>
-            </a:solidFill>
-            <a:ln w="12700">
-              <a:noFill/>
-            </a:ln>
-            <a:effectLst/>
-          </p:spPr>
-          <p:style>
-            <a:lnRef idx="2">
-              <a:schemeClr val="dk1"/>
-            </a:lnRef>
-            <a:fillRef idx="1">
-              <a:schemeClr val="lt1"/>
-            </a:fillRef>
-            <a:effectRef idx="0">
-              <a:schemeClr val="dk1"/>
-            </a:effectRef>
-            <a:fontRef idx="minor">
-              <a:schemeClr val="dk1"/>
-            </a:fontRef>
-          </p:style>
-          <p:txBody>
-            <a:bodyPr wrap="square" tIns="36000" bIns="36000" rtlCol="0" anchor="ctr">
-              <a:noAutofit/>
-            </a:bodyPr>
-            <a:lstStyle/>
-            <a:p>
-              <a:pPr algn="ctr" defTabSz="914400">
-                <a:lnSpc>
-                  <a:spcPts val="1180"/>
-                </a:lnSpc>
-                <a:defRPr/>
-              </a:pPr>
-              <a:r>
-                <a:rPr lang="en-US" sz="1200" kern="0" dirty="0">
-                  <a:solidFill>
-                    <a:schemeClr val="bg1"/>
-                  </a:solidFill>
-                  <a:latin typeface="Source Sans Pro Light" charset="0"/>
-                  <a:ea typeface="Source Sans Pro Light" charset="0"/>
-                  <a:cs typeface="Source Sans Pro Light" charset="0"/>
-                </a:rPr>
-                <a:t>Memory</a:t>
-              </a:r>
-            </a:p>
-          </p:txBody>
-        </p:sp>
-        <p:sp>
-          <p:nvSpPr>
-            <p:cNvPr id="17" name="Rounded Rectangle 16"/>
-            <p:cNvSpPr/>
-            <p:nvPr/>
-          </p:nvSpPr>
-          <p:spPr>
-            <a:xfrm>
-              <a:off x="4245129" y="5605132"/>
-              <a:ext cx="818537" cy="344507"/>
-            </a:xfrm>
-            <a:prstGeom prst="roundRect">
-              <a:avLst>
-                <a:gd name="adj" fmla="val 19644"/>
-              </a:avLst>
-            </a:prstGeom>
-            <a:solidFill>
-              <a:schemeClr val="bg2">
-                <a:lumMod val="50000"/>
-              </a:schemeClr>
-            </a:solidFill>
-            <a:ln w="12700">
-              <a:noFill/>
-            </a:ln>
-            <a:effectLst/>
-          </p:spPr>
-          <p:style>
-            <a:lnRef idx="2">
-              <a:schemeClr val="dk1"/>
-            </a:lnRef>
-            <a:fillRef idx="1">
-              <a:schemeClr val="lt1"/>
-            </a:fillRef>
-            <a:effectRef idx="0">
-              <a:schemeClr val="dk1"/>
-            </a:effectRef>
-            <a:fontRef idx="minor">
-              <a:schemeClr val="dk1"/>
-            </a:fontRef>
-          </p:style>
-          <p:txBody>
-            <a:bodyPr wrap="square" tIns="36000" bIns="36000" rtlCol="0" anchor="ctr">
-              <a:noAutofit/>
-            </a:bodyPr>
-            <a:lstStyle/>
-            <a:p>
-              <a:pPr algn="ctr" defTabSz="914400">
-                <a:lnSpc>
-                  <a:spcPts val="1180"/>
-                </a:lnSpc>
-                <a:defRPr/>
-              </a:pPr>
-              <a:r>
-                <a:rPr lang="en-US" sz="1200" kern="0" dirty="0">
-                  <a:solidFill>
-                    <a:schemeClr val="bg1"/>
-                  </a:solidFill>
-                  <a:latin typeface="Source Sans Pro Light" charset="0"/>
-                  <a:ea typeface="Source Sans Pro Light" charset="0"/>
-                  <a:cs typeface="Source Sans Pro Light" charset="0"/>
-                </a:rPr>
-                <a:t>Ethernet</a:t>
-              </a:r>
-            </a:p>
-          </p:txBody>
-        </p:sp>
-        <p:sp>
-          <p:nvSpPr>
-            <p:cNvPr id="21" name="Rounded Rectangle 20"/>
-            <p:cNvSpPr/>
-            <p:nvPr/>
-          </p:nvSpPr>
-          <p:spPr>
-            <a:xfrm>
-              <a:off x="2210248" y="1302452"/>
-              <a:ext cx="8069608" cy="259353"/>
-            </a:xfrm>
-            <a:prstGeom prst="roundRect">
-              <a:avLst>
-                <a:gd name="adj" fmla="val 22508"/>
-              </a:avLst>
-            </a:prstGeom>
-            <a:solidFill>
-              <a:schemeClr val="accent1"/>
-            </a:solidFill>
-            <a:ln w="12700">
-              <a:solidFill>
-                <a:schemeClr val="accent1"/>
-              </a:solidFill>
-            </a:ln>
-          </p:spPr>
-          <p:style>
-            <a:lnRef idx="2">
-              <a:schemeClr val="dk1"/>
-            </a:lnRef>
-            <a:fillRef idx="1">
-              <a:schemeClr val="lt1"/>
-            </a:fillRef>
-            <a:effectRef idx="0">
-              <a:schemeClr val="dk1"/>
-            </a:effectRef>
-            <a:fontRef idx="minor">
-              <a:schemeClr val="dk1"/>
-            </a:fontRef>
-          </p:style>
-          <p:txBody>
-            <a:bodyPr rtlCol="0" anchor="ctr"/>
-            <a:lstStyle/>
-            <a:p>
-              <a:pPr algn="ctr">
-                <a:lnSpc>
-                  <a:spcPts val="1600"/>
-                </a:lnSpc>
-                <a:spcBef>
-                  <a:spcPts val="100"/>
-                </a:spcBef>
-                <a:spcAft>
-                  <a:spcPts val="100"/>
-                </a:spcAft>
-              </a:pPr>
-              <a:r>
-                <a:rPr lang="en-US" sz="1600" b="1" dirty="0" smtClean="0">
-                  <a:solidFill>
-                    <a:schemeClr val="bg1"/>
-                  </a:solidFill>
-                  <a:effectLst>
-                    <a:outerShdw blurRad="50800" dist="38100" dir="5400000" algn="t" rotWithShape="0">
-                      <a:prstClr val="black">
-                        <a:alpha val="40000"/>
-                      </a:prstClr>
-                    </a:outerShdw>
-                  </a:effectLst>
-                  <a:latin typeface="Source Sans Pro" charset="0"/>
-                  <a:ea typeface="Source Sans Pro" charset="0"/>
-                  <a:cs typeface="Source Sans Pro" charset="0"/>
-                </a:rPr>
-                <a:t>YOUR APPLICATION</a:t>
-              </a:r>
-              <a:endParaRPr lang="en-US" sz="1600" b="1" dirty="0">
-                <a:solidFill>
-                  <a:schemeClr val="bg1"/>
-                </a:solidFill>
-                <a:effectLst>
-                  <a:outerShdw blurRad="50800" dist="38100" dir="5400000" algn="t" rotWithShape="0">
-                    <a:prstClr val="black">
-                      <a:alpha val="40000"/>
-                    </a:prstClr>
-                  </a:outerShdw>
-                </a:effectLst>
-                <a:latin typeface="Source Sans Pro" charset="0"/>
-                <a:ea typeface="Source Sans Pro" charset="0"/>
-                <a:cs typeface="Source Sans Pro" charset="0"/>
-              </a:endParaRPr>
-            </a:p>
-          </p:txBody>
-        </p:sp>
-        <p:sp>
-          <p:nvSpPr>
-            <p:cNvPr id="24" name="Rounded Rectangle 23"/>
-            <p:cNvSpPr/>
-            <p:nvPr/>
-          </p:nvSpPr>
-          <p:spPr>
-            <a:xfrm>
-              <a:off x="8449346" y="2420974"/>
-              <a:ext cx="894076" cy="289727"/>
-            </a:xfrm>
-            <a:prstGeom prst="roundRect">
-              <a:avLst>
-                <a:gd name="adj" fmla="val 19644"/>
-              </a:avLst>
-            </a:prstGeom>
-            <a:solidFill>
-              <a:schemeClr val="bg1"/>
-            </a:solidFill>
-            <a:ln w="12700">
-              <a:noFill/>
-            </a:ln>
-            <a:effectLst/>
-          </p:spPr>
-          <p:style>
-            <a:lnRef idx="2">
-              <a:schemeClr val="dk1"/>
-            </a:lnRef>
-            <a:fillRef idx="1">
-              <a:schemeClr val="lt1"/>
-            </a:fillRef>
-            <a:effectRef idx="0">
-              <a:schemeClr val="dk1"/>
-            </a:effectRef>
-            <a:fontRef idx="minor">
-              <a:schemeClr val="dk1"/>
-            </a:fontRef>
-          </p:style>
-          <p:txBody>
-            <a:bodyPr wrap="square" tIns="36000" bIns="36000" rtlCol="0" anchor="ctr">
-              <a:spAutoFit/>
-            </a:bodyPr>
-            <a:lstStyle/>
-            <a:p>
-              <a:pPr algn="ctr"/>
-              <a:r>
-                <a:rPr lang="en-US" sz="1200" dirty="0" smtClean="0">
-                  <a:solidFill>
-                    <a:schemeClr val="accent1"/>
-                  </a:solidFill>
-                  <a:latin typeface="Source Sans Pro Light" charset="0"/>
-                  <a:ea typeface="Source Sans Pro Light" charset="0"/>
-                  <a:cs typeface="Source Sans Pro Light" charset="0"/>
-                </a:rPr>
-                <a:t>Lib</a:t>
-              </a:r>
-              <a:r>
-                <a:rPr lang="mr-IN" sz="1200" dirty="0" smtClean="0">
-                  <a:solidFill>
-                    <a:schemeClr val="accent1"/>
-                  </a:solidFill>
-                  <a:latin typeface="Source Sans Pro Light" charset="0"/>
-                  <a:ea typeface="Source Sans Pro Light" charset="0"/>
-                  <a:cs typeface="Source Sans Pro Light" charset="0"/>
-                </a:rPr>
-                <a:t>…</a:t>
-              </a:r>
-              <a:endParaRPr lang="en-US" sz="1200" dirty="0">
-                <a:solidFill>
-                  <a:schemeClr val="accent1"/>
-                </a:solidFill>
-                <a:latin typeface="Source Sans Pro Light" charset="0"/>
-                <a:ea typeface="Source Sans Pro Light" charset="0"/>
-                <a:cs typeface="Source Sans Pro Light" charset="0"/>
-              </a:endParaRPr>
-            </a:p>
-          </p:txBody>
-        </p:sp>
-        <p:sp>
-          <p:nvSpPr>
-            <p:cNvPr id="25" name="Rounded Rectangle 24"/>
-            <p:cNvSpPr/>
-            <p:nvPr/>
-          </p:nvSpPr>
-          <p:spPr>
-            <a:xfrm>
-              <a:off x="3402959" y="2432011"/>
-              <a:ext cx="891206" cy="263388"/>
-            </a:xfrm>
-            <a:prstGeom prst="roundRect">
-              <a:avLst>
-                <a:gd name="adj" fmla="val 19644"/>
-              </a:avLst>
-            </a:prstGeom>
-            <a:solidFill>
-              <a:schemeClr val="bg1"/>
-            </a:solidFill>
-            <a:ln w="12700">
-              <a:noFill/>
-            </a:ln>
-            <a:effectLst/>
-          </p:spPr>
-          <p:style>
-            <a:lnRef idx="2">
-              <a:schemeClr val="dk1"/>
-            </a:lnRef>
-            <a:fillRef idx="1">
-              <a:schemeClr val="lt1"/>
-            </a:fillRef>
-            <a:effectRef idx="0">
-              <a:schemeClr val="dk1"/>
-            </a:effectRef>
-            <a:fontRef idx="minor">
-              <a:schemeClr val="dk1"/>
-            </a:fontRef>
-          </p:style>
-          <p:txBody>
-            <a:bodyPr wrap="square" tIns="36000" bIns="36000" rtlCol="0" anchor="ctr">
-              <a:spAutoFit/>
-            </a:bodyPr>
-            <a:lstStyle/>
-            <a:p>
-              <a:pPr algn="ctr"/>
-              <a:r>
-                <a:rPr lang="en-US" sz="1200" dirty="0" err="1" smtClean="0">
-                  <a:solidFill>
-                    <a:schemeClr val="accent1"/>
-                  </a:solidFill>
-                  <a:latin typeface="Source Sans Pro Light" charset="0"/>
-                  <a:ea typeface="Source Sans Pro Light" charset="0"/>
-                  <a:cs typeface="Source Sans Pro Light" charset="0"/>
-                </a:rPr>
-                <a:t>MicroUI</a:t>
-              </a:r>
-              <a:endParaRPr lang="en-US" sz="1200" dirty="0">
-                <a:solidFill>
-                  <a:schemeClr val="accent1"/>
-                </a:solidFill>
-                <a:latin typeface="Source Sans Pro Light" charset="0"/>
-                <a:ea typeface="Source Sans Pro Light" charset="0"/>
-                <a:cs typeface="Source Sans Pro Light" charset="0"/>
-              </a:endParaRPr>
-            </a:p>
-          </p:txBody>
-        </p:sp>
-        <p:sp>
-          <p:nvSpPr>
-            <p:cNvPr id="26" name="Rounded Rectangle 25"/>
-            <p:cNvSpPr/>
-            <p:nvPr/>
-          </p:nvSpPr>
-          <p:spPr>
-            <a:xfrm>
-              <a:off x="4405464" y="2432011"/>
-              <a:ext cx="899727" cy="263388"/>
-            </a:xfrm>
-            <a:prstGeom prst="roundRect">
-              <a:avLst>
-                <a:gd name="adj" fmla="val 19644"/>
-              </a:avLst>
-            </a:prstGeom>
-            <a:solidFill>
-              <a:schemeClr val="bg1"/>
-            </a:solidFill>
-            <a:ln w="12700">
-              <a:noFill/>
-            </a:ln>
-            <a:effectLst/>
-          </p:spPr>
-          <p:style>
-            <a:lnRef idx="2">
-              <a:schemeClr val="dk1"/>
-            </a:lnRef>
-            <a:fillRef idx="1">
-              <a:schemeClr val="lt1"/>
-            </a:fillRef>
-            <a:effectRef idx="0">
-              <a:schemeClr val="dk1"/>
-            </a:effectRef>
-            <a:fontRef idx="minor">
-              <a:schemeClr val="dk1"/>
-            </a:fontRef>
-          </p:style>
-          <p:txBody>
-            <a:bodyPr wrap="square" tIns="36000" bIns="36000" rtlCol="0" anchor="ctr">
-              <a:spAutoFit/>
-            </a:bodyPr>
-            <a:lstStyle/>
-            <a:p>
-              <a:pPr algn="ctr"/>
-              <a:r>
-                <a:rPr lang="en-US" sz="1200" dirty="0" smtClean="0">
-                  <a:solidFill>
-                    <a:schemeClr val="accent1"/>
-                  </a:solidFill>
-                  <a:latin typeface="Source Sans Pro Light" charset="0"/>
-                  <a:ea typeface="Source Sans Pro Light" charset="0"/>
-                  <a:cs typeface="Source Sans Pro Light" charset="0"/>
-                </a:rPr>
-                <a:t>NET</a:t>
-              </a:r>
-              <a:endParaRPr lang="en-US" sz="1200" dirty="0">
-                <a:solidFill>
-                  <a:schemeClr val="accent1"/>
-                </a:solidFill>
-                <a:latin typeface="Source Sans Pro Light" charset="0"/>
-                <a:ea typeface="Source Sans Pro Light" charset="0"/>
-                <a:cs typeface="Source Sans Pro Light" charset="0"/>
-              </a:endParaRPr>
-            </a:p>
-          </p:txBody>
-        </p:sp>
-        <p:sp>
-          <p:nvSpPr>
-            <p:cNvPr id="27" name="Rounded Rectangle 26"/>
-            <p:cNvSpPr/>
-            <p:nvPr/>
-          </p:nvSpPr>
-          <p:spPr>
-            <a:xfrm>
-              <a:off x="5416490" y="2432011"/>
-              <a:ext cx="899727" cy="263388"/>
-            </a:xfrm>
-            <a:prstGeom prst="roundRect">
-              <a:avLst>
-                <a:gd name="adj" fmla="val 19644"/>
-              </a:avLst>
-            </a:prstGeom>
-            <a:solidFill>
-              <a:schemeClr val="bg1"/>
-            </a:solidFill>
-            <a:ln w="12700">
-              <a:noFill/>
-            </a:ln>
-            <a:effectLst/>
-          </p:spPr>
-          <p:style>
-            <a:lnRef idx="2">
-              <a:schemeClr val="dk1"/>
-            </a:lnRef>
-            <a:fillRef idx="1">
-              <a:schemeClr val="lt1"/>
-            </a:fillRef>
-            <a:effectRef idx="0">
-              <a:schemeClr val="dk1"/>
-            </a:effectRef>
-            <a:fontRef idx="minor">
-              <a:schemeClr val="dk1"/>
-            </a:fontRef>
-          </p:style>
-          <p:txBody>
-            <a:bodyPr wrap="square" tIns="36000" bIns="36000" rtlCol="0" anchor="ctr">
-              <a:spAutoFit/>
-            </a:bodyPr>
-            <a:lstStyle/>
-            <a:p>
-              <a:pPr algn="ctr"/>
-              <a:r>
-                <a:rPr lang="en-US" sz="1200" dirty="0" smtClean="0">
-                  <a:solidFill>
-                    <a:schemeClr val="accent1"/>
-                  </a:solidFill>
-                  <a:latin typeface="Source Sans Pro Light" charset="0"/>
-                  <a:ea typeface="Source Sans Pro Light" charset="0"/>
-                  <a:cs typeface="Source Sans Pro Light" charset="0"/>
-                </a:rPr>
-                <a:t>SSL</a:t>
-              </a:r>
-              <a:endParaRPr lang="en-US" sz="1200" dirty="0">
-                <a:solidFill>
-                  <a:schemeClr val="accent1"/>
-                </a:solidFill>
-                <a:latin typeface="Source Sans Pro Light" charset="0"/>
-                <a:ea typeface="Source Sans Pro Light" charset="0"/>
-                <a:cs typeface="Source Sans Pro Light" charset="0"/>
-              </a:endParaRPr>
-            </a:p>
-          </p:txBody>
-        </p:sp>
-        <p:sp>
-          <p:nvSpPr>
-            <p:cNvPr id="28" name="Rounded Rectangle 27"/>
-            <p:cNvSpPr/>
-            <p:nvPr/>
-          </p:nvSpPr>
-          <p:spPr>
-            <a:xfrm>
-              <a:off x="6427516" y="2432011"/>
-              <a:ext cx="899727" cy="263388"/>
-            </a:xfrm>
-            <a:prstGeom prst="roundRect">
-              <a:avLst>
-                <a:gd name="adj" fmla="val 19644"/>
-              </a:avLst>
-            </a:prstGeom>
-            <a:solidFill>
-              <a:schemeClr val="bg1"/>
-            </a:solidFill>
-            <a:ln w="12700">
-              <a:noFill/>
-            </a:ln>
-            <a:effectLst/>
-          </p:spPr>
-          <p:style>
-            <a:lnRef idx="2">
-              <a:schemeClr val="dk1"/>
-            </a:lnRef>
-            <a:fillRef idx="1">
-              <a:schemeClr val="lt1"/>
-            </a:fillRef>
-            <a:effectRef idx="0">
-              <a:schemeClr val="dk1"/>
-            </a:effectRef>
-            <a:fontRef idx="minor">
-              <a:schemeClr val="dk1"/>
-            </a:fontRef>
-          </p:style>
-          <p:txBody>
-            <a:bodyPr wrap="square" tIns="36000" bIns="36000" rtlCol="0" anchor="ctr">
-              <a:spAutoFit/>
-            </a:bodyPr>
-            <a:lstStyle/>
-            <a:p>
-              <a:pPr algn="ctr"/>
-              <a:r>
-                <a:rPr lang="en-US" sz="1200" dirty="0" smtClean="0">
-                  <a:solidFill>
-                    <a:schemeClr val="accent1"/>
-                  </a:solidFill>
-                  <a:latin typeface="Source Sans Pro Light" charset="0"/>
-                  <a:ea typeface="Source Sans Pro Light" charset="0"/>
-                  <a:cs typeface="Source Sans Pro Light" charset="0"/>
-                </a:rPr>
-                <a:t>FS</a:t>
-              </a:r>
-              <a:endParaRPr lang="en-US" sz="1200" dirty="0">
-                <a:solidFill>
-                  <a:schemeClr val="accent1"/>
-                </a:solidFill>
-                <a:latin typeface="Source Sans Pro Light" charset="0"/>
-                <a:ea typeface="Source Sans Pro Light" charset="0"/>
-                <a:cs typeface="Source Sans Pro Light" charset="0"/>
-              </a:endParaRPr>
-            </a:p>
-          </p:txBody>
-        </p:sp>
-        <p:sp>
-          <p:nvSpPr>
-            <p:cNvPr id="29" name="Rounded Rectangle 28"/>
-            <p:cNvSpPr/>
-            <p:nvPr/>
-          </p:nvSpPr>
-          <p:spPr>
-            <a:xfrm>
-              <a:off x="7438542" y="2432011"/>
-              <a:ext cx="899727" cy="263388"/>
-            </a:xfrm>
-            <a:prstGeom prst="roundRect">
-              <a:avLst>
-                <a:gd name="adj" fmla="val 19644"/>
-              </a:avLst>
-            </a:prstGeom>
-            <a:solidFill>
-              <a:schemeClr val="bg1"/>
-            </a:solidFill>
-            <a:ln w="12700">
-              <a:noFill/>
-            </a:ln>
-            <a:effectLst/>
-          </p:spPr>
-          <p:style>
-            <a:lnRef idx="2">
-              <a:schemeClr val="dk1"/>
-            </a:lnRef>
-            <a:fillRef idx="1">
-              <a:schemeClr val="lt1"/>
-            </a:fillRef>
-            <a:effectRef idx="0">
-              <a:schemeClr val="dk1"/>
-            </a:effectRef>
-            <a:fontRef idx="minor">
-              <a:schemeClr val="dk1"/>
-            </a:fontRef>
-          </p:style>
-          <p:txBody>
-            <a:bodyPr wrap="square" tIns="36000" bIns="36000" rtlCol="0" anchor="ctr">
-              <a:spAutoFit/>
-            </a:bodyPr>
-            <a:lstStyle/>
-            <a:p>
-              <a:pPr algn="ctr"/>
-              <a:r>
-                <a:rPr lang="en-US" sz="1200" smtClean="0">
-                  <a:solidFill>
-                    <a:schemeClr val="accent1"/>
-                  </a:solidFill>
-                  <a:latin typeface="Source Sans Pro Light" charset="0"/>
-                  <a:ea typeface="Source Sans Pro Light" charset="0"/>
-                  <a:cs typeface="Source Sans Pro Light" charset="0"/>
-                </a:rPr>
-                <a:t>ECOM</a:t>
-              </a:r>
-              <a:endParaRPr lang="en-US" sz="1200" dirty="0">
-                <a:solidFill>
-                  <a:schemeClr val="accent1"/>
-                </a:solidFill>
-                <a:latin typeface="Source Sans Pro Light" charset="0"/>
-                <a:ea typeface="Source Sans Pro Light" charset="0"/>
-                <a:cs typeface="Source Sans Pro Light" charset="0"/>
-              </a:endParaRPr>
-            </a:p>
-          </p:txBody>
-        </p:sp>
-        <p:sp>
-          <p:nvSpPr>
-            <p:cNvPr id="31" name="Rounded Rectangle 30"/>
-            <p:cNvSpPr/>
-            <p:nvPr/>
-          </p:nvSpPr>
-          <p:spPr>
-            <a:xfrm>
-              <a:off x="2400454" y="2432011"/>
-              <a:ext cx="891206" cy="263388"/>
-            </a:xfrm>
-            <a:prstGeom prst="roundRect">
-              <a:avLst>
-                <a:gd name="adj" fmla="val 19644"/>
-              </a:avLst>
-            </a:prstGeom>
-            <a:solidFill>
-              <a:schemeClr val="bg1"/>
-            </a:solidFill>
-            <a:ln w="12700">
-              <a:noFill/>
-            </a:ln>
-            <a:effectLst/>
-          </p:spPr>
-          <p:style>
-            <a:lnRef idx="2">
-              <a:schemeClr val="dk1"/>
-            </a:lnRef>
-            <a:fillRef idx="1">
-              <a:schemeClr val="lt1"/>
-            </a:fillRef>
-            <a:effectRef idx="0">
-              <a:schemeClr val="dk1"/>
-            </a:effectRef>
-            <a:fontRef idx="minor">
-              <a:schemeClr val="dk1"/>
-            </a:fontRef>
-          </p:style>
-          <p:txBody>
-            <a:bodyPr wrap="square" tIns="36000" bIns="36000" rtlCol="0" anchor="ctr">
-              <a:spAutoFit/>
-            </a:bodyPr>
-            <a:lstStyle/>
-            <a:p>
-              <a:pPr algn="ctr"/>
-              <a:r>
-                <a:rPr lang="en-US" sz="1200" dirty="0" smtClean="0">
-                  <a:solidFill>
-                    <a:schemeClr val="accent1"/>
-                  </a:solidFill>
-                  <a:latin typeface="Source Sans Pro Light" charset="0"/>
-                  <a:ea typeface="Source Sans Pro Light" charset="0"/>
-                  <a:cs typeface="Source Sans Pro Light" charset="0"/>
-                </a:rPr>
-                <a:t>EDC BON</a:t>
-              </a:r>
-              <a:endParaRPr lang="en-US" sz="1200" dirty="0">
-                <a:solidFill>
-                  <a:schemeClr val="accent1"/>
-                </a:solidFill>
-                <a:latin typeface="Source Sans Pro Light" charset="0"/>
-                <a:ea typeface="Source Sans Pro Light" charset="0"/>
-                <a:cs typeface="Source Sans Pro Light" charset="0"/>
-              </a:endParaRPr>
-            </a:p>
-          </p:txBody>
-        </p:sp>
-        <p:sp>
-          <p:nvSpPr>
-            <p:cNvPr id="33" name="Rounded Rectangle 32"/>
-            <p:cNvSpPr/>
-            <p:nvPr/>
-          </p:nvSpPr>
-          <p:spPr>
-            <a:xfrm>
-              <a:off x="9560037" y="1296097"/>
-              <a:ext cx="847968" cy="1514557"/>
-            </a:xfrm>
-            <a:prstGeom prst="roundRect">
-              <a:avLst>
-                <a:gd name="adj" fmla="val 8613"/>
-              </a:avLst>
-            </a:prstGeom>
-            <a:solidFill>
-              <a:schemeClr val="accent1"/>
-            </a:solidFill>
-            <a:ln w="12700">
-              <a:noFill/>
-            </a:ln>
-            <a:effectLst/>
-          </p:spPr>
-          <p:style>
-            <a:lnRef idx="2">
-              <a:schemeClr val="dk1"/>
-            </a:lnRef>
-            <a:fillRef idx="1">
-              <a:schemeClr val="lt1"/>
-            </a:fillRef>
-            <a:effectRef idx="0">
-              <a:schemeClr val="dk1"/>
-            </a:effectRef>
-            <a:fontRef idx="minor">
-              <a:schemeClr val="dk1"/>
-            </a:fontRef>
-          </p:style>
-          <p:txBody>
-            <a:bodyPr wrap="square" tIns="36000" bIns="36000" rtlCol="0" anchor="ctr">
-              <a:noAutofit/>
-            </a:bodyPr>
-            <a:lstStyle/>
-            <a:p>
-              <a:pPr algn="ctr"/>
               <a:endParaRPr lang="en-US" sz="1200" dirty="0">
                 <a:solidFill>
                   <a:schemeClr val="bg1"/>
@@ -8849,433 +11380,42 @@
             </a:p>
           </p:txBody>
         </p:sp>
-        <p:sp>
-          <p:nvSpPr>
-            <p:cNvPr id="35" name="Rounded Rectangle 34"/>
-            <p:cNvSpPr/>
-            <p:nvPr/>
-          </p:nvSpPr>
-          <p:spPr>
-            <a:xfrm>
-              <a:off x="2102257" y="3113520"/>
-              <a:ext cx="8440885" cy="2280975"/>
-            </a:xfrm>
-            <a:prstGeom prst="roundRect">
-              <a:avLst>
-                <a:gd name="adj" fmla="val 4681"/>
-              </a:avLst>
-            </a:prstGeom>
-            <a:solidFill>
-              <a:schemeClr val="bg1"/>
-            </a:solidFill>
-            <a:ln w="12700">
-              <a:noFill/>
-            </a:ln>
-            <a:effectLst>
-              <a:outerShdw blurRad="50800" algn="ctr" rotWithShape="0">
-                <a:schemeClr val="bg2">
-                  <a:lumMod val="50000"/>
-                  <a:alpha val="40000"/>
-                </a:schemeClr>
-              </a:outerShdw>
-            </a:effectLst>
-          </p:spPr>
-          <p:style>
-            <a:lnRef idx="2">
-              <a:schemeClr val="dk1"/>
-            </a:lnRef>
-            <a:fillRef idx="1">
-              <a:schemeClr val="lt1"/>
-            </a:fillRef>
-            <a:effectRef idx="0">
-              <a:schemeClr val="dk1"/>
-            </a:effectRef>
-            <a:fontRef idx="minor">
-              <a:schemeClr val="dk1"/>
-            </a:fontRef>
-          </p:style>
-          <p:txBody>
-            <a:bodyPr rtlCol="0" anchor="ctr"/>
-            <a:lstStyle/>
-            <a:p>
-              <a:pPr algn="ctr"/>
-              <a:endParaRPr lang="en-US" sz="1600" dirty="0">
-                <a:ln w="0">
-                  <a:solidFill>
-                    <a:sysClr val="windowText" lastClr="000000"/>
-                  </a:solidFill>
-                </a:ln>
-                <a:solidFill>
-                  <a:schemeClr val="tx1"/>
-                </a:solidFill>
-                <a:effectLst>
-                  <a:outerShdw blurRad="63500" sx="102000" sy="102000" algn="ctr" rotWithShape="0">
-                    <a:schemeClr val="accent1">
-                      <a:lumMod val="60000"/>
-                      <a:lumOff val="40000"/>
-                      <a:alpha val="40000"/>
-                    </a:schemeClr>
-                  </a:outerShdw>
-                </a:effectLst>
-              </a:endParaRPr>
-            </a:p>
-          </p:txBody>
-        </p:sp>
-        <p:sp>
-          <p:nvSpPr>
-            <p:cNvPr id="43" name="Rounded Rectangle 42"/>
-            <p:cNvSpPr/>
-            <p:nvPr/>
-          </p:nvSpPr>
-          <p:spPr>
-            <a:xfrm>
-              <a:off x="3402958" y="3290997"/>
-              <a:ext cx="891207" cy="306794"/>
-            </a:xfrm>
-            <a:prstGeom prst="roundRect">
-              <a:avLst>
-                <a:gd name="adj" fmla="val 13128"/>
-              </a:avLst>
-            </a:prstGeom>
-            <a:solidFill>
-              <a:schemeClr val="accent1">
-                <a:lumMod val="60000"/>
-                <a:lumOff val="40000"/>
-              </a:schemeClr>
-            </a:solidFill>
-            <a:ln w="12700">
-              <a:noFill/>
-            </a:ln>
-            <a:effectLst/>
-          </p:spPr>
-          <p:style>
-            <a:lnRef idx="2">
-              <a:schemeClr val="dk1"/>
-            </a:lnRef>
-            <a:fillRef idx="1">
-              <a:schemeClr val="lt1"/>
-            </a:fillRef>
-            <a:effectRef idx="0">
-              <a:schemeClr val="dk1"/>
-            </a:effectRef>
-            <a:fontRef idx="minor">
-              <a:schemeClr val="dk1"/>
-            </a:fontRef>
-          </p:style>
-          <p:txBody>
-            <a:bodyPr wrap="square" tIns="36000" bIns="36000" rtlCol="0" anchor="ctr">
-              <a:noAutofit/>
-            </a:bodyPr>
-            <a:lstStyle/>
-            <a:p>
-              <a:pPr algn="ctr">
-                <a:lnSpc>
-                  <a:spcPts val="1200"/>
-                </a:lnSpc>
-              </a:pPr>
-              <a:r>
-                <a:rPr lang="en-US" sz="1200" dirty="0">
-                  <a:solidFill>
-                    <a:schemeClr val="bg1"/>
-                  </a:solidFill>
-                  <a:latin typeface="Source Sans Pro Light" charset="0"/>
-                  <a:ea typeface="Source Sans Pro Light" charset="0"/>
-                  <a:cs typeface="Source Sans Pro Light" charset="0"/>
-                </a:rPr>
-                <a:t>Graphical</a:t>
-              </a:r>
-            </a:p>
-            <a:p>
-              <a:pPr algn="ctr">
-                <a:lnSpc>
-                  <a:spcPts val="1200"/>
-                </a:lnSpc>
-              </a:pPr>
-              <a:r>
-                <a:rPr lang="en-US" sz="1200" dirty="0">
-                  <a:solidFill>
-                    <a:schemeClr val="bg1"/>
-                  </a:solidFill>
-                  <a:latin typeface="Source Sans Pro Light" charset="0"/>
-                  <a:ea typeface="Source Sans Pro Light" charset="0"/>
-                  <a:cs typeface="Source Sans Pro Light" charset="0"/>
-                </a:rPr>
-                <a:t>Engine</a:t>
-              </a:r>
-            </a:p>
-          </p:txBody>
-        </p:sp>
-        <p:sp>
-          <p:nvSpPr>
-            <p:cNvPr id="49" name="Rounded Rectangle 48"/>
-            <p:cNvSpPr/>
-            <p:nvPr/>
-          </p:nvSpPr>
-          <p:spPr>
-            <a:xfrm>
-              <a:off x="8447873" y="3806402"/>
-              <a:ext cx="902179" cy="1491845"/>
-            </a:xfrm>
-            <a:prstGeom prst="roundRect">
-              <a:avLst>
-                <a:gd name="adj" fmla="val 13128"/>
-              </a:avLst>
-            </a:prstGeom>
-            <a:solidFill>
-              <a:schemeClr val="tx2"/>
-            </a:solidFill>
-            <a:ln w="12700">
-              <a:noFill/>
-            </a:ln>
-            <a:effectLst/>
-          </p:spPr>
-          <p:style>
-            <a:lnRef idx="2">
-              <a:schemeClr val="dk1"/>
-            </a:lnRef>
-            <a:fillRef idx="1">
-              <a:schemeClr val="lt1"/>
-            </a:fillRef>
-            <a:effectRef idx="0">
-              <a:schemeClr val="dk1"/>
-            </a:effectRef>
-            <a:fontRef idx="minor">
-              <a:schemeClr val="dk1"/>
-            </a:fontRef>
-          </p:style>
-          <p:txBody>
-            <a:bodyPr wrap="square" tIns="36000" bIns="36000" rtlCol="0" anchor="ctr">
-              <a:noAutofit/>
-            </a:bodyPr>
-            <a:lstStyle/>
-            <a:p>
-              <a:pPr algn="ctr"/>
-              <a:r>
-                <a:rPr lang="en-US" sz="1200" dirty="0" smtClean="0">
-                  <a:solidFill>
-                    <a:schemeClr val="bg1"/>
-                  </a:solidFill>
-                  <a:latin typeface="Source Sans Pro Light" charset="0"/>
-                  <a:ea typeface="Source Sans Pro Light" charset="0"/>
-                  <a:cs typeface="Source Sans Pro Light" charset="0"/>
-                </a:rPr>
-                <a:t>Lib </a:t>
-              </a:r>
-              <a:r>
-                <a:rPr lang="mr-IN" sz="1200" i="1" dirty="0" smtClean="0">
-                  <a:solidFill>
-                    <a:schemeClr val="bg1"/>
-                  </a:solidFill>
-                  <a:latin typeface="Source Sans Pro Light" charset="0"/>
-                  <a:ea typeface="Source Sans Pro Light" charset="0"/>
-                  <a:cs typeface="Source Sans Pro Light" charset="0"/>
-                </a:rPr>
-                <a:t>…</a:t>
-              </a:r>
-              <a:endParaRPr lang="en-US" sz="1200" i="1" dirty="0">
-                <a:solidFill>
-                  <a:schemeClr val="bg1"/>
-                </a:solidFill>
-                <a:latin typeface="Source Sans Pro Light" charset="0"/>
-                <a:ea typeface="Source Sans Pro Light" charset="0"/>
-                <a:cs typeface="Source Sans Pro Light" charset="0"/>
-              </a:endParaRPr>
-            </a:p>
-          </p:txBody>
-        </p:sp>
-        <p:sp>
-          <p:nvSpPr>
-            <p:cNvPr id="60" name="Rounded Rectangle 59"/>
-            <p:cNvSpPr/>
-            <p:nvPr/>
-          </p:nvSpPr>
-          <p:spPr>
-            <a:xfrm>
-              <a:off x="8450879" y="3487000"/>
-              <a:ext cx="902179" cy="220275"/>
-            </a:xfrm>
-            <a:prstGeom prst="roundRect">
-              <a:avLst>
-                <a:gd name="adj" fmla="val 50000"/>
-              </a:avLst>
-            </a:prstGeom>
-            <a:solidFill>
-              <a:schemeClr val="bg1"/>
-            </a:solidFill>
-            <a:ln w="28575">
-              <a:solidFill>
-                <a:schemeClr val="accent1">
-                  <a:lumMod val="60000"/>
-                  <a:lumOff val="40000"/>
-                </a:schemeClr>
-              </a:solidFill>
-              <a:prstDash val="solid"/>
-            </a:ln>
-          </p:spPr>
-          <p:style>
-            <a:lnRef idx="2">
-              <a:schemeClr val="accent1">
-                <a:shade val="50000"/>
-              </a:schemeClr>
-            </a:lnRef>
-            <a:fillRef idx="1">
-              <a:schemeClr val="accent1"/>
-            </a:fillRef>
-            <a:effectRef idx="0">
-              <a:schemeClr val="accent1"/>
-            </a:effectRef>
-            <a:fontRef idx="minor">
-              <a:schemeClr val="lt1"/>
-            </a:fontRef>
-          </p:style>
-          <p:txBody>
-            <a:bodyPr rtlCol="0" anchor="ctr"/>
-            <a:lstStyle/>
-            <a:p>
-              <a:pPr algn="ctr"/>
-              <a:endParaRPr lang="en-US"/>
-            </a:p>
-          </p:txBody>
-        </p:sp>
-        <p:sp>
-          <p:nvSpPr>
-            <p:cNvPr id="63" name="Rectangle 62"/>
-            <p:cNvSpPr/>
-            <p:nvPr/>
-          </p:nvSpPr>
-          <p:spPr>
-            <a:xfrm>
-              <a:off x="8395321" y="3466145"/>
-              <a:ext cx="1053495" cy="276999"/>
-            </a:xfrm>
-            <a:prstGeom prst="rect">
-              <a:avLst/>
-            </a:prstGeom>
-          </p:spPr>
-          <p:txBody>
-            <a:bodyPr wrap="none">
-              <a:spAutoFit/>
-            </a:bodyPr>
-            <a:lstStyle/>
-            <a:p>
-              <a:pPr algn="ctr"/>
-              <a:r>
-                <a:rPr lang="en-US" sz="1200" dirty="0" err="1" smtClean="0">
-                  <a:solidFill>
-                    <a:schemeClr val="tx1">
-                      <a:lumMod val="75000"/>
-                    </a:schemeClr>
-                  </a:solidFill>
-                  <a:latin typeface="Source Sans Pro Light" charset="0"/>
-                  <a:ea typeface="Source Sans Pro Light" charset="0"/>
-                  <a:cs typeface="Source Sans Pro Light" charset="0"/>
-                </a:rPr>
-                <a:t>Abstrac</a:t>
-              </a:r>
-              <a:r>
-                <a:rPr lang="en-US" sz="1200" dirty="0" smtClean="0">
-                  <a:solidFill>
-                    <a:schemeClr val="tx1">
-                      <a:lumMod val="75000"/>
-                    </a:schemeClr>
-                  </a:solidFill>
-                  <a:latin typeface="Source Sans Pro Light" charset="0"/>
-                  <a:ea typeface="Source Sans Pro Light" charset="0"/>
-                  <a:cs typeface="Source Sans Pro Light" charset="0"/>
-                </a:rPr>
-                <a:t>. Layer</a:t>
-              </a:r>
-              <a:endParaRPr lang="en-US" sz="1200" dirty="0">
-                <a:solidFill>
-                  <a:schemeClr val="tx1">
-                    <a:lumMod val="75000"/>
-                  </a:schemeClr>
-                </a:solidFill>
-                <a:latin typeface="Source Sans Pro Light" charset="0"/>
-                <a:ea typeface="Source Sans Pro Light" charset="0"/>
-                <a:cs typeface="Source Sans Pro Light" charset="0"/>
-              </a:endParaRPr>
-            </a:p>
-          </p:txBody>
-        </p:sp>
         <p:grpSp>
           <p:nvGrpSpPr>
-            <p:cNvPr id="3" name="Group 2"/>
+            <p:cNvPr id="70" name="Group 69">
+              <a:extLst>
+                <a:ext uri="{FF2B5EF4-FFF2-40B4-BE49-F238E27FC236}">
+                  <a16:creationId xmlns:a16="http://schemas.microsoft.com/office/drawing/2014/main" id="{475F27EB-D6DC-8242-B849-58F3A2C96C16}"/>
+                </a:ext>
+              </a:extLst>
+            </p:cNvPr>
             <p:cNvGrpSpPr/>
             <p:nvPr/>
           </p:nvGrpSpPr>
           <p:grpSpPr>
             <a:xfrm>
-              <a:off x="2302959" y="3018358"/>
-              <a:ext cx="988356" cy="988356"/>
-              <a:chOff x="634935" y="3278346"/>
-              <a:chExt cx="988356" cy="988356"/>
+              <a:off x="3783349" y="4072507"/>
+              <a:ext cx="1230088" cy="352081"/>
+              <a:chOff x="3783349" y="4072507"/>
+              <a:chExt cx="1230088" cy="352081"/>
             </a:xfrm>
           </p:grpSpPr>
-          <p:sp>
-            <p:nvSpPr>
-              <p:cNvPr id="65" name="Oval 64"/>
-              <p:cNvSpPr/>
-              <p:nvPr/>
-            </p:nvSpPr>
-            <p:spPr>
-              <a:xfrm>
-                <a:off x="634935" y="3278346"/>
-                <a:ext cx="988356" cy="988356"/>
-              </a:xfrm>
-              <a:prstGeom prst="ellipse">
-                <a:avLst/>
-              </a:prstGeom>
-              <a:solidFill>
-                <a:schemeClr val="bg1"/>
-              </a:solidFill>
-              <a:ln w="12700">
-                <a:noFill/>
-              </a:ln>
-              <a:effectLst>
-                <a:outerShdw blurRad="63500" sx="102000" sy="102000" algn="ctr" rotWithShape="0">
-                  <a:schemeClr val="accent1">
-                    <a:lumMod val="60000"/>
-                    <a:lumOff val="40000"/>
-                  </a:schemeClr>
-                </a:outerShdw>
-              </a:effectLst>
-            </p:spPr>
-            <p:style>
-              <a:lnRef idx="2">
-                <a:schemeClr val="accent1">
-                  <a:shade val="50000"/>
-                </a:schemeClr>
-              </a:lnRef>
-              <a:fillRef idx="1">
-                <a:schemeClr val="accent1"/>
-              </a:fillRef>
-              <a:effectRef idx="0">
-                <a:schemeClr val="accent1"/>
-              </a:effectRef>
-              <a:fontRef idx="minor">
-                <a:schemeClr val="lt1"/>
-              </a:fontRef>
-            </p:style>
-            <p:txBody>
-              <a:bodyPr rtlCol="0" anchor="ctr"/>
-              <a:lstStyle/>
-              <a:p>
-                <a:pPr algn="ctr"/>
-                <a:endParaRPr lang="en-US"/>
-              </a:p>
-            </p:txBody>
-          </p:sp>
           <p:pic>
             <p:nvPicPr>
-              <p:cNvPr id="66" name="Picture 65"/>
+              <p:cNvPr id="71" name="Picture 70">
+                <a:extLst>
+                  <a:ext uri="{FF2B5EF4-FFF2-40B4-BE49-F238E27FC236}">
+                    <a16:creationId xmlns:a16="http://schemas.microsoft.com/office/drawing/2014/main" id="{B1D1117B-D912-D64C-948E-64419C9C8F1B}"/>
+                  </a:ext>
+                </a:extLst>
+              </p:cNvPr>
               <p:cNvPicPr>
                 <a:picLocks noChangeAspect="1"/>
               </p:cNvPicPr>
               <p:nvPr/>
             </p:nvPicPr>
             <p:blipFill>
-              <a:blip r:embed="rId2">
+              <a:blip r:embed="rId4" cstate="print">
                 <a:extLst>
                   <a:ext uri="{28A0092B-C50C-407E-A947-70E740481C1C}">
                     <a14:useLocalDpi xmlns:a14="http://schemas.microsoft.com/office/drawing/2010/main" val="0"/>
@@ -9288,780 +11428,1068 @@
             </p:blipFill>
             <p:spPr>
               <a:xfrm>
-                <a:off x="765358" y="3399967"/>
-                <a:ext cx="721905" cy="726714"/>
+                <a:off x="4112965" y="4074404"/>
+                <a:ext cx="900472" cy="350184"/>
               </a:xfrm>
               <a:prstGeom prst="rect">
                 <a:avLst/>
               </a:prstGeom>
-              <a:ln>
-                <a:noFill/>
-              </a:ln>
+            </p:spPr>
+          </p:pic>
+          <p:pic>
+            <p:nvPicPr>
+              <p:cNvPr id="72" name="Picture 71">
+                <a:extLst>
+                  <a:ext uri="{FF2B5EF4-FFF2-40B4-BE49-F238E27FC236}">
+                    <a16:creationId xmlns:a16="http://schemas.microsoft.com/office/drawing/2014/main" id="{90C584F6-44A7-F64C-84D5-12CB88539111}"/>
+                  </a:ext>
+                </a:extLst>
+              </p:cNvPr>
+              <p:cNvPicPr>
+                <a:picLocks noChangeAspect="1"/>
+              </p:cNvPicPr>
+              <p:nvPr/>
+            </p:nvPicPr>
+            <p:blipFill>
+              <a:blip r:embed="rId5" cstate="print">
+                <a:extLst>
+                  <a:ext uri="{28A0092B-C50C-407E-A947-70E740481C1C}">
+                    <a14:useLocalDpi xmlns:a14="http://schemas.microsoft.com/office/drawing/2010/main" val="0"/>
+                  </a:ext>
+                </a:extLst>
+              </a:blip>
+              <a:stretch>
+                <a:fillRect/>
+              </a:stretch>
+            </p:blipFill>
+            <p:spPr>
+              <a:xfrm>
+                <a:off x="3783349" y="4072507"/>
+                <a:ext cx="322073" cy="324658"/>
+              </a:xfrm>
+              <a:prstGeom prst="rect">
+                <a:avLst/>
+              </a:prstGeom>
             </p:spPr>
           </p:pic>
         </p:grpSp>
-        <p:sp>
-          <p:nvSpPr>
-            <p:cNvPr id="67" name="Rounded Rectangle 66"/>
-            <p:cNvSpPr/>
-            <p:nvPr/>
-          </p:nvSpPr>
-          <p:spPr>
-            <a:xfrm>
-              <a:off x="9470250" y="3806402"/>
-              <a:ext cx="902179" cy="1491845"/>
-            </a:xfrm>
-            <a:prstGeom prst="roundRect">
-              <a:avLst>
-                <a:gd name="adj" fmla="val 13128"/>
-              </a:avLst>
-            </a:prstGeom>
+      </p:grpSp>
+      <p:sp>
+        <p:nvSpPr>
+          <p:cNvPr id="73" name="Rounded Rectangle 72">
+            <a:extLst>
+              <a:ext uri="{FF2B5EF4-FFF2-40B4-BE49-F238E27FC236}">
+                <a16:creationId xmlns:a16="http://schemas.microsoft.com/office/drawing/2014/main" id="{03C2881A-E49C-5D49-8C84-76D31A9A17E8}"/>
+              </a:ext>
+            </a:extLst>
+          </p:cNvPr>
+          <p:cNvSpPr/>
+          <p:nvPr/>
+        </p:nvSpPr>
+        <p:spPr>
+          <a:xfrm>
+            <a:off x="4941422" y="4379315"/>
+            <a:ext cx="900000" cy="585791"/>
+          </a:xfrm>
+          <a:prstGeom prst="roundRect">
+            <a:avLst>
+              <a:gd name="adj" fmla="val 12736"/>
+            </a:avLst>
+          </a:prstGeom>
+          <a:solidFill>
+            <a:schemeClr val="tx2"/>
+          </a:solidFill>
+          <a:ln w="12700">
+            <a:noFill/>
+          </a:ln>
+          <a:effectLst/>
+        </p:spPr>
+        <p:style>
+          <a:lnRef idx="2">
+            <a:schemeClr val="dk1"/>
+          </a:lnRef>
+          <a:fillRef idx="1">
+            <a:schemeClr val="lt1"/>
+          </a:fillRef>
+          <a:effectRef idx="0">
+            <a:schemeClr val="dk1"/>
+          </a:effectRef>
+          <a:fontRef idx="minor">
+            <a:schemeClr val="dk1"/>
+          </a:fontRef>
+        </p:style>
+        <p:txBody>
+          <a:bodyPr wrap="square" lIns="0" tIns="72000" rIns="0" bIns="36000" rtlCol="0" anchor="ctr">
+            <a:noAutofit/>
+          </a:bodyPr>
+          <a:lstStyle/>
+          <a:p>
+            <a:pPr algn="ctr">
+              <a:lnSpc>
+                <a:spcPts val="1000"/>
+              </a:lnSpc>
+            </a:pPr>
+            <a:endParaRPr lang="en-US" sz="1100" dirty="0">
+              <a:solidFill>
+                <a:schemeClr val="bg1"/>
+              </a:solidFill>
+              <a:latin typeface="Source Sans Pro Light" charset="0"/>
+            </a:endParaRPr>
+          </a:p>
+        </p:txBody>
+      </p:sp>
+      <p:sp>
+        <p:nvSpPr>
+          <p:cNvPr id="74" name="Rounded Rectangle 73">
+            <a:extLst>
+              <a:ext uri="{FF2B5EF4-FFF2-40B4-BE49-F238E27FC236}">
+                <a16:creationId xmlns:a16="http://schemas.microsoft.com/office/drawing/2014/main" id="{4847C1F8-F836-A543-A02E-4B5C959EDC18}"/>
+              </a:ext>
+            </a:extLst>
+          </p:cNvPr>
+          <p:cNvSpPr/>
+          <p:nvPr/>
+        </p:nvSpPr>
+        <p:spPr>
+          <a:xfrm>
+            <a:off x="3945794" y="4379315"/>
+            <a:ext cx="900000" cy="579432"/>
+          </a:xfrm>
+          <a:prstGeom prst="roundRect">
+            <a:avLst>
+              <a:gd name="adj" fmla="val 9951"/>
+            </a:avLst>
+          </a:prstGeom>
+          <a:solidFill>
+            <a:schemeClr val="tx2"/>
+          </a:solidFill>
+          <a:ln w="12700">
+            <a:noFill/>
+          </a:ln>
+          <a:effectLst/>
+        </p:spPr>
+        <p:style>
+          <a:lnRef idx="2">
+            <a:schemeClr val="dk1"/>
+          </a:lnRef>
+          <a:fillRef idx="1">
+            <a:schemeClr val="lt1"/>
+          </a:fillRef>
+          <a:effectRef idx="0">
+            <a:schemeClr val="dk1"/>
+          </a:effectRef>
+          <a:fontRef idx="minor">
+            <a:schemeClr val="dk1"/>
+          </a:fontRef>
+        </p:style>
+        <p:txBody>
+          <a:bodyPr wrap="square" lIns="0" tIns="72000" rIns="0" bIns="36000" rtlCol="0" anchor="ctr">
+            <a:noAutofit/>
+          </a:bodyPr>
+          <a:lstStyle/>
+          <a:p>
+            <a:pPr algn="ctr">
+              <a:lnSpc>
+                <a:spcPts val="1000"/>
+              </a:lnSpc>
+            </a:pPr>
+            <a:endParaRPr lang="en-US" sz="1100" dirty="0">
+              <a:solidFill>
+                <a:schemeClr val="bg1"/>
+              </a:solidFill>
+              <a:latin typeface="Source Sans Pro Light" charset="0"/>
+            </a:endParaRPr>
+          </a:p>
+        </p:txBody>
+      </p:sp>
+      <p:sp>
+        <p:nvSpPr>
+          <p:cNvPr id="75" name="Rounded Rectangle 74">
+            <a:extLst>
+              <a:ext uri="{FF2B5EF4-FFF2-40B4-BE49-F238E27FC236}">
+                <a16:creationId xmlns:a16="http://schemas.microsoft.com/office/drawing/2014/main" id="{364D9177-18C7-2D46-B056-9591B0E8BC3E}"/>
+              </a:ext>
+            </a:extLst>
+          </p:cNvPr>
+          <p:cNvSpPr/>
+          <p:nvPr/>
+        </p:nvSpPr>
+        <p:spPr>
+          <a:xfrm>
+            <a:off x="8407761" y="4379315"/>
+            <a:ext cx="900001" cy="579432"/>
+          </a:xfrm>
+          <a:prstGeom prst="roundRect">
+            <a:avLst>
+              <a:gd name="adj" fmla="val 11010"/>
+            </a:avLst>
+          </a:prstGeom>
+          <a:solidFill>
+            <a:schemeClr val="tx2"/>
+          </a:solidFill>
+          <a:ln w="12700">
+            <a:noFill/>
+          </a:ln>
+          <a:effectLst/>
+        </p:spPr>
+        <p:style>
+          <a:lnRef idx="2">
+            <a:schemeClr val="dk1"/>
+          </a:lnRef>
+          <a:fillRef idx="1">
+            <a:schemeClr val="lt1"/>
+          </a:fillRef>
+          <a:effectRef idx="0">
+            <a:schemeClr val="dk1"/>
+          </a:effectRef>
+          <a:fontRef idx="minor">
+            <a:schemeClr val="dk1"/>
+          </a:fontRef>
+        </p:style>
+        <p:txBody>
+          <a:bodyPr wrap="square" lIns="0" tIns="0" rIns="0" bIns="0" rtlCol="0" anchor="ctr">
+            <a:noAutofit/>
+          </a:bodyPr>
+          <a:lstStyle/>
+          <a:p>
+            <a:pPr algn="ctr"/>
+            <a:endParaRPr lang="en-US" sz="1200" dirty="0">
+              <a:solidFill>
+                <a:schemeClr val="bg1"/>
+              </a:solidFill>
+              <a:latin typeface="Source Sans Pro Light" charset="0"/>
+              <a:ea typeface="Source Sans Pro Light" charset="0"/>
+              <a:cs typeface="Source Sans Pro Light" charset="0"/>
+            </a:endParaRPr>
+          </a:p>
+        </p:txBody>
+      </p:sp>
+      <p:cxnSp>
+        <p:nvCxnSpPr>
+          <p:cNvPr id="76" name="Straight Connector 75">
+            <a:extLst>
+              <a:ext uri="{FF2B5EF4-FFF2-40B4-BE49-F238E27FC236}">
+                <a16:creationId xmlns:a16="http://schemas.microsoft.com/office/drawing/2014/main" id="{36B05896-E639-D34A-A80A-8B21183B78D5}"/>
+              </a:ext>
+            </a:extLst>
+          </p:cNvPr>
+          <p:cNvCxnSpPr>
+            <a:cxnSpLocks/>
+          </p:cNvCxnSpPr>
+          <p:nvPr/>
+        </p:nvCxnSpPr>
+        <p:spPr>
+          <a:xfrm>
+            <a:off x="4959422" y="4282301"/>
+            <a:ext cx="864000" cy="0"/>
+          </a:xfrm>
+          <a:prstGeom prst="line">
+            <a:avLst/>
+          </a:prstGeom>
+          <a:ln w="38100" cap="rnd">
             <a:solidFill>
-              <a:schemeClr val="tx2"/>
+              <a:schemeClr val="accent1"/>
             </a:solidFill>
-            <a:ln w="12700">
-              <a:noFill/>
-            </a:ln>
-            <a:effectLst/>
-          </p:spPr>
-          <p:style>
-            <a:lnRef idx="2">
-              <a:schemeClr val="dk1"/>
-            </a:lnRef>
-            <a:fillRef idx="1">
-              <a:schemeClr val="lt1"/>
-            </a:fillRef>
-            <a:effectRef idx="0">
-              <a:schemeClr val="dk1"/>
-            </a:effectRef>
-            <a:fontRef idx="minor">
-              <a:schemeClr val="dk1"/>
-            </a:fontRef>
-          </p:style>
-          <p:txBody>
-            <a:bodyPr wrap="square" tIns="36000" bIns="36000" rtlCol="0" anchor="ctr">
-              <a:noAutofit/>
-            </a:bodyPr>
-            <a:lstStyle/>
-            <a:p>
-              <a:pPr algn="ctr"/>
-              <a:r>
-                <a:rPr lang="en-US" sz="1200" dirty="0" smtClean="0">
-                  <a:solidFill>
-                    <a:schemeClr val="bg1"/>
-                  </a:solidFill>
-                  <a:latin typeface="Source Sans Pro Light" charset="0"/>
-                  <a:ea typeface="Source Sans Pro Light" charset="0"/>
-                  <a:cs typeface="Source Sans Pro Light" charset="0"/>
-                </a:rPr>
-                <a:t>Your Lib</a:t>
-              </a:r>
-              <a:endParaRPr lang="en-US" sz="1200" i="1" dirty="0">
+            <a:miter lim="800000"/>
+          </a:ln>
+        </p:spPr>
+        <p:style>
+          <a:lnRef idx="1">
+            <a:schemeClr val="accent1"/>
+          </a:lnRef>
+          <a:fillRef idx="0">
+            <a:schemeClr val="accent1"/>
+          </a:fillRef>
+          <a:effectRef idx="0">
+            <a:schemeClr val="accent1"/>
+          </a:effectRef>
+          <a:fontRef idx="minor">
+            <a:schemeClr val="tx1"/>
+          </a:fontRef>
+        </p:style>
+      </p:cxnSp>
+      <p:cxnSp>
+        <p:nvCxnSpPr>
+          <p:cNvPr id="77" name="Straight Connector 76">
+            <a:extLst>
+              <a:ext uri="{FF2B5EF4-FFF2-40B4-BE49-F238E27FC236}">
+                <a16:creationId xmlns:a16="http://schemas.microsoft.com/office/drawing/2014/main" id="{79843653-CF51-B942-BE5F-C071A4E49119}"/>
+              </a:ext>
+            </a:extLst>
+          </p:cNvPr>
+          <p:cNvCxnSpPr>
+            <a:cxnSpLocks/>
+          </p:cNvCxnSpPr>
+          <p:nvPr/>
+        </p:nvCxnSpPr>
+        <p:spPr>
+          <a:xfrm>
+            <a:off x="10417015" y="4282301"/>
+            <a:ext cx="408820" cy="0"/>
+          </a:xfrm>
+          <a:prstGeom prst="line">
+            <a:avLst/>
+          </a:prstGeom>
+          <a:ln w="38100" cap="rnd">
+            <a:gradFill flip="none" rotWithShape="1">
+              <a:gsLst>
+                <a:gs pos="0">
+                  <a:schemeClr val="accent1"/>
+                </a:gs>
+                <a:gs pos="100000">
+                  <a:schemeClr val="accent1">
+                    <a:alpha val="0"/>
+                  </a:schemeClr>
+                </a:gs>
+              </a:gsLst>
+              <a:lin ang="0" scaled="1"/>
+              <a:tileRect/>
+            </a:gradFill>
+            <a:miter lim="800000"/>
+          </a:ln>
+        </p:spPr>
+        <p:style>
+          <a:lnRef idx="1">
+            <a:schemeClr val="accent1"/>
+          </a:lnRef>
+          <a:fillRef idx="0">
+            <a:schemeClr val="accent1"/>
+          </a:fillRef>
+          <a:effectRef idx="0">
+            <a:schemeClr val="accent1"/>
+          </a:effectRef>
+          <a:fontRef idx="minor">
+            <a:schemeClr val="tx1"/>
+          </a:fontRef>
+        </p:style>
+      </p:cxnSp>
+      <p:cxnSp>
+        <p:nvCxnSpPr>
+          <p:cNvPr id="78" name="Straight Connector 77">
+            <a:extLst>
+              <a:ext uri="{FF2B5EF4-FFF2-40B4-BE49-F238E27FC236}">
+                <a16:creationId xmlns:a16="http://schemas.microsoft.com/office/drawing/2014/main" id="{E39D0A80-39D2-3F4B-8198-C59BA7279893}"/>
+              </a:ext>
+            </a:extLst>
+          </p:cNvPr>
+          <p:cNvCxnSpPr>
+            <a:cxnSpLocks/>
+          </p:cNvCxnSpPr>
+          <p:nvPr/>
+        </p:nvCxnSpPr>
+        <p:spPr>
+          <a:xfrm>
+            <a:off x="3963794" y="4282301"/>
+            <a:ext cx="864000" cy="0"/>
+          </a:xfrm>
+          <a:prstGeom prst="line">
+            <a:avLst/>
+          </a:prstGeom>
+          <a:ln w="38100" cap="rnd">
+            <a:solidFill>
+              <a:schemeClr val="accent1"/>
+            </a:solidFill>
+            <a:miter lim="800000"/>
+          </a:ln>
+        </p:spPr>
+        <p:style>
+          <a:lnRef idx="1">
+            <a:schemeClr val="accent1"/>
+          </a:lnRef>
+          <a:fillRef idx="0">
+            <a:schemeClr val="accent1"/>
+          </a:fillRef>
+          <a:effectRef idx="0">
+            <a:schemeClr val="accent1"/>
+          </a:effectRef>
+          <a:fontRef idx="minor">
+            <a:schemeClr val="tx1"/>
+          </a:fontRef>
+        </p:style>
+      </p:cxnSp>
+      <p:cxnSp>
+        <p:nvCxnSpPr>
+          <p:cNvPr id="79" name="Straight Connector 78">
+            <a:extLst>
+              <a:ext uri="{FF2B5EF4-FFF2-40B4-BE49-F238E27FC236}">
+                <a16:creationId xmlns:a16="http://schemas.microsoft.com/office/drawing/2014/main" id="{574C8985-9B08-1E41-8568-76984C00C7B3}"/>
+              </a:ext>
+            </a:extLst>
+          </p:cNvPr>
+          <p:cNvCxnSpPr>
+            <a:cxnSpLocks/>
+          </p:cNvCxnSpPr>
+          <p:nvPr/>
+        </p:nvCxnSpPr>
+        <p:spPr>
+          <a:xfrm>
+            <a:off x="8425762" y="4282301"/>
+            <a:ext cx="864000" cy="0"/>
+          </a:xfrm>
+          <a:prstGeom prst="line">
+            <a:avLst/>
+          </a:prstGeom>
+          <a:ln w="38100" cap="rnd">
+            <a:solidFill>
+              <a:schemeClr val="accent1"/>
+            </a:solidFill>
+            <a:miter lim="800000"/>
+          </a:ln>
+        </p:spPr>
+        <p:style>
+          <a:lnRef idx="1">
+            <a:schemeClr val="accent1"/>
+          </a:lnRef>
+          <a:fillRef idx="0">
+            <a:schemeClr val="accent1"/>
+          </a:fillRef>
+          <a:effectRef idx="0">
+            <a:schemeClr val="accent1"/>
+          </a:effectRef>
+          <a:fontRef idx="minor">
+            <a:schemeClr val="tx1"/>
+          </a:fontRef>
+        </p:style>
+      </p:cxnSp>
+      <p:cxnSp>
+        <p:nvCxnSpPr>
+          <p:cNvPr id="80" name="Straight Connector 79">
+            <a:extLst>
+              <a:ext uri="{FF2B5EF4-FFF2-40B4-BE49-F238E27FC236}">
+                <a16:creationId xmlns:a16="http://schemas.microsoft.com/office/drawing/2014/main" id="{7A4A26AC-3D78-9D49-AFFA-FC53315A5DFB}"/>
+              </a:ext>
+            </a:extLst>
+          </p:cNvPr>
+          <p:cNvCxnSpPr>
+            <a:cxnSpLocks/>
+          </p:cNvCxnSpPr>
+          <p:nvPr/>
+        </p:nvCxnSpPr>
+        <p:spPr>
+          <a:xfrm>
+            <a:off x="9421390" y="4282301"/>
+            <a:ext cx="864000" cy="0"/>
+          </a:xfrm>
+          <a:prstGeom prst="line">
+            <a:avLst/>
+          </a:prstGeom>
+          <a:ln w="38100" cap="rnd">
+            <a:solidFill>
+              <a:schemeClr val="accent1"/>
+            </a:solidFill>
+            <a:miter lim="800000"/>
+          </a:ln>
+        </p:spPr>
+        <p:style>
+          <a:lnRef idx="1">
+            <a:schemeClr val="accent1"/>
+          </a:lnRef>
+          <a:fillRef idx="0">
+            <a:schemeClr val="accent1"/>
+          </a:fillRef>
+          <a:effectRef idx="0">
+            <a:schemeClr val="accent1"/>
+          </a:effectRef>
+          <a:fontRef idx="minor">
+            <a:schemeClr val="tx1"/>
+          </a:fontRef>
+        </p:style>
+      </p:cxnSp>
+      <p:sp>
+        <p:nvSpPr>
+          <p:cNvPr id="81" name="Rounded Rectangle 80">
+            <a:extLst>
+              <a:ext uri="{FF2B5EF4-FFF2-40B4-BE49-F238E27FC236}">
+                <a16:creationId xmlns:a16="http://schemas.microsoft.com/office/drawing/2014/main" id="{903200F4-ED58-184F-A495-76CE6AD636DF}"/>
+              </a:ext>
+            </a:extLst>
+          </p:cNvPr>
+          <p:cNvSpPr/>
+          <p:nvPr/>
+        </p:nvSpPr>
+        <p:spPr>
+          <a:xfrm>
+            <a:off x="5937050" y="4260518"/>
+            <a:ext cx="900000" cy="337305"/>
+          </a:xfrm>
+          <a:prstGeom prst="roundRect">
+            <a:avLst>
+              <a:gd name="adj" fmla="val 13128"/>
+            </a:avLst>
+          </a:prstGeom>
+          <a:solidFill>
+            <a:schemeClr val="accent1"/>
+          </a:solidFill>
+          <a:ln w="12700">
+            <a:noFill/>
+          </a:ln>
+          <a:effectLst/>
+        </p:spPr>
+        <p:style>
+          <a:lnRef idx="2">
+            <a:schemeClr val="dk1"/>
+          </a:lnRef>
+          <a:fillRef idx="1">
+            <a:schemeClr val="lt1"/>
+          </a:fillRef>
+          <a:effectRef idx="0">
+            <a:schemeClr val="dk1"/>
+          </a:effectRef>
+          <a:fontRef idx="minor">
+            <a:schemeClr val="dk1"/>
+          </a:fontRef>
+        </p:style>
+        <p:txBody>
+          <a:bodyPr wrap="square" lIns="0" tIns="72000" rIns="0" bIns="36000" rtlCol="0" anchor="ctr">
+            <a:noAutofit/>
+          </a:bodyPr>
+          <a:lstStyle/>
+          <a:p>
+            <a:pPr algn="ctr">
+              <a:lnSpc>
+                <a:spcPts val="1000"/>
+              </a:lnSpc>
+            </a:pPr>
+            <a:r>
+              <a:rPr lang="en-US" sz="1100" dirty="0">
                 <a:solidFill>
                   <a:schemeClr val="bg1"/>
                 </a:solidFill>
                 <a:latin typeface="Source Sans Pro Light" charset="0"/>
                 <a:ea typeface="Source Sans Pro Light" charset="0"/>
                 <a:cs typeface="Source Sans Pro Light" charset="0"/>
-              </a:endParaRPr>
-            </a:p>
-          </p:txBody>
-        </p:sp>
-        <p:sp>
-          <p:nvSpPr>
-            <p:cNvPr id="68" name="Rounded Rectangle 67"/>
-            <p:cNvSpPr/>
-            <p:nvPr/>
-          </p:nvSpPr>
-          <p:spPr>
-            <a:xfrm>
-              <a:off x="9473256" y="3290998"/>
-              <a:ext cx="902179" cy="416278"/>
-            </a:xfrm>
-            <a:prstGeom prst="roundRect">
-              <a:avLst>
-                <a:gd name="adj" fmla="val 18867"/>
-              </a:avLst>
-            </a:prstGeom>
-            <a:solidFill>
-              <a:schemeClr val="bg1"/>
-            </a:solidFill>
-            <a:ln w="28575">
-              <a:solidFill>
-                <a:schemeClr val="accent1">
-                  <a:lumMod val="60000"/>
-                  <a:lumOff val="40000"/>
-                </a:schemeClr>
-              </a:solidFill>
-              <a:prstDash val="solid"/>
-            </a:ln>
-          </p:spPr>
-          <p:style>
-            <a:lnRef idx="2">
-              <a:schemeClr val="accent1">
-                <a:shade val="50000"/>
-              </a:schemeClr>
-            </a:lnRef>
-            <a:fillRef idx="1">
-              <a:schemeClr val="accent1"/>
-            </a:fillRef>
-            <a:effectRef idx="0">
-              <a:schemeClr val="accent1"/>
-            </a:effectRef>
-            <a:fontRef idx="minor">
-              <a:schemeClr val="lt1"/>
-            </a:fontRef>
-          </p:style>
-          <p:txBody>
-            <a:bodyPr rtlCol="0" anchor="ctr"/>
-            <a:lstStyle/>
-            <a:p>
-              <a:pPr algn="ctr"/>
-              <a:endParaRPr lang="en-US"/>
-            </a:p>
-          </p:txBody>
-        </p:sp>
-        <p:sp>
-          <p:nvSpPr>
-            <p:cNvPr id="69" name="Rounded Rectangle 68"/>
-            <p:cNvSpPr/>
-            <p:nvPr/>
-          </p:nvSpPr>
-          <p:spPr>
-            <a:xfrm>
-              <a:off x="8443412" y="1390983"/>
-              <a:ext cx="1318655" cy="602710"/>
-            </a:xfrm>
-            <a:prstGeom prst="roundRect">
-              <a:avLst>
-                <a:gd name="adj" fmla="val 8613"/>
-              </a:avLst>
-            </a:prstGeom>
+              </a:rPr>
+              <a:t>Graphical Engine</a:t>
+            </a:r>
+          </a:p>
+        </p:txBody>
+      </p:sp>
+      <p:cxnSp>
+        <p:nvCxnSpPr>
+          <p:cNvPr id="82" name="Straight Connector 81">
+            <a:extLst>
+              <a:ext uri="{FF2B5EF4-FFF2-40B4-BE49-F238E27FC236}">
+                <a16:creationId xmlns:a16="http://schemas.microsoft.com/office/drawing/2014/main" id="{07856024-1323-A94A-BD1C-CA626E146E9C}"/>
+              </a:ext>
+            </a:extLst>
+          </p:cNvPr>
+          <p:cNvCxnSpPr>
+            <a:cxnSpLocks/>
+          </p:cNvCxnSpPr>
+          <p:nvPr/>
+        </p:nvCxnSpPr>
+        <p:spPr>
+          <a:xfrm>
+            <a:off x="5955050" y="4679961"/>
+            <a:ext cx="864000" cy="0"/>
+          </a:xfrm>
+          <a:prstGeom prst="line">
+            <a:avLst/>
+          </a:prstGeom>
+          <a:ln w="38100" cap="rnd">
             <a:solidFill>
               <a:schemeClr val="accent1"/>
             </a:solidFill>
-            <a:ln w="12700">
-              <a:noFill/>
-            </a:ln>
-            <a:effectLst/>
-          </p:spPr>
-          <p:style>
-            <a:lnRef idx="2">
-              <a:schemeClr val="dk1"/>
-            </a:lnRef>
-            <a:fillRef idx="1">
-              <a:schemeClr val="lt1"/>
-            </a:fillRef>
-            <a:effectRef idx="0">
-              <a:schemeClr val="dk1"/>
-            </a:effectRef>
-            <a:fontRef idx="minor">
-              <a:schemeClr val="dk1"/>
-            </a:fontRef>
-          </p:style>
-          <p:txBody>
-            <a:bodyPr wrap="square" tIns="36000" bIns="36000" rtlCol="0" anchor="ctr">
-              <a:noAutofit/>
-            </a:bodyPr>
-            <a:lstStyle/>
-            <a:p>
-              <a:pPr algn="ctr"/>
-              <a:endParaRPr lang="en-US" sz="1200" dirty="0">
+            <a:miter lim="800000"/>
+          </a:ln>
+        </p:spPr>
+        <p:style>
+          <a:lnRef idx="1">
+            <a:schemeClr val="accent1"/>
+          </a:lnRef>
+          <a:fillRef idx="0">
+            <a:schemeClr val="accent1"/>
+          </a:fillRef>
+          <a:effectRef idx="0">
+            <a:schemeClr val="accent1"/>
+          </a:effectRef>
+          <a:fontRef idx="minor">
+            <a:schemeClr val="tx1"/>
+          </a:fontRef>
+        </p:style>
+      </p:cxnSp>
+      <p:sp>
+        <p:nvSpPr>
+          <p:cNvPr id="83" name="Rectangle 82">
+            <a:extLst>
+              <a:ext uri="{FF2B5EF4-FFF2-40B4-BE49-F238E27FC236}">
+                <a16:creationId xmlns:a16="http://schemas.microsoft.com/office/drawing/2014/main" id="{12594DDB-AB7C-694B-9AF2-3F8CF639B950}"/>
+              </a:ext>
+            </a:extLst>
+          </p:cNvPr>
+          <p:cNvSpPr/>
+          <p:nvPr/>
+        </p:nvSpPr>
+        <p:spPr>
+          <a:xfrm>
+            <a:off x="4037846" y="4110765"/>
+            <a:ext cx="1716528" cy="129587"/>
+          </a:xfrm>
+          <a:prstGeom prst="rect">
+            <a:avLst/>
+          </a:prstGeom>
+          <a:noFill/>
+          <a:ln w="31750">
+            <a:noFill/>
+          </a:ln>
+          <a:effectLst/>
+        </p:spPr>
+        <p:txBody>
+          <a:bodyPr wrap="square" lIns="0" tIns="0" rIns="0" bIns="0">
+            <a:spAutoFit/>
+          </a:bodyPr>
+          <a:lstStyle/>
+          <a:p>
+            <a:pPr algn="ctr">
+              <a:lnSpc>
+                <a:spcPts val="1000"/>
+              </a:lnSpc>
+            </a:pPr>
+            <a:r>
+              <a:rPr lang="en-US" sz="1000" b="1" dirty="0">
+                <a:ln w="0"/>
                 <a:solidFill>
-                  <a:schemeClr val="bg1"/>
+                  <a:schemeClr val="accent1"/>
                 </a:solidFill>
-                <a:latin typeface="Source Sans Pro Light" charset="0"/>
-                <a:ea typeface="Source Sans Pro Light" charset="0"/>
-                <a:cs typeface="Source Sans Pro Light" charset="0"/>
-              </a:endParaRPr>
-            </a:p>
-          </p:txBody>
-        </p:sp>
-        <p:sp>
-          <p:nvSpPr>
-            <p:cNvPr id="70" name="TextBox 69"/>
-            <p:cNvSpPr txBox="1"/>
-            <p:nvPr/>
-          </p:nvSpPr>
-          <p:spPr>
-            <a:xfrm rot="16200000">
-              <a:off x="1202851" y="1884164"/>
-              <a:ext cx="1265304" cy="318924"/>
-            </a:xfrm>
-            <a:prstGeom prst="rect">
-              <a:avLst/>
-            </a:prstGeom>
-            <a:solidFill>
-              <a:schemeClr val="bg1"/>
-            </a:solidFill>
-          </p:spPr>
-          <p:txBody>
-            <a:bodyPr wrap="square" tIns="36000" bIns="36000" rtlCol="0">
-              <a:spAutoFit/>
-            </a:bodyPr>
-            <a:lstStyle/>
-            <a:p>
-              <a:pPr algn="ctr"/>
-              <a:r>
-                <a:rPr lang="en-US" sz="1600" dirty="0" smtClean="0">
-                  <a:latin typeface="Source Sans Pro Light" charset="0"/>
-                  <a:ea typeface="Source Sans Pro Light" charset="0"/>
-                  <a:cs typeface="Source Sans Pro Light" charset="0"/>
-                </a:rPr>
-                <a:t>JAVA CODE</a:t>
-              </a:r>
-              <a:endParaRPr lang="en-US" sz="1600" dirty="0">
-                <a:latin typeface="Source Sans Pro Light" charset="0"/>
-                <a:ea typeface="Source Sans Pro Light" charset="0"/>
-                <a:cs typeface="Source Sans Pro Light" charset="0"/>
-              </a:endParaRPr>
-            </a:p>
-          </p:txBody>
-        </p:sp>
-        <p:sp>
-          <p:nvSpPr>
-            <p:cNvPr id="71" name="TextBox 70"/>
-            <p:cNvSpPr txBox="1"/>
-            <p:nvPr/>
-          </p:nvSpPr>
-          <p:spPr>
-            <a:xfrm rot="16200000">
-              <a:off x="1202851" y="3990103"/>
-              <a:ext cx="1265304" cy="318924"/>
-            </a:xfrm>
-            <a:prstGeom prst="rect">
-              <a:avLst/>
-            </a:prstGeom>
-            <a:solidFill>
-              <a:schemeClr val="bg1"/>
-            </a:solidFill>
-          </p:spPr>
-          <p:txBody>
-            <a:bodyPr wrap="square" tIns="36000" bIns="36000" rtlCol="0">
-              <a:spAutoFit/>
-            </a:bodyPr>
-            <a:lstStyle/>
-            <a:p>
-              <a:pPr algn="ctr"/>
-              <a:r>
-                <a:rPr lang="en-US" sz="1600" dirty="0" smtClean="0">
-                  <a:latin typeface="Source Sans Pro Light" charset="0"/>
-                  <a:ea typeface="Source Sans Pro Light" charset="0"/>
-                  <a:cs typeface="Source Sans Pro Light" charset="0"/>
-                </a:rPr>
-                <a:t>C/ASM Code</a:t>
-              </a:r>
-              <a:endParaRPr lang="en-US" sz="1600" dirty="0">
-                <a:latin typeface="Source Sans Pro Light" charset="0"/>
-                <a:ea typeface="Source Sans Pro Light" charset="0"/>
-                <a:cs typeface="Source Sans Pro Light" charset="0"/>
-              </a:endParaRPr>
-            </a:p>
-          </p:txBody>
-        </p:sp>
-        <p:sp>
-          <p:nvSpPr>
-            <p:cNvPr id="77" name="Rounded Rectangle 76"/>
-            <p:cNvSpPr/>
-            <p:nvPr/>
-          </p:nvSpPr>
-          <p:spPr>
-            <a:xfrm>
-              <a:off x="8440801" y="3274851"/>
-              <a:ext cx="902621" cy="125420"/>
-            </a:xfrm>
-            <a:prstGeom prst="roundRect">
-              <a:avLst>
-                <a:gd name="adj" fmla="val 50000"/>
-              </a:avLst>
-            </a:prstGeom>
-            <a:solidFill>
-              <a:schemeClr val="accent1">
-                <a:lumMod val="40000"/>
-                <a:lumOff val="60000"/>
-              </a:schemeClr>
-            </a:solidFill>
-            <a:ln w="28575">
-              <a:noFill/>
-              <a:prstDash val="solid"/>
-            </a:ln>
-          </p:spPr>
-          <p:style>
-            <a:lnRef idx="2">
-              <a:schemeClr val="accent1">
-                <a:shade val="50000"/>
-              </a:schemeClr>
-            </a:lnRef>
-            <a:fillRef idx="1">
-              <a:schemeClr val="accent1"/>
-            </a:fillRef>
-            <a:effectRef idx="0">
-              <a:schemeClr val="accent1"/>
-            </a:effectRef>
-            <a:fontRef idx="minor">
-              <a:schemeClr val="lt1"/>
-            </a:fontRef>
-          </p:style>
-          <p:txBody>
-            <a:bodyPr rtlCol="0" anchor="ctr"/>
-            <a:lstStyle/>
-            <a:p>
-              <a:pPr algn="ctr"/>
-              <a:endParaRPr lang="en-US"/>
-            </a:p>
-          </p:txBody>
-        </p:sp>
-        <p:sp>
-          <p:nvSpPr>
-            <p:cNvPr id="83" name="Rectangle 82"/>
-            <p:cNvSpPr/>
-            <p:nvPr/>
-          </p:nvSpPr>
-          <p:spPr>
-            <a:xfrm>
-              <a:off x="8373876" y="3199061"/>
-              <a:ext cx="1026243" cy="276999"/>
-            </a:xfrm>
-            <a:prstGeom prst="rect">
-              <a:avLst/>
-            </a:prstGeom>
-          </p:spPr>
-          <p:txBody>
-            <a:bodyPr wrap="none">
-              <a:spAutoFit/>
-            </a:bodyPr>
-            <a:lstStyle/>
-            <a:p>
-              <a:pPr algn="ctr"/>
-              <a:r>
-                <a:rPr lang="en-US" sz="1200" dirty="0" smtClean="0">
-                  <a:solidFill>
-                    <a:schemeClr val="tx1">
-                      <a:lumMod val="75000"/>
-                    </a:schemeClr>
-                  </a:solidFill>
-                  <a:latin typeface="Source Sans Pro Light" charset="0"/>
-                  <a:ea typeface="Source Sans Pro Light" charset="0"/>
-                  <a:cs typeface="Source Sans Pro Light" charset="0"/>
-                </a:rPr>
-                <a:t>Low Level API</a:t>
-              </a:r>
-              <a:endParaRPr lang="en-US" sz="1200" dirty="0">
+                <a:latin typeface="Source Sans Pro" panose="020B0503030403020204" pitchFamily="34" charset="0"/>
+                <a:ea typeface="Source Sans Pro" panose="020B0503030403020204" pitchFamily="34" charset="0"/>
+              </a:rPr>
+              <a:t>Mock</a:t>
+            </a:r>
+          </a:p>
+        </p:txBody>
+      </p:sp>
+      <p:sp>
+        <p:nvSpPr>
+          <p:cNvPr id="84" name="Rectangle 83">
+            <a:extLst>
+              <a:ext uri="{FF2B5EF4-FFF2-40B4-BE49-F238E27FC236}">
+                <a16:creationId xmlns:a16="http://schemas.microsoft.com/office/drawing/2014/main" id="{F45873F7-3656-544E-B33B-D12500F90AA6}"/>
+              </a:ext>
+            </a:extLst>
+          </p:cNvPr>
+          <p:cNvSpPr/>
+          <p:nvPr/>
+        </p:nvSpPr>
+        <p:spPr>
+          <a:xfrm>
+            <a:off x="7014399" y="4442968"/>
+            <a:ext cx="1222908" cy="129587"/>
+          </a:xfrm>
+          <a:prstGeom prst="rect">
+            <a:avLst/>
+          </a:prstGeom>
+          <a:noFill/>
+          <a:ln w="31750">
+            <a:noFill/>
+          </a:ln>
+          <a:effectLst/>
+        </p:spPr>
+        <p:txBody>
+          <a:bodyPr wrap="square" lIns="0" tIns="0" rIns="0" bIns="0">
+            <a:spAutoFit/>
+          </a:bodyPr>
+          <a:lstStyle/>
+          <a:p>
+            <a:pPr algn="ctr">
+              <a:lnSpc>
+                <a:spcPts val="1000"/>
+              </a:lnSpc>
+            </a:pPr>
+            <a:r>
+              <a:rPr lang="en-US" sz="1000" dirty="0">
+                <a:ln w="0"/>
                 <a:solidFill>
-                  <a:schemeClr val="tx1">
+                  <a:schemeClr val="bg2">
                     <a:lumMod val="75000"/>
                   </a:schemeClr>
                 </a:solidFill>
-                <a:latin typeface="Source Sans Pro Light" charset="0"/>
-                <a:ea typeface="Source Sans Pro Light" charset="0"/>
-                <a:cs typeface="Source Sans Pro Light" charset="0"/>
-              </a:endParaRPr>
-            </a:p>
-          </p:txBody>
-        </p:sp>
-        <p:sp>
-          <p:nvSpPr>
-            <p:cNvPr id="89" name="Rounded Rectangle 88"/>
-            <p:cNvSpPr/>
-            <p:nvPr/>
-          </p:nvSpPr>
-          <p:spPr>
-            <a:xfrm>
-              <a:off x="2307089" y="5605132"/>
-              <a:ext cx="872340" cy="344507"/>
-            </a:xfrm>
-            <a:prstGeom prst="roundRect">
-              <a:avLst>
-                <a:gd name="adj" fmla="val 19644"/>
-              </a:avLst>
-            </a:prstGeom>
-            <a:solidFill>
-              <a:schemeClr val="bg2">
-                <a:lumMod val="50000"/>
-              </a:schemeClr>
-            </a:solidFill>
-            <a:ln w="12700">
-              <a:noFill/>
-            </a:ln>
-            <a:effectLst/>
-          </p:spPr>
-          <p:style>
-            <a:lnRef idx="2">
-              <a:schemeClr val="dk1"/>
-            </a:lnRef>
-            <a:fillRef idx="1">
-              <a:schemeClr val="lt1"/>
-            </a:fillRef>
-            <a:effectRef idx="0">
-              <a:schemeClr val="dk1"/>
-            </a:effectRef>
-            <a:fontRef idx="minor">
-              <a:schemeClr val="dk1"/>
-            </a:fontRef>
-          </p:style>
-          <p:txBody>
-            <a:bodyPr wrap="square" tIns="36000" bIns="36000" rtlCol="0" anchor="ctr">
-              <a:noAutofit/>
-            </a:bodyPr>
-            <a:lstStyle/>
-            <a:p>
-              <a:pPr algn="ctr" defTabSz="914400">
-                <a:lnSpc>
-                  <a:spcPts val="1180"/>
-                </a:lnSpc>
-                <a:defRPr/>
-              </a:pPr>
-              <a:r>
-                <a:rPr lang="en-US" sz="1200" kern="0" dirty="0" smtClean="0">
-                  <a:solidFill>
-                    <a:schemeClr val="bg1"/>
-                  </a:solidFill>
-                  <a:latin typeface="Source Sans Pro Light" charset="0"/>
-                  <a:ea typeface="Source Sans Pro Light" charset="0"/>
-                  <a:cs typeface="Source Sans Pro Light" charset="0"/>
-                </a:rPr>
-                <a:t>CPU FPU</a:t>
-              </a:r>
-              <a:endParaRPr lang="en-US" sz="1200" kern="0" dirty="0">
-                <a:solidFill>
-                  <a:schemeClr val="bg1"/>
-                </a:solidFill>
-                <a:latin typeface="Source Sans Pro Light" charset="0"/>
-                <a:ea typeface="Source Sans Pro Light" charset="0"/>
-                <a:cs typeface="Source Sans Pro Light" charset="0"/>
-              </a:endParaRPr>
-            </a:p>
-          </p:txBody>
-        </p:sp>
-        <p:sp>
-          <p:nvSpPr>
-            <p:cNvPr id="80" name="Rounded Rectangle 79"/>
-            <p:cNvSpPr/>
-            <p:nvPr/>
-          </p:nvSpPr>
-          <p:spPr>
-            <a:xfrm>
-              <a:off x="3402957" y="3701592"/>
-              <a:ext cx="4946479" cy="1596655"/>
-            </a:xfrm>
-            <a:prstGeom prst="roundRect">
-              <a:avLst>
-                <a:gd name="adj" fmla="val 5687"/>
-              </a:avLst>
-            </a:prstGeom>
-            <a:solidFill>
-              <a:schemeClr val="tx2"/>
-            </a:solidFill>
-            <a:ln w="12700">
-              <a:noFill/>
-            </a:ln>
-            <a:effectLst/>
-          </p:spPr>
-          <p:style>
-            <a:lnRef idx="2">
-              <a:schemeClr val="dk1"/>
-            </a:lnRef>
-            <a:fillRef idx="1">
-              <a:schemeClr val="lt1"/>
-            </a:fillRef>
-            <a:effectRef idx="0">
-              <a:schemeClr val="dk1"/>
-            </a:effectRef>
-            <a:fontRef idx="minor">
-              <a:schemeClr val="dk1"/>
-            </a:fontRef>
-          </p:style>
-          <p:txBody>
-            <a:bodyPr wrap="square" lIns="90000" tIns="36000" bIns="36000" rtlCol="0" anchor="ctr">
-              <a:noAutofit/>
-            </a:bodyPr>
-            <a:lstStyle/>
-            <a:p>
-              <a:pPr algn="ctr"/>
-              <a:endParaRPr lang="en-US" sz="1600" b="1" dirty="0">
-                <a:solidFill>
-                  <a:schemeClr val="bg1"/>
-                </a:solidFill>
-                <a:effectLst>
-                  <a:outerShdw blurRad="76200" dist="38100" dir="5400000" algn="t" rotWithShape="0">
-                    <a:prstClr val="black">
-                      <a:alpha val="70000"/>
-                    </a:prstClr>
-                  </a:outerShdw>
-                </a:effectLst>
-                <a:latin typeface="Source Sans Pro" charset="0"/>
-                <a:ea typeface="Source Sans Pro" charset="0"/>
-                <a:cs typeface="Source Sans Pro" charset="0"/>
-              </a:endParaRPr>
-            </a:p>
-          </p:txBody>
-        </p:sp>
-        <p:sp>
-          <p:nvSpPr>
-            <p:cNvPr id="82" name="Rounded Rectangle 81"/>
-            <p:cNvSpPr/>
-            <p:nvPr/>
-          </p:nvSpPr>
-          <p:spPr>
-            <a:xfrm>
-              <a:off x="4405464" y="3274852"/>
-              <a:ext cx="3943972" cy="2023396"/>
-            </a:xfrm>
-            <a:prstGeom prst="roundRect">
-              <a:avLst>
-                <a:gd name="adj" fmla="val 5687"/>
-              </a:avLst>
-            </a:prstGeom>
-            <a:solidFill>
-              <a:schemeClr val="tx2"/>
-            </a:solidFill>
-            <a:ln w="12700">
-              <a:noFill/>
-            </a:ln>
-            <a:effectLst/>
-          </p:spPr>
-          <p:style>
-            <a:lnRef idx="2">
-              <a:schemeClr val="dk1"/>
-            </a:lnRef>
-            <a:fillRef idx="1">
-              <a:schemeClr val="lt1"/>
-            </a:fillRef>
-            <a:effectRef idx="0">
-              <a:schemeClr val="dk1"/>
-            </a:effectRef>
-            <a:fontRef idx="minor">
-              <a:schemeClr val="dk1"/>
-            </a:fontRef>
-          </p:style>
-          <p:txBody>
-            <a:bodyPr wrap="square" lIns="90000" tIns="36000" bIns="36000" rtlCol="0" anchor="ctr">
-              <a:noAutofit/>
-            </a:bodyPr>
-            <a:lstStyle/>
-            <a:p>
-              <a:pPr algn="ctr"/>
-              <a:endParaRPr lang="en-US" sz="1600" b="1" dirty="0">
-                <a:solidFill>
-                  <a:schemeClr val="bg1"/>
-                </a:solidFill>
-                <a:effectLst>
-                  <a:outerShdw blurRad="76200" dist="38100" dir="5400000" algn="t" rotWithShape="0">
-                    <a:prstClr val="black">
-                      <a:alpha val="70000"/>
-                    </a:prstClr>
-                  </a:outerShdw>
-                </a:effectLst>
-                <a:latin typeface="Source Sans Pro" charset="0"/>
-                <a:ea typeface="Source Sans Pro" charset="0"/>
-                <a:cs typeface="Source Sans Pro" charset="0"/>
-              </a:endParaRPr>
-            </a:p>
-          </p:txBody>
-        </p:sp>
-        <p:sp>
-          <p:nvSpPr>
-            <p:cNvPr id="84" name="Rounded Rectangle 83"/>
-            <p:cNvSpPr/>
-            <p:nvPr/>
-          </p:nvSpPr>
-          <p:spPr>
-            <a:xfrm>
-              <a:off x="2220655" y="4155389"/>
-              <a:ext cx="6128782" cy="1149413"/>
-            </a:xfrm>
-            <a:prstGeom prst="roundRect">
-              <a:avLst>
-                <a:gd name="adj" fmla="val 5687"/>
-              </a:avLst>
-            </a:prstGeom>
-            <a:solidFill>
-              <a:schemeClr val="tx2"/>
-            </a:solidFill>
-            <a:ln w="12700">
-              <a:noFill/>
-            </a:ln>
-            <a:effectLst/>
-          </p:spPr>
-          <p:style>
-            <a:lnRef idx="2">
-              <a:schemeClr val="dk1"/>
-            </a:lnRef>
-            <a:fillRef idx="1">
-              <a:schemeClr val="lt1"/>
-            </a:fillRef>
-            <a:effectRef idx="0">
-              <a:schemeClr val="dk1"/>
-            </a:effectRef>
-            <a:fontRef idx="minor">
-              <a:schemeClr val="dk1"/>
-            </a:fontRef>
-          </p:style>
-          <p:txBody>
-            <a:bodyPr wrap="square" lIns="90000" tIns="36000" bIns="36000" rtlCol="0" anchor="ctr">
-              <a:noAutofit/>
-            </a:bodyPr>
-            <a:lstStyle/>
-            <a:p>
-              <a:pPr algn="ctr"/>
-              <a:endParaRPr lang="en-US" sz="1600" b="1" dirty="0">
-                <a:solidFill>
-                  <a:schemeClr val="bg1"/>
-                </a:solidFill>
-                <a:effectLst>
-                  <a:outerShdw blurRad="76200" dist="38100" dir="5400000" algn="t" rotWithShape="0">
-                    <a:prstClr val="black">
-                      <a:alpha val="70000"/>
-                    </a:prstClr>
-                  </a:outerShdw>
-                </a:effectLst>
-                <a:latin typeface="Source Sans Pro" charset="0"/>
-                <a:ea typeface="Source Sans Pro" charset="0"/>
-                <a:cs typeface="Source Sans Pro" charset="0"/>
-              </a:endParaRPr>
-            </a:p>
-          </p:txBody>
-        </p:sp>
-        <p:sp>
-          <p:nvSpPr>
-            <p:cNvPr id="87" name="Rounded Rectangle 86"/>
-            <p:cNvSpPr/>
-            <p:nvPr/>
-          </p:nvSpPr>
-          <p:spPr>
-            <a:xfrm>
-              <a:off x="3658784" y="4065696"/>
-              <a:ext cx="3302466" cy="527397"/>
-            </a:xfrm>
-            <a:prstGeom prst="roundRect">
-              <a:avLst>
-                <a:gd name="adj" fmla="val 5687"/>
-              </a:avLst>
-            </a:prstGeom>
-            <a:solidFill>
-              <a:schemeClr val="tx2"/>
-            </a:solidFill>
-            <a:ln w="12700">
-              <a:noFill/>
-            </a:ln>
-            <a:effectLst/>
-          </p:spPr>
-          <p:style>
-            <a:lnRef idx="2">
-              <a:schemeClr val="dk1"/>
-            </a:lnRef>
-            <a:fillRef idx="1">
-              <a:schemeClr val="lt1"/>
-            </a:fillRef>
-            <a:effectRef idx="0">
-              <a:schemeClr val="dk1"/>
-            </a:effectRef>
-            <a:fontRef idx="minor">
-              <a:schemeClr val="dk1"/>
-            </a:fontRef>
-          </p:style>
-          <p:txBody>
-            <a:bodyPr wrap="square" lIns="90000" tIns="36000" bIns="36000" rtlCol="0" anchor="ctr">
-              <a:noAutofit/>
-            </a:bodyPr>
-            <a:lstStyle/>
-            <a:p>
-              <a:pPr algn="ctr"/>
-              <a:r>
-                <a:rPr lang="en-US" sz="1600" b="1" dirty="0" smtClean="0">
-                  <a:solidFill>
-                    <a:schemeClr val="bg1"/>
-                  </a:solidFill>
-                  <a:effectLst>
-                    <a:outerShdw blurRad="76200" dist="38100" dir="5400000" algn="t" rotWithShape="0">
-                      <a:prstClr val="black">
-                        <a:alpha val="70000"/>
-                      </a:prstClr>
-                    </a:outerShdw>
-                  </a:effectLst>
-                  <a:latin typeface="Source Sans Pro" charset="0"/>
-                  <a:ea typeface="Source Sans Pro" charset="0"/>
-                  <a:cs typeface="Source Sans Pro" charset="0"/>
-                </a:rPr>
-                <a:t>Linux/Windows</a:t>
-              </a:r>
-              <a:endParaRPr lang="en-US" sz="1600" b="1" dirty="0">
-                <a:solidFill>
-                  <a:schemeClr val="bg1"/>
-                </a:solidFill>
-                <a:effectLst>
-                  <a:outerShdw blurRad="76200" dist="38100" dir="5400000" algn="t" rotWithShape="0">
-                    <a:prstClr val="black">
-                      <a:alpha val="70000"/>
-                    </a:prstClr>
-                  </a:outerShdw>
-                </a:effectLst>
-                <a:latin typeface="Source Sans Pro" charset="0"/>
-                <a:ea typeface="Source Sans Pro" charset="0"/>
-                <a:cs typeface="Source Sans Pro" charset="0"/>
-              </a:endParaRPr>
-            </a:p>
-          </p:txBody>
-        </p:sp>
-        <p:sp>
-          <p:nvSpPr>
-            <p:cNvPr id="93" name="TextBox 92"/>
-            <p:cNvSpPr txBox="1"/>
-            <p:nvPr/>
-          </p:nvSpPr>
-          <p:spPr>
-            <a:xfrm>
-              <a:off x="5142933" y="6068370"/>
-              <a:ext cx="2355924" cy="318924"/>
-            </a:xfrm>
-            <a:prstGeom prst="rect">
-              <a:avLst/>
-            </a:prstGeom>
-            <a:solidFill>
-              <a:schemeClr val="bg1"/>
-            </a:solidFill>
-          </p:spPr>
-          <p:txBody>
-            <a:bodyPr wrap="square" tIns="36000" bIns="36000" rtlCol="0">
-              <a:spAutoFit/>
-            </a:bodyPr>
-            <a:lstStyle/>
-            <a:p>
-              <a:pPr algn="ctr"/>
-              <a:r>
-                <a:rPr lang="en-US" sz="1600" b="1" dirty="0" smtClean="0">
-                  <a:latin typeface="Source Sans Pro" charset="0"/>
-                  <a:ea typeface="Source Sans Pro" charset="0"/>
-                  <a:cs typeface="Source Sans Pro" charset="0"/>
-                </a:rPr>
-                <a:t>YOUR HARDWARE</a:t>
-              </a:r>
-              <a:endParaRPr lang="en-US" sz="1600" b="1" dirty="0">
-                <a:latin typeface="Source Sans Pro" charset="0"/>
-                <a:ea typeface="Source Sans Pro" charset="0"/>
-                <a:cs typeface="Source Sans Pro" charset="0"/>
-              </a:endParaRPr>
-            </a:p>
-          </p:txBody>
-        </p:sp>
-      </p:grpSp>
+                <a:latin typeface="Source Sans Pro" panose="020B0503030403020204" pitchFamily="34" charset="0"/>
+                <a:ea typeface="Source Sans Pro" panose="020B0503030403020204" pitchFamily="34" charset="0"/>
+              </a:rPr>
+              <a:t>Simulator</a:t>
+            </a:r>
+          </a:p>
+        </p:txBody>
+      </p:sp>
+      <p:sp>
+        <p:nvSpPr>
+          <p:cNvPr id="85" name="Rounded Rectangle 84">
+            <a:extLst>
+              <a:ext uri="{FF2B5EF4-FFF2-40B4-BE49-F238E27FC236}">
+                <a16:creationId xmlns:a16="http://schemas.microsoft.com/office/drawing/2014/main" id="{F3EE4F41-B5D7-A44D-AB97-446E74F205E8}"/>
+              </a:ext>
+            </a:extLst>
+          </p:cNvPr>
+          <p:cNvSpPr/>
+          <p:nvPr/>
+        </p:nvSpPr>
+        <p:spPr>
+          <a:xfrm>
+            <a:off x="4841046" y="4323607"/>
+            <a:ext cx="106929" cy="454604"/>
+          </a:xfrm>
+          <a:prstGeom prst="roundRect">
+            <a:avLst>
+              <a:gd name="adj" fmla="val 50000"/>
+            </a:avLst>
+          </a:prstGeom>
+          <a:solidFill>
+            <a:schemeClr val="bg2"/>
+          </a:solidFill>
+          <a:ln w="12700">
+            <a:noFill/>
+          </a:ln>
+          <a:effectLst/>
+        </p:spPr>
+        <p:style>
+          <a:lnRef idx="2">
+            <a:schemeClr val="dk1"/>
+          </a:lnRef>
+          <a:fillRef idx="1">
+            <a:schemeClr val="lt1"/>
+          </a:fillRef>
+          <a:effectRef idx="0">
+            <a:schemeClr val="dk1"/>
+          </a:effectRef>
+          <a:fontRef idx="minor">
+            <a:schemeClr val="dk1"/>
+          </a:fontRef>
+        </p:style>
+        <p:txBody>
+          <a:bodyPr wrap="square" lIns="0" tIns="0" rIns="0" bIns="0" rtlCol="0" anchor="ctr">
+            <a:noAutofit/>
+          </a:bodyPr>
+          <a:lstStyle/>
+          <a:p>
+            <a:pPr algn="ctr"/>
+            <a:endParaRPr lang="en-US" sz="1200" dirty="0">
+              <a:solidFill>
+                <a:schemeClr val="bg1"/>
+              </a:solidFill>
+              <a:latin typeface="Source Sans Pro Light" charset="0"/>
+              <a:ea typeface="Source Sans Pro Light" charset="0"/>
+              <a:cs typeface="Source Sans Pro Light" charset="0"/>
+            </a:endParaRPr>
+          </a:p>
+        </p:txBody>
+      </p:sp>
+      <p:sp>
+        <p:nvSpPr>
+          <p:cNvPr id="86" name="Rounded Rectangle 85">
+            <a:extLst>
+              <a:ext uri="{FF2B5EF4-FFF2-40B4-BE49-F238E27FC236}">
+                <a16:creationId xmlns:a16="http://schemas.microsoft.com/office/drawing/2014/main" id="{EED893E5-9706-5B4B-BC4A-6A8EBE825D9D}"/>
+              </a:ext>
+            </a:extLst>
+          </p:cNvPr>
+          <p:cNvSpPr/>
+          <p:nvPr/>
+        </p:nvSpPr>
+        <p:spPr>
+          <a:xfrm>
+            <a:off x="9306871" y="4330905"/>
+            <a:ext cx="97997" cy="454604"/>
+          </a:xfrm>
+          <a:prstGeom prst="roundRect">
+            <a:avLst>
+              <a:gd name="adj" fmla="val 50000"/>
+            </a:avLst>
+          </a:prstGeom>
+          <a:solidFill>
+            <a:schemeClr val="bg2"/>
+          </a:solidFill>
+          <a:ln w="12700">
+            <a:noFill/>
+          </a:ln>
+          <a:effectLst/>
+        </p:spPr>
+        <p:style>
+          <a:lnRef idx="2">
+            <a:schemeClr val="dk1"/>
+          </a:lnRef>
+          <a:fillRef idx="1">
+            <a:schemeClr val="lt1"/>
+          </a:fillRef>
+          <a:effectRef idx="0">
+            <a:schemeClr val="dk1"/>
+          </a:effectRef>
+          <a:fontRef idx="minor">
+            <a:schemeClr val="dk1"/>
+          </a:fontRef>
+        </p:style>
+        <p:txBody>
+          <a:bodyPr wrap="square" lIns="0" tIns="0" rIns="0" bIns="0" rtlCol="0" anchor="ctr">
+            <a:noAutofit/>
+          </a:bodyPr>
+          <a:lstStyle/>
+          <a:p>
+            <a:pPr algn="ctr"/>
+            <a:endParaRPr lang="en-US" sz="1200" dirty="0">
+              <a:solidFill>
+                <a:schemeClr val="bg1"/>
+              </a:solidFill>
+              <a:latin typeface="Source Sans Pro Light" charset="0"/>
+              <a:ea typeface="Source Sans Pro Light" charset="0"/>
+              <a:cs typeface="Source Sans Pro Light" charset="0"/>
+            </a:endParaRPr>
+          </a:p>
+        </p:txBody>
+      </p:sp>
+      <p:sp>
+        <p:nvSpPr>
+          <p:cNvPr id="87" name="Rounded Rectangle 86">
+            <a:extLst>
+              <a:ext uri="{FF2B5EF4-FFF2-40B4-BE49-F238E27FC236}">
+                <a16:creationId xmlns:a16="http://schemas.microsoft.com/office/drawing/2014/main" id="{315B46E5-FE59-394A-A17A-491596F1179A}"/>
+              </a:ext>
+            </a:extLst>
+          </p:cNvPr>
+          <p:cNvSpPr/>
+          <p:nvPr/>
+        </p:nvSpPr>
+        <p:spPr>
+          <a:xfrm>
+            <a:off x="10399015" y="4379313"/>
+            <a:ext cx="595578" cy="563803"/>
+          </a:xfrm>
+          <a:prstGeom prst="roundRect">
+            <a:avLst>
+              <a:gd name="adj" fmla="val 13128"/>
+            </a:avLst>
+          </a:prstGeom>
+          <a:solidFill>
+            <a:schemeClr val="tx2"/>
+          </a:solidFill>
+          <a:ln w="12700">
+            <a:noFill/>
+          </a:ln>
+          <a:effectLst/>
+        </p:spPr>
+        <p:style>
+          <a:lnRef idx="2">
+            <a:schemeClr val="dk1"/>
+          </a:lnRef>
+          <a:fillRef idx="1">
+            <a:schemeClr val="lt1"/>
+          </a:fillRef>
+          <a:effectRef idx="0">
+            <a:schemeClr val="dk1"/>
+          </a:effectRef>
+          <a:fontRef idx="minor">
+            <a:schemeClr val="dk1"/>
+          </a:fontRef>
+        </p:style>
+        <p:txBody>
+          <a:bodyPr wrap="square" lIns="0" tIns="0" rIns="0" bIns="0" rtlCol="0" anchor="ctr">
+            <a:noAutofit/>
+          </a:bodyPr>
+          <a:lstStyle/>
+          <a:p>
+            <a:pPr algn="ctr"/>
+            <a:endParaRPr lang="en-US" sz="1200" dirty="0">
+              <a:solidFill>
+                <a:schemeClr val="bg1"/>
+              </a:solidFill>
+              <a:latin typeface="Source Sans Pro Light" charset="0"/>
+            </a:endParaRPr>
+          </a:p>
+        </p:txBody>
+      </p:sp>
+      <p:sp>
+        <p:nvSpPr>
+          <p:cNvPr id="88" name="Rounded Rectangle 87">
+            <a:extLst>
+              <a:ext uri="{FF2B5EF4-FFF2-40B4-BE49-F238E27FC236}">
+                <a16:creationId xmlns:a16="http://schemas.microsoft.com/office/drawing/2014/main" id="{DE99B175-623E-624E-A4F7-89C156D854EC}"/>
+              </a:ext>
+            </a:extLst>
+          </p:cNvPr>
+          <p:cNvSpPr/>
+          <p:nvPr/>
+        </p:nvSpPr>
+        <p:spPr>
+          <a:xfrm>
+            <a:off x="9403390" y="4379315"/>
+            <a:ext cx="900000" cy="579432"/>
+          </a:xfrm>
+          <a:prstGeom prst="roundRect">
+            <a:avLst>
+              <a:gd name="adj" fmla="val 13128"/>
+            </a:avLst>
+          </a:prstGeom>
+          <a:solidFill>
+            <a:schemeClr val="tx2"/>
+          </a:solidFill>
+          <a:ln w="12700">
+            <a:noFill/>
+          </a:ln>
+          <a:effectLst/>
+        </p:spPr>
+        <p:style>
+          <a:lnRef idx="2">
+            <a:schemeClr val="dk1"/>
+          </a:lnRef>
+          <a:fillRef idx="1">
+            <a:schemeClr val="lt1"/>
+          </a:fillRef>
+          <a:effectRef idx="0">
+            <a:schemeClr val="dk1"/>
+          </a:effectRef>
+          <a:fontRef idx="minor">
+            <a:schemeClr val="dk1"/>
+          </a:fontRef>
+        </p:style>
+        <p:txBody>
+          <a:bodyPr wrap="square" lIns="0" tIns="0" rIns="0" bIns="0" rtlCol="0" anchor="ctr">
+            <a:noAutofit/>
+          </a:bodyPr>
+          <a:lstStyle/>
+          <a:p>
+            <a:pPr algn="ctr"/>
+            <a:endParaRPr lang="en-US" sz="1200" dirty="0">
+              <a:solidFill>
+                <a:schemeClr val="bg1"/>
+              </a:solidFill>
+              <a:latin typeface="Source Sans Pro Light" charset="0"/>
+            </a:endParaRPr>
+          </a:p>
+        </p:txBody>
+      </p:sp>
+      <p:sp>
+        <p:nvSpPr>
+          <p:cNvPr id="89" name="Rounded Rectangle 88">
+            <a:extLst>
+              <a:ext uri="{FF2B5EF4-FFF2-40B4-BE49-F238E27FC236}">
+                <a16:creationId xmlns:a16="http://schemas.microsoft.com/office/drawing/2014/main" id="{8DD35208-990C-A945-8277-5E616F62371B}"/>
+              </a:ext>
+            </a:extLst>
+          </p:cNvPr>
+          <p:cNvSpPr/>
+          <p:nvPr/>
+        </p:nvSpPr>
+        <p:spPr>
+          <a:xfrm>
+            <a:off x="8404586" y="4379315"/>
+            <a:ext cx="900001" cy="579432"/>
+          </a:xfrm>
+          <a:prstGeom prst="roundRect">
+            <a:avLst>
+              <a:gd name="adj" fmla="val 11010"/>
+            </a:avLst>
+          </a:prstGeom>
+          <a:solidFill>
+            <a:schemeClr val="tx2"/>
+          </a:solidFill>
+          <a:ln w="12700">
+            <a:noFill/>
+          </a:ln>
+          <a:effectLst/>
+        </p:spPr>
+        <p:style>
+          <a:lnRef idx="2">
+            <a:schemeClr val="dk1"/>
+          </a:lnRef>
+          <a:fillRef idx="1">
+            <a:schemeClr val="lt1"/>
+          </a:fillRef>
+          <a:effectRef idx="0">
+            <a:schemeClr val="dk1"/>
+          </a:effectRef>
+          <a:fontRef idx="minor">
+            <a:schemeClr val="dk1"/>
+          </a:fontRef>
+        </p:style>
+        <p:txBody>
+          <a:bodyPr wrap="square" lIns="0" tIns="0" rIns="0" bIns="0" rtlCol="0" anchor="ctr">
+            <a:noAutofit/>
+          </a:bodyPr>
+          <a:lstStyle/>
+          <a:p>
+            <a:pPr algn="ctr"/>
+            <a:endParaRPr lang="en-US" sz="1200" dirty="0">
+              <a:solidFill>
+                <a:schemeClr val="bg1"/>
+              </a:solidFill>
+              <a:latin typeface="Source Sans Pro Light" charset="0"/>
+              <a:ea typeface="Source Sans Pro Light" charset="0"/>
+              <a:cs typeface="Source Sans Pro Light" charset="0"/>
+            </a:endParaRPr>
+          </a:p>
+        </p:txBody>
+      </p:sp>
+      <p:sp>
+        <p:nvSpPr>
+          <p:cNvPr id="90" name="Rounded Rectangle 89">
+            <a:extLst>
+              <a:ext uri="{FF2B5EF4-FFF2-40B4-BE49-F238E27FC236}">
+                <a16:creationId xmlns:a16="http://schemas.microsoft.com/office/drawing/2014/main" id="{5338AE2D-52FB-B142-97DF-1560B33B4C3E}"/>
+              </a:ext>
+            </a:extLst>
+          </p:cNvPr>
+          <p:cNvSpPr/>
+          <p:nvPr/>
+        </p:nvSpPr>
+        <p:spPr>
+          <a:xfrm>
+            <a:off x="10301240" y="4330905"/>
+            <a:ext cx="97776" cy="454604"/>
+          </a:xfrm>
+          <a:prstGeom prst="roundRect">
+            <a:avLst>
+              <a:gd name="adj" fmla="val 50000"/>
+            </a:avLst>
+          </a:prstGeom>
+          <a:solidFill>
+            <a:schemeClr val="bg2"/>
+          </a:solidFill>
+          <a:ln w="12700">
+            <a:noFill/>
+          </a:ln>
+          <a:effectLst/>
+        </p:spPr>
+        <p:style>
+          <a:lnRef idx="2">
+            <a:schemeClr val="dk1"/>
+          </a:lnRef>
+          <a:fillRef idx="1">
+            <a:schemeClr val="lt1"/>
+          </a:fillRef>
+          <a:effectRef idx="0">
+            <a:schemeClr val="dk1"/>
+          </a:effectRef>
+          <a:fontRef idx="minor">
+            <a:schemeClr val="dk1"/>
+          </a:fontRef>
+        </p:style>
+        <p:txBody>
+          <a:bodyPr wrap="square" lIns="0" tIns="0" rIns="0" bIns="0" rtlCol="0" anchor="ctr">
+            <a:noAutofit/>
+          </a:bodyPr>
+          <a:lstStyle/>
+          <a:p>
+            <a:pPr algn="ctr"/>
+            <a:endParaRPr lang="en-US" sz="1200" dirty="0">
+              <a:solidFill>
+                <a:schemeClr val="bg1"/>
+              </a:solidFill>
+              <a:latin typeface="Source Sans Pro Light" charset="0"/>
+              <a:ea typeface="Source Sans Pro Light" charset="0"/>
+              <a:cs typeface="Source Sans Pro Light" charset="0"/>
+            </a:endParaRPr>
+          </a:p>
+        </p:txBody>
+      </p:sp>
     </p:spTree>
     <p:extLst>
       <p:ext uri="{BB962C8B-B14F-4D97-AF65-F5344CB8AC3E}">
-        <p14:creationId xmlns:p14="http://schemas.microsoft.com/office/powerpoint/2010/main" val="1196242400"/>
+        <p14:creationId xmlns:p14="http://schemas.microsoft.com/office/powerpoint/2010/main" val="847554763"/>
       </p:ext>
     </p:extLst>
   </p:cSld>
   <p:clrMapOvr>
     <a:masterClrMapping/>
   </p:clrMapOvr>
-  <p:timing>
-    <p:tnLst>
-      <p:par>
-        <p:cTn id="1" dur="indefinite" restart="never" nodeType="tmRoot"/>
-      </p:par>
-    </p:tnLst>
-  </p:timing>
 </p:sld>
 </file>
 

--- a/ApplicationDeveloperGuide/images/virtual-device.pptx
+++ b/ApplicationDeveloperGuide/images/virtual-device.pptx
@@ -239,7 +239,7 @@
               <a:rPr lang="fr-FR" smtClean="0">
                 <a:latin typeface="Calibri Regular" charset="0"/>
               </a:rPr>
-              <a:t>janvier 21</a:t>
+              <a:t>mars 21</a:t>
             </a:fld>
             <a:endParaRPr lang="en-US" dirty="0">
               <a:latin typeface="Calibri Regular" charset="0"/>
@@ -418,7 +418,7 @@
             <a:fld id="{79958FA1-9FE8-F149-AB4B-7DC9950B39E9}" type="datetime6">
               <a:rPr lang="fr-FR" smtClean="0"/>
               <a:pPr/>
-              <a:t>janvier 21</a:t>
+              <a:t>mars 21</a:t>
             </a:fld>
             <a:endParaRPr lang="en-US" dirty="0"/>
           </a:p>
@@ -6945,7 +6945,7 @@
         </p:nvSpPr>
         <p:spPr>
           <a:xfrm>
-            <a:off x="3726687" y="1609344"/>
+            <a:off x="2443171" y="1449953"/>
             <a:ext cx="7435852" cy="2229042"/>
           </a:xfrm>
           <a:prstGeom prst="roundRect">
@@ -7023,7 +7023,7 @@
         </p:nvSpPr>
         <p:spPr>
           <a:xfrm rot="10800000">
-            <a:off x="3877257" y="1605452"/>
+            <a:off x="2593741" y="1446061"/>
             <a:ext cx="7152452" cy="325226"/>
           </a:xfrm>
           <a:prstGeom prst="round2SameRect">
@@ -7082,7 +7082,7 @@
         </p:nvSpPr>
         <p:spPr>
           <a:xfrm>
-            <a:off x="5723060" y="1529428"/>
+            <a:off x="4439544" y="1370037"/>
             <a:ext cx="3459097" cy="306000"/>
           </a:xfrm>
           <a:prstGeom prst="roundRect">
@@ -7164,7 +7164,7 @@
         </p:nvSpPr>
         <p:spPr>
           <a:xfrm>
-            <a:off x="3833866" y="2006995"/>
+            <a:off x="2550350" y="1847604"/>
             <a:ext cx="7240441" cy="709939"/>
           </a:xfrm>
           <a:prstGeom prst="roundRect">
@@ -7248,7 +7248,7 @@
         </p:nvSpPr>
         <p:spPr>
           <a:xfrm>
-            <a:off x="3945794" y="2349022"/>
+            <a:off x="2662278" y="2189631"/>
             <a:ext cx="6994673" cy="289728"/>
           </a:xfrm>
           <a:prstGeom prst="roundRect">
@@ -7589,7 +7589,7 @@
         </p:nvSpPr>
         <p:spPr>
           <a:xfrm rot="16200000">
-            <a:off x="3625743" y="6249405"/>
+            <a:off x="2342227" y="6090014"/>
             <a:ext cx="229393" cy="209087"/>
           </a:xfrm>
           <a:prstGeom prst="arc">
@@ -7643,7 +7643,7 @@
         </p:nvSpPr>
         <p:spPr>
           <a:xfrm>
-            <a:off x="11038946" y="6254977"/>
+            <a:off x="9755430" y="6095586"/>
             <a:ext cx="224156" cy="213972"/>
           </a:xfrm>
           <a:prstGeom prst="arc">
@@ -7697,7 +7697,7 @@
         </p:nvSpPr>
         <p:spPr>
           <a:xfrm>
-            <a:off x="3726687" y="5787200"/>
+            <a:off x="2443171" y="5627809"/>
             <a:ext cx="7435852" cy="573319"/>
           </a:xfrm>
           <a:prstGeom prst="snip2SameRect">
@@ -7767,7 +7767,7 @@
         </p:nvSpPr>
         <p:spPr>
           <a:xfrm>
-            <a:off x="8407762" y="5932909"/>
+            <a:off x="7124246" y="5773518"/>
             <a:ext cx="900000" cy="306000"/>
           </a:xfrm>
           <a:prstGeom prst="roundRect">
@@ -7837,7 +7837,7 @@
         </p:nvSpPr>
         <p:spPr>
           <a:xfrm>
-            <a:off x="4941422" y="5932909"/>
+            <a:off x="3657906" y="5773518"/>
             <a:ext cx="900000" cy="306000"/>
           </a:xfrm>
           <a:prstGeom prst="roundRect">
@@ -7928,7 +7928,7 @@
         </p:nvSpPr>
         <p:spPr>
           <a:xfrm>
-            <a:off x="10399015" y="5930870"/>
+            <a:off x="9115499" y="5771479"/>
             <a:ext cx="595578" cy="308039"/>
           </a:xfrm>
           <a:prstGeom prst="roundRect">
@@ -8009,7 +8009,7 @@
         </p:nvSpPr>
         <p:spPr>
           <a:xfrm>
-            <a:off x="5937050" y="5932909"/>
+            <a:off x="4653534" y="5773518"/>
             <a:ext cx="900000" cy="306000"/>
           </a:xfrm>
           <a:prstGeom prst="roundRect">
@@ -8079,7 +8079,7 @@
         </p:nvSpPr>
         <p:spPr>
           <a:xfrm>
-            <a:off x="6714689" y="5527673"/>
+            <a:off x="5431173" y="5368282"/>
             <a:ext cx="1856244" cy="721545"/>
           </a:xfrm>
           <a:custGeom>
@@ -8998,7 +8998,7 @@
         </p:nvGrpSpPr>
         <p:grpSpPr>
           <a:xfrm>
-            <a:off x="6998455" y="5787721"/>
+            <a:off x="5714939" y="5628330"/>
             <a:ext cx="1283487" cy="383162"/>
             <a:chOff x="6421785" y="5373193"/>
             <a:chExt cx="1283487" cy="383162"/>
@@ -9188,7 +9188,7 @@
         </p:nvSpPr>
         <p:spPr>
           <a:xfrm>
-            <a:off x="9872456" y="6328481"/>
+            <a:off x="8588940" y="6169090"/>
             <a:ext cx="1263935" cy="213954"/>
           </a:xfrm>
           <a:prstGeom prst="rect">
@@ -9239,7 +9239,7 @@
         </p:nvSpPr>
         <p:spPr>
           <a:xfrm>
-            <a:off x="10192481" y="5542495"/>
+            <a:off x="8908965" y="5383104"/>
             <a:ext cx="943910" cy="213954"/>
           </a:xfrm>
           <a:prstGeom prst="rect">
@@ -9291,7 +9291,7 @@
         </p:nvSpPr>
         <p:spPr>
           <a:xfrm>
-            <a:off x="3833866" y="2791774"/>
+            <a:off x="2550350" y="2632383"/>
             <a:ext cx="7239239" cy="656619"/>
           </a:xfrm>
           <a:prstGeom prst="roundRect">
@@ -9400,7 +9400,7 @@
         </p:blipFill>
         <p:spPr>
           <a:xfrm>
-            <a:off x="6523656" y="3475661"/>
+            <a:off x="5240140" y="3316270"/>
             <a:ext cx="1982135" cy="334761"/>
           </a:xfrm>
           <a:prstGeom prst="rect">
@@ -9422,7 +9422,7 @@
         </p:nvSpPr>
         <p:spPr>
           <a:xfrm>
-            <a:off x="10399015" y="3092921"/>
+            <a:off x="9115499" y="2933530"/>
             <a:ext cx="412471" cy="289727"/>
           </a:xfrm>
           <a:prstGeom prst="roundRect">
@@ -9496,7 +9496,7 @@
         </p:nvSpPr>
         <p:spPr>
           <a:xfrm>
-            <a:off x="8407762" y="3092921"/>
+            <a:off x="7124246" y="2933530"/>
             <a:ext cx="900000" cy="289728"/>
           </a:xfrm>
           <a:prstGeom prst="roundRect">
@@ -9561,7 +9561,7 @@
         </p:nvSpPr>
         <p:spPr>
           <a:xfrm>
-            <a:off x="9403390" y="3092921"/>
+            <a:off x="8119874" y="2933530"/>
             <a:ext cx="900000" cy="289727"/>
           </a:xfrm>
           <a:prstGeom prst="roundRect">
@@ -9626,7 +9626,7 @@
         </p:nvSpPr>
         <p:spPr>
           <a:xfrm>
-            <a:off x="6938173" y="3092921"/>
+            <a:off x="5654657" y="2933530"/>
             <a:ext cx="633600" cy="289728"/>
           </a:xfrm>
           <a:prstGeom prst="roundRect">
@@ -9691,7 +9691,7 @@
         </p:nvSpPr>
         <p:spPr>
           <a:xfrm>
-            <a:off x="4941422" y="3092921"/>
+            <a:off x="3657906" y="2933530"/>
             <a:ext cx="900000" cy="289727"/>
           </a:xfrm>
           <a:prstGeom prst="roundRect">
@@ -9756,7 +9756,7 @@
         </p:nvSpPr>
         <p:spPr>
           <a:xfrm>
-            <a:off x="3945794" y="3092921"/>
+            <a:off x="2662278" y="2933530"/>
             <a:ext cx="900000" cy="289727"/>
           </a:xfrm>
           <a:prstGeom prst="roundRect">
@@ -9821,7 +9821,7 @@
         </p:nvSpPr>
         <p:spPr>
           <a:xfrm>
-            <a:off x="5937050" y="3092921"/>
+            <a:off x="4653534" y="2933530"/>
             <a:ext cx="900000" cy="289728"/>
           </a:xfrm>
           <a:prstGeom prst="roundRect">
@@ -9894,7 +9894,7 @@
         </p:nvSpPr>
         <p:spPr>
           <a:xfrm>
-            <a:off x="7672896" y="3092921"/>
+            <a:off x="6389380" y="2933530"/>
             <a:ext cx="633742" cy="289728"/>
           </a:xfrm>
           <a:prstGeom prst="roundRect">
@@ -9959,7 +9959,7 @@
         </p:nvSpPr>
         <p:spPr>
           <a:xfrm>
-            <a:off x="9712130" y="3798913"/>
+            <a:off x="8428614" y="3639522"/>
             <a:ext cx="1424261" cy="213954"/>
           </a:xfrm>
           <a:prstGeom prst="rect">
@@ -10008,7 +10008,7 @@
         </p:nvSpPr>
         <p:spPr>
           <a:xfrm>
-            <a:off x="3945794" y="5932909"/>
+            <a:off x="2662278" y="5773518"/>
             <a:ext cx="900000" cy="306000"/>
           </a:xfrm>
           <a:prstGeom prst="roundRect">
@@ -10078,7 +10078,7 @@
         </p:nvSpPr>
         <p:spPr>
           <a:xfrm>
-            <a:off x="9398361" y="5932909"/>
+            <a:off x="8114845" y="5773518"/>
             <a:ext cx="900000" cy="306000"/>
           </a:xfrm>
           <a:prstGeom prst="roundRect">
@@ -10148,7 +10148,7 @@
         </p:nvSpPr>
         <p:spPr>
           <a:xfrm>
-            <a:off x="3726687" y="4047771"/>
+            <a:off x="2443171" y="3888380"/>
             <a:ext cx="7435852" cy="1538707"/>
           </a:xfrm>
           <a:prstGeom prst="roundRect">
@@ -10210,7 +10210,7 @@
         </p:nvSpPr>
         <p:spPr>
           <a:xfrm>
-            <a:off x="3945794" y="4672519"/>
+            <a:off x="2662278" y="4513128"/>
             <a:ext cx="7048799" cy="774667"/>
           </a:xfrm>
           <a:prstGeom prst="roundRect">
@@ -10281,7 +10281,7 @@
         </p:nvSpPr>
         <p:spPr>
           <a:xfrm>
-            <a:off x="5842531" y="4323607"/>
+            <a:off x="4559015" y="4164216"/>
             <a:ext cx="2562946" cy="454604"/>
           </a:xfrm>
           <a:prstGeom prst="roundRect">
@@ -10343,7 +10343,7 @@
         </p:nvSpPr>
         <p:spPr>
           <a:xfrm>
-            <a:off x="8953090" y="4110765"/>
+            <a:off x="7669574" y="3951374"/>
             <a:ext cx="1716528" cy="129587"/>
           </a:xfrm>
           <a:prstGeom prst="rect">
@@ -10394,7 +10394,7 @@
         </p:nvSpPr>
         <p:spPr>
           <a:xfrm>
-            <a:off x="6714689" y="3798913"/>
+            <a:off x="5431173" y="3639522"/>
             <a:ext cx="1856244" cy="866663"/>
           </a:xfrm>
           <a:custGeom>
@@ -11313,7 +11313,7 @@
         </p:nvGrpSpPr>
         <p:grpSpPr>
           <a:xfrm>
-            <a:off x="7014455" y="4098876"/>
+            <a:off x="5730939" y="3939485"/>
             <a:ext cx="1222852" cy="506003"/>
             <a:chOff x="3671478" y="4032587"/>
             <a:chExt cx="1376425" cy="569551"/>
@@ -11488,7 +11488,7 @@
         </p:nvSpPr>
         <p:spPr>
           <a:xfrm>
-            <a:off x="4941422" y="4379315"/>
+            <a:off x="3657906" y="4219924"/>
             <a:ext cx="900000" cy="585791"/>
           </a:xfrm>
           <a:prstGeom prst="roundRect">
@@ -11552,7 +11552,7 @@
         </p:nvSpPr>
         <p:spPr>
           <a:xfrm>
-            <a:off x="3945794" y="4379315"/>
+            <a:off x="2662278" y="4219924"/>
             <a:ext cx="900000" cy="579432"/>
           </a:xfrm>
           <a:prstGeom prst="roundRect">
@@ -11616,7 +11616,7 @@
         </p:nvSpPr>
         <p:spPr>
           <a:xfrm>
-            <a:off x="8407761" y="4379315"/>
+            <a:off x="7124245" y="4219924"/>
             <a:ext cx="900001" cy="579432"/>
           </a:xfrm>
           <a:prstGeom prst="roundRect">
@@ -11680,7 +11680,7 @@
         </p:nvCxnSpPr>
         <p:spPr>
           <a:xfrm>
-            <a:off x="4959422" y="4282301"/>
+            <a:off x="3675906" y="4122910"/>
             <a:ext cx="864000" cy="0"/>
           </a:xfrm>
           <a:prstGeom prst="line">
@@ -11724,7 +11724,7 @@
         </p:nvCxnSpPr>
         <p:spPr>
           <a:xfrm>
-            <a:off x="10417015" y="4282301"/>
+            <a:off x="9133499" y="4122910"/>
             <a:ext cx="408820" cy="0"/>
           </a:xfrm>
           <a:prstGeom prst="line">
@@ -11779,7 +11779,7 @@
         </p:nvCxnSpPr>
         <p:spPr>
           <a:xfrm>
-            <a:off x="3963794" y="4282301"/>
+            <a:off x="2680278" y="4122910"/>
             <a:ext cx="864000" cy="0"/>
           </a:xfrm>
           <a:prstGeom prst="line">
@@ -11823,7 +11823,7 @@
         </p:nvCxnSpPr>
         <p:spPr>
           <a:xfrm>
-            <a:off x="8425762" y="4282301"/>
+            <a:off x="7142246" y="4122910"/>
             <a:ext cx="864000" cy="0"/>
           </a:xfrm>
           <a:prstGeom prst="line">
@@ -11867,7 +11867,7 @@
         </p:nvCxnSpPr>
         <p:spPr>
           <a:xfrm>
-            <a:off x="9421390" y="4282301"/>
+            <a:off x="8137874" y="4122910"/>
             <a:ext cx="864000" cy="0"/>
           </a:xfrm>
           <a:prstGeom prst="line">
@@ -11909,7 +11909,7 @@
         </p:nvSpPr>
         <p:spPr>
           <a:xfrm>
-            <a:off x="5937050" y="4260518"/>
+            <a:off x="4653534" y="4101127"/>
             <a:ext cx="900000" cy="337305"/>
           </a:xfrm>
           <a:prstGeom prst="roundRect">
@@ -11959,7 +11959,7 @@
                 <a:ea typeface="Source Sans Pro Light" charset="0"/>
                 <a:cs typeface="Source Sans Pro Light" charset="0"/>
               </a:rPr>
-              <a:t>Graphical Engine</a:t>
+              <a:t>Graphics Engine</a:t>
             </a:r>
           </a:p>
         </p:txBody>
@@ -11980,7 +11980,7 @@
         </p:nvCxnSpPr>
         <p:spPr>
           <a:xfrm>
-            <a:off x="5955050" y="4679961"/>
+            <a:off x="4671534" y="4520570"/>
             <a:ext cx="864000" cy="0"/>
           </a:xfrm>
           <a:prstGeom prst="line">
@@ -12022,7 +12022,7 @@
         </p:nvSpPr>
         <p:spPr>
           <a:xfrm>
-            <a:off x="4037846" y="4110765"/>
+            <a:off x="2754330" y="3951374"/>
             <a:ext cx="1716528" cy="129587"/>
           </a:xfrm>
           <a:prstGeom prst="rect">
@@ -12073,7 +12073,7 @@
         </p:nvSpPr>
         <p:spPr>
           <a:xfrm>
-            <a:off x="7014399" y="4442968"/>
+            <a:off x="5730883" y="4283577"/>
             <a:ext cx="1222908" cy="129587"/>
           </a:xfrm>
           <a:prstGeom prst="rect">
@@ -12126,7 +12126,7 @@
         </p:nvSpPr>
         <p:spPr>
           <a:xfrm>
-            <a:off x="4841046" y="4323607"/>
+            <a:off x="3557530" y="4164216"/>
             <a:ext cx="106929" cy="454604"/>
           </a:xfrm>
           <a:prstGeom prst="roundRect">
@@ -12188,7 +12188,7 @@
         </p:nvSpPr>
         <p:spPr>
           <a:xfrm>
-            <a:off x="9306871" y="4330905"/>
+            <a:off x="8023355" y="4171514"/>
             <a:ext cx="97997" cy="454604"/>
           </a:xfrm>
           <a:prstGeom prst="roundRect">
@@ -12250,7 +12250,7 @@
         </p:nvSpPr>
         <p:spPr>
           <a:xfrm>
-            <a:off x="10399015" y="4379313"/>
+            <a:off x="9115499" y="4219922"/>
             <a:ext cx="595578" cy="563803"/>
           </a:xfrm>
           <a:prstGeom prst="roundRect">
@@ -12310,7 +12310,7 @@
         </p:nvSpPr>
         <p:spPr>
           <a:xfrm>
-            <a:off x="9403390" y="4379315"/>
+            <a:off x="8119874" y="4219924"/>
             <a:ext cx="900000" cy="579432"/>
           </a:xfrm>
           <a:prstGeom prst="roundRect">
@@ -12370,7 +12370,7 @@
         </p:nvSpPr>
         <p:spPr>
           <a:xfrm>
-            <a:off x="8404586" y="4379315"/>
+            <a:off x="7121070" y="4219924"/>
             <a:ext cx="900001" cy="579432"/>
           </a:xfrm>
           <a:prstGeom prst="roundRect">
@@ -12432,7 +12432,7 @@
         </p:nvSpPr>
         <p:spPr>
           <a:xfrm>
-            <a:off x="10301240" y="4330905"/>
+            <a:off x="9017724" y="4171514"/>
             <a:ext cx="97776" cy="454604"/>
           </a:xfrm>
           <a:prstGeom prst="roundRect">
